--- a/04 - Machine Learning Pipelines/Machine-Learning-Pipelines.pptx
+++ b/04 - Machine Learning Pipelines/Machine-Learning-Pipelines.pptx
@@ -265,7 +265,7 @@
       <p15:sldGuideLst xmlns:p15="http://schemas.microsoft.com/office/powerpoint/2012/main"/>
     </p:ext>
     <p:ext uri="http://customooxmlschemas.google.com/">
-      <go:slidesCustomData xmlns="" xmlns:mc="http://schemas.openxmlformats.org/markup-compatibility/2006" xmlns:mv="urn:schemas-microsoft-com:mac:vml" xmlns:c="http://schemas.openxmlformats.org/drawingml/2006/chart" xmlns:dgm="http://schemas.openxmlformats.org/drawingml/2006/diagram" xmlns:o="urn:schemas-microsoft-com:office:office" xmlns:v="urn:schemas-microsoft-com:vml" xmlns:pvml="urn:schemas-microsoft-com:office:powerpoint" xmlns:com="http://schemas.openxmlformats.org/drawingml/2006/compatibility" xmlns:p14="http://schemas.microsoft.com/office/powerpoint/2010/main" xmlns:p15="http://schemas.microsoft.com/office/powerpoint/2012/main" xmlns:go="http://customooxmlschemas.google.com/" r:id="rId30" roundtripDataSignature="AMtx7mjFyVUGRZWio+dc9dxzYsimUxNJbg=="/>
+      <go:slidesCustomData xmlns:go="http://customooxmlschemas.google.com/" xmlns:p15="http://schemas.microsoft.com/office/powerpoint/2012/main" xmlns:p14="http://schemas.microsoft.com/office/powerpoint/2010/main" xmlns:com="http://schemas.openxmlformats.org/drawingml/2006/compatibility" xmlns:pvml="urn:schemas-microsoft-com:office:powerpoint" xmlns:v="urn:schemas-microsoft-com:vml" xmlns:o="urn:schemas-microsoft-com:office:office" xmlns:dgm="http://schemas.openxmlformats.org/drawingml/2006/diagram" xmlns:c="http://schemas.openxmlformats.org/drawingml/2006/chart" xmlns:mv="urn:schemas-microsoft-com:mac:vml" xmlns:mc="http://schemas.openxmlformats.org/markup-compatibility/2006" xmlns="" r:id="rId30" roundtripDataSignature="AMtx7mjFyVUGRZWio+dc9dxzYsimUxNJbg=="/>
     </p:ext>
   </p:extLst>
 </p:presentation>
@@ -4533,7 +4533,7 @@
           <a:p>
             <a:r>
               <a:rPr lang="en-US" dirty="0"/>
-              <a:t>Different deployment settings</a:t>
+              <a:t>Different Deployment Settings</a:t>
             </a:r>
           </a:p>
           <a:p>
@@ -5512,13 +5512,13 @@
           <a:p>
             <a:r>
               <a:rPr lang="en-US" dirty="0"/>
-              <a:t>What is a ML Pipeline?</a:t>
-            </a:r>
-          </a:p>
-          <a:p>
-            <a:r>
-              <a:rPr lang="en-US" dirty="0"/>
-              <a:t>What should we build ML pipelines?</a:t>
+              <a:t>What is an ML Pipeline?</a:t>
+            </a:r>
+          </a:p>
+          <a:p>
+            <a:r>
+              <a:rPr lang="en-US" dirty="0"/>
+              <a:t>Why should we build ML pipelines?</a:t>
             </a:r>
           </a:p>
           <a:p>
@@ -5804,7 +5804,7 @@
             <a:pPr lvl="1"/>
             <a:r>
               <a:rPr lang="en-US" dirty="0"/>
-              <a:t>Testing ideas ad hypothesis easily and quickly</a:t>
+              <a:t>Testing ideas and hypothesis easily and quickly</a:t>
             </a:r>
           </a:p>
           <a:p>
@@ -5818,7 +5818,7 @@
             <a:pPr lvl="1"/>
             <a:r>
               <a:rPr lang="en-US" dirty="0"/>
-              <a:t>Updating, maintaining the ML system</a:t>
+              <a:t>Updating and maintaining the ML system</a:t>
             </a:r>
           </a:p>
         </p:txBody>
@@ -5846,7 +5846,7 @@
           <a:p>
             <a:r>
               <a:rPr lang="en-US" dirty="0"/>
-              <a:t>What is a ML Pipeline?</a:t>
+              <a:t>What is an ML Pipeline?</a:t>
             </a:r>
           </a:p>
         </p:txBody>
@@ -6019,7 +6019,7 @@
           <a:p>
             <a:r>
               <a:rPr lang="en-US" dirty="0"/>
-              <a:t>(intermediate and final) outputs</a:t>
+              <a:t>(Intermediate and final) outputs</a:t>
             </a:r>
           </a:p>
         </p:txBody>
@@ -6271,14 +6271,14 @@
             <a:pPr lvl="1"/>
             <a:r>
               <a:rPr lang="en-US" dirty="0"/>
-              <a:t>Build model</a:t>
+              <a:t>Build model(s) on training sets</a:t>
             </a:r>
           </a:p>
           <a:p>
             <a:pPr lvl="1"/>
             <a:r>
               <a:rPr lang="en-US" dirty="0"/>
-              <a:t>Validate model</a:t>
+              <a:t>Apply model(s) on test sets</a:t>
             </a:r>
           </a:p>
           <a:p>
@@ -6339,7 +6339,7 @@
           <a:p>
             <a:r>
               <a:rPr lang="en-US" dirty="0"/>
-              <a:t>What Components does a pipeline have?</a:t>
+              <a:t>What components does a pipeline have?</a:t>
             </a:r>
           </a:p>
         </p:txBody>

--- a/04 - Machine Learning Pipelines/Machine-Learning-Pipelines.pptx
+++ b/04 - Machine Learning Pipelines/Machine-Learning-Pipelines.pptx
@@ -5,29 +5,30 @@
     <p:sldMasterId id="2147483648" r:id="rId1"/>
   </p:sldMasterIdLst>
   <p:notesMasterIdLst>
-    <p:notesMasterId r:id="rId22"/>
+    <p:notesMasterId r:id="rId23"/>
   </p:notesMasterIdLst>
   <p:sldIdLst>
     <p:sldId id="256" r:id="rId2"/>
-    <p:sldId id="417" r:id="rId3"/>
-    <p:sldId id="424" r:id="rId4"/>
-    <p:sldId id="419" r:id="rId5"/>
-    <p:sldId id="425" r:id="rId6"/>
-    <p:sldId id="426" r:id="rId7"/>
-    <p:sldId id="420" r:id="rId8"/>
-    <p:sldId id="427" r:id="rId9"/>
-    <p:sldId id="357" r:id="rId10"/>
-    <p:sldId id="358" r:id="rId11"/>
-    <p:sldId id="359" r:id="rId12"/>
-    <p:sldId id="360" r:id="rId13"/>
-    <p:sldId id="361" r:id="rId14"/>
-    <p:sldId id="362" r:id="rId15"/>
-    <p:sldId id="421" r:id="rId16"/>
-    <p:sldId id="422" r:id="rId17"/>
-    <p:sldId id="423" r:id="rId18"/>
-    <p:sldId id="363" r:id="rId19"/>
-    <p:sldId id="428" r:id="rId20"/>
-    <p:sldId id="429" r:id="rId21"/>
+    <p:sldId id="295" r:id="rId3"/>
+    <p:sldId id="417" r:id="rId4"/>
+    <p:sldId id="424" r:id="rId5"/>
+    <p:sldId id="419" r:id="rId6"/>
+    <p:sldId id="425" r:id="rId7"/>
+    <p:sldId id="426" r:id="rId8"/>
+    <p:sldId id="420" r:id="rId9"/>
+    <p:sldId id="427" r:id="rId10"/>
+    <p:sldId id="357" r:id="rId11"/>
+    <p:sldId id="358" r:id="rId12"/>
+    <p:sldId id="359" r:id="rId13"/>
+    <p:sldId id="360" r:id="rId14"/>
+    <p:sldId id="361" r:id="rId15"/>
+    <p:sldId id="362" r:id="rId16"/>
+    <p:sldId id="421" r:id="rId17"/>
+    <p:sldId id="422" r:id="rId18"/>
+    <p:sldId id="423" r:id="rId19"/>
+    <p:sldId id="363" r:id="rId20"/>
+    <p:sldId id="428" r:id="rId21"/>
+    <p:sldId id="429" r:id="rId22"/>
   </p:sldIdLst>
   <p:sldSz cx="12192000" cy="6858000"/>
   <p:notesSz cx="6858000" cy="9144000"/>
@@ -265,10 +266,5015 @@
       <p15:sldGuideLst xmlns:p15="http://schemas.microsoft.com/office/powerpoint/2012/main"/>
     </p:ext>
     <p:ext uri="http://customooxmlschemas.google.com/">
-      <go:slidesCustomData xmlns:go="http://customooxmlschemas.google.com/" xmlns:p15="http://schemas.microsoft.com/office/powerpoint/2012/main" xmlns:p14="http://schemas.microsoft.com/office/powerpoint/2010/main" xmlns:com="http://schemas.openxmlformats.org/drawingml/2006/compatibility" xmlns:pvml="urn:schemas-microsoft-com:office:powerpoint" xmlns:v="urn:schemas-microsoft-com:vml" xmlns:o="urn:schemas-microsoft-com:office:office" xmlns:dgm="http://schemas.openxmlformats.org/drawingml/2006/diagram" xmlns:c="http://schemas.openxmlformats.org/drawingml/2006/chart" xmlns:mv="urn:schemas-microsoft-com:mac:vml" xmlns:mc="http://schemas.openxmlformats.org/markup-compatibility/2006" xmlns="" r:id="rId30" roundtripDataSignature="AMtx7mjFyVUGRZWio+dc9dxzYsimUxNJbg=="/>
+      <go:slidesCustomData xmlns="" xmlns:mc="http://schemas.openxmlformats.org/markup-compatibility/2006" xmlns:mv="urn:schemas-microsoft-com:mac:vml" xmlns:c="http://schemas.openxmlformats.org/drawingml/2006/chart" xmlns:dgm="http://schemas.openxmlformats.org/drawingml/2006/diagram" xmlns:o="urn:schemas-microsoft-com:office:office" xmlns:v="urn:schemas-microsoft-com:vml" xmlns:pvml="urn:schemas-microsoft-com:office:powerpoint" xmlns:com="http://schemas.openxmlformats.org/drawingml/2006/compatibility" xmlns:p14="http://schemas.microsoft.com/office/powerpoint/2010/main" xmlns:p15="http://schemas.microsoft.com/office/powerpoint/2012/main" xmlns:go="http://customooxmlschemas.google.com/" r:id="rId30" roundtripDataSignature="AMtx7mjFyVUGRZWio+dc9dxzYsimUxNJbg=="/>
     </p:ext>
   </p:extLst>
 </p:presentation>
+</file>
+
+<file path=ppt/diagrams/colors1.xml><?xml version="1.0" encoding="utf-8"?>
+<dgm:colorsDef xmlns:dgm="http://schemas.openxmlformats.org/drawingml/2006/diagram" xmlns:a="http://schemas.openxmlformats.org/drawingml/2006/main" uniqueId="urn:microsoft.com/office/officeart/2005/8/colors/colorful1">
+  <dgm:title val=""/>
+  <dgm:desc val=""/>
+  <dgm:catLst>
+    <dgm:cat type="colorful" pri="10100"/>
+  </dgm:catLst>
+  <dgm:styleLbl name="node0">
+    <dgm:fillClrLst meth="repeat">
+      <a:schemeClr val="accent1"/>
+    </dgm:fillClrLst>
+    <dgm:linClrLst meth="repeat">
+      <a:schemeClr val="lt1"/>
+    </dgm:linClrLst>
+    <dgm:effectClrLst/>
+    <dgm:txLinClrLst/>
+    <dgm:txFillClrLst/>
+    <dgm:txEffectClrLst/>
+  </dgm:styleLbl>
+  <dgm:styleLbl name="node1">
+    <dgm:fillClrLst meth="repeat">
+      <a:schemeClr val="accent2"/>
+      <a:schemeClr val="accent3"/>
+      <a:schemeClr val="accent4"/>
+      <a:schemeClr val="accent5"/>
+      <a:schemeClr val="accent6"/>
+    </dgm:fillClrLst>
+    <dgm:linClrLst meth="repeat">
+      <a:schemeClr val="lt1"/>
+    </dgm:linClrLst>
+    <dgm:effectClrLst/>
+    <dgm:txLinClrLst/>
+    <dgm:txFillClrLst/>
+    <dgm:txEffectClrLst/>
+  </dgm:styleLbl>
+  <dgm:styleLbl name="alignNode1">
+    <dgm:fillClrLst meth="repeat">
+      <a:schemeClr val="accent2"/>
+      <a:schemeClr val="accent3"/>
+      <a:schemeClr val="accent4"/>
+      <a:schemeClr val="accent5"/>
+      <a:schemeClr val="accent6"/>
+    </dgm:fillClrLst>
+    <dgm:linClrLst meth="repeat">
+      <a:schemeClr val="accent2"/>
+      <a:schemeClr val="accent3"/>
+      <a:schemeClr val="accent4"/>
+      <a:schemeClr val="accent5"/>
+      <a:schemeClr val="accent6"/>
+    </dgm:linClrLst>
+    <dgm:effectClrLst/>
+    <dgm:txLinClrLst/>
+    <dgm:txFillClrLst/>
+    <dgm:txEffectClrLst/>
+  </dgm:styleLbl>
+  <dgm:styleLbl name="lnNode1">
+    <dgm:fillClrLst meth="repeat">
+      <a:schemeClr val="accent2"/>
+      <a:schemeClr val="accent3"/>
+      <a:schemeClr val="accent4"/>
+      <a:schemeClr val="accent5"/>
+      <a:schemeClr val="accent6"/>
+    </dgm:fillClrLst>
+    <dgm:linClrLst meth="repeat">
+      <a:schemeClr val="lt1"/>
+    </dgm:linClrLst>
+    <dgm:effectClrLst/>
+    <dgm:txLinClrLst/>
+    <dgm:txFillClrLst/>
+    <dgm:txEffectClrLst/>
+  </dgm:styleLbl>
+  <dgm:styleLbl name="vennNode1">
+    <dgm:fillClrLst meth="repeat">
+      <a:schemeClr val="accent2">
+        <a:alpha val="50000"/>
+      </a:schemeClr>
+      <a:schemeClr val="accent3">
+        <a:alpha val="50000"/>
+      </a:schemeClr>
+      <a:schemeClr val="accent4">
+        <a:alpha val="50000"/>
+      </a:schemeClr>
+      <a:schemeClr val="accent5">
+        <a:alpha val="50000"/>
+      </a:schemeClr>
+      <a:schemeClr val="accent6">
+        <a:alpha val="50000"/>
+      </a:schemeClr>
+    </dgm:fillClrLst>
+    <dgm:linClrLst meth="repeat">
+      <a:schemeClr val="lt1"/>
+    </dgm:linClrLst>
+    <dgm:effectClrLst/>
+    <dgm:txLinClrLst/>
+    <dgm:txFillClrLst/>
+    <dgm:txEffectClrLst/>
+  </dgm:styleLbl>
+  <dgm:styleLbl name="node2">
+    <dgm:fillClrLst>
+      <a:schemeClr val="accent2"/>
+    </dgm:fillClrLst>
+    <dgm:linClrLst meth="repeat">
+      <a:schemeClr val="lt1"/>
+    </dgm:linClrLst>
+    <dgm:effectClrLst/>
+    <dgm:txLinClrLst/>
+    <dgm:txFillClrLst/>
+    <dgm:txEffectClrLst/>
+  </dgm:styleLbl>
+  <dgm:styleLbl name="node3">
+    <dgm:fillClrLst>
+      <a:schemeClr val="accent3"/>
+    </dgm:fillClrLst>
+    <dgm:linClrLst meth="repeat">
+      <a:schemeClr val="lt1"/>
+    </dgm:linClrLst>
+    <dgm:effectClrLst/>
+    <dgm:txLinClrLst/>
+    <dgm:txFillClrLst/>
+    <dgm:txEffectClrLst/>
+  </dgm:styleLbl>
+  <dgm:styleLbl name="node4">
+    <dgm:fillClrLst>
+      <a:schemeClr val="accent4"/>
+    </dgm:fillClrLst>
+    <dgm:linClrLst meth="repeat">
+      <a:schemeClr val="lt1"/>
+    </dgm:linClrLst>
+    <dgm:effectClrLst/>
+    <dgm:txLinClrLst/>
+    <dgm:txFillClrLst/>
+    <dgm:txEffectClrLst/>
+  </dgm:styleLbl>
+  <dgm:styleLbl name="fgImgPlace1">
+    <dgm:fillClrLst meth="repeat">
+      <a:schemeClr val="accent2">
+        <a:tint val="50000"/>
+      </a:schemeClr>
+      <a:schemeClr val="accent3">
+        <a:tint val="50000"/>
+      </a:schemeClr>
+      <a:schemeClr val="accent4">
+        <a:tint val="50000"/>
+      </a:schemeClr>
+      <a:schemeClr val="accent5">
+        <a:tint val="50000"/>
+      </a:schemeClr>
+      <a:schemeClr val="accent6">
+        <a:tint val="50000"/>
+      </a:schemeClr>
+    </dgm:fillClrLst>
+    <dgm:linClrLst meth="repeat">
+      <a:schemeClr val="lt1"/>
+    </dgm:linClrLst>
+    <dgm:effectClrLst/>
+    <dgm:txLinClrLst/>
+    <dgm:txFillClrLst meth="repeat">
+      <a:schemeClr val="lt1"/>
+    </dgm:txFillClrLst>
+    <dgm:txEffectClrLst/>
+  </dgm:styleLbl>
+  <dgm:styleLbl name="alignImgPlace1">
+    <dgm:fillClrLst>
+      <a:schemeClr val="accent1">
+        <a:tint val="50000"/>
+      </a:schemeClr>
+      <a:schemeClr val="accent2">
+        <a:tint val="20000"/>
+      </a:schemeClr>
+    </dgm:fillClrLst>
+    <dgm:linClrLst meth="repeat">
+      <a:schemeClr val="lt1"/>
+    </dgm:linClrLst>
+    <dgm:effectClrLst/>
+    <dgm:txLinClrLst/>
+    <dgm:txFillClrLst meth="repeat">
+      <a:schemeClr val="lt1"/>
+    </dgm:txFillClrLst>
+    <dgm:txEffectClrLst/>
+  </dgm:styleLbl>
+  <dgm:styleLbl name="bgImgPlace1">
+    <dgm:fillClrLst>
+      <a:schemeClr val="accent1">
+        <a:tint val="50000"/>
+      </a:schemeClr>
+      <a:schemeClr val="accent2">
+        <a:tint val="20000"/>
+      </a:schemeClr>
+    </dgm:fillClrLst>
+    <dgm:linClrLst meth="repeat">
+      <a:schemeClr val="lt1"/>
+    </dgm:linClrLst>
+    <dgm:effectClrLst/>
+    <dgm:txLinClrLst/>
+    <dgm:txFillClrLst meth="repeat">
+      <a:schemeClr val="lt1"/>
+    </dgm:txFillClrLst>
+    <dgm:txEffectClrLst/>
+  </dgm:styleLbl>
+  <dgm:styleLbl name="sibTrans2D1">
+    <dgm:fillClrLst meth="repeat">
+      <a:schemeClr val="accent2"/>
+      <a:schemeClr val="accent3"/>
+      <a:schemeClr val="accent4"/>
+      <a:schemeClr val="accent5"/>
+      <a:schemeClr val="accent6"/>
+    </dgm:fillClrLst>
+    <dgm:linClrLst meth="cycle">
+      <a:schemeClr val="lt1"/>
+    </dgm:linClrLst>
+    <dgm:effectClrLst/>
+    <dgm:txLinClrLst/>
+    <dgm:txFillClrLst/>
+    <dgm:txEffectClrLst/>
+  </dgm:styleLbl>
+  <dgm:styleLbl name="fgSibTrans2D1">
+    <dgm:fillClrLst meth="repeat">
+      <a:schemeClr val="accent2"/>
+      <a:schemeClr val="accent3"/>
+      <a:schemeClr val="accent4"/>
+      <a:schemeClr val="accent5"/>
+      <a:schemeClr val="accent6"/>
+    </dgm:fillClrLst>
+    <dgm:linClrLst meth="cycle">
+      <a:schemeClr val="lt1"/>
+    </dgm:linClrLst>
+    <dgm:effectClrLst/>
+    <dgm:txLinClrLst/>
+    <dgm:txFillClrLst meth="repeat">
+      <a:schemeClr val="lt1"/>
+    </dgm:txFillClrLst>
+    <dgm:txEffectClrLst/>
+  </dgm:styleLbl>
+  <dgm:styleLbl name="bgSibTrans2D1">
+    <dgm:fillClrLst meth="repeat">
+      <a:schemeClr val="accent2"/>
+      <a:schemeClr val="accent3"/>
+      <a:schemeClr val="accent4"/>
+      <a:schemeClr val="accent5"/>
+      <a:schemeClr val="accent6"/>
+    </dgm:fillClrLst>
+    <dgm:linClrLst meth="cycle">
+      <a:schemeClr val="lt1"/>
+    </dgm:linClrLst>
+    <dgm:effectClrLst/>
+    <dgm:txLinClrLst/>
+    <dgm:txFillClrLst meth="repeat">
+      <a:schemeClr val="lt1"/>
+    </dgm:txFillClrLst>
+    <dgm:txEffectClrLst/>
+  </dgm:styleLbl>
+  <dgm:styleLbl name="sibTrans1D1">
+    <dgm:fillClrLst meth="repeat">
+      <a:schemeClr val="accent2"/>
+      <a:schemeClr val="accent3"/>
+      <a:schemeClr val="accent4"/>
+      <a:schemeClr val="accent5"/>
+      <a:schemeClr val="accent6"/>
+    </dgm:fillClrLst>
+    <dgm:linClrLst meth="repeat">
+      <a:schemeClr val="accent2"/>
+      <a:schemeClr val="accent3"/>
+      <a:schemeClr val="accent4"/>
+      <a:schemeClr val="accent5"/>
+      <a:schemeClr val="accent6"/>
+    </dgm:linClrLst>
+    <dgm:effectClrLst/>
+    <dgm:txLinClrLst/>
+    <dgm:txFillClrLst meth="repeat">
+      <a:schemeClr val="tx1"/>
+    </dgm:txFillClrLst>
+    <dgm:txEffectClrLst/>
+  </dgm:styleLbl>
+  <dgm:styleLbl name="callout">
+    <dgm:fillClrLst meth="repeat">
+      <a:schemeClr val="accent2"/>
+    </dgm:fillClrLst>
+    <dgm:linClrLst meth="repeat">
+      <a:schemeClr val="accent2">
+        <a:tint val="50000"/>
+      </a:schemeClr>
+    </dgm:linClrLst>
+    <dgm:effectClrLst/>
+    <dgm:txLinClrLst/>
+    <dgm:txFillClrLst meth="repeat">
+      <a:schemeClr val="tx1"/>
+    </dgm:txFillClrLst>
+    <dgm:txEffectClrLst/>
+  </dgm:styleLbl>
+  <dgm:styleLbl name="asst0">
+    <dgm:fillClrLst meth="repeat">
+      <a:schemeClr val="accent1"/>
+    </dgm:fillClrLst>
+    <dgm:linClrLst meth="repeat">
+      <a:schemeClr val="lt1"/>
+    </dgm:linClrLst>
+    <dgm:effectClrLst/>
+    <dgm:txLinClrLst/>
+    <dgm:txFillClrLst/>
+    <dgm:txEffectClrLst/>
+  </dgm:styleLbl>
+  <dgm:styleLbl name="asst1">
+    <dgm:fillClrLst meth="repeat">
+      <a:schemeClr val="accent2"/>
+    </dgm:fillClrLst>
+    <dgm:linClrLst meth="repeat">
+      <a:schemeClr val="lt1"/>
+    </dgm:linClrLst>
+    <dgm:effectClrLst/>
+    <dgm:txLinClrLst/>
+    <dgm:txFillClrLst/>
+    <dgm:txEffectClrLst/>
+  </dgm:styleLbl>
+  <dgm:styleLbl name="asst2">
+    <dgm:fillClrLst>
+      <a:schemeClr val="accent3"/>
+    </dgm:fillClrLst>
+    <dgm:linClrLst meth="repeat">
+      <a:schemeClr val="lt1"/>
+    </dgm:linClrLst>
+    <dgm:effectClrLst/>
+    <dgm:txLinClrLst/>
+    <dgm:txFillClrLst/>
+    <dgm:txEffectClrLst/>
+  </dgm:styleLbl>
+  <dgm:styleLbl name="asst3">
+    <dgm:fillClrLst>
+      <a:schemeClr val="accent4"/>
+    </dgm:fillClrLst>
+    <dgm:linClrLst meth="repeat">
+      <a:schemeClr val="lt1"/>
+    </dgm:linClrLst>
+    <dgm:effectClrLst/>
+    <dgm:txLinClrLst/>
+    <dgm:txFillClrLst/>
+    <dgm:txEffectClrLst/>
+  </dgm:styleLbl>
+  <dgm:styleLbl name="asst4">
+    <dgm:fillClrLst>
+      <a:schemeClr val="accent5"/>
+    </dgm:fillClrLst>
+    <dgm:linClrLst meth="repeat">
+      <a:schemeClr val="lt1"/>
+    </dgm:linClrLst>
+    <dgm:effectClrLst/>
+    <dgm:txLinClrLst/>
+    <dgm:txFillClrLst/>
+    <dgm:txEffectClrLst/>
+  </dgm:styleLbl>
+  <dgm:styleLbl name="parChTrans2D1">
+    <dgm:fillClrLst meth="repeat">
+      <a:schemeClr val="accent2"/>
+    </dgm:fillClrLst>
+    <dgm:linClrLst meth="repeat">
+      <a:schemeClr val="lt1"/>
+    </dgm:linClrLst>
+    <dgm:effectClrLst/>
+    <dgm:txLinClrLst/>
+    <dgm:txFillClrLst meth="repeat">
+      <a:schemeClr val="lt1"/>
+    </dgm:txFillClrLst>
+    <dgm:txEffectClrLst/>
+  </dgm:styleLbl>
+  <dgm:styleLbl name="parChTrans2D2">
+    <dgm:fillClrLst meth="repeat">
+      <a:schemeClr val="accent3"/>
+    </dgm:fillClrLst>
+    <dgm:linClrLst meth="repeat">
+      <a:schemeClr val="lt1"/>
+    </dgm:linClrLst>
+    <dgm:effectClrLst/>
+    <dgm:txLinClrLst/>
+    <dgm:txFillClrLst/>
+    <dgm:txEffectClrLst/>
+  </dgm:styleLbl>
+  <dgm:styleLbl name="parChTrans2D3">
+    <dgm:fillClrLst meth="repeat">
+      <a:schemeClr val="accent4"/>
+    </dgm:fillClrLst>
+    <dgm:linClrLst meth="repeat">
+      <a:schemeClr val="lt1"/>
+    </dgm:linClrLst>
+    <dgm:effectClrLst/>
+    <dgm:txLinClrLst/>
+    <dgm:txFillClrLst/>
+    <dgm:txEffectClrLst/>
+  </dgm:styleLbl>
+  <dgm:styleLbl name="parChTrans2D4">
+    <dgm:fillClrLst meth="repeat">
+      <a:schemeClr val="accent5"/>
+    </dgm:fillClrLst>
+    <dgm:linClrLst meth="repeat">
+      <a:schemeClr val="lt1"/>
+    </dgm:linClrLst>
+    <dgm:effectClrLst/>
+    <dgm:txLinClrLst/>
+    <dgm:txFillClrLst meth="repeat">
+      <a:schemeClr val="lt1"/>
+    </dgm:txFillClrLst>
+    <dgm:txEffectClrLst/>
+  </dgm:styleLbl>
+  <dgm:styleLbl name="parChTrans1D1">
+    <dgm:fillClrLst meth="repeat">
+      <a:schemeClr val="accent2"/>
+    </dgm:fillClrLst>
+    <dgm:linClrLst meth="repeat">
+      <a:schemeClr val="accent1"/>
+    </dgm:linClrLst>
+    <dgm:effectClrLst/>
+    <dgm:txLinClrLst/>
+    <dgm:txFillClrLst meth="repeat">
+      <a:schemeClr val="tx1"/>
+    </dgm:txFillClrLst>
+    <dgm:txEffectClrLst/>
+  </dgm:styleLbl>
+  <dgm:styleLbl name="parChTrans1D2">
+    <dgm:fillClrLst meth="repeat">
+      <a:schemeClr val="accent3">
+        <a:tint val="90000"/>
+      </a:schemeClr>
+    </dgm:fillClrLst>
+    <dgm:linClrLst meth="repeat">
+      <a:schemeClr val="accent2"/>
+    </dgm:linClrLst>
+    <dgm:effectClrLst/>
+    <dgm:txLinClrLst/>
+    <dgm:txFillClrLst meth="repeat">
+      <a:schemeClr val="tx1"/>
+    </dgm:txFillClrLst>
+    <dgm:txEffectClrLst/>
+  </dgm:styleLbl>
+  <dgm:styleLbl name="parChTrans1D3">
+    <dgm:fillClrLst meth="repeat">
+      <a:schemeClr val="accent4">
+        <a:tint val="70000"/>
+      </a:schemeClr>
+    </dgm:fillClrLst>
+    <dgm:linClrLst meth="repeat">
+      <a:schemeClr val="accent3"/>
+    </dgm:linClrLst>
+    <dgm:effectClrLst/>
+    <dgm:txLinClrLst/>
+    <dgm:txFillClrLst meth="repeat">
+      <a:schemeClr val="tx1"/>
+    </dgm:txFillClrLst>
+    <dgm:txEffectClrLst/>
+  </dgm:styleLbl>
+  <dgm:styleLbl name="parChTrans1D4">
+    <dgm:fillClrLst meth="repeat">
+      <a:schemeClr val="accent5">
+        <a:tint val="50000"/>
+      </a:schemeClr>
+    </dgm:fillClrLst>
+    <dgm:linClrLst meth="repeat">
+      <a:schemeClr val="accent4"/>
+    </dgm:linClrLst>
+    <dgm:effectClrLst/>
+    <dgm:txLinClrLst/>
+    <dgm:txFillClrLst meth="repeat">
+      <a:schemeClr val="tx1"/>
+    </dgm:txFillClrLst>
+    <dgm:txEffectClrLst/>
+  </dgm:styleLbl>
+  <dgm:styleLbl name="fgAcc1">
+    <dgm:fillClrLst meth="repeat">
+      <a:schemeClr val="lt1">
+        <a:alpha val="90000"/>
+      </a:schemeClr>
+    </dgm:fillClrLst>
+    <dgm:linClrLst meth="repeat">
+      <a:schemeClr val="accent2"/>
+      <a:schemeClr val="accent3"/>
+      <a:schemeClr val="accent4"/>
+      <a:schemeClr val="accent5"/>
+      <a:schemeClr val="accent6"/>
+    </dgm:linClrLst>
+    <dgm:effectClrLst/>
+    <dgm:txLinClrLst/>
+    <dgm:txFillClrLst meth="repeat">
+      <a:schemeClr val="dk1"/>
+    </dgm:txFillClrLst>
+    <dgm:txEffectClrLst/>
+  </dgm:styleLbl>
+  <dgm:styleLbl name="conFgAcc1">
+    <dgm:fillClrLst meth="repeat">
+      <a:schemeClr val="lt1">
+        <a:alpha val="90000"/>
+      </a:schemeClr>
+    </dgm:fillClrLst>
+    <dgm:linClrLst meth="repeat">
+      <a:schemeClr val="accent2"/>
+      <a:schemeClr val="accent3"/>
+      <a:schemeClr val="accent4"/>
+      <a:schemeClr val="accent5"/>
+      <a:schemeClr val="accent6"/>
+    </dgm:linClrLst>
+    <dgm:effectClrLst/>
+    <dgm:txLinClrLst/>
+    <dgm:txFillClrLst meth="repeat">
+      <a:schemeClr val="dk1"/>
+    </dgm:txFillClrLst>
+    <dgm:txEffectClrLst/>
+  </dgm:styleLbl>
+  <dgm:styleLbl name="alignAcc1">
+    <dgm:fillClrLst meth="repeat">
+      <a:schemeClr val="lt1">
+        <a:alpha val="90000"/>
+      </a:schemeClr>
+    </dgm:fillClrLst>
+    <dgm:linClrLst meth="repeat">
+      <a:schemeClr val="accent2"/>
+      <a:schemeClr val="accent3"/>
+      <a:schemeClr val="accent4"/>
+      <a:schemeClr val="accent5"/>
+      <a:schemeClr val="accent6"/>
+    </dgm:linClrLst>
+    <dgm:effectClrLst/>
+    <dgm:txLinClrLst/>
+    <dgm:txFillClrLst meth="repeat">
+      <a:schemeClr val="dk1"/>
+    </dgm:txFillClrLst>
+    <dgm:txEffectClrLst/>
+  </dgm:styleLbl>
+  <dgm:styleLbl name="trAlignAcc1">
+    <dgm:fillClrLst meth="repeat">
+      <a:schemeClr val="lt1">
+        <a:alpha val="40000"/>
+      </a:schemeClr>
+    </dgm:fillClrLst>
+    <dgm:linClrLst meth="repeat">
+      <a:schemeClr val="accent1"/>
+    </dgm:linClrLst>
+    <dgm:effectClrLst/>
+    <dgm:txLinClrLst/>
+    <dgm:txFillClrLst meth="repeat">
+      <a:schemeClr val="dk1"/>
+    </dgm:txFillClrLst>
+    <dgm:txEffectClrLst/>
+  </dgm:styleLbl>
+  <dgm:styleLbl name="bgAcc1">
+    <dgm:fillClrLst meth="repeat">
+      <a:schemeClr val="lt1">
+        <a:alpha val="90000"/>
+      </a:schemeClr>
+    </dgm:fillClrLst>
+    <dgm:linClrLst meth="repeat">
+      <a:schemeClr val="accent2"/>
+      <a:schemeClr val="accent3"/>
+      <a:schemeClr val="accent4"/>
+      <a:schemeClr val="accent5"/>
+      <a:schemeClr val="accent6"/>
+    </dgm:linClrLst>
+    <dgm:effectClrLst/>
+    <dgm:txLinClrLst/>
+    <dgm:txFillClrLst meth="repeat">
+      <a:schemeClr val="dk1"/>
+    </dgm:txFillClrLst>
+    <dgm:txEffectClrLst/>
+  </dgm:styleLbl>
+  <dgm:styleLbl name="solidFgAcc1">
+    <dgm:fillClrLst meth="repeat">
+      <a:schemeClr val="lt1"/>
+    </dgm:fillClrLst>
+    <dgm:linClrLst meth="repeat">
+      <a:schemeClr val="accent2"/>
+      <a:schemeClr val="accent3"/>
+      <a:schemeClr val="accent4"/>
+      <a:schemeClr val="accent5"/>
+      <a:schemeClr val="accent6"/>
+    </dgm:linClrLst>
+    <dgm:effectClrLst/>
+    <dgm:txLinClrLst/>
+    <dgm:txFillClrLst meth="repeat">
+      <a:schemeClr val="dk1"/>
+    </dgm:txFillClrLst>
+    <dgm:txEffectClrLst/>
+  </dgm:styleLbl>
+  <dgm:styleLbl name="solidAlignAcc1">
+    <dgm:fillClrLst meth="repeat">
+      <a:schemeClr val="lt1"/>
+    </dgm:fillClrLst>
+    <dgm:linClrLst meth="repeat">
+      <a:schemeClr val="accent2"/>
+      <a:schemeClr val="accent3"/>
+      <a:schemeClr val="accent4"/>
+      <a:schemeClr val="accent5"/>
+      <a:schemeClr val="accent6"/>
+    </dgm:linClrLst>
+    <dgm:effectClrLst/>
+    <dgm:txLinClrLst/>
+    <dgm:txFillClrLst meth="repeat">
+      <a:schemeClr val="dk1"/>
+    </dgm:txFillClrLst>
+    <dgm:txEffectClrLst/>
+  </dgm:styleLbl>
+  <dgm:styleLbl name="solidBgAcc1">
+    <dgm:fillClrLst meth="repeat">
+      <a:schemeClr val="lt1"/>
+    </dgm:fillClrLst>
+    <dgm:linClrLst meth="repeat">
+      <a:schemeClr val="accent2"/>
+      <a:schemeClr val="accent3"/>
+      <a:schemeClr val="accent4"/>
+      <a:schemeClr val="accent5"/>
+      <a:schemeClr val="accent6"/>
+    </dgm:linClrLst>
+    <dgm:effectClrLst/>
+    <dgm:txLinClrLst/>
+    <dgm:txFillClrLst meth="repeat">
+      <a:schemeClr val="dk1"/>
+    </dgm:txFillClrLst>
+    <dgm:txEffectClrLst/>
+  </dgm:styleLbl>
+  <dgm:styleLbl name="fgAccFollowNode1">
+    <dgm:fillClrLst meth="repeat">
+      <a:schemeClr val="accent2">
+        <a:tint val="40000"/>
+        <a:alpha val="90000"/>
+      </a:schemeClr>
+      <a:schemeClr val="accent3">
+        <a:tint val="40000"/>
+        <a:alpha val="90000"/>
+      </a:schemeClr>
+      <a:schemeClr val="accent4">
+        <a:tint val="40000"/>
+        <a:alpha val="90000"/>
+      </a:schemeClr>
+      <a:schemeClr val="accent5">
+        <a:tint val="40000"/>
+        <a:alpha val="90000"/>
+      </a:schemeClr>
+      <a:schemeClr val="accent6">
+        <a:tint val="40000"/>
+        <a:alpha val="90000"/>
+      </a:schemeClr>
+    </dgm:fillClrLst>
+    <dgm:linClrLst meth="repeat">
+      <a:schemeClr val="accent2">
+        <a:tint val="40000"/>
+        <a:alpha val="90000"/>
+      </a:schemeClr>
+      <a:schemeClr val="accent3">
+        <a:tint val="40000"/>
+        <a:alpha val="90000"/>
+      </a:schemeClr>
+      <a:schemeClr val="accent4">
+        <a:tint val="40000"/>
+        <a:alpha val="90000"/>
+      </a:schemeClr>
+      <a:schemeClr val="accent5">
+        <a:tint val="40000"/>
+        <a:alpha val="90000"/>
+      </a:schemeClr>
+      <a:schemeClr val="accent6">
+        <a:tint val="40000"/>
+        <a:alpha val="90000"/>
+      </a:schemeClr>
+    </dgm:linClrLst>
+    <dgm:effectClrLst/>
+    <dgm:txLinClrLst/>
+    <dgm:txFillClrLst meth="repeat">
+      <a:schemeClr val="dk1"/>
+    </dgm:txFillClrLst>
+    <dgm:txEffectClrLst/>
+  </dgm:styleLbl>
+  <dgm:styleLbl name="alignAccFollowNode1">
+    <dgm:fillClrLst meth="repeat">
+      <a:schemeClr val="accent2">
+        <a:tint val="40000"/>
+        <a:alpha val="90000"/>
+      </a:schemeClr>
+      <a:schemeClr val="accent3">
+        <a:tint val="40000"/>
+        <a:alpha val="90000"/>
+      </a:schemeClr>
+      <a:schemeClr val="accent4">
+        <a:tint val="40000"/>
+        <a:alpha val="90000"/>
+      </a:schemeClr>
+      <a:schemeClr val="accent5">
+        <a:tint val="40000"/>
+        <a:alpha val="90000"/>
+      </a:schemeClr>
+      <a:schemeClr val="accent6">
+        <a:tint val="40000"/>
+        <a:alpha val="90000"/>
+      </a:schemeClr>
+    </dgm:fillClrLst>
+    <dgm:linClrLst meth="repeat">
+      <a:schemeClr val="accent2">
+        <a:tint val="40000"/>
+        <a:alpha val="90000"/>
+      </a:schemeClr>
+      <a:schemeClr val="accent3">
+        <a:tint val="40000"/>
+        <a:alpha val="90000"/>
+      </a:schemeClr>
+      <a:schemeClr val="accent4">
+        <a:tint val="40000"/>
+        <a:alpha val="90000"/>
+      </a:schemeClr>
+      <a:schemeClr val="accent5">
+        <a:tint val="40000"/>
+        <a:alpha val="90000"/>
+      </a:schemeClr>
+      <a:schemeClr val="accent6">
+        <a:tint val="40000"/>
+        <a:alpha val="90000"/>
+      </a:schemeClr>
+    </dgm:linClrLst>
+    <dgm:effectClrLst/>
+    <dgm:txLinClrLst/>
+    <dgm:txFillClrLst meth="repeat">
+      <a:schemeClr val="dk1"/>
+    </dgm:txFillClrLst>
+    <dgm:txEffectClrLst/>
+  </dgm:styleLbl>
+  <dgm:styleLbl name="bgAccFollowNode1">
+    <dgm:fillClrLst meth="repeat">
+      <a:schemeClr val="accent2">
+        <a:tint val="40000"/>
+        <a:alpha val="90000"/>
+      </a:schemeClr>
+      <a:schemeClr val="accent3">
+        <a:tint val="40000"/>
+        <a:alpha val="90000"/>
+      </a:schemeClr>
+      <a:schemeClr val="accent4">
+        <a:tint val="40000"/>
+        <a:alpha val="90000"/>
+      </a:schemeClr>
+      <a:schemeClr val="accent5">
+        <a:tint val="40000"/>
+        <a:alpha val="90000"/>
+      </a:schemeClr>
+      <a:schemeClr val="accent6">
+        <a:tint val="40000"/>
+        <a:alpha val="90000"/>
+      </a:schemeClr>
+    </dgm:fillClrLst>
+    <dgm:linClrLst meth="repeat">
+      <a:schemeClr val="accent2">
+        <a:tint val="40000"/>
+        <a:alpha val="90000"/>
+      </a:schemeClr>
+      <a:schemeClr val="accent3">
+        <a:tint val="40000"/>
+        <a:alpha val="90000"/>
+      </a:schemeClr>
+      <a:schemeClr val="accent4">
+        <a:tint val="40000"/>
+        <a:alpha val="90000"/>
+      </a:schemeClr>
+      <a:schemeClr val="accent5">
+        <a:tint val="40000"/>
+        <a:alpha val="90000"/>
+      </a:schemeClr>
+      <a:schemeClr val="accent6">
+        <a:tint val="40000"/>
+        <a:alpha val="90000"/>
+      </a:schemeClr>
+    </dgm:linClrLst>
+    <dgm:effectClrLst/>
+    <dgm:txLinClrLst/>
+    <dgm:txFillClrLst meth="repeat">
+      <a:schemeClr val="dk1"/>
+    </dgm:txFillClrLst>
+    <dgm:txEffectClrLst/>
+  </dgm:styleLbl>
+  <dgm:styleLbl name="fgAcc0">
+    <dgm:fillClrLst meth="repeat">
+      <a:schemeClr val="lt1">
+        <a:alpha val="90000"/>
+      </a:schemeClr>
+    </dgm:fillClrLst>
+    <dgm:linClrLst>
+      <a:schemeClr val="accent1"/>
+    </dgm:linClrLst>
+    <dgm:effectClrLst/>
+    <dgm:txLinClrLst/>
+    <dgm:txFillClrLst meth="repeat">
+      <a:schemeClr val="dk1"/>
+    </dgm:txFillClrLst>
+    <dgm:txEffectClrLst/>
+  </dgm:styleLbl>
+  <dgm:styleLbl name="fgAcc2">
+    <dgm:fillClrLst meth="repeat">
+      <a:schemeClr val="lt1">
+        <a:alpha val="90000"/>
+      </a:schemeClr>
+    </dgm:fillClrLst>
+    <dgm:linClrLst>
+      <a:schemeClr val="accent2"/>
+    </dgm:linClrLst>
+    <dgm:effectClrLst/>
+    <dgm:txLinClrLst/>
+    <dgm:txFillClrLst meth="repeat">
+      <a:schemeClr val="dk1"/>
+    </dgm:txFillClrLst>
+    <dgm:txEffectClrLst/>
+  </dgm:styleLbl>
+  <dgm:styleLbl name="fgAcc3">
+    <dgm:fillClrLst meth="repeat">
+      <a:schemeClr val="lt1">
+        <a:alpha val="90000"/>
+      </a:schemeClr>
+    </dgm:fillClrLst>
+    <dgm:linClrLst>
+      <a:schemeClr val="accent3"/>
+    </dgm:linClrLst>
+    <dgm:effectClrLst/>
+    <dgm:txLinClrLst/>
+    <dgm:txFillClrLst meth="repeat">
+      <a:schemeClr val="dk1"/>
+    </dgm:txFillClrLst>
+    <dgm:txEffectClrLst/>
+  </dgm:styleLbl>
+  <dgm:styleLbl name="fgAcc4">
+    <dgm:fillClrLst meth="repeat">
+      <a:schemeClr val="lt1">
+        <a:alpha val="90000"/>
+      </a:schemeClr>
+    </dgm:fillClrLst>
+    <dgm:linClrLst>
+      <a:schemeClr val="accent4"/>
+    </dgm:linClrLst>
+    <dgm:effectClrLst/>
+    <dgm:txLinClrLst/>
+    <dgm:txFillClrLst meth="repeat">
+      <a:schemeClr val="dk1"/>
+    </dgm:txFillClrLst>
+    <dgm:txEffectClrLst/>
+  </dgm:styleLbl>
+  <dgm:styleLbl name="bgShp">
+    <dgm:fillClrLst meth="repeat">
+      <a:schemeClr val="accent2">
+        <a:tint val="40000"/>
+      </a:schemeClr>
+    </dgm:fillClrLst>
+    <dgm:linClrLst meth="repeat">
+      <a:schemeClr val="dk1"/>
+    </dgm:linClrLst>
+    <dgm:effectClrLst/>
+    <dgm:txLinClrLst/>
+    <dgm:txFillClrLst meth="repeat">
+      <a:schemeClr val="dk1"/>
+    </dgm:txFillClrLst>
+    <dgm:txEffectClrLst/>
+  </dgm:styleLbl>
+  <dgm:styleLbl name="dkBgShp">
+    <dgm:fillClrLst meth="repeat">
+      <a:schemeClr val="accent2">
+        <a:shade val="90000"/>
+      </a:schemeClr>
+    </dgm:fillClrLst>
+    <dgm:linClrLst meth="repeat">
+      <a:schemeClr val="dk1"/>
+    </dgm:linClrLst>
+    <dgm:effectClrLst/>
+    <dgm:txLinClrLst/>
+    <dgm:txFillClrLst meth="repeat">
+      <a:schemeClr val="lt1"/>
+    </dgm:txFillClrLst>
+    <dgm:txEffectClrLst/>
+  </dgm:styleLbl>
+  <dgm:styleLbl name="trBgShp">
+    <dgm:fillClrLst meth="repeat">
+      <a:schemeClr val="accent1">
+        <a:tint val="50000"/>
+        <a:alpha val="40000"/>
+      </a:schemeClr>
+    </dgm:fillClrLst>
+    <dgm:linClrLst meth="repeat">
+      <a:schemeClr val="accent2"/>
+    </dgm:linClrLst>
+    <dgm:effectClrLst/>
+    <dgm:txLinClrLst/>
+    <dgm:txFillClrLst meth="repeat">
+      <a:schemeClr val="lt1"/>
+    </dgm:txFillClrLst>
+    <dgm:txEffectClrLst/>
+  </dgm:styleLbl>
+  <dgm:styleLbl name="fgShp">
+    <dgm:fillClrLst meth="repeat">
+      <a:schemeClr val="accent2">
+        <a:tint val="40000"/>
+      </a:schemeClr>
+    </dgm:fillClrLst>
+    <dgm:linClrLst meth="repeat">
+      <a:schemeClr val="lt1"/>
+    </dgm:linClrLst>
+    <dgm:effectClrLst/>
+    <dgm:txLinClrLst/>
+    <dgm:txFillClrLst meth="repeat">
+      <a:schemeClr val="dk1"/>
+    </dgm:txFillClrLst>
+    <dgm:txEffectClrLst/>
+  </dgm:styleLbl>
+  <dgm:styleLbl name="revTx">
+    <dgm:fillClrLst meth="repeat">
+      <a:schemeClr val="lt1">
+        <a:alpha val="0"/>
+      </a:schemeClr>
+    </dgm:fillClrLst>
+    <dgm:linClrLst meth="repeat">
+      <a:schemeClr val="dk1">
+        <a:alpha val="0"/>
+      </a:schemeClr>
+    </dgm:linClrLst>
+    <dgm:effectClrLst/>
+    <dgm:txLinClrLst/>
+    <dgm:txFillClrLst meth="repeat">
+      <a:schemeClr val="tx1"/>
+    </dgm:txFillClrLst>
+    <dgm:txEffectClrLst/>
+  </dgm:styleLbl>
+</dgm:colorsDef>
+</file>
+
+<file path=ppt/diagrams/data1.xml><?xml version="1.0" encoding="utf-8"?>
+<dgm:dataModel xmlns:dgm="http://schemas.openxmlformats.org/drawingml/2006/diagram" xmlns:a="http://schemas.openxmlformats.org/drawingml/2006/main">
+  <dgm:ptLst>
+    <dgm:pt modelId="{E9FB0F4E-6967-3B44-A32F-E8B1C7AE98D5}" type="doc">
+      <dgm:prSet loTypeId="urn:microsoft.com/office/officeart/2005/8/layout/process5" loCatId="" qsTypeId="urn:microsoft.com/office/officeart/2005/8/quickstyle/simple1" qsCatId="simple" csTypeId="urn:microsoft.com/office/officeart/2005/8/colors/colorful1" csCatId="colorful" phldr="1"/>
+      <dgm:spPr/>
+      <dgm:t>
+        <a:bodyPr/>
+        <a:lstStyle/>
+        <a:p>
+          <a:endParaRPr lang="en-US"/>
+        </a:p>
+      </dgm:t>
+    </dgm:pt>
+    <dgm:pt modelId="{75350DEC-25F7-F240-A4BF-3A92E80C52F5}">
+      <dgm:prSet phldrT="[Text]"/>
+      <dgm:spPr>
+        <a:solidFill>
+          <a:schemeClr val="tx1">
+            <a:lumMod val="65000"/>
+            <a:lumOff val="35000"/>
+          </a:schemeClr>
+        </a:solidFill>
+      </dgm:spPr>
+      <dgm:t>
+        <a:bodyPr/>
+        <a:lstStyle/>
+        <a:p>
+          <a:r>
+            <a:rPr lang="en-US" dirty="0"/>
+            <a:t>Scope</a:t>
+          </a:r>
+        </a:p>
+      </dgm:t>
+    </dgm:pt>
+    <dgm:pt modelId="{965794C1-5767-E94D-8105-ED104B4D33E2}" type="parTrans" cxnId="{81D07A23-EA35-C94F-81FA-E72150079877}">
+      <dgm:prSet/>
+      <dgm:spPr/>
+      <dgm:t>
+        <a:bodyPr/>
+        <a:lstStyle/>
+        <a:p>
+          <a:endParaRPr lang="en-US"/>
+        </a:p>
+      </dgm:t>
+    </dgm:pt>
+    <dgm:pt modelId="{BAC284C6-3986-1C48-93AC-8FEBC662ECEE}" type="sibTrans" cxnId="{81D07A23-EA35-C94F-81FA-E72150079877}">
+      <dgm:prSet/>
+      <dgm:spPr>
+        <a:solidFill>
+          <a:schemeClr val="bg2"/>
+        </a:solidFill>
+      </dgm:spPr>
+      <dgm:t>
+        <a:bodyPr/>
+        <a:lstStyle/>
+        <a:p>
+          <a:endParaRPr lang="en-US"/>
+        </a:p>
+      </dgm:t>
+    </dgm:pt>
+    <dgm:pt modelId="{4F2509E8-87E6-2347-B926-EB9BDDECA6FD}">
+      <dgm:prSet phldrT="[Text]"/>
+      <dgm:spPr/>
+      <dgm:t>
+        <a:bodyPr/>
+        <a:lstStyle/>
+        <a:p>
+          <a:r>
+            <a:rPr lang="en-US" dirty="0"/>
+            <a:t>Data</a:t>
+          </a:r>
+        </a:p>
+      </dgm:t>
+    </dgm:pt>
+    <dgm:pt modelId="{B4B1EEE1-8225-A643-B681-A7F3FC14ECAD}" type="parTrans" cxnId="{9BF83777-08E0-6140-9D35-BF7D8AF8A067}">
+      <dgm:prSet/>
+      <dgm:spPr/>
+      <dgm:t>
+        <a:bodyPr/>
+        <a:lstStyle/>
+        <a:p>
+          <a:endParaRPr lang="en-US"/>
+        </a:p>
+      </dgm:t>
+    </dgm:pt>
+    <dgm:pt modelId="{748D4455-259E-4245-ADD2-8DDAC2A60773}" type="sibTrans" cxnId="{9BF83777-08E0-6140-9D35-BF7D8AF8A067}">
+      <dgm:prSet/>
+      <dgm:spPr/>
+      <dgm:t>
+        <a:bodyPr/>
+        <a:lstStyle/>
+        <a:p>
+          <a:endParaRPr lang="en-US"/>
+        </a:p>
+      </dgm:t>
+    </dgm:pt>
+    <dgm:pt modelId="{7B079A50-DF5E-0A4C-9491-2FBAFC0F785B}">
+      <dgm:prSet phldrT="[Text]"/>
+      <dgm:spPr>
+        <a:solidFill>
+          <a:schemeClr val="accent6">
+            <a:lumMod val="50000"/>
+          </a:schemeClr>
+        </a:solidFill>
+      </dgm:spPr>
+      <dgm:t>
+        <a:bodyPr/>
+        <a:lstStyle/>
+        <a:p>
+          <a:r>
+            <a:rPr lang="en-US" dirty="0"/>
+            <a:t>Exploration</a:t>
+          </a:r>
+        </a:p>
+      </dgm:t>
+    </dgm:pt>
+    <dgm:pt modelId="{BA902E5D-518F-0749-86BA-04AA510BA959}" type="parTrans" cxnId="{A454DBA0-21A9-3941-9DF2-4DD870F537A3}">
+      <dgm:prSet/>
+      <dgm:spPr/>
+      <dgm:t>
+        <a:bodyPr/>
+        <a:lstStyle/>
+        <a:p>
+          <a:endParaRPr lang="en-US"/>
+        </a:p>
+      </dgm:t>
+    </dgm:pt>
+    <dgm:pt modelId="{00735B98-C924-5743-B429-DBBBDEA50165}" type="sibTrans" cxnId="{A454DBA0-21A9-3941-9DF2-4DD870F537A3}">
+      <dgm:prSet/>
+      <dgm:spPr>
+        <a:solidFill>
+          <a:schemeClr val="accent6">
+            <a:lumMod val="50000"/>
+          </a:schemeClr>
+        </a:solidFill>
+      </dgm:spPr>
+      <dgm:t>
+        <a:bodyPr/>
+        <a:lstStyle/>
+        <a:p>
+          <a:endParaRPr lang="en-US"/>
+        </a:p>
+      </dgm:t>
+    </dgm:pt>
+    <dgm:pt modelId="{EB4866D8-1266-8945-89C4-F4CD4F9D8A6F}">
+      <dgm:prSet phldrT="[Text]"/>
+      <dgm:spPr/>
+      <dgm:t>
+        <a:bodyPr/>
+        <a:lstStyle/>
+        <a:p>
+          <a:r>
+            <a:rPr lang="en-US" dirty="0"/>
+            <a:t>Modeling</a:t>
+          </a:r>
+        </a:p>
+      </dgm:t>
+    </dgm:pt>
+    <dgm:pt modelId="{4276625C-E1F0-F840-90D6-CE76DDBB799C}" type="parTrans" cxnId="{A1CEA2E5-F1DD-EF48-A85B-4A04D4565509}">
+      <dgm:prSet/>
+      <dgm:spPr/>
+      <dgm:t>
+        <a:bodyPr/>
+        <a:lstStyle/>
+        <a:p>
+          <a:endParaRPr lang="en-US"/>
+        </a:p>
+      </dgm:t>
+    </dgm:pt>
+    <dgm:pt modelId="{206E47A8-99B6-484A-AD35-04DCB9238B9B}" type="sibTrans" cxnId="{A1CEA2E5-F1DD-EF48-A85B-4A04D4565509}">
+      <dgm:prSet/>
+      <dgm:spPr/>
+      <dgm:t>
+        <a:bodyPr/>
+        <a:lstStyle/>
+        <a:p>
+          <a:endParaRPr lang="en-US"/>
+        </a:p>
+      </dgm:t>
+    </dgm:pt>
+    <dgm:pt modelId="{F9BD6EF9-8382-F144-B9CD-FB838C6C03F9}">
+      <dgm:prSet phldrT="[Text]"/>
+      <dgm:spPr/>
+      <dgm:t>
+        <a:bodyPr/>
+        <a:lstStyle/>
+        <a:p>
+          <a:r>
+            <a:rPr lang="en-US" dirty="0"/>
+            <a:t>Get Data</a:t>
+          </a:r>
+        </a:p>
+      </dgm:t>
+    </dgm:pt>
+    <dgm:pt modelId="{137D12B5-70FE-6847-BD89-CA99FC0D41AD}" type="parTrans" cxnId="{890194DD-304B-C447-9AF3-AFAE634C6D43}">
+      <dgm:prSet/>
+      <dgm:spPr/>
+      <dgm:t>
+        <a:bodyPr/>
+        <a:lstStyle/>
+        <a:p>
+          <a:endParaRPr lang="en-US"/>
+        </a:p>
+      </dgm:t>
+    </dgm:pt>
+    <dgm:pt modelId="{49EC0DFE-61E7-374D-A1BD-7617E9E9166B}" type="sibTrans" cxnId="{890194DD-304B-C447-9AF3-AFAE634C6D43}">
+      <dgm:prSet/>
+      <dgm:spPr/>
+      <dgm:t>
+        <a:bodyPr/>
+        <a:lstStyle/>
+        <a:p>
+          <a:endParaRPr lang="en-US"/>
+        </a:p>
+      </dgm:t>
+    </dgm:pt>
+    <dgm:pt modelId="{C8AF58C4-450C-0C4C-83CB-1474D3ADA25F}">
+      <dgm:prSet phldrT="[Text]"/>
+      <dgm:spPr/>
+      <dgm:t>
+        <a:bodyPr/>
+        <a:lstStyle/>
+        <a:p>
+          <a:r>
+            <a:rPr lang="en-US" dirty="0"/>
+            <a:t>Store Data</a:t>
+          </a:r>
+        </a:p>
+      </dgm:t>
+    </dgm:pt>
+    <dgm:pt modelId="{DEBC2A1C-65D7-5E43-945C-60BBA4631011}" type="parTrans" cxnId="{43B9E771-FA74-B642-9EED-7FE4A7CDF11A}">
+      <dgm:prSet/>
+      <dgm:spPr/>
+      <dgm:t>
+        <a:bodyPr/>
+        <a:lstStyle/>
+        <a:p>
+          <a:endParaRPr lang="en-US"/>
+        </a:p>
+      </dgm:t>
+    </dgm:pt>
+    <dgm:pt modelId="{51773514-44C5-134E-A69D-D30DCA75AB37}" type="sibTrans" cxnId="{43B9E771-FA74-B642-9EED-7FE4A7CDF11A}">
+      <dgm:prSet/>
+      <dgm:spPr/>
+      <dgm:t>
+        <a:bodyPr/>
+        <a:lstStyle/>
+        <a:p>
+          <a:endParaRPr lang="en-US"/>
+        </a:p>
+      </dgm:t>
+    </dgm:pt>
+    <dgm:pt modelId="{761579F4-10DF-F244-9532-25DEF4807D83}">
+      <dgm:prSet phldrT="[Text]"/>
+      <dgm:spPr/>
+      <dgm:t>
+        <a:bodyPr/>
+        <a:lstStyle/>
+        <a:p>
+          <a:r>
+            <a:rPr lang="en-US" dirty="0"/>
+            <a:t>Link Data</a:t>
+          </a:r>
+        </a:p>
+      </dgm:t>
+    </dgm:pt>
+    <dgm:pt modelId="{4C55FAFB-140B-EA49-9492-2DC8E373D8C0}" type="parTrans" cxnId="{445B7ADC-F7C5-5046-9BEE-3618E0EEE919}">
+      <dgm:prSet/>
+      <dgm:spPr/>
+      <dgm:t>
+        <a:bodyPr/>
+        <a:lstStyle/>
+        <a:p>
+          <a:endParaRPr lang="en-US"/>
+        </a:p>
+      </dgm:t>
+    </dgm:pt>
+    <dgm:pt modelId="{3543ED0F-366F-8D44-8E9F-A843D81464D5}" type="sibTrans" cxnId="{445B7ADC-F7C5-5046-9BEE-3618E0EEE919}">
+      <dgm:prSet/>
+      <dgm:spPr/>
+      <dgm:t>
+        <a:bodyPr/>
+        <a:lstStyle/>
+        <a:p>
+          <a:endParaRPr lang="en-US"/>
+        </a:p>
+      </dgm:t>
+    </dgm:pt>
+    <dgm:pt modelId="{5FE83F24-F694-6A4B-99C0-78300CB546E1}">
+      <dgm:prSet phldrT="[Text]"/>
+      <dgm:spPr/>
+      <dgm:t>
+        <a:bodyPr/>
+        <a:lstStyle/>
+        <a:p>
+          <a:r>
+            <a:rPr lang="en-US" dirty="0"/>
+            <a:t>Rows</a:t>
+          </a:r>
+        </a:p>
+      </dgm:t>
+    </dgm:pt>
+    <dgm:pt modelId="{E15C2973-AC33-0145-8745-682DFB76DED0}" type="parTrans" cxnId="{ED970163-ECEE-D849-9B40-616074ECBD3F}">
+      <dgm:prSet/>
+      <dgm:spPr/>
+      <dgm:t>
+        <a:bodyPr/>
+        <a:lstStyle/>
+        <a:p>
+          <a:endParaRPr lang="en-US"/>
+        </a:p>
+      </dgm:t>
+    </dgm:pt>
+    <dgm:pt modelId="{A1EBC4F8-774A-B045-880A-03E7D798D46B}" type="sibTrans" cxnId="{ED970163-ECEE-D849-9B40-616074ECBD3F}">
+      <dgm:prSet/>
+      <dgm:spPr/>
+      <dgm:t>
+        <a:bodyPr/>
+        <a:lstStyle/>
+        <a:p>
+          <a:endParaRPr lang="en-US"/>
+        </a:p>
+      </dgm:t>
+    </dgm:pt>
+    <dgm:pt modelId="{471C43CE-832D-774D-BB7A-57512EFB5879}">
+      <dgm:prSet phldrT="[Text]"/>
+      <dgm:spPr/>
+      <dgm:t>
+        <a:bodyPr/>
+        <a:lstStyle/>
+        <a:p>
+          <a:r>
+            <a:rPr lang="en-US" dirty="0"/>
+            <a:t>Features</a:t>
+          </a:r>
+        </a:p>
+      </dgm:t>
+    </dgm:pt>
+    <dgm:pt modelId="{C2B9F4EE-A410-1B4C-9D53-DB22DB03D31F}" type="parTrans" cxnId="{E7042CE6-A233-CB47-A6F5-D0D71F329C45}">
+      <dgm:prSet/>
+      <dgm:spPr/>
+      <dgm:t>
+        <a:bodyPr/>
+        <a:lstStyle/>
+        <a:p>
+          <a:endParaRPr lang="en-US"/>
+        </a:p>
+      </dgm:t>
+    </dgm:pt>
+    <dgm:pt modelId="{DE50C641-CD08-A846-B7EB-02241BA70688}" type="sibTrans" cxnId="{E7042CE6-A233-CB47-A6F5-D0D71F329C45}">
+      <dgm:prSet/>
+      <dgm:spPr/>
+      <dgm:t>
+        <a:bodyPr/>
+        <a:lstStyle/>
+        <a:p>
+          <a:endParaRPr lang="en-US"/>
+        </a:p>
+      </dgm:t>
+    </dgm:pt>
+    <dgm:pt modelId="{6E882DEC-3034-E942-B5AA-2835D77DD5C8}">
+      <dgm:prSet phldrT="[Text]"/>
+      <dgm:spPr/>
+      <dgm:t>
+        <a:bodyPr/>
+        <a:lstStyle/>
+        <a:p>
+          <a:r>
+            <a:rPr lang="en-US" dirty="0"/>
+            <a:t>Labels</a:t>
+          </a:r>
+        </a:p>
+      </dgm:t>
+    </dgm:pt>
+    <dgm:pt modelId="{11E32BAA-4A06-9844-B381-3F8D7D686934}" type="parTrans" cxnId="{9A8098B2-9CE9-D942-9547-38EF361DD3D4}">
+      <dgm:prSet/>
+      <dgm:spPr/>
+      <dgm:t>
+        <a:bodyPr/>
+        <a:lstStyle/>
+        <a:p>
+          <a:endParaRPr lang="en-US"/>
+        </a:p>
+      </dgm:t>
+    </dgm:pt>
+    <dgm:pt modelId="{DE8B183B-7E7F-5749-9A67-A6C365A09A85}" type="sibTrans" cxnId="{9A8098B2-9CE9-D942-9547-38EF361DD3D4}">
+      <dgm:prSet/>
+      <dgm:spPr/>
+      <dgm:t>
+        <a:bodyPr/>
+        <a:lstStyle/>
+        <a:p>
+          <a:endParaRPr lang="en-US"/>
+        </a:p>
+      </dgm:t>
+    </dgm:pt>
+    <dgm:pt modelId="{AE199458-77CF-8440-8970-F024006EA226}">
+      <dgm:prSet phldrT="[Text]"/>
+      <dgm:spPr>
+        <a:solidFill>
+          <a:srgbClr val="00B0F0"/>
+        </a:solidFill>
+      </dgm:spPr>
+      <dgm:t>
+        <a:bodyPr/>
+        <a:lstStyle/>
+        <a:p>
+          <a:r>
+            <a:rPr lang="en-US" dirty="0"/>
+            <a:t>Model Selection</a:t>
+          </a:r>
+        </a:p>
+      </dgm:t>
+    </dgm:pt>
+    <dgm:pt modelId="{8FD87771-F4E1-DC47-B38A-8EDD08A5C725}" type="parTrans" cxnId="{8497B9D0-5691-E848-8EE3-C51BC656F8B1}">
+      <dgm:prSet/>
+      <dgm:spPr/>
+      <dgm:t>
+        <a:bodyPr/>
+        <a:lstStyle/>
+        <a:p>
+          <a:endParaRPr lang="en-US"/>
+        </a:p>
+      </dgm:t>
+    </dgm:pt>
+    <dgm:pt modelId="{89DBDFDC-5EB5-0B49-A8D0-DB22ECB982AF}" type="sibTrans" cxnId="{8497B9D0-5691-E848-8EE3-C51BC656F8B1}">
+      <dgm:prSet/>
+      <dgm:spPr>
+        <a:solidFill>
+          <a:srgbClr val="00B0F0"/>
+        </a:solidFill>
+      </dgm:spPr>
+      <dgm:t>
+        <a:bodyPr/>
+        <a:lstStyle/>
+        <a:p>
+          <a:endParaRPr lang="en-US"/>
+        </a:p>
+      </dgm:t>
+    </dgm:pt>
+    <dgm:pt modelId="{86AA592B-D489-5D4D-93FE-79A538493DA3}">
+      <dgm:prSet phldrT="[Text]"/>
+      <dgm:spPr>
+        <a:solidFill>
+          <a:srgbClr val="00B0F0"/>
+        </a:solidFill>
+      </dgm:spPr>
+      <dgm:t>
+        <a:bodyPr/>
+        <a:lstStyle/>
+        <a:p>
+          <a:r>
+            <a:rPr lang="en-US" dirty="0"/>
+            <a:t>Train-Test Splits</a:t>
+          </a:r>
+        </a:p>
+      </dgm:t>
+    </dgm:pt>
+    <dgm:pt modelId="{06E1BE15-F8C7-9C4D-A90E-557728BBB1D3}" type="parTrans" cxnId="{09F5B15E-E1AD-2E4A-AFF2-C91E75C311A9}">
+      <dgm:prSet/>
+      <dgm:spPr/>
+      <dgm:t>
+        <a:bodyPr/>
+        <a:lstStyle/>
+        <a:p>
+          <a:endParaRPr lang="en-US"/>
+        </a:p>
+      </dgm:t>
+    </dgm:pt>
+    <dgm:pt modelId="{9EB8E24C-CDF4-7B49-8A25-38E38E64AA9F}" type="sibTrans" cxnId="{09F5B15E-E1AD-2E4A-AFF2-C91E75C311A9}">
+      <dgm:prSet/>
+      <dgm:spPr/>
+      <dgm:t>
+        <a:bodyPr/>
+        <a:lstStyle/>
+        <a:p>
+          <a:endParaRPr lang="en-US"/>
+        </a:p>
+      </dgm:t>
+    </dgm:pt>
+    <dgm:pt modelId="{69F25C00-F7E1-8B47-8544-B81240B6C7F2}">
+      <dgm:prSet phldrT="[Text]"/>
+      <dgm:spPr>
+        <a:solidFill>
+          <a:srgbClr val="00B0F0"/>
+        </a:solidFill>
+      </dgm:spPr>
+      <dgm:t>
+        <a:bodyPr/>
+        <a:lstStyle/>
+        <a:p>
+          <a:r>
+            <a:rPr lang="en-US" dirty="0"/>
+            <a:t>Performance Metrics</a:t>
+          </a:r>
+        </a:p>
+      </dgm:t>
+    </dgm:pt>
+    <dgm:pt modelId="{258EB4FC-8DB3-204B-AE19-757E57DBF8E2}" type="parTrans" cxnId="{FC1AC939-5A01-D84B-8800-0E045D0F93C8}">
+      <dgm:prSet/>
+      <dgm:spPr/>
+      <dgm:t>
+        <a:bodyPr/>
+        <a:lstStyle/>
+        <a:p>
+          <a:endParaRPr lang="en-US"/>
+        </a:p>
+      </dgm:t>
+    </dgm:pt>
+    <dgm:pt modelId="{2C4AF3F2-4BEF-1E41-A9DC-C2CCA7D68218}" type="sibTrans" cxnId="{FC1AC939-5A01-D84B-8800-0E045D0F93C8}">
+      <dgm:prSet/>
+      <dgm:spPr/>
+      <dgm:t>
+        <a:bodyPr/>
+        <a:lstStyle/>
+        <a:p>
+          <a:endParaRPr lang="en-US"/>
+        </a:p>
+      </dgm:t>
+    </dgm:pt>
+    <dgm:pt modelId="{882FED25-8C48-F941-A0FE-6B2DFF5CD464}">
+      <dgm:prSet phldrT="[Text]"/>
+      <dgm:spPr>
+        <a:solidFill>
+          <a:schemeClr val="tx1">
+            <a:lumMod val="65000"/>
+            <a:lumOff val="35000"/>
+          </a:schemeClr>
+        </a:solidFill>
+      </dgm:spPr>
+      <dgm:t>
+        <a:bodyPr/>
+        <a:lstStyle/>
+        <a:p>
+          <a:r>
+            <a:rPr lang="en-US" dirty="0"/>
+            <a:t>Model Interpretation</a:t>
+          </a:r>
+        </a:p>
+      </dgm:t>
+    </dgm:pt>
+    <dgm:pt modelId="{B419AD8C-EBD7-5443-9C93-E4B849DE07B6}" type="parTrans" cxnId="{467F9BED-D392-3940-B061-1699282DB62A}">
+      <dgm:prSet/>
+      <dgm:spPr/>
+      <dgm:t>
+        <a:bodyPr/>
+        <a:lstStyle/>
+        <a:p>
+          <a:endParaRPr lang="en-US"/>
+        </a:p>
+      </dgm:t>
+    </dgm:pt>
+    <dgm:pt modelId="{030A6B87-CA32-C340-A552-365F7A05C57F}" type="sibTrans" cxnId="{467F9BED-D392-3940-B061-1699282DB62A}">
+      <dgm:prSet/>
+      <dgm:spPr>
+        <a:solidFill>
+          <a:schemeClr val="bg2"/>
+        </a:solidFill>
+      </dgm:spPr>
+      <dgm:t>
+        <a:bodyPr/>
+        <a:lstStyle/>
+        <a:p>
+          <a:endParaRPr lang="en-US"/>
+        </a:p>
+      </dgm:t>
+    </dgm:pt>
+    <dgm:pt modelId="{60FEA49A-52E5-FB49-B9D7-919B8E8D64F4}">
+      <dgm:prSet/>
+      <dgm:spPr>
+        <a:solidFill>
+          <a:schemeClr val="accent6">
+            <a:lumMod val="50000"/>
+          </a:schemeClr>
+        </a:solidFill>
+      </dgm:spPr>
+      <dgm:t>
+        <a:bodyPr/>
+        <a:lstStyle/>
+        <a:p>
+          <a:r>
+            <a:rPr lang="en-US" dirty="0"/>
+            <a:t>Entities</a:t>
+          </a:r>
+        </a:p>
+      </dgm:t>
+    </dgm:pt>
+    <dgm:pt modelId="{7E8F7D45-586B-A641-B509-72E0E3DB9800}" type="parTrans" cxnId="{B650C331-3E4A-9142-9766-ADC1499BB1FB}">
+      <dgm:prSet/>
+      <dgm:spPr/>
+      <dgm:t>
+        <a:bodyPr/>
+        <a:lstStyle/>
+        <a:p>
+          <a:endParaRPr lang="en-US"/>
+        </a:p>
+      </dgm:t>
+    </dgm:pt>
+    <dgm:pt modelId="{E893C522-81CE-8546-BA58-AAD1F1CCD417}" type="sibTrans" cxnId="{B650C331-3E4A-9142-9766-ADC1499BB1FB}">
+      <dgm:prSet/>
+      <dgm:spPr/>
+      <dgm:t>
+        <a:bodyPr/>
+        <a:lstStyle/>
+        <a:p>
+          <a:endParaRPr lang="en-US"/>
+        </a:p>
+      </dgm:t>
+    </dgm:pt>
+    <dgm:pt modelId="{8933D80B-03CB-154C-805F-13221DB1B822}">
+      <dgm:prSet/>
+      <dgm:spPr>
+        <a:solidFill>
+          <a:schemeClr val="accent6">
+            <a:lumMod val="50000"/>
+          </a:schemeClr>
+        </a:solidFill>
+      </dgm:spPr>
+      <dgm:t>
+        <a:bodyPr/>
+        <a:lstStyle/>
+        <a:p>
+          <a:r>
+            <a:rPr lang="en-US" dirty="0"/>
+            <a:t>temporal</a:t>
+          </a:r>
+        </a:p>
+      </dgm:t>
+    </dgm:pt>
+    <dgm:pt modelId="{05F6BE08-6836-6D4D-951F-A258F2E08662}" type="parTrans" cxnId="{01877F06-0601-234E-B04A-2AADE4C2D154}">
+      <dgm:prSet/>
+      <dgm:spPr/>
+      <dgm:t>
+        <a:bodyPr/>
+        <a:lstStyle/>
+        <a:p>
+          <a:endParaRPr lang="en-US"/>
+        </a:p>
+      </dgm:t>
+    </dgm:pt>
+    <dgm:pt modelId="{59F6EB62-364A-E44D-A61C-CEA12AA8589C}" type="sibTrans" cxnId="{01877F06-0601-234E-B04A-2AADE4C2D154}">
+      <dgm:prSet/>
+      <dgm:spPr/>
+      <dgm:t>
+        <a:bodyPr/>
+        <a:lstStyle/>
+        <a:p>
+          <a:endParaRPr lang="en-US"/>
+        </a:p>
+      </dgm:t>
+    </dgm:pt>
+    <dgm:pt modelId="{B1557D1B-A1F8-FC4B-B50D-EA46AEAC83E2}">
+      <dgm:prSet/>
+      <dgm:spPr>
+        <a:solidFill>
+          <a:schemeClr val="accent6">
+            <a:lumMod val="50000"/>
+          </a:schemeClr>
+        </a:solidFill>
+      </dgm:spPr>
+      <dgm:t>
+        <a:bodyPr/>
+        <a:lstStyle/>
+        <a:p>
+          <a:r>
+            <a:rPr lang="en-US" dirty="0"/>
+            <a:t>Spatial</a:t>
+          </a:r>
+        </a:p>
+      </dgm:t>
+    </dgm:pt>
+    <dgm:pt modelId="{301BEF8E-62FD-F942-ABEC-722E78A30EAC}" type="parTrans" cxnId="{0D418D49-B127-3C44-AF37-A060A5F8F42E}">
+      <dgm:prSet/>
+      <dgm:spPr/>
+      <dgm:t>
+        <a:bodyPr/>
+        <a:lstStyle/>
+        <a:p>
+          <a:endParaRPr lang="en-US"/>
+        </a:p>
+      </dgm:t>
+    </dgm:pt>
+    <dgm:pt modelId="{76EC83BA-130D-EA44-8EE3-6264D4A2F0C7}" type="sibTrans" cxnId="{0D418D49-B127-3C44-AF37-A060A5F8F42E}">
+      <dgm:prSet/>
+      <dgm:spPr/>
+      <dgm:t>
+        <a:bodyPr/>
+        <a:lstStyle/>
+        <a:p>
+          <a:endParaRPr lang="en-US"/>
+        </a:p>
+      </dgm:t>
+    </dgm:pt>
+    <dgm:pt modelId="{DDAC47D6-F859-4340-B28C-6D49EE097740}">
+      <dgm:prSet/>
+      <dgm:spPr>
+        <a:solidFill>
+          <a:schemeClr val="accent6">
+            <a:lumMod val="50000"/>
+          </a:schemeClr>
+        </a:solidFill>
+      </dgm:spPr>
+      <dgm:t>
+        <a:bodyPr/>
+        <a:lstStyle/>
+        <a:p>
+          <a:r>
+            <a:rPr lang="en-US" dirty="0"/>
+            <a:t>…</a:t>
+          </a:r>
+        </a:p>
+      </dgm:t>
+    </dgm:pt>
+    <dgm:pt modelId="{5B556703-BE01-8848-BE27-5969CF3D2B5D}" type="parTrans" cxnId="{B5AA2D8B-61D5-DB43-8D06-4875A7EB0CBD}">
+      <dgm:prSet/>
+      <dgm:spPr/>
+      <dgm:t>
+        <a:bodyPr/>
+        <a:lstStyle/>
+        <a:p>
+          <a:endParaRPr lang="en-US"/>
+        </a:p>
+      </dgm:t>
+    </dgm:pt>
+    <dgm:pt modelId="{0A2D5029-F7E5-6C47-9CF0-D5505B2F8FFB}" type="sibTrans" cxnId="{B5AA2D8B-61D5-DB43-8D06-4875A7EB0CBD}">
+      <dgm:prSet/>
+      <dgm:spPr/>
+      <dgm:t>
+        <a:bodyPr/>
+        <a:lstStyle/>
+        <a:p>
+          <a:endParaRPr lang="en-US"/>
+        </a:p>
+      </dgm:t>
+    </dgm:pt>
+    <dgm:pt modelId="{4861F807-1580-8C4F-9C33-66D2EDE9ABAD}">
+      <dgm:prSet phldrT="[Text]"/>
+      <dgm:spPr/>
+      <dgm:t>
+        <a:bodyPr/>
+        <a:lstStyle/>
+        <a:p>
+          <a:r>
+            <a:rPr lang="en-US" dirty="0"/>
+            <a:t>Models</a:t>
+          </a:r>
+        </a:p>
+      </dgm:t>
+    </dgm:pt>
+    <dgm:pt modelId="{8CC078C6-7EFD-9A46-B445-021F345DCF5A}" type="parTrans" cxnId="{881C745A-6BF5-1846-9762-D162446F8EE8}">
+      <dgm:prSet/>
+      <dgm:spPr/>
+      <dgm:t>
+        <a:bodyPr/>
+        <a:lstStyle/>
+        <a:p>
+          <a:endParaRPr lang="en-US"/>
+        </a:p>
+      </dgm:t>
+    </dgm:pt>
+    <dgm:pt modelId="{5D77E747-1467-6249-A64A-E8E192C48D64}" type="sibTrans" cxnId="{881C745A-6BF5-1846-9762-D162446F8EE8}">
+      <dgm:prSet/>
+      <dgm:spPr/>
+      <dgm:t>
+        <a:bodyPr/>
+        <a:lstStyle/>
+        <a:p>
+          <a:endParaRPr lang="en-US"/>
+        </a:p>
+      </dgm:t>
+    </dgm:pt>
+    <dgm:pt modelId="{917501D8-12A6-0D43-82EB-9B8BF9A095D6}">
+      <dgm:prSet phldrT="[Text]"/>
+      <dgm:spPr/>
+      <dgm:t>
+        <a:bodyPr/>
+        <a:lstStyle/>
+        <a:p>
+          <a:r>
+            <a:rPr lang="en-US" dirty="0"/>
+            <a:t>Dealing with Bias and Fairness</a:t>
+          </a:r>
+        </a:p>
+      </dgm:t>
+    </dgm:pt>
+    <dgm:pt modelId="{2189082E-6C82-944A-BE92-D9BC72270382}" type="parTrans" cxnId="{0E3C2485-CAF8-434B-89F0-893517E042E7}">
+      <dgm:prSet/>
+      <dgm:spPr/>
+      <dgm:t>
+        <a:bodyPr/>
+        <a:lstStyle/>
+        <a:p>
+          <a:endParaRPr lang="en-US"/>
+        </a:p>
+      </dgm:t>
+    </dgm:pt>
+    <dgm:pt modelId="{04D5671A-AE7F-BD4E-9B86-A6A6425F59A8}" type="sibTrans" cxnId="{0E3C2485-CAF8-434B-89F0-893517E042E7}">
+      <dgm:prSet/>
+      <dgm:spPr/>
+      <dgm:t>
+        <a:bodyPr/>
+        <a:lstStyle/>
+        <a:p>
+          <a:endParaRPr lang="en-US"/>
+        </a:p>
+      </dgm:t>
+    </dgm:pt>
+    <dgm:pt modelId="{1F12B085-E167-9940-8DCF-A46224752E8F}">
+      <dgm:prSet phldrT="[Text]"/>
+      <dgm:spPr>
+        <a:solidFill>
+          <a:schemeClr val="accent6">
+            <a:lumMod val="50000"/>
+          </a:schemeClr>
+        </a:solidFill>
+      </dgm:spPr>
+      <dgm:t>
+        <a:bodyPr/>
+        <a:lstStyle/>
+        <a:p>
+          <a:r>
+            <a:rPr lang="en-US" dirty="0"/>
+            <a:t>Field Trial Design</a:t>
+          </a:r>
+        </a:p>
+      </dgm:t>
+    </dgm:pt>
+    <dgm:pt modelId="{7A893FC9-C7B2-A646-8934-DEE2F8F265BA}" type="parTrans" cxnId="{87E2372F-44B8-7346-94AD-1B6CD49001EC}">
+      <dgm:prSet/>
+      <dgm:spPr/>
+      <dgm:t>
+        <a:bodyPr/>
+        <a:lstStyle/>
+        <a:p>
+          <a:endParaRPr lang="en-US"/>
+        </a:p>
+      </dgm:t>
+    </dgm:pt>
+    <dgm:pt modelId="{59E7433E-EA1A-A445-8F72-1DCCEC9CF854}" type="sibTrans" cxnId="{87E2372F-44B8-7346-94AD-1B6CD49001EC}">
+      <dgm:prSet/>
+      <dgm:spPr>
+        <a:solidFill>
+          <a:schemeClr val="accent6">
+            <a:lumMod val="50000"/>
+          </a:schemeClr>
+        </a:solidFill>
+      </dgm:spPr>
+      <dgm:t>
+        <a:bodyPr/>
+        <a:lstStyle/>
+        <a:p>
+          <a:endParaRPr lang="en-US"/>
+        </a:p>
+      </dgm:t>
+    </dgm:pt>
+    <dgm:pt modelId="{4300FFA5-0FE1-0644-9B26-EF0EC29D2E58}">
+      <dgm:prSet phldrT="[Text]"/>
+      <dgm:spPr/>
+      <dgm:t>
+        <a:bodyPr/>
+        <a:lstStyle/>
+        <a:p>
+          <a:r>
+            <a:rPr lang="en-US" dirty="0"/>
+            <a:t>Deployment</a:t>
+          </a:r>
+        </a:p>
+      </dgm:t>
+    </dgm:pt>
+    <dgm:pt modelId="{CD73BF7D-329F-4F42-9B2D-1C22A52FFC9D}" type="parTrans" cxnId="{E9A0EB78-92A5-5E4E-8437-0C6B9359762F}">
+      <dgm:prSet/>
+      <dgm:spPr/>
+      <dgm:t>
+        <a:bodyPr/>
+        <a:lstStyle/>
+        <a:p>
+          <a:endParaRPr lang="en-US"/>
+        </a:p>
+      </dgm:t>
+    </dgm:pt>
+    <dgm:pt modelId="{2C4637A3-9257-AA41-A5B8-B87451C5F477}" type="sibTrans" cxnId="{E9A0EB78-92A5-5E4E-8437-0C6B9359762F}">
+      <dgm:prSet/>
+      <dgm:spPr/>
+      <dgm:t>
+        <a:bodyPr/>
+        <a:lstStyle/>
+        <a:p>
+          <a:endParaRPr lang="en-US"/>
+        </a:p>
+      </dgm:t>
+    </dgm:pt>
+    <dgm:pt modelId="{B86E1618-0E2D-E84D-BCEB-2453703211F3}">
+      <dgm:prSet phldrT="[Text]"/>
+      <dgm:spPr>
+        <a:solidFill>
+          <a:srgbClr val="00B0F0"/>
+        </a:solidFill>
+      </dgm:spPr>
+      <dgm:t>
+        <a:bodyPr/>
+        <a:lstStyle/>
+        <a:p>
+          <a:r>
+            <a:rPr lang="en-US" dirty="0"/>
+            <a:t>Monitoring</a:t>
+          </a:r>
+        </a:p>
+      </dgm:t>
+    </dgm:pt>
+    <dgm:pt modelId="{4EFD42D0-7098-564F-980C-3F3CECAA5410}" type="parTrans" cxnId="{BE324233-F9AC-DC43-A89C-3F7FD9B5D466}">
+      <dgm:prSet/>
+      <dgm:spPr/>
+      <dgm:t>
+        <a:bodyPr/>
+        <a:lstStyle/>
+        <a:p>
+          <a:endParaRPr lang="en-US"/>
+        </a:p>
+      </dgm:t>
+    </dgm:pt>
+    <dgm:pt modelId="{877FBD8C-7A3B-5E45-8830-1FEAB09A55C5}" type="sibTrans" cxnId="{BE324233-F9AC-DC43-A89C-3F7FD9B5D466}">
+      <dgm:prSet/>
+      <dgm:spPr/>
+      <dgm:t>
+        <a:bodyPr/>
+        <a:lstStyle/>
+        <a:p>
+          <a:endParaRPr lang="en-US"/>
+        </a:p>
+      </dgm:t>
+    </dgm:pt>
+    <dgm:pt modelId="{63B03111-9832-1646-BDF4-5D9B749EF795}">
+      <dgm:prSet phldrT="[Text]"/>
+      <dgm:spPr>
+        <a:solidFill>
+          <a:schemeClr val="tx1">
+            <a:lumMod val="65000"/>
+            <a:lumOff val="35000"/>
+          </a:schemeClr>
+        </a:solidFill>
+      </dgm:spPr>
+      <dgm:t>
+        <a:bodyPr/>
+        <a:lstStyle/>
+        <a:p>
+          <a:r>
+            <a:rPr lang="en-US" dirty="0"/>
+            <a:t>Goals, Actions, Data, Analysis, Ethics</a:t>
+          </a:r>
+        </a:p>
+      </dgm:t>
+    </dgm:pt>
+    <dgm:pt modelId="{1C812E3F-39E1-CF47-BBBD-159FAEC5C786}" type="parTrans" cxnId="{9F4BBA63-304C-604B-A391-58E4720B5BE5}">
+      <dgm:prSet/>
+      <dgm:spPr/>
+      <dgm:t>
+        <a:bodyPr/>
+        <a:lstStyle/>
+        <a:p>
+          <a:endParaRPr lang="en-US"/>
+        </a:p>
+      </dgm:t>
+    </dgm:pt>
+    <dgm:pt modelId="{702B8123-1BB3-E349-AB4A-1A9D41698317}" type="sibTrans" cxnId="{9F4BBA63-304C-604B-A391-58E4720B5BE5}">
+      <dgm:prSet/>
+      <dgm:spPr/>
+      <dgm:t>
+        <a:bodyPr/>
+        <a:lstStyle/>
+        <a:p>
+          <a:endParaRPr lang="en-US"/>
+        </a:p>
+      </dgm:t>
+    </dgm:pt>
+    <dgm:pt modelId="{CBF254FA-D4E0-B74E-A18D-AE53AEBD67CD}" type="pres">
+      <dgm:prSet presAssocID="{E9FB0F4E-6967-3B44-A32F-E8B1C7AE98D5}" presName="diagram" presStyleCnt="0">
+        <dgm:presLayoutVars>
+          <dgm:dir/>
+          <dgm:resizeHandles val="exact"/>
+        </dgm:presLayoutVars>
+      </dgm:prSet>
+      <dgm:spPr/>
+    </dgm:pt>
+    <dgm:pt modelId="{B4D5E3D8-47D8-1A4C-9387-6DE60324DF6F}" type="pres">
+      <dgm:prSet presAssocID="{75350DEC-25F7-F240-A4BF-3A92E80C52F5}" presName="node" presStyleLbl="node1" presStyleIdx="0" presStyleCnt="10">
+        <dgm:presLayoutVars>
+          <dgm:bulletEnabled val="1"/>
+        </dgm:presLayoutVars>
+      </dgm:prSet>
+      <dgm:spPr/>
+    </dgm:pt>
+    <dgm:pt modelId="{A58869D2-B78E-DD40-ACB3-9F052F33CBCE}" type="pres">
+      <dgm:prSet presAssocID="{BAC284C6-3986-1C48-93AC-8FEBC662ECEE}" presName="sibTrans" presStyleLbl="sibTrans2D1" presStyleIdx="0" presStyleCnt="9"/>
+      <dgm:spPr/>
+    </dgm:pt>
+    <dgm:pt modelId="{814C8FA7-CFA6-FA42-8BC8-CD119ED58623}" type="pres">
+      <dgm:prSet presAssocID="{BAC284C6-3986-1C48-93AC-8FEBC662ECEE}" presName="connectorText" presStyleLbl="sibTrans2D1" presStyleIdx="0" presStyleCnt="9"/>
+      <dgm:spPr/>
+    </dgm:pt>
+    <dgm:pt modelId="{C234DD4B-5CB7-E549-AD0E-83532D584FCF}" type="pres">
+      <dgm:prSet presAssocID="{4F2509E8-87E6-2347-B926-EB9BDDECA6FD}" presName="node" presStyleLbl="node1" presStyleIdx="1" presStyleCnt="10">
+        <dgm:presLayoutVars>
+          <dgm:bulletEnabled val="1"/>
+        </dgm:presLayoutVars>
+      </dgm:prSet>
+      <dgm:spPr/>
+    </dgm:pt>
+    <dgm:pt modelId="{16C02E65-2210-C24E-8692-38A2A70EC148}" type="pres">
+      <dgm:prSet presAssocID="{748D4455-259E-4245-ADD2-8DDAC2A60773}" presName="sibTrans" presStyleLbl="sibTrans2D1" presStyleIdx="1" presStyleCnt="9"/>
+      <dgm:spPr/>
+    </dgm:pt>
+    <dgm:pt modelId="{7060A806-1549-3F45-A072-7BB9691C2D8D}" type="pres">
+      <dgm:prSet presAssocID="{748D4455-259E-4245-ADD2-8DDAC2A60773}" presName="connectorText" presStyleLbl="sibTrans2D1" presStyleIdx="1" presStyleCnt="9"/>
+      <dgm:spPr/>
+    </dgm:pt>
+    <dgm:pt modelId="{FBF1C564-B2B8-4C41-BE63-B8171F8EB76E}" type="pres">
+      <dgm:prSet presAssocID="{7B079A50-DF5E-0A4C-9491-2FBAFC0F785B}" presName="node" presStyleLbl="node1" presStyleIdx="2" presStyleCnt="10">
+        <dgm:presLayoutVars>
+          <dgm:bulletEnabled val="1"/>
+        </dgm:presLayoutVars>
+      </dgm:prSet>
+      <dgm:spPr/>
+    </dgm:pt>
+    <dgm:pt modelId="{680472FB-1DED-B043-9C18-8E9AFCBED6E9}" type="pres">
+      <dgm:prSet presAssocID="{00735B98-C924-5743-B429-DBBBDEA50165}" presName="sibTrans" presStyleLbl="sibTrans2D1" presStyleIdx="2" presStyleCnt="9"/>
+      <dgm:spPr/>
+    </dgm:pt>
+    <dgm:pt modelId="{002AA36D-CAF6-0343-B244-6F6849B9EB75}" type="pres">
+      <dgm:prSet presAssocID="{00735B98-C924-5743-B429-DBBBDEA50165}" presName="connectorText" presStyleLbl="sibTrans2D1" presStyleIdx="2" presStyleCnt="9"/>
+      <dgm:spPr/>
+    </dgm:pt>
+    <dgm:pt modelId="{CC8F3904-974E-2647-9B88-B6062079D1ED}" type="pres">
+      <dgm:prSet presAssocID="{EB4866D8-1266-8945-89C4-F4CD4F9D8A6F}" presName="node" presStyleLbl="node1" presStyleIdx="3" presStyleCnt="10">
+        <dgm:presLayoutVars>
+          <dgm:bulletEnabled val="1"/>
+        </dgm:presLayoutVars>
+      </dgm:prSet>
+      <dgm:spPr/>
+    </dgm:pt>
+    <dgm:pt modelId="{5383FDA3-64FA-604A-8CAF-995772572DB0}" type="pres">
+      <dgm:prSet presAssocID="{206E47A8-99B6-484A-AD35-04DCB9238B9B}" presName="sibTrans" presStyleLbl="sibTrans2D1" presStyleIdx="3" presStyleCnt="9"/>
+      <dgm:spPr/>
+    </dgm:pt>
+    <dgm:pt modelId="{AC48ED73-8B05-6041-911E-F23E178815C4}" type="pres">
+      <dgm:prSet presAssocID="{206E47A8-99B6-484A-AD35-04DCB9238B9B}" presName="connectorText" presStyleLbl="sibTrans2D1" presStyleIdx="3" presStyleCnt="9"/>
+      <dgm:spPr/>
+    </dgm:pt>
+    <dgm:pt modelId="{F11F753D-D453-BC4F-BACE-C4F8A11ECEA5}" type="pres">
+      <dgm:prSet presAssocID="{AE199458-77CF-8440-8970-F024006EA226}" presName="node" presStyleLbl="node1" presStyleIdx="4" presStyleCnt="10">
+        <dgm:presLayoutVars>
+          <dgm:bulletEnabled val="1"/>
+        </dgm:presLayoutVars>
+      </dgm:prSet>
+      <dgm:spPr/>
+    </dgm:pt>
+    <dgm:pt modelId="{F8E19199-589F-1946-8222-73EA4584121E}" type="pres">
+      <dgm:prSet presAssocID="{89DBDFDC-5EB5-0B49-A8D0-DB22ECB982AF}" presName="sibTrans" presStyleLbl="sibTrans2D1" presStyleIdx="4" presStyleCnt="9"/>
+      <dgm:spPr/>
+    </dgm:pt>
+    <dgm:pt modelId="{1E3ABFF9-C6C0-0441-8FEA-3F98FEF0374E}" type="pres">
+      <dgm:prSet presAssocID="{89DBDFDC-5EB5-0B49-A8D0-DB22ECB982AF}" presName="connectorText" presStyleLbl="sibTrans2D1" presStyleIdx="4" presStyleCnt="9"/>
+      <dgm:spPr/>
+    </dgm:pt>
+    <dgm:pt modelId="{529FCC09-4687-E147-80E8-2EB7609DC9CF}" type="pres">
+      <dgm:prSet presAssocID="{882FED25-8C48-F941-A0FE-6B2DFF5CD464}" presName="node" presStyleLbl="node1" presStyleIdx="5" presStyleCnt="10">
+        <dgm:presLayoutVars>
+          <dgm:bulletEnabled val="1"/>
+        </dgm:presLayoutVars>
+      </dgm:prSet>
+      <dgm:spPr/>
+    </dgm:pt>
+    <dgm:pt modelId="{5381123D-2C93-3241-8E06-B77D04CAE8EC}" type="pres">
+      <dgm:prSet presAssocID="{030A6B87-CA32-C340-A552-365F7A05C57F}" presName="sibTrans" presStyleLbl="sibTrans2D1" presStyleIdx="5" presStyleCnt="9"/>
+      <dgm:spPr/>
+    </dgm:pt>
+    <dgm:pt modelId="{2E3787C8-BF17-C343-9F7D-55355502CEE3}" type="pres">
+      <dgm:prSet presAssocID="{030A6B87-CA32-C340-A552-365F7A05C57F}" presName="connectorText" presStyleLbl="sibTrans2D1" presStyleIdx="5" presStyleCnt="9"/>
+      <dgm:spPr/>
+    </dgm:pt>
+    <dgm:pt modelId="{1850AAD1-4903-FE47-A71D-0B73E666CD99}" type="pres">
+      <dgm:prSet presAssocID="{917501D8-12A6-0D43-82EB-9B8BF9A095D6}" presName="node" presStyleLbl="node1" presStyleIdx="6" presStyleCnt="10">
+        <dgm:presLayoutVars>
+          <dgm:bulletEnabled val="1"/>
+        </dgm:presLayoutVars>
+      </dgm:prSet>
+      <dgm:spPr/>
+    </dgm:pt>
+    <dgm:pt modelId="{D7CE2DAE-ABF0-9641-AE1A-0DB79AEBD84A}" type="pres">
+      <dgm:prSet presAssocID="{04D5671A-AE7F-BD4E-9B86-A6A6425F59A8}" presName="sibTrans" presStyleLbl="sibTrans2D1" presStyleIdx="6" presStyleCnt="9"/>
+      <dgm:spPr/>
+    </dgm:pt>
+    <dgm:pt modelId="{DC4C8257-9496-D04B-A26B-2200A3FFE3E7}" type="pres">
+      <dgm:prSet presAssocID="{04D5671A-AE7F-BD4E-9B86-A6A6425F59A8}" presName="connectorText" presStyleLbl="sibTrans2D1" presStyleIdx="6" presStyleCnt="9"/>
+      <dgm:spPr/>
+    </dgm:pt>
+    <dgm:pt modelId="{0538887E-FF31-324E-B401-E87E44AFF0AA}" type="pres">
+      <dgm:prSet presAssocID="{1F12B085-E167-9940-8DCF-A46224752E8F}" presName="node" presStyleLbl="node1" presStyleIdx="7" presStyleCnt="10">
+        <dgm:presLayoutVars>
+          <dgm:bulletEnabled val="1"/>
+        </dgm:presLayoutVars>
+      </dgm:prSet>
+      <dgm:spPr/>
+    </dgm:pt>
+    <dgm:pt modelId="{92EB25B1-D4AE-754E-BD44-115E26D1FF80}" type="pres">
+      <dgm:prSet presAssocID="{59E7433E-EA1A-A445-8F72-1DCCEC9CF854}" presName="sibTrans" presStyleLbl="sibTrans2D1" presStyleIdx="7" presStyleCnt="9"/>
+      <dgm:spPr/>
+    </dgm:pt>
+    <dgm:pt modelId="{B4D2AADB-2320-D741-9683-970A9AF56C3E}" type="pres">
+      <dgm:prSet presAssocID="{59E7433E-EA1A-A445-8F72-1DCCEC9CF854}" presName="connectorText" presStyleLbl="sibTrans2D1" presStyleIdx="7" presStyleCnt="9"/>
+      <dgm:spPr/>
+    </dgm:pt>
+    <dgm:pt modelId="{C225C079-1737-3742-99A0-0A7B593214FB}" type="pres">
+      <dgm:prSet presAssocID="{4300FFA5-0FE1-0644-9B26-EF0EC29D2E58}" presName="node" presStyleLbl="node1" presStyleIdx="8" presStyleCnt="10">
+        <dgm:presLayoutVars>
+          <dgm:bulletEnabled val="1"/>
+        </dgm:presLayoutVars>
+      </dgm:prSet>
+      <dgm:spPr/>
+    </dgm:pt>
+    <dgm:pt modelId="{C8297064-9915-AB4E-A9CB-FFEA8FC197B9}" type="pres">
+      <dgm:prSet presAssocID="{2C4637A3-9257-AA41-A5B8-B87451C5F477}" presName="sibTrans" presStyleLbl="sibTrans2D1" presStyleIdx="8" presStyleCnt="9"/>
+      <dgm:spPr/>
+    </dgm:pt>
+    <dgm:pt modelId="{EDC8E22C-F874-6448-9DE8-54F7348385E0}" type="pres">
+      <dgm:prSet presAssocID="{2C4637A3-9257-AA41-A5B8-B87451C5F477}" presName="connectorText" presStyleLbl="sibTrans2D1" presStyleIdx="8" presStyleCnt="9"/>
+      <dgm:spPr/>
+    </dgm:pt>
+    <dgm:pt modelId="{098F0226-B690-1B45-B506-7C933BFB7998}" type="pres">
+      <dgm:prSet presAssocID="{B86E1618-0E2D-E84D-BCEB-2453703211F3}" presName="node" presStyleLbl="node1" presStyleIdx="9" presStyleCnt="10">
+        <dgm:presLayoutVars>
+          <dgm:bulletEnabled val="1"/>
+        </dgm:presLayoutVars>
+      </dgm:prSet>
+      <dgm:spPr/>
+    </dgm:pt>
+  </dgm:ptLst>
+  <dgm:cxnLst>
+    <dgm:cxn modelId="{B95DCD03-4AAD-4B42-9243-666F8DB599E8}" type="presOf" srcId="{8933D80B-03CB-154C-805F-13221DB1B822}" destId="{FBF1C564-B2B8-4C41-BE63-B8171F8EB76E}" srcOrd="0" destOrd="2" presId="urn:microsoft.com/office/officeart/2005/8/layout/process5"/>
+    <dgm:cxn modelId="{30E4E603-88A2-FC48-B384-BE3A5BB6B8C0}" type="presOf" srcId="{BAC284C6-3986-1C48-93AC-8FEBC662ECEE}" destId="{814C8FA7-CFA6-FA42-8BC8-CD119ED58623}" srcOrd="1" destOrd="0" presId="urn:microsoft.com/office/officeart/2005/8/layout/process5"/>
+    <dgm:cxn modelId="{B3721305-A4DC-1D4B-9870-E1245EA94AA1}" type="presOf" srcId="{5FE83F24-F694-6A4B-99C0-78300CB546E1}" destId="{CC8F3904-974E-2647-9B88-B6062079D1ED}" srcOrd="0" destOrd="1" presId="urn:microsoft.com/office/officeart/2005/8/layout/process5"/>
+    <dgm:cxn modelId="{01877F06-0601-234E-B04A-2AADE4C2D154}" srcId="{7B079A50-DF5E-0A4C-9491-2FBAFC0F785B}" destId="{8933D80B-03CB-154C-805F-13221DB1B822}" srcOrd="1" destOrd="0" parTransId="{05F6BE08-6836-6D4D-951F-A258F2E08662}" sibTransId="{59F6EB62-364A-E44D-A61C-CEA12AA8589C}"/>
+    <dgm:cxn modelId="{0E10E907-0ADA-4D45-9069-B9A3AC9E0310}" type="presOf" srcId="{7B079A50-DF5E-0A4C-9491-2FBAFC0F785B}" destId="{FBF1C564-B2B8-4C41-BE63-B8171F8EB76E}" srcOrd="0" destOrd="0" presId="urn:microsoft.com/office/officeart/2005/8/layout/process5"/>
+    <dgm:cxn modelId="{D5992D08-7598-A94A-AD4C-62B4CD474D26}" type="presOf" srcId="{761579F4-10DF-F244-9532-25DEF4807D83}" destId="{C234DD4B-5CB7-E549-AD0E-83532D584FCF}" srcOrd="0" destOrd="3" presId="urn:microsoft.com/office/officeart/2005/8/layout/process5"/>
+    <dgm:cxn modelId="{F62E5C0C-C9DB-474B-99E5-505C0287727A}" type="presOf" srcId="{B86E1618-0E2D-E84D-BCEB-2453703211F3}" destId="{098F0226-B690-1B45-B506-7C933BFB7998}" srcOrd="0" destOrd="0" presId="urn:microsoft.com/office/officeart/2005/8/layout/process5"/>
+    <dgm:cxn modelId="{81D07A23-EA35-C94F-81FA-E72150079877}" srcId="{E9FB0F4E-6967-3B44-A32F-E8B1C7AE98D5}" destId="{75350DEC-25F7-F240-A4BF-3A92E80C52F5}" srcOrd="0" destOrd="0" parTransId="{965794C1-5767-E94D-8105-ED104B4D33E2}" sibTransId="{BAC284C6-3986-1C48-93AC-8FEBC662ECEE}"/>
+    <dgm:cxn modelId="{BFD8C726-235C-FD40-B9F6-87513427E29C}" type="presOf" srcId="{4861F807-1580-8C4F-9C33-66D2EDE9ABAD}" destId="{CC8F3904-974E-2647-9B88-B6062079D1ED}" srcOrd="0" destOrd="4" presId="urn:microsoft.com/office/officeart/2005/8/layout/process5"/>
+    <dgm:cxn modelId="{A5814027-F41C-1F45-84CD-3391AC53F8A5}" type="presOf" srcId="{DDAC47D6-F859-4340-B28C-6D49EE097740}" destId="{FBF1C564-B2B8-4C41-BE63-B8171F8EB76E}" srcOrd="0" destOrd="4" presId="urn:microsoft.com/office/officeart/2005/8/layout/process5"/>
+    <dgm:cxn modelId="{4252FF2A-9D9C-154A-8E00-7845AEFA42A3}" type="presOf" srcId="{AE199458-77CF-8440-8970-F024006EA226}" destId="{F11F753D-D453-BC4F-BACE-C4F8A11ECEA5}" srcOrd="0" destOrd="0" presId="urn:microsoft.com/office/officeart/2005/8/layout/process5"/>
+    <dgm:cxn modelId="{87E2372F-44B8-7346-94AD-1B6CD49001EC}" srcId="{E9FB0F4E-6967-3B44-A32F-E8B1C7AE98D5}" destId="{1F12B085-E167-9940-8DCF-A46224752E8F}" srcOrd="7" destOrd="0" parTransId="{7A893FC9-C7B2-A646-8934-DEE2F8F265BA}" sibTransId="{59E7433E-EA1A-A445-8F72-1DCCEC9CF854}"/>
+    <dgm:cxn modelId="{B650C331-3E4A-9142-9766-ADC1499BB1FB}" srcId="{7B079A50-DF5E-0A4C-9491-2FBAFC0F785B}" destId="{60FEA49A-52E5-FB49-B9D7-919B8E8D64F4}" srcOrd="0" destOrd="0" parTransId="{7E8F7D45-586B-A641-B509-72E0E3DB9800}" sibTransId="{E893C522-81CE-8546-BA58-AAD1F1CCD417}"/>
+    <dgm:cxn modelId="{BD857532-F26B-7C43-A239-905B90EF1A8C}" type="presOf" srcId="{E9FB0F4E-6967-3B44-A32F-E8B1C7AE98D5}" destId="{CBF254FA-D4E0-B74E-A18D-AE53AEBD67CD}" srcOrd="0" destOrd="0" presId="urn:microsoft.com/office/officeart/2005/8/layout/process5"/>
+    <dgm:cxn modelId="{BE324233-F9AC-DC43-A89C-3F7FD9B5D466}" srcId="{E9FB0F4E-6967-3B44-A32F-E8B1C7AE98D5}" destId="{B86E1618-0E2D-E84D-BCEB-2453703211F3}" srcOrd="9" destOrd="0" parTransId="{4EFD42D0-7098-564F-980C-3F3CECAA5410}" sibTransId="{877FBD8C-7A3B-5E45-8830-1FEAB09A55C5}"/>
+    <dgm:cxn modelId="{27375D36-313F-2A44-B2E2-0C6FE9D62D1A}" type="presOf" srcId="{75350DEC-25F7-F240-A4BF-3A92E80C52F5}" destId="{B4D5E3D8-47D8-1A4C-9387-6DE60324DF6F}" srcOrd="0" destOrd="0" presId="urn:microsoft.com/office/officeart/2005/8/layout/process5"/>
+    <dgm:cxn modelId="{FC1AC939-5A01-D84B-8800-0E045D0F93C8}" srcId="{AE199458-77CF-8440-8970-F024006EA226}" destId="{69F25C00-F7E1-8B47-8544-B81240B6C7F2}" srcOrd="1" destOrd="0" parTransId="{258EB4FC-8DB3-204B-AE19-757E57DBF8E2}" sibTransId="{2C4AF3F2-4BEF-1E41-A9DC-C2CCA7D68218}"/>
+    <dgm:cxn modelId="{DF8FAA3E-AA34-BD4E-87F8-31F1AB63A13B}" type="presOf" srcId="{748D4455-259E-4245-ADD2-8DDAC2A60773}" destId="{16C02E65-2210-C24E-8692-38A2A70EC148}" srcOrd="0" destOrd="0" presId="urn:microsoft.com/office/officeart/2005/8/layout/process5"/>
+    <dgm:cxn modelId="{0D418D49-B127-3C44-AF37-A060A5F8F42E}" srcId="{7B079A50-DF5E-0A4C-9491-2FBAFC0F785B}" destId="{B1557D1B-A1F8-FC4B-B50D-EA46AEAC83E2}" srcOrd="2" destOrd="0" parTransId="{301BEF8E-62FD-F942-ABEC-722E78A30EAC}" sibTransId="{76EC83BA-130D-EA44-8EE3-6264D4A2F0C7}"/>
+    <dgm:cxn modelId="{6A32B64F-6964-414F-AD07-B5887751C75C}" type="presOf" srcId="{882FED25-8C48-F941-A0FE-6B2DFF5CD464}" destId="{529FCC09-4687-E147-80E8-2EB7609DC9CF}" srcOrd="0" destOrd="0" presId="urn:microsoft.com/office/officeart/2005/8/layout/process5"/>
+    <dgm:cxn modelId="{57E78F58-C4F1-C642-9A8E-4D1032FFACD8}" type="presOf" srcId="{471C43CE-832D-774D-BB7A-57512EFB5879}" destId="{CC8F3904-974E-2647-9B88-B6062079D1ED}" srcOrd="0" destOrd="3" presId="urn:microsoft.com/office/officeart/2005/8/layout/process5"/>
+    <dgm:cxn modelId="{881C745A-6BF5-1846-9762-D162446F8EE8}" srcId="{EB4866D8-1266-8945-89C4-F4CD4F9D8A6F}" destId="{4861F807-1580-8C4F-9C33-66D2EDE9ABAD}" srcOrd="3" destOrd="0" parTransId="{8CC078C6-7EFD-9A46-B445-021F345DCF5A}" sibTransId="{5D77E747-1467-6249-A64A-E8E192C48D64}"/>
+    <dgm:cxn modelId="{4D5E675C-49B8-1948-9D17-9FC44F33719A}" type="presOf" srcId="{59E7433E-EA1A-A445-8F72-1DCCEC9CF854}" destId="{B4D2AADB-2320-D741-9683-970A9AF56C3E}" srcOrd="1" destOrd="0" presId="urn:microsoft.com/office/officeart/2005/8/layout/process5"/>
+    <dgm:cxn modelId="{09F5B15E-E1AD-2E4A-AFF2-C91E75C311A9}" srcId="{AE199458-77CF-8440-8970-F024006EA226}" destId="{86AA592B-D489-5D4D-93FE-79A538493DA3}" srcOrd="0" destOrd="0" parTransId="{06E1BE15-F8C7-9C4D-A90E-557728BBB1D3}" sibTransId="{9EB8E24C-CDF4-7B49-8A25-38E38E64AA9F}"/>
+    <dgm:cxn modelId="{ED970163-ECEE-D849-9B40-616074ECBD3F}" srcId="{EB4866D8-1266-8945-89C4-F4CD4F9D8A6F}" destId="{5FE83F24-F694-6A4B-99C0-78300CB546E1}" srcOrd="0" destOrd="0" parTransId="{E15C2973-AC33-0145-8745-682DFB76DED0}" sibTransId="{A1EBC4F8-774A-B045-880A-03E7D798D46B}"/>
+    <dgm:cxn modelId="{6C791863-053A-EA42-B1FD-F40E2AC8732E}" type="presOf" srcId="{6E882DEC-3034-E942-B5AA-2835D77DD5C8}" destId="{CC8F3904-974E-2647-9B88-B6062079D1ED}" srcOrd="0" destOrd="2" presId="urn:microsoft.com/office/officeart/2005/8/layout/process5"/>
+    <dgm:cxn modelId="{9F4BBA63-304C-604B-A391-58E4720B5BE5}" srcId="{75350DEC-25F7-F240-A4BF-3A92E80C52F5}" destId="{63B03111-9832-1646-BDF4-5D9B749EF795}" srcOrd="0" destOrd="0" parTransId="{1C812E3F-39E1-CF47-BBBD-159FAEC5C786}" sibTransId="{702B8123-1BB3-E349-AB4A-1A9D41698317}"/>
+    <dgm:cxn modelId="{315CA365-BBD4-8349-91E9-B1E78879A052}" type="presOf" srcId="{2C4637A3-9257-AA41-A5B8-B87451C5F477}" destId="{EDC8E22C-F874-6448-9DE8-54F7348385E0}" srcOrd="1" destOrd="0" presId="urn:microsoft.com/office/officeart/2005/8/layout/process5"/>
+    <dgm:cxn modelId="{C0BF1A68-E872-0A45-B831-114F7AEF9B31}" type="presOf" srcId="{BAC284C6-3986-1C48-93AC-8FEBC662ECEE}" destId="{A58869D2-B78E-DD40-ACB3-9F052F33CBCE}" srcOrd="0" destOrd="0" presId="urn:microsoft.com/office/officeart/2005/8/layout/process5"/>
+    <dgm:cxn modelId="{CCD2446D-140E-2448-AD38-D7354F2F5BD0}" type="presOf" srcId="{86AA592B-D489-5D4D-93FE-79A538493DA3}" destId="{F11F753D-D453-BC4F-BACE-C4F8A11ECEA5}" srcOrd="0" destOrd="1" presId="urn:microsoft.com/office/officeart/2005/8/layout/process5"/>
+    <dgm:cxn modelId="{E1407870-18DB-5544-A0A5-2DE0EF6D62BF}" type="presOf" srcId="{EB4866D8-1266-8945-89C4-F4CD4F9D8A6F}" destId="{CC8F3904-974E-2647-9B88-B6062079D1ED}" srcOrd="0" destOrd="0" presId="urn:microsoft.com/office/officeart/2005/8/layout/process5"/>
+    <dgm:cxn modelId="{43B9E771-FA74-B642-9EED-7FE4A7CDF11A}" srcId="{4F2509E8-87E6-2347-B926-EB9BDDECA6FD}" destId="{C8AF58C4-450C-0C4C-83CB-1474D3ADA25F}" srcOrd="1" destOrd="0" parTransId="{DEBC2A1C-65D7-5E43-945C-60BBA4631011}" sibTransId="{51773514-44C5-134E-A69D-D30DCA75AB37}"/>
+    <dgm:cxn modelId="{BB741775-A4C8-C54B-B161-F15E4AF928EC}" type="presOf" srcId="{B1557D1B-A1F8-FC4B-B50D-EA46AEAC83E2}" destId="{FBF1C564-B2B8-4C41-BE63-B8171F8EB76E}" srcOrd="0" destOrd="3" presId="urn:microsoft.com/office/officeart/2005/8/layout/process5"/>
+    <dgm:cxn modelId="{9BF83777-08E0-6140-9D35-BF7D8AF8A067}" srcId="{E9FB0F4E-6967-3B44-A32F-E8B1C7AE98D5}" destId="{4F2509E8-87E6-2347-B926-EB9BDDECA6FD}" srcOrd="1" destOrd="0" parTransId="{B4B1EEE1-8225-A643-B681-A7F3FC14ECAD}" sibTransId="{748D4455-259E-4245-ADD2-8DDAC2A60773}"/>
+    <dgm:cxn modelId="{E9A0EB78-92A5-5E4E-8437-0C6B9359762F}" srcId="{E9FB0F4E-6967-3B44-A32F-E8B1C7AE98D5}" destId="{4300FFA5-0FE1-0644-9B26-EF0EC29D2E58}" srcOrd="8" destOrd="0" parTransId="{CD73BF7D-329F-4F42-9B2D-1C22A52FFC9D}" sibTransId="{2C4637A3-9257-AA41-A5B8-B87451C5F477}"/>
+    <dgm:cxn modelId="{E1BE627B-6B84-9F41-8C17-2CB0A302B158}" type="presOf" srcId="{04D5671A-AE7F-BD4E-9B86-A6A6425F59A8}" destId="{D7CE2DAE-ABF0-9641-AE1A-0DB79AEBD84A}" srcOrd="0" destOrd="0" presId="urn:microsoft.com/office/officeart/2005/8/layout/process5"/>
+    <dgm:cxn modelId="{1195907C-1741-0E4D-8E5E-6B3B4B259DEF}" type="presOf" srcId="{030A6B87-CA32-C340-A552-365F7A05C57F}" destId="{5381123D-2C93-3241-8E06-B77D04CAE8EC}" srcOrd="0" destOrd="0" presId="urn:microsoft.com/office/officeart/2005/8/layout/process5"/>
+    <dgm:cxn modelId="{99C2797F-C2E2-3A4C-AAF0-DCC30D2AF05D}" type="presOf" srcId="{4F2509E8-87E6-2347-B926-EB9BDDECA6FD}" destId="{C234DD4B-5CB7-E549-AD0E-83532D584FCF}" srcOrd="0" destOrd="0" presId="urn:microsoft.com/office/officeart/2005/8/layout/process5"/>
+    <dgm:cxn modelId="{85D7D382-FAAC-4F4E-84D6-7849E5E8FF0C}" type="presOf" srcId="{917501D8-12A6-0D43-82EB-9B8BF9A095D6}" destId="{1850AAD1-4903-FE47-A71D-0B73E666CD99}" srcOrd="0" destOrd="0" presId="urn:microsoft.com/office/officeart/2005/8/layout/process5"/>
+    <dgm:cxn modelId="{0E3C2485-CAF8-434B-89F0-893517E042E7}" srcId="{E9FB0F4E-6967-3B44-A32F-E8B1C7AE98D5}" destId="{917501D8-12A6-0D43-82EB-9B8BF9A095D6}" srcOrd="6" destOrd="0" parTransId="{2189082E-6C82-944A-BE92-D9BC72270382}" sibTransId="{04D5671A-AE7F-BD4E-9B86-A6A6425F59A8}"/>
+    <dgm:cxn modelId="{5F1D6487-750A-A04B-B6FA-5348ADB40AA1}" type="presOf" srcId="{2C4637A3-9257-AA41-A5B8-B87451C5F477}" destId="{C8297064-9915-AB4E-A9CB-FFEA8FC197B9}" srcOrd="0" destOrd="0" presId="urn:microsoft.com/office/officeart/2005/8/layout/process5"/>
+    <dgm:cxn modelId="{B5AA2D8B-61D5-DB43-8D06-4875A7EB0CBD}" srcId="{7B079A50-DF5E-0A4C-9491-2FBAFC0F785B}" destId="{DDAC47D6-F859-4340-B28C-6D49EE097740}" srcOrd="3" destOrd="0" parTransId="{5B556703-BE01-8848-BE27-5969CF3D2B5D}" sibTransId="{0A2D5029-F7E5-6C47-9CF0-D5505B2F8FFB}"/>
+    <dgm:cxn modelId="{94756F8D-4FC3-2F4F-8093-95D1E8FDA07D}" type="presOf" srcId="{89DBDFDC-5EB5-0B49-A8D0-DB22ECB982AF}" destId="{1E3ABFF9-C6C0-0441-8FEA-3F98FEF0374E}" srcOrd="1" destOrd="0" presId="urn:microsoft.com/office/officeart/2005/8/layout/process5"/>
+    <dgm:cxn modelId="{78913F91-30D2-D14B-B80B-1BDF3244B2A6}" type="presOf" srcId="{1F12B085-E167-9940-8DCF-A46224752E8F}" destId="{0538887E-FF31-324E-B401-E87E44AFF0AA}" srcOrd="0" destOrd="0" presId="urn:microsoft.com/office/officeart/2005/8/layout/process5"/>
+    <dgm:cxn modelId="{B494B79C-7119-2745-954F-0FE480A17145}" type="presOf" srcId="{C8AF58C4-450C-0C4C-83CB-1474D3ADA25F}" destId="{C234DD4B-5CB7-E549-AD0E-83532D584FCF}" srcOrd="0" destOrd="2" presId="urn:microsoft.com/office/officeart/2005/8/layout/process5"/>
+    <dgm:cxn modelId="{A454DBA0-21A9-3941-9DF2-4DD870F537A3}" srcId="{E9FB0F4E-6967-3B44-A32F-E8B1C7AE98D5}" destId="{7B079A50-DF5E-0A4C-9491-2FBAFC0F785B}" srcOrd="2" destOrd="0" parTransId="{BA902E5D-518F-0749-86BA-04AA510BA959}" sibTransId="{00735B98-C924-5743-B429-DBBBDEA50165}"/>
+    <dgm:cxn modelId="{8C017CA3-42AB-BD48-8C05-A5BDA2B79E4B}" type="presOf" srcId="{59E7433E-EA1A-A445-8F72-1DCCEC9CF854}" destId="{92EB25B1-D4AE-754E-BD44-115E26D1FF80}" srcOrd="0" destOrd="0" presId="urn:microsoft.com/office/officeart/2005/8/layout/process5"/>
+    <dgm:cxn modelId="{88A5F4A3-745B-D44B-AEC4-67B96700A686}" type="presOf" srcId="{206E47A8-99B6-484A-AD35-04DCB9238B9B}" destId="{AC48ED73-8B05-6041-911E-F23E178815C4}" srcOrd="1" destOrd="0" presId="urn:microsoft.com/office/officeart/2005/8/layout/process5"/>
+    <dgm:cxn modelId="{2038CBA5-A8B4-2F4F-88D5-D270FCD148DC}" type="presOf" srcId="{89DBDFDC-5EB5-0B49-A8D0-DB22ECB982AF}" destId="{F8E19199-589F-1946-8222-73EA4584121E}" srcOrd="0" destOrd="0" presId="urn:microsoft.com/office/officeart/2005/8/layout/process5"/>
+    <dgm:cxn modelId="{9A8098B2-9CE9-D942-9547-38EF361DD3D4}" srcId="{EB4866D8-1266-8945-89C4-F4CD4F9D8A6F}" destId="{6E882DEC-3034-E942-B5AA-2835D77DD5C8}" srcOrd="1" destOrd="0" parTransId="{11E32BAA-4A06-9844-B381-3F8D7D686934}" sibTransId="{DE8B183B-7E7F-5749-9A67-A6C365A09A85}"/>
+    <dgm:cxn modelId="{AA15AFB2-2C77-3142-AD36-8D6ED0CAACDE}" type="presOf" srcId="{04D5671A-AE7F-BD4E-9B86-A6A6425F59A8}" destId="{DC4C8257-9496-D04B-A26B-2200A3FFE3E7}" srcOrd="1" destOrd="0" presId="urn:microsoft.com/office/officeart/2005/8/layout/process5"/>
+    <dgm:cxn modelId="{A56E20BA-CE81-3845-B63D-BDC1718CA0DA}" type="presOf" srcId="{F9BD6EF9-8382-F144-B9CD-FB838C6C03F9}" destId="{C234DD4B-5CB7-E549-AD0E-83532D584FCF}" srcOrd="0" destOrd="1" presId="urn:microsoft.com/office/officeart/2005/8/layout/process5"/>
+    <dgm:cxn modelId="{B77E5BBC-E48A-9F44-93AA-F124CC378B7E}" type="presOf" srcId="{00735B98-C924-5743-B429-DBBBDEA50165}" destId="{680472FB-1DED-B043-9C18-8E9AFCBED6E9}" srcOrd="0" destOrd="0" presId="urn:microsoft.com/office/officeart/2005/8/layout/process5"/>
+    <dgm:cxn modelId="{3DE395BD-2A5C-D449-AF86-99D3C112784F}" type="presOf" srcId="{748D4455-259E-4245-ADD2-8DDAC2A60773}" destId="{7060A806-1549-3F45-A072-7BB9691C2D8D}" srcOrd="1" destOrd="0" presId="urn:microsoft.com/office/officeart/2005/8/layout/process5"/>
+    <dgm:cxn modelId="{871584CA-547D-DB48-94C4-0F86427D355B}" type="presOf" srcId="{63B03111-9832-1646-BDF4-5D9B749EF795}" destId="{B4D5E3D8-47D8-1A4C-9387-6DE60324DF6F}" srcOrd="0" destOrd="1" presId="urn:microsoft.com/office/officeart/2005/8/layout/process5"/>
+    <dgm:cxn modelId="{7508F7CB-76FC-3043-811E-8A4CE7CBEBA3}" type="presOf" srcId="{60FEA49A-52E5-FB49-B9D7-919B8E8D64F4}" destId="{FBF1C564-B2B8-4C41-BE63-B8171F8EB76E}" srcOrd="0" destOrd="1" presId="urn:microsoft.com/office/officeart/2005/8/layout/process5"/>
+    <dgm:cxn modelId="{A0E506CD-09B9-3549-9920-3C48F6D1CA55}" type="presOf" srcId="{69F25C00-F7E1-8B47-8544-B81240B6C7F2}" destId="{F11F753D-D453-BC4F-BACE-C4F8A11ECEA5}" srcOrd="0" destOrd="2" presId="urn:microsoft.com/office/officeart/2005/8/layout/process5"/>
+    <dgm:cxn modelId="{8497B9D0-5691-E848-8EE3-C51BC656F8B1}" srcId="{E9FB0F4E-6967-3B44-A32F-E8B1C7AE98D5}" destId="{AE199458-77CF-8440-8970-F024006EA226}" srcOrd="4" destOrd="0" parTransId="{8FD87771-F4E1-DC47-B38A-8EDD08A5C725}" sibTransId="{89DBDFDC-5EB5-0B49-A8D0-DB22ECB982AF}"/>
+    <dgm:cxn modelId="{445B7ADC-F7C5-5046-9BEE-3618E0EEE919}" srcId="{4F2509E8-87E6-2347-B926-EB9BDDECA6FD}" destId="{761579F4-10DF-F244-9532-25DEF4807D83}" srcOrd="2" destOrd="0" parTransId="{4C55FAFB-140B-EA49-9492-2DC8E373D8C0}" sibTransId="{3543ED0F-366F-8D44-8E9F-A843D81464D5}"/>
+    <dgm:cxn modelId="{890194DD-304B-C447-9AF3-AFAE634C6D43}" srcId="{4F2509E8-87E6-2347-B926-EB9BDDECA6FD}" destId="{F9BD6EF9-8382-F144-B9CD-FB838C6C03F9}" srcOrd="0" destOrd="0" parTransId="{137D12B5-70FE-6847-BD89-CA99FC0D41AD}" sibTransId="{49EC0DFE-61E7-374D-A1BD-7617E9E9166B}"/>
+    <dgm:cxn modelId="{2CEF06DE-6258-7440-8A8D-E90FA2F30839}" type="presOf" srcId="{4300FFA5-0FE1-0644-9B26-EF0EC29D2E58}" destId="{C225C079-1737-3742-99A0-0A7B593214FB}" srcOrd="0" destOrd="0" presId="urn:microsoft.com/office/officeart/2005/8/layout/process5"/>
+    <dgm:cxn modelId="{A1CEA2E5-F1DD-EF48-A85B-4A04D4565509}" srcId="{E9FB0F4E-6967-3B44-A32F-E8B1C7AE98D5}" destId="{EB4866D8-1266-8945-89C4-F4CD4F9D8A6F}" srcOrd="3" destOrd="0" parTransId="{4276625C-E1F0-F840-90D6-CE76DDBB799C}" sibTransId="{206E47A8-99B6-484A-AD35-04DCB9238B9B}"/>
+    <dgm:cxn modelId="{E7042CE6-A233-CB47-A6F5-D0D71F329C45}" srcId="{EB4866D8-1266-8945-89C4-F4CD4F9D8A6F}" destId="{471C43CE-832D-774D-BB7A-57512EFB5879}" srcOrd="2" destOrd="0" parTransId="{C2B9F4EE-A410-1B4C-9D53-DB22DB03D31F}" sibTransId="{DE50C641-CD08-A846-B7EB-02241BA70688}"/>
+    <dgm:cxn modelId="{45F7F9E8-95D2-CA40-854F-9EFFBA8C51D6}" type="presOf" srcId="{206E47A8-99B6-484A-AD35-04DCB9238B9B}" destId="{5383FDA3-64FA-604A-8CAF-995772572DB0}" srcOrd="0" destOrd="0" presId="urn:microsoft.com/office/officeart/2005/8/layout/process5"/>
+    <dgm:cxn modelId="{467F9BED-D392-3940-B061-1699282DB62A}" srcId="{E9FB0F4E-6967-3B44-A32F-E8B1C7AE98D5}" destId="{882FED25-8C48-F941-A0FE-6B2DFF5CD464}" srcOrd="5" destOrd="0" parTransId="{B419AD8C-EBD7-5443-9C93-E4B849DE07B6}" sibTransId="{030A6B87-CA32-C340-A552-365F7A05C57F}"/>
+    <dgm:cxn modelId="{ACB3C1F8-AF17-F641-83DF-2B77AC2173F2}" type="presOf" srcId="{030A6B87-CA32-C340-A552-365F7A05C57F}" destId="{2E3787C8-BF17-C343-9F7D-55355502CEE3}" srcOrd="1" destOrd="0" presId="urn:microsoft.com/office/officeart/2005/8/layout/process5"/>
+    <dgm:cxn modelId="{E57CD3FB-72DE-F644-89FB-39D8FB6599FA}" type="presOf" srcId="{00735B98-C924-5743-B429-DBBBDEA50165}" destId="{002AA36D-CAF6-0343-B244-6F6849B9EB75}" srcOrd="1" destOrd="0" presId="urn:microsoft.com/office/officeart/2005/8/layout/process5"/>
+    <dgm:cxn modelId="{7F8A83C4-DF92-674F-9901-9E29B216E0A2}" type="presParOf" srcId="{CBF254FA-D4E0-B74E-A18D-AE53AEBD67CD}" destId="{B4D5E3D8-47D8-1A4C-9387-6DE60324DF6F}" srcOrd="0" destOrd="0" presId="urn:microsoft.com/office/officeart/2005/8/layout/process5"/>
+    <dgm:cxn modelId="{A08B2B19-5656-5E46-BB58-7FE7B6C3A7C9}" type="presParOf" srcId="{CBF254FA-D4E0-B74E-A18D-AE53AEBD67CD}" destId="{A58869D2-B78E-DD40-ACB3-9F052F33CBCE}" srcOrd="1" destOrd="0" presId="urn:microsoft.com/office/officeart/2005/8/layout/process5"/>
+    <dgm:cxn modelId="{C454612D-F0F0-E14D-8E48-86577D0681D6}" type="presParOf" srcId="{A58869D2-B78E-DD40-ACB3-9F052F33CBCE}" destId="{814C8FA7-CFA6-FA42-8BC8-CD119ED58623}" srcOrd="0" destOrd="0" presId="urn:microsoft.com/office/officeart/2005/8/layout/process5"/>
+    <dgm:cxn modelId="{71DD84D1-0B88-C84F-AE6E-112D74268CE8}" type="presParOf" srcId="{CBF254FA-D4E0-B74E-A18D-AE53AEBD67CD}" destId="{C234DD4B-5CB7-E549-AD0E-83532D584FCF}" srcOrd="2" destOrd="0" presId="urn:microsoft.com/office/officeart/2005/8/layout/process5"/>
+    <dgm:cxn modelId="{A6608B84-5BAF-A846-85DB-0D0B91E37986}" type="presParOf" srcId="{CBF254FA-D4E0-B74E-A18D-AE53AEBD67CD}" destId="{16C02E65-2210-C24E-8692-38A2A70EC148}" srcOrd="3" destOrd="0" presId="urn:microsoft.com/office/officeart/2005/8/layout/process5"/>
+    <dgm:cxn modelId="{DDA86523-6C9F-E448-845B-0A42D6E12684}" type="presParOf" srcId="{16C02E65-2210-C24E-8692-38A2A70EC148}" destId="{7060A806-1549-3F45-A072-7BB9691C2D8D}" srcOrd="0" destOrd="0" presId="urn:microsoft.com/office/officeart/2005/8/layout/process5"/>
+    <dgm:cxn modelId="{E512A88E-2481-0A4E-9C24-EB75ACF64300}" type="presParOf" srcId="{CBF254FA-D4E0-B74E-A18D-AE53AEBD67CD}" destId="{FBF1C564-B2B8-4C41-BE63-B8171F8EB76E}" srcOrd="4" destOrd="0" presId="urn:microsoft.com/office/officeart/2005/8/layout/process5"/>
+    <dgm:cxn modelId="{9D8126B7-D264-0641-A0BE-EA0877F06B45}" type="presParOf" srcId="{CBF254FA-D4E0-B74E-A18D-AE53AEBD67CD}" destId="{680472FB-1DED-B043-9C18-8E9AFCBED6E9}" srcOrd="5" destOrd="0" presId="urn:microsoft.com/office/officeart/2005/8/layout/process5"/>
+    <dgm:cxn modelId="{56198BEB-49F7-2C4B-8D22-8DBDD2B6C84D}" type="presParOf" srcId="{680472FB-1DED-B043-9C18-8E9AFCBED6E9}" destId="{002AA36D-CAF6-0343-B244-6F6849B9EB75}" srcOrd="0" destOrd="0" presId="urn:microsoft.com/office/officeart/2005/8/layout/process5"/>
+    <dgm:cxn modelId="{5C2B0342-8FFD-164D-AD17-CD41A98EF156}" type="presParOf" srcId="{CBF254FA-D4E0-B74E-A18D-AE53AEBD67CD}" destId="{CC8F3904-974E-2647-9B88-B6062079D1ED}" srcOrd="6" destOrd="0" presId="urn:microsoft.com/office/officeart/2005/8/layout/process5"/>
+    <dgm:cxn modelId="{9C15ACB1-1411-DD42-A865-934CA5C7156B}" type="presParOf" srcId="{CBF254FA-D4E0-B74E-A18D-AE53AEBD67CD}" destId="{5383FDA3-64FA-604A-8CAF-995772572DB0}" srcOrd="7" destOrd="0" presId="urn:microsoft.com/office/officeart/2005/8/layout/process5"/>
+    <dgm:cxn modelId="{DC9BD835-FC77-4E4F-ACB0-CA983131FD0B}" type="presParOf" srcId="{5383FDA3-64FA-604A-8CAF-995772572DB0}" destId="{AC48ED73-8B05-6041-911E-F23E178815C4}" srcOrd="0" destOrd="0" presId="urn:microsoft.com/office/officeart/2005/8/layout/process5"/>
+    <dgm:cxn modelId="{5C74A403-0B11-AF4B-9244-65D39232F884}" type="presParOf" srcId="{CBF254FA-D4E0-B74E-A18D-AE53AEBD67CD}" destId="{F11F753D-D453-BC4F-BACE-C4F8A11ECEA5}" srcOrd="8" destOrd="0" presId="urn:microsoft.com/office/officeart/2005/8/layout/process5"/>
+    <dgm:cxn modelId="{485F9726-05AC-F441-8FE0-385E5B103E36}" type="presParOf" srcId="{CBF254FA-D4E0-B74E-A18D-AE53AEBD67CD}" destId="{F8E19199-589F-1946-8222-73EA4584121E}" srcOrd="9" destOrd="0" presId="urn:microsoft.com/office/officeart/2005/8/layout/process5"/>
+    <dgm:cxn modelId="{678B64E3-BB14-9443-9C28-BAF379A94C2A}" type="presParOf" srcId="{F8E19199-589F-1946-8222-73EA4584121E}" destId="{1E3ABFF9-C6C0-0441-8FEA-3F98FEF0374E}" srcOrd="0" destOrd="0" presId="urn:microsoft.com/office/officeart/2005/8/layout/process5"/>
+    <dgm:cxn modelId="{82332E0B-3DF2-A24D-BC83-2EBFB8E2E536}" type="presParOf" srcId="{CBF254FA-D4E0-B74E-A18D-AE53AEBD67CD}" destId="{529FCC09-4687-E147-80E8-2EB7609DC9CF}" srcOrd="10" destOrd="0" presId="urn:microsoft.com/office/officeart/2005/8/layout/process5"/>
+    <dgm:cxn modelId="{84E727FC-8DF8-9948-B439-07C8E787C3A6}" type="presParOf" srcId="{CBF254FA-D4E0-B74E-A18D-AE53AEBD67CD}" destId="{5381123D-2C93-3241-8E06-B77D04CAE8EC}" srcOrd="11" destOrd="0" presId="urn:microsoft.com/office/officeart/2005/8/layout/process5"/>
+    <dgm:cxn modelId="{782EF668-7538-6A4E-B319-8B048FFE4044}" type="presParOf" srcId="{5381123D-2C93-3241-8E06-B77D04CAE8EC}" destId="{2E3787C8-BF17-C343-9F7D-55355502CEE3}" srcOrd="0" destOrd="0" presId="urn:microsoft.com/office/officeart/2005/8/layout/process5"/>
+    <dgm:cxn modelId="{6AEAA92D-C4D5-D643-8CD4-71C3C81BEC92}" type="presParOf" srcId="{CBF254FA-D4E0-B74E-A18D-AE53AEBD67CD}" destId="{1850AAD1-4903-FE47-A71D-0B73E666CD99}" srcOrd="12" destOrd="0" presId="urn:microsoft.com/office/officeart/2005/8/layout/process5"/>
+    <dgm:cxn modelId="{063A4DBB-D75A-ED40-B0C7-C31F5B69AAC9}" type="presParOf" srcId="{CBF254FA-D4E0-B74E-A18D-AE53AEBD67CD}" destId="{D7CE2DAE-ABF0-9641-AE1A-0DB79AEBD84A}" srcOrd="13" destOrd="0" presId="urn:microsoft.com/office/officeart/2005/8/layout/process5"/>
+    <dgm:cxn modelId="{0AD1E0B4-C417-0647-9C40-7D0AFD2699D0}" type="presParOf" srcId="{D7CE2DAE-ABF0-9641-AE1A-0DB79AEBD84A}" destId="{DC4C8257-9496-D04B-A26B-2200A3FFE3E7}" srcOrd="0" destOrd="0" presId="urn:microsoft.com/office/officeart/2005/8/layout/process5"/>
+    <dgm:cxn modelId="{345AAA4E-7EE1-C44D-B312-3D470151EE07}" type="presParOf" srcId="{CBF254FA-D4E0-B74E-A18D-AE53AEBD67CD}" destId="{0538887E-FF31-324E-B401-E87E44AFF0AA}" srcOrd="14" destOrd="0" presId="urn:microsoft.com/office/officeart/2005/8/layout/process5"/>
+    <dgm:cxn modelId="{274BBA1F-00C9-4243-B04B-070A035D8E9F}" type="presParOf" srcId="{CBF254FA-D4E0-B74E-A18D-AE53AEBD67CD}" destId="{92EB25B1-D4AE-754E-BD44-115E26D1FF80}" srcOrd="15" destOrd="0" presId="urn:microsoft.com/office/officeart/2005/8/layout/process5"/>
+    <dgm:cxn modelId="{3F5A20A5-5E14-734D-BDC8-243E9B365827}" type="presParOf" srcId="{92EB25B1-D4AE-754E-BD44-115E26D1FF80}" destId="{B4D2AADB-2320-D741-9683-970A9AF56C3E}" srcOrd="0" destOrd="0" presId="urn:microsoft.com/office/officeart/2005/8/layout/process5"/>
+    <dgm:cxn modelId="{9D22F929-339A-844D-9885-66AB1512A8AB}" type="presParOf" srcId="{CBF254FA-D4E0-B74E-A18D-AE53AEBD67CD}" destId="{C225C079-1737-3742-99A0-0A7B593214FB}" srcOrd="16" destOrd="0" presId="urn:microsoft.com/office/officeart/2005/8/layout/process5"/>
+    <dgm:cxn modelId="{8E9D851C-5056-C849-9EBF-A78085CCC5D8}" type="presParOf" srcId="{CBF254FA-D4E0-B74E-A18D-AE53AEBD67CD}" destId="{C8297064-9915-AB4E-A9CB-FFEA8FC197B9}" srcOrd="17" destOrd="0" presId="urn:microsoft.com/office/officeart/2005/8/layout/process5"/>
+    <dgm:cxn modelId="{94895D36-40FD-1046-B05E-C751DB16DF6D}" type="presParOf" srcId="{C8297064-9915-AB4E-A9CB-FFEA8FC197B9}" destId="{EDC8E22C-F874-6448-9DE8-54F7348385E0}" srcOrd="0" destOrd="0" presId="urn:microsoft.com/office/officeart/2005/8/layout/process5"/>
+    <dgm:cxn modelId="{AEDD76F6-F2A2-594E-A0EE-C6571AC46FF2}" type="presParOf" srcId="{CBF254FA-D4E0-B74E-A18D-AE53AEBD67CD}" destId="{098F0226-B690-1B45-B506-7C933BFB7998}" srcOrd="18" destOrd="0" presId="urn:microsoft.com/office/officeart/2005/8/layout/process5"/>
+  </dgm:cxnLst>
+  <dgm:bg/>
+  <dgm:whole/>
+  <dgm:extLst>
+    <a:ext uri="http://schemas.microsoft.com/office/drawing/2008/diagram">
+      <dsp:dataModelExt xmlns:dsp="http://schemas.microsoft.com/office/drawing/2008/diagram" relId="rId6" minVer="http://schemas.openxmlformats.org/drawingml/2006/diagram"/>
+    </a:ext>
+    <a:ext uri="{C62137D5-CB1D-491B-B009-E17868A290BF}">
+      <dgm14:recolorImg xmlns:dgm14="http://schemas.microsoft.com/office/drawing/2010/diagram" val="1"/>
+    </a:ext>
+  </dgm:extLst>
+</dgm:dataModel>
+</file>
+
+<file path=ppt/diagrams/drawing1.xml><?xml version="1.0" encoding="utf-8"?>
+<dsp:drawing xmlns:dgm="http://schemas.openxmlformats.org/drawingml/2006/diagram" xmlns:dsp="http://schemas.microsoft.com/office/drawing/2008/diagram" xmlns:a="http://schemas.openxmlformats.org/drawingml/2006/main">
+  <dsp:spTree>
+    <dsp:nvGrpSpPr>
+      <dsp:cNvPr id="0" name=""/>
+      <dsp:cNvGrpSpPr/>
+    </dsp:nvGrpSpPr>
+    <dsp:grpSpPr/>
+    <dsp:sp modelId="{B4D5E3D8-47D8-1A4C-9387-6DE60324DF6F}">
+      <dsp:nvSpPr>
+        <dsp:cNvPr id="0" name=""/>
+        <dsp:cNvSpPr/>
+      </dsp:nvSpPr>
+      <dsp:spPr>
+        <a:xfrm>
+          <a:off x="5175" y="487487"/>
+          <a:ext cx="2262701" cy="1357621"/>
+        </a:xfrm>
+        <a:prstGeom prst="roundRect">
+          <a:avLst>
+            <a:gd name="adj" fmla="val 10000"/>
+          </a:avLst>
+        </a:prstGeom>
+        <a:solidFill>
+          <a:schemeClr val="tx1">
+            <a:lumMod val="65000"/>
+            <a:lumOff val="35000"/>
+          </a:schemeClr>
+        </a:solidFill>
+        <a:ln w="25400" cap="flat" cmpd="sng" algn="ctr">
+          <a:solidFill>
+            <a:schemeClr val="lt1">
+              <a:hueOff val="0"/>
+              <a:satOff val="0"/>
+              <a:lumOff val="0"/>
+              <a:alphaOff val="0"/>
+            </a:schemeClr>
+          </a:solidFill>
+          <a:prstDash val="solid"/>
+        </a:ln>
+        <a:effectLst/>
+      </dsp:spPr>
+      <dsp:style>
+        <a:lnRef idx="2">
+          <a:scrgbClr r="0" g="0" b="0"/>
+        </a:lnRef>
+        <a:fillRef idx="1">
+          <a:scrgbClr r="0" g="0" b="0"/>
+        </a:fillRef>
+        <a:effectRef idx="0">
+          <a:scrgbClr r="0" g="0" b="0"/>
+        </a:effectRef>
+        <a:fontRef idx="minor">
+          <a:schemeClr val="lt1"/>
+        </a:fontRef>
+      </dsp:style>
+      <dsp:txBody>
+        <a:bodyPr spcFirstLastPara="0" vert="horz" wrap="square" lIns="64770" tIns="64770" rIns="64770" bIns="64770" numCol="1" spcCol="1270" anchor="t" anchorCtr="0">
+          <a:noAutofit/>
+        </a:bodyPr>
+        <a:lstStyle/>
+        <a:p>
+          <a:pPr marL="0" lvl="0" indent="0" algn="l" defTabSz="755650">
+            <a:lnSpc>
+              <a:spcPct val="90000"/>
+            </a:lnSpc>
+            <a:spcBef>
+              <a:spcPct val="0"/>
+            </a:spcBef>
+            <a:spcAft>
+              <a:spcPct val="35000"/>
+            </a:spcAft>
+            <a:buNone/>
+          </a:pPr>
+          <a:r>
+            <a:rPr lang="en-US" sz="1700" kern="1200" dirty="0"/>
+            <a:t>Scope</a:t>
+          </a:r>
+        </a:p>
+        <a:p>
+          <a:pPr marL="114300" lvl="1" indent="-114300" algn="l" defTabSz="577850">
+            <a:lnSpc>
+              <a:spcPct val="90000"/>
+            </a:lnSpc>
+            <a:spcBef>
+              <a:spcPct val="0"/>
+            </a:spcBef>
+            <a:spcAft>
+              <a:spcPct val="15000"/>
+            </a:spcAft>
+            <a:buChar char="•"/>
+          </a:pPr>
+          <a:r>
+            <a:rPr lang="en-US" sz="1300" kern="1200" dirty="0"/>
+            <a:t>Goals, Actions, Data, Analysis, Ethics</a:t>
+          </a:r>
+        </a:p>
+      </dsp:txBody>
+      <dsp:txXfrm>
+        <a:off x="44938" y="527250"/>
+        <a:ext cx="2183175" cy="1278095"/>
+      </dsp:txXfrm>
+    </dsp:sp>
+    <dsp:sp modelId="{A58869D2-B78E-DD40-ACB3-9F052F33CBCE}">
+      <dsp:nvSpPr>
+        <dsp:cNvPr id="0" name=""/>
+        <dsp:cNvSpPr/>
+      </dsp:nvSpPr>
+      <dsp:spPr>
+        <a:xfrm>
+          <a:off x="2466994" y="885723"/>
+          <a:ext cx="479692" cy="561150"/>
+        </a:xfrm>
+        <a:prstGeom prst="rightArrow">
+          <a:avLst>
+            <a:gd name="adj1" fmla="val 60000"/>
+            <a:gd name="adj2" fmla="val 50000"/>
+          </a:avLst>
+        </a:prstGeom>
+        <a:solidFill>
+          <a:schemeClr val="bg2"/>
+        </a:solidFill>
+        <a:ln>
+          <a:noFill/>
+        </a:ln>
+        <a:effectLst/>
+      </dsp:spPr>
+      <dsp:style>
+        <a:lnRef idx="0">
+          <a:scrgbClr r="0" g="0" b="0"/>
+        </a:lnRef>
+        <a:fillRef idx="1">
+          <a:scrgbClr r="0" g="0" b="0"/>
+        </a:fillRef>
+        <a:effectRef idx="0">
+          <a:scrgbClr r="0" g="0" b="0"/>
+        </a:effectRef>
+        <a:fontRef idx="minor">
+          <a:schemeClr val="lt1"/>
+        </a:fontRef>
+      </dsp:style>
+      <dsp:txBody>
+        <a:bodyPr spcFirstLastPara="0" vert="horz" wrap="square" lIns="0" tIns="0" rIns="0" bIns="0" numCol="1" spcCol="1270" anchor="ctr" anchorCtr="0">
+          <a:noAutofit/>
+        </a:bodyPr>
+        <a:lstStyle/>
+        <a:p>
+          <a:pPr marL="0" lvl="0" indent="0" algn="ctr" defTabSz="622300">
+            <a:lnSpc>
+              <a:spcPct val="90000"/>
+            </a:lnSpc>
+            <a:spcBef>
+              <a:spcPct val="0"/>
+            </a:spcBef>
+            <a:spcAft>
+              <a:spcPct val="35000"/>
+            </a:spcAft>
+            <a:buNone/>
+          </a:pPr>
+          <a:endParaRPr lang="en-US" sz="1400" kern="1200"/>
+        </a:p>
+      </dsp:txBody>
+      <dsp:txXfrm>
+        <a:off x="2466994" y="997953"/>
+        <a:ext cx="335784" cy="336690"/>
+      </dsp:txXfrm>
+    </dsp:sp>
+    <dsp:sp modelId="{C234DD4B-5CB7-E549-AD0E-83532D584FCF}">
+      <dsp:nvSpPr>
+        <dsp:cNvPr id="0" name=""/>
+        <dsp:cNvSpPr/>
+      </dsp:nvSpPr>
+      <dsp:spPr>
+        <a:xfrm>
+          <a:off x="3172957" y="487487"/>
+          <a:ext cx="2262701" cy="1357621"/>
+        </a:xfrm>
+        <a:prstGeom prst="roundRect">
+          <a:avLst>
+            <a:gd name="adj" fmla="val 10000"/>
+          </a:avLst>
+        </a:prstGeom>
+        <a:solidFill>
+          <a:schemeClr val="accent3">
+            <a:hueOff val="0"/>
+            <a:satOff val="0"/>
+            <a:lumOff val="0"/>
+            <a:alphaOff val="0"/>
+          </a:schemeClr>
+        </a:solidFill>
+        <a:ln w="25400" cap="flat" cmpd="sng" algn="ctr">
+          <a:solidFill>
+            <a:schemeClr val="lt1">
+              <a:hueOff val="0"/>
+              <a:satOff val="0"/>
+              <a:lumOff val="0"/>
+              <a:alphaOff val="0"/>
+            </a:schemeClr>
+          </a:solidFill>
+          <a:prstDash val="solid"/>
+        </a:ln>
+        <a:effectLst/>
+      </dsp:spPr>
+      <dsp:style>
+        <a:lnRef idx="2">
+          <a:scrgbClr r="0" g="0" b="0"/>
+        </a:lnRef>
+        <a:fillRef idx="1">
+          <a:scrgbClr r="0" g="0" b="0"/>
+        </a:fillRef>
+        <a:effectRef idx="0">
+          <a:scrgbClr r="0" g="0" b="0"/>
+        </a:effectRef>
+        <a:fontRef idx="minor">
+          <a:schemeClr val="lt1"/>
+        </a:fontRef>
+      </dsp:style>
+      <dsp:txBody>
+        <a:bodyPr spcFirstLastPara="0" vert="horz" wrap="square" lIns="64770" tIns="64770" rIns="64770" bIns="64770" numCol="1" spcCol="1270" anchor="t" anchorCtr="0">
+          <a:noAutofit/>
+        </a:bodyPr>
+        <a:lstStyle/>
+        <a:p>
+          <a:pPr marL="0" lvl="0" indent="0" algn="l" defTabSz="755650">
+            <a:lnSpc>
+              <a:spcPct val="90000"/>
+            </a:lnSpc>
+            <a:spcBef>
+              <a:spcPct val="0"/>
+            </a:spcBef>
+            <a:spcAft>
+              <a:spcPct val="35000"/>
+            </a:spcAft>
+            <a:buNone/>
+          </a:pPr>
+          <a:r>
+            <a:rPr lang="en-US" sz="1700" kern="1200" dirty="0"/>
+            <a:t>Data</a:t>
+          </a:r>
+        </a:p>
+        <a:p>
+          <a:pPr marL="114300" lvl="1" indent="-114300" algn="l" defTabSz="577850">
+            <a:lnSpc>
+              <a:spcPct val="90000"/>
+            </a:lnSpc>
+            <a:spcBef>
+              <a:spcPct val="0"/>
+            </a:spcBef>
+            <a:spcAft>
+              <a:spcPct val="15000"/>
+            </a:spcAft>
+            <a:buChar char="•"/>
+          </a:pPr>
+          <a:r>
+            <a:rPr lang="en-US" sz="1300" kern="1200" dirty="0"/>
+            <a:t>Get Data</a:t>
+          </a:r>
+        </a:p>
+        <a:p>
+          <a:pPr marL="114300" lvl="1" indent="-114300" algn="l" defTabSz="577850">
+            <a:lnSpc>
+              <a:spcPct val="90000"/>
+            </a:lnSpc>
+            <a:spcBef>
+              <a:spcPct val="0"/>
+            </a:spcBef>
+            <a:spcAft>
+              <a:spcPct val="15000"/>
+            </a:spcAft>
+            <a:buChar char="•"/>
+          </a:pPr>
+          <a:r>
+            <a:rPr lang="en-US" sz="1300" kern="1200" dirty="0"/>
+            <a:t>Store Data</a:t>
+          </a:r>
+        </a:p>
+        <a:p>
+          <a:pPr marL="114300" lvl="1" indent="-114300" algn="l" defTabSz="577850">
+            <a:lnSpc>
+              <a:spcPct val="90000"/>
+            </a:lnSpc>
+            <a:spcBef>
+              <a:spcPct val="0"/>
+            </a:spcBef>
+            <a:spcAft>
+              <a:spcPct val="15000"/>
+            </a:spcAft>
+            <a:buChar char="•"/>
+          </a:pPr>
+          <a:r>
+            <a:rPr lang="en-US" sz="1300" kern="1200" dirty="0"/>
+            <a:t>Link Data</a:t>
+          </a:r>
+        </a:p>
+      </dsp:txBody>
+      <dsp:txXfrm>
+        <a:off x="3212720" y="527250"/>
+        <a:ext cx="2183175" cy="1278095"/>
+      </dsp:txXfrm>
+    </dsp:sp>
+    <dsp:sp modelId="{16C02E65-2210-C24E-8692-38A2A70EC148}">
+      <dsp:nvSpPr>
+        <dsp:cNvPr id="0" name=""/>
+        <dsp:cNvSpPr/>
+      </dsp:nvSpPr>
+      <dsp:spPr>
+        <a:xfrm>
+          <a:off x="5634777" y="885723"/>
+          <a:ext cx="479692" cy="561150"/>
+        </a:xfrm>
+        <a:prstGeom prst="rightArrow">
+          <a:avLst>
+            <a:gd name="adj1" fmla="val 60000"/>
+            <a:gd name="adj2" fmla="val 50000"/>
+          </a:avLst>
+        </a:prstGeom>
+        <a:solidFill>
+          <a:schemeClr val="accent3">
+            <a:hueOff val="0"/>
+            <a:satOff val="0"/>
+            <a:lumOff val="0"/>
+            <a:alphaOff val="0"/>
+          </a:schemeClr>
+        </a:solidFill>
+        <a:ln>
+          <a:noFill/>
+        </a:ln>
+        <a:effectLst/>
+      </dsp:spPr>
+      <dsp:style>
+        <a:lnRef idx="0">
+          <a:scrgbClr r="0" g="0" b="0"/>
+        </a:lnRef>
+        <a:fillRef idx="1">
+          <a:scrgbClr r="0" g="0" b="0"/>
+        </a:fillRef>
+        <a:effectRef idx="0">
+          <a:scrgbClr r="0" g="0" b="0"/>
+        </a:effectRef>
+        <a:fontRef idx="minor">
+          <a:schemeClr val="lt1"/>
+        </a:fontRef>
+      </dsp:style>
+      <dsp:txBody>
+        <a:bodyPr spcFirstLastPara="0" vert="horz" wrap="square" lIns="0" tIns="0" rIns="0" bIns="0" numCol="1" spcCol="1270" anchor="ctr" anchorCtr="0">
+          <a:noAutofit/>
+        </a:bodyPr>
+        <a:lstStyle/>
+        <a:p>
+          <a:pPr marL="0" lvl="0" indent="0" algn="ctr" defTabSz="622300">
+            <a:lnSpc>
+              <a:spcPct val="90000"/>
+            </a:lnSpc>
+            <a:spcBef>
+              <a:spcPct val="0"/>
+            </a:spcBef>
+            <a:spcAft>
+              <a:spcPct val="35000"/>
+            </a:spcAft>
+            <a:buNone/>
+          </a:pPr>
+          <a:endParaRPr lang="en-US" sz="1400" kern="1200"/>
+        </a:p>
+      </dsp:txBody>
+      <dsp:txXfrm>
+        <a:off x="5634777" y="997953"/>
+        <a:ext cx="335784" cy="336690"/>
+      </dsp:txXfrm>
+    </dsp:sp>
+    <dsp:sp modelId="{FBF1C564-B2B8-4C41-BE63-B8171F8EB76E}">
+      <dsp:nvSpPr>
+        <dsp:cNvPr id="0" name=""/>
+        <dsp:cNvSpPr/>
+      </dsp:nvSpPr>
+      <dsp:spPr>
+        <a:xfrm>
+          <a:off x="6340740" y="487487"/>
+          <a:ext cx="2262701" cy="1357621"/>
+        </a:xfrm>
+        <a:prstGeom prst="roundRect">
+          <a:avLst>
+            <a:gd name="adj" fmla="val 10000"/>
+          </a:avLst>
+        </a:prstGeom>
+        <a:solidFill>
+          <a:schemeClr val="accent6">
+            <a:lumMod val="50000"/>
+          </a:schemeClr>
+        </a:solidFill>
+        <a:ln w="25400" cap="flat" cmpd="sng" algn="ctr">
+          <a:solidFill>
+            <a:schemeClr val="lt1">
+              <a:hueOff val="0"/>
+              <a:satOff val="0"/>
+              <a:lumOff val="0"/>
+              <a:alphaOff val="0"/>
+            </a:schemeClr>
+          </a:solidFill>
+          <a:prstDash val="solid"/>
+        </a:ln>
+        <a:effectLst/>
+      </dsp:spPr>
+      <dsp:style>
+        <a:lnRef idx="2">
+          <a:scrgbClr r="0" g="0" b="0"/>
+        </a:lnRef>
+        <a:fillRef idx="1">
+          <a:scrgbClr r="0" g="0" b="0"/>
+        </a:fillRef>
+        <a:effectRef idx="0">
+          <a:scrgbClr r="0" g="0" b="0"/>
+        </a:effectRef>
+        <a:fontRef idx="minor">
+          <a:schemeClr val="lt1"/>
+        </a:fontRef>
+      </dsp:style>
+      <dsp:txBody>
+        <a:bodyPr spcFirstLastPara="0" vert="horz" wrap="square" lIns="64770" tIns="64770" rIns="64770" bIns="64770" numCol="1" spcCol="1270" anchor="t" anchorCtr="0">
+          <a:noAutofit/>
+        </a:bodyPr>
+        <a:lstStyle/>
+        <a:p>
+          <a:pPr marL="0" lvl="0" indent="0" algn="l" defTabSz="755650">
+            <a:lnSpc>
+              <a:spcPct val="90000"/>
+            </a:lnSpc>
+            <a:spcBef>
+              <a:spcPct val="0"/>
+            </a:spcBef>
+            <a:spcAft>
+              <a:spcPct val="35000"/>
+            </a:spcAft>
+            <a:buNone/>
+          </a:pPr>
+          <a:r>
+            <a:rPr lang="en-US" sz="1700" kern="1200" dirty="0"/>
+            <a:t>Exploration</a:t>
+          </a:r>
+        </a:p>
+        <a:p>
+          <a:pPr marL="114300" lvl="1" indent="-114300" algn="l" defTabSz="577850">
+            <a:lnSpc>
+              <a:spcPct val="90000"/>
+            </a:lnSpc>
+            <a:spcBef>
+              <a:spcPct val="0"/>
+            </a:spcBef>
+            <a:spcAft>
+              <a:spcPct val="15000"/>
+            </a:spcAft>
+            <a:buChar char="•"/>
+          </a:pPr>
+          <a:r>
+            <a:rPr lang="en-US" sz="1300" kern="1200" dirty="0"/>
+            <a:t>Entities</a:t>
+          </a:r>
+        </a:p>
+        <a:p>
+          <a:pPr marL="114300" lvl="1" indent="-114300" algn="l" defTabSz="577850">
+            <a:lnSpc>
+              <a:spcPct val="90000"/>
+            </a:lnSpc>
+            <a:spcBef>
+              <a:spcPct val="0"/>
+            </a:spcBef>
+            <a:spcAft>
+              <a:spcPct val="15000"/>
+            </a:spcAft>
+            <a:buChar char="•"/>
+          </a:pPr>
+          <a:r>
+            <a:rPr lang="en-US" sz="1300" kern="1200" dirty="0"/>
+            <a:t>temporal</a:t>
+          </a:r>
+        </a:p>
+        <a:p>
+          <a:pPr marL="114300" lvl="1" indent="-114300" algn="l" defTabSz="577850">
+            <a:lnSpc>
+              <a:spcPct val="90000"/>
+            </a:lnSpc>
+            <a:spcBef>
+              <a:spcPct val="0"/>
+            </a:spcBef>
+            <a:spcAft>
+              <a:spcPct val="15000"/>
+            </a:spcAft>
+            <a:buChar char="•"/>
+          </a:pPr>
+          <a:r>
+            <a:rPr lang="en-US" sz="1300" kern="1200" dirty="0"/>
+            <a:t>Spatial</a:t>
+          </a:r>
+        </a:p>
+        <a:p>
+          <a:pPr marL="114300" lvl="1" indent="-114300" algn="l" defTabSz="577850">
+            <a:lnSpc>
+              <a:spcPct val="90000"/>
+            </a:lnSpc>
+            <a:spcBef>
+              <a:spcPct val="0"/>
+            </a:spcBef>
+            <a:spcAft>
+              <a:spcPct val="15000"/>
+            </a:spcAft>
+            <a:buChar char="•"/>
+          </a:pPr>
+          <a:r>
+            <a:rPr lang="en-US" sz="1300" kern="1200" dirty="0"/>
+            <a:t>…</a:t>
+          </a:r>
+        </a:p>
+      </dsp:txBody>
+      <dsp:txXfrm>
+        <a:off x="6380503" y="527250"/>
+        <a:ext cx="2183175" cy="1278095"/>
+      </dsp:txXfrm>
+    </dsp:sp>
+    <dsp:sp modelId="{680472FB-1DED-B043-9C18-8E9AFCBED6E9}">
+      <dsp:nvSpPr>
+        <dsp:cNvPr id="0" name=""/>
+        <dsp:cNvSpPr/>
+      </dsp:nvSpPr>
+      <dsp:spPr>
+        <a:xfrm>
+          <a:off x="8802559" y="885723"/>
+          <a:ext cx="479692" cy="561150"/>
+        </a:xfrm>
+        <a:prstGeom prst="rightArrow">
+          <a:avLst>
+            <a:gd name="adj1" fmla="val 60000"/>
+            <a:gd name="adj2" fmla="val 50000"/>
+          </a:avLst>
+        </a:prstGeom>
+        <a:solidFill>
+          <a:schemeClr val="accent6">
+            <a:lumMod val="50000"/>
+          </a:schemeClr>
+        </a:solidFill>
+        <a:ln>
+          <a:noFill/>
+        </a:ln>
+        <a:effectLst/>
+      </dsp:spPr>
+      <dsp:style>
+        <a:lnRef idx="0">
+          <a:scrgbClr r="0" g="0" b="0"/>
+        </a:lnRef>
+        <a:fillRef idx="1">
+          <a:scrgbClr r="0" g="0" b="0"/>
+        </a:fillRef>
+        <a:effectRef idx="0">
+          <a:scrgbClr r="0" g="0" b="0"/>
+        </a:effectRef>
+        <a:fontRef idx="minor">
+          <a:schemeClr val="lt1"/>
+        </a:fontRef>
+      </dsp:style>
+      <dsp:txBody>
+        <a:bodyPr spcFirstLastPara="0" vert="horz" wrap="square" lIns="0" tIns="0" rIns="0" bIns="0" numCol="1" spcCol="1270" anchor="ctr" anchorCtr="0">
+          <a:noAutofit/>
+        </a:bodyPr>
+        <a:lstStyle/>
+        <a:p>
+          <a:pPr marL="0" lvl="0" indent="0" algn="ctr" defTabSz="622300">
+            <a:lnSpc>
+              <a:spcPct val="90000"/>
+            </a:lnSpc>
+            <a:spcBef>
+              <a:spcPct val="0"/>
+            </a:spcBef>
+            <a:spcAft>
+              <a:spcPct val="35000"/>
+            </a:spcAft>
+            <a:buNone/>
+          </a:pPr>
+          <a:endParaRPr lang="en-US" sz="1400" kern="1200"/>
+        </a:p>
+      </dsp:txBody>
+      <dsp:txXfrm>
+        <a:off x="8802559" y="997953"/>
+        <a:ext cx="335784" cy="336690"/>
+      </dsp:txXfrm>
+    </dsp:sp>
+    <dsp:sp modelId="{CC8F3904-974E-2647-9B88-B6062079D1ED}">
+      <dsp:nvSpPr>
+        <dsp:cNvPr id="0" name=""/>
+        <dsp:cNvSpPr/>
+      </dsp:nvSpPr>
+      <dsp:spPr>
+        <a:xfrm>
+          <a:off x="9508522" y="487487"/>
+          <a:ext cx="2262701" cy="1357621"/>
+        </a:xfrm>
+        <a:prstGeom prst="roundRect">
+          <a:avLst>
+            <a:gd name="adj" fmla="val 10000"/>
+          </a:avLst>
+        </a:prstGeom>
+        <a:solidFill>
+          <a:schemeClr val="accent5">
+            <a:hueOff val="0"/>
+            <a:satOff val="0"/>
+            <a:lumOff val="0"/>
+            <a:alphaOff val="0"/>
+          </a:schemeClr>
+        </a:solidFill>
+        <a:ln w="25400" cap="flat" cmpd="sng" algn="ctr">
+          <a:solidFill>
+            <a:schemeClr val="lt1">
+              <a:hueOff val="0"/>
+              <a:satOff val="0"/>
+              <a:lumOff val="0"/>
+              <a:alphaOff val="0"/>
+            </a:schemeClr>
+          </a:solidFill>
+          <a:prstDash val="solid"/>
+        </a:ln>
+        <a:effectLst/>
+      </dsp:spPr>
+      <dsp:style>
+        <a:lnRef idx="2">
+          <a:scrgbClr r="0" g="0" b="0"/>
+        </a:lnRef>
+        <a:fillRef idx="1">
+          <a:scrgbClr r="0" g="0" b="0"/>
+        </a:fillRef>
+        <a:effectRef idx="0">
+          <a:scrgbClr r="0" g="0" b="0"/>
+        </a:effectRef>
+        <a:fontRef idx="minor">
+          <a:schemeClr val="lt1"/>
+        </a:fontRef>
+      </dsp:style>
+      <dsp:txBody>
+        <a:bodyPr spcFirstLastPara="0" vert="horz" wrap="square" lIns="64770" tIns="64770" rIns="64770" bIns="64770" numCol="1" spcCol="1270" anchor="t" anchorCtr="0">
+          <a:noAutofit/>
+        </a:bodyPr>
+        <a:lstStyle/>
+        <a:p>
+          <a:pPr marL="0" lvl="0" indent="0" algn="l" defTabSz="755650">
+            <a:lnSpc>
+              <a:spcPct val="90000"/>
+            </a:lnSpc>
+            <a:spcBef>
+              <a:spcPct val="0"/>
+            </a:spcBef>
+            <a:spcAft>
+              <a:spcPct val="35000"/>
+            </a:spcAft>
+            <a:buNone/>
+          </a:pPr>
+          <a:r>
+            <a:rPr lang="en-US" sz="1700" kern="1200" dirty="0"/>
+            <a:t>Modeling</a:t>
+          </a:r>
+        </a:p>
+        <a:p>
+          <a:pPr marL="114300" lvl="1" indent="-114300" algn="l" defTabSz="577850">
+            <a:lnSpc>
+              <a:spcPct val="90000"/>
+            </a:lnSpc>
+            <a:spcBef>
+              <a:spcPct val="0"/>
+            </a:spcBef>
+            <a:spcAft>
+              <a:spcPct val="15000"/>
+            </a:spcAft>
+            <a:buChar char="•"/>
+          </a:pPr>
+          <a:r>
+            <a:rPr lang="en-US" sz="1300" kern="1200" dirty="0"/>
+            <a:t>Rows</a:t>
+          </a:r>
+        </a:p>
+        <a:p>
+          <a:pPr marL="114300" lvl="1" indent="-114300" algn="l" defTabSz="577850">
+            <a:lnSpc>
+              <a:spcPct val="90000"/>
+            </a:lnSpc>
+            <a:spcBef>
+              <a:spcPct val="0"/>
+            </a:spcBef>
+            <a:spcAft>
+              <a:spcPct val="15000"/>
+            </a:spcAft>
+            <a:buChar char="•"/>
+          </a:pPr>
+          <a:r>
+            <a:rPr lang="en-US" sz="1300" kern="1200" dirty="0"/>
+            <a:t>Labels</a:t>
+          </a:r>
+        </a:p>
+        <a:p>
+          <a:pPr marL="114300" lvl="1" indent="-114300" algn="l" defTabSz="577850">
+            <a:lnSpc>
+              <a:spcPct val="90000"/>
+            </a:lnSpc>
+            <a:spcBef>
+              <a:spcPct val="0"/>
+            </a:spcBef>
+            <a:spcAft>
+              <a:spcPct val="15000"/>
+            </a:spcAft>
+            <a:buChar char="•"/>
+          </a:pPr>
+          <a:r>
+            <a:rPr lang="en-US" sz="1300" kern="1200" dirty="0"/>
+            <a:t>Features</a:t>
+          </a:r>
+        </a:p>
+        <a:p>
+          <a:pPr marL="114300" lvl="1" indent="-114300" algn="l" defTabSz="577850">
+            <a:lnSpc>
+              <a:spcPct val="90000"/>
+            </a:lnSpc>
+            <a:spcBef>
+              <a:spcPct val="0"/>
+            </a:spcBef>
+            <a:spcAft>
+              <a:spcPct val="15000"/>
+            </a:spcAft>
+            <a:buChar char="•"/>
+          </a:pPr>
+          <a:r>
+            <a:rPr lang="en-US" sz="1300" kern="1200" dirty="0"/>
+            <a:t>Models</a:t>
+          </a:r>
+        </a:p>
+      </dsp:txBody>
+      <dsp:txXfrm>
+        <a:off x="9548285" y="527250"/>
+        <a:ext cx="2183175" cy="1278095"/>
+      </dsp:txXfrm>
+    </dsp:sp>
+    <dsp:sp modelId="{5383FDA3-64FA-604A-8CAF-995772572DB0}">
+      <dsp:nvSpPr>
+        <dsp:cNvPr id="0" name=""/>
+        <dsp:cNvSpPr/>
+      </dsp:nvSpPr>
+      <dsp:spPr>
+        <a:xfrm rot="5400000">
+          <a:off x="10400027" y="2003497"/>
+          <a:ext cx="479692" cy="561150"/>
+        </a:xfrm>
+        <a:prstGeom prst="rightArrow">
+          <a:avLst>
+            <a:gd name="adj1" fmla="val 60000"/>
+            <a:gd name="adj2" fmla="val 50000"/>
+          </a:avLst>
+        </a:prstGeom>
+        <a:solidFill>
+          <a:schemeClr val="accent5">
+            <a:hueOff val="0"/>
+            <a:satOff val="0"/>
+            <a:lumOff val="0"/>
+            <a:alphaOff val="0"/>
+          </a:schemeClr>
+        </a:solidFill>
+        <a:ln>
+          <a:noFill/>
+        </a:ln>
+        <a:effectLst/>
+      </dsp:spPr>
+      <dsp:style>
+        <a:lnRef idx="0">
+          <a:scrgbClr r="0" g="0" b="0"/>
+        </a:lnRef>
+        <a:fillRef idx="1">
+          <a:scrgbClr r="0" g="0" b="0"/>
+        </a:fillRef>
+        <a:effectRef idx="0">
+          <a:scrgbClr r="0" g="0" b="0"/>
+        </a:effectRef>
+        <a:fontRef idx="minor">
+          <a:schemeClr val="lt1"/>
+        </a:fontRef>
+      </dsp:style>
+      <dsp:txBody>
+        <a:bodyPr spcFirstLastPara="0" vert="horz" wrap="square" lIns="0" tIns="0" rIns="0" bIns="0" numCol="1" spcCol="1270" anchor="ctr" anchorCtr="0">
+          <a:noAutofit/>
+        </a:bodyPr>
+        <a:lstStyle/>
+        <a:p>
+          <a:pPr marL="0" lvl="0" indent="0" algn="ctr" defTabSz="622300">
+            <a:lnSpc>
+              <a:spcPct val="90000"/>
+            </a:lnSpc>
+            <a:spcBef>
+              <a:spcPct val="0"/>
+            </a:spcBef>
+            <a:spcAft>
+              <a:spcPct val="35000"/>
+            </a:spcAft>
+            <a:buNone/>
+          </a:pPr>
+          <a:endParaRPr lang="en-US" sz="1400" kern="1200"/>
+        </a:p>
+      </dsp:txBody>
+      <dsp:txXfrm rot="-5400000">
+        <a:off x="10471528" y="2044226"/>
+        <a:ext cx="336690" cy="335784"/>
+      </dsp:txXfrm>
+    </dsp:sp>
+    <dsp:sp modelId="{F11F753D-D453-BC4F-BACE-C4F8A11ECEA5}">
+      <dsp:nvSpPr>
+        <dsp:cNvPr id="0" name=""/>
+        <dsp:cNvSpPr/>
+      </dsp:nvSpPr>
+      <dsp:spPr>
+        <a:xfrm>
+          <a:off x="9508522" y="2750189"/>
+          <a:ext cx="2262701" cy="1357621"/>
+        </a:xfrm>
+        <a:prstGeom prst="roundRect">
+          <a:avLst>
+            <a:gd name="adj" fmla="val 10000"/>
+          </a:avLst>
+        </a:prstGeom>
+        <a:solidFill>
+          <a:srgbClr val="00B0F0"/>
+        </a:solidFill>
+        <a:ln w="25400" cap="flat" cmpd="sng" algn="ctr">
+          <a:solidFill>
+            <a:schemeClr val="lt1">
+              <a:hueOff val="0"/>
+              <a:satOff val="0"/>
+              <a:lumOff val="0"/>
+              <a:alphaOff val="0"/>
+            </a:schemeClr>
+          </a:solidFill>
+          <a:prstDash val="solid"/>
+        </a:ln>
+        <a:effectLst/>
+      </dsp:spPr>
+      <dsp:style>
+        <a:lnRef idx="2">
+          <a:scrgbClr r="0" g="0" b="0"/>
+        </a:lnRef>
+        <a:fillRef idx="1">
+          <a:scrgbClr r="0" g="0" b="0"/>
+        </a:fillRef>
+        <a:effectRef idx="0">
+          <a:scrgbClr r="0" g="0" b="0"/>
+        </a:effectRef>
+        <a:fontRef idx="minor">
+          <a:schemeClr val="lt1"/>
+        </a:fontRef>
+      </dsp:style>
+      <dsp:txBody>
+        <a:bodyPr spcFirstLastPara="0" vert="horz" wrap="square" lIns="64770" tIns="64770" rIns="64770" bIns="64770" numCol="1" spcCol="1270" anchor="t" anchorCtr="0">
+          <a:noAutofit/>
+        </a:bodyPr>
+        <a:lstStyle/>
+        <a:p>
+          <a:pPr marL="0" lvl="0" indent="0" algn="l" defTabSz="755650">
+            <a:lnSpc>
+              <a:spcPct val="90000"/>
+            </a:lnSpc>
+            <a:spcBef>
+              <a:spcPct val="0"/>
+            </a:spcBef>
+            <a:spcAft>
+              <a:spcPct val="35000"/>
+            </a:spcAft>
+            <a:buNone/>
+          </a:pPr>
+          <a:r>
+            <a:rPr lang="en-US" sz="1700" kern="1200" dirty="0"/>
+            <a:t>Model Selection</a:t>
+          </a:r>
+        </a:p>
+        <a:p>
+          <a:pPr marL="114300" lvl="1" indent="-114300" algn="l" defTabSz="577850">
+            <a:lnSpc>
+              <a:spcPct val="90000"/>
+            </a:lnSpc>
+            <a:spcBef>
+              <a:spcPct val="0"/>
+            </a:spcBef>
+            <a:spcAft>
+              <a:spcPct val="15000"/>
+            </a:spcAft>
+            <a:buChar char="•"/>
+          </a:pPr>
+          <a:r>
+            <a:rPr lang="en-US" sz="1300" kern="1200" dirty="0"/>
+            <a:t>Train-Test Splits</a:t>
+          </a:r>
+        </a:p>
+        <a:p>
+          <a:pPr marL="114300" lvl="1" indent="-114300" algn="l" defTabSz="577850">
+            <a:lnSpc>
+              <a:spcPct val="90000"/>
+            </a:lnSpc>
+            <a:spcBef>
+              <a:spcPct val="0"/>
+            </a:spcBef>
+            <a:spcAft>
+              <a:spcPct val="15000"/>
+            </a:spcAft>
+            <a:buChar char="•"/>
+          </a:pPr>
+          <a:r>
+            <a:rPr lang="en-US" sz="1300" kern="1200" dirty="0"/>
+            <a:t>Performance Metrics</a:t>
+          </a:r>
+        </a:p>
+      </dsp:txBody>
+      <dsp:txXfrm>
+        <a:off x="9548285" y="2789952"/>
+        <a:ext cx="2183175" cy="1278095"/>
+      </dsp:txXfrm>
+    </dsp:sp>
+    <dsp:sp modelId="{F8E19199-589F-1946-8222-73EA4584121E}">
+      <dsp:nvSpPr>
+        <dsp:cNvPr id="0" name=""/>
+        <dsp:cNvSpPr/>
+      </dsp:nvSpPr>
+      <dsp:spPr>
+        <a:xfrm rot="10800000">
+          <a:off x="8829712" y="3148424"/>
+          <a:ext cx="479692" cy="561150"/>
+        </a:xfrm>
+        <a:prstGeom prst="rightArrow">
+          <a:avLst>
+            <a:gd name="adj1" fmla="val 60000"/>
+            <a:gd name="adj2" fmla="val 50000"/>
+          </a:avLst>
+        </a:prstGeom>
+        <a:solidFill>
+          <a:srgbClr val="00B0F0"/>
+        </a:solidFill>
+        <a:ln>
+          <a:noFill/>
+        </a:ln>
+        <a:effectLst/>
+      </dsp:spPr>
+      <dsp:style>
+        <a:lnRef idx="0">
+          <a:scrgbClr r="0" g="0" b="0"/>
+        </a:lnRef>
+        <a:fillRef idx="1">
+          <a:scrgbClr r="0" g="0" b="0"/>
+        </a:fillRef>
+        <a:effectRef idx="0">
+          <a:scrgbClr r="0" g="0" b="0"/>
+        </a:effectRef>
+        <a:fontRef idx="minor">
+          <a:schemeClr val="lt1"/>
+        </a:fontRef>
+      </dsp:style>
+      <dsp:txBody>
+        <a:bodyPr spcFirstLastPara="0" vert="horz" wrap="square" lIns="0" tIns="0" rIns="0" bIns="0" numCol="1" spcCol="1270" anchor="ctr" anchorCtr="0">
+          <a:noAutofit/>
+        </a:bodyPr>
+        <a:lstStyle/>
+        <a:p>
+          <a:pPr marL="0" lvl="0" indent="0" algn="ctr" defTabSz="622300">
+            <a:lnSpc>
+              <a:spcPct val="90000"/>
+            </a:lnSpc>
+            <a:spcBef>
+              <a:spcPct val="0"/>
+            </a:spcBef>
+            <a:spcAft>
+              <a:spcPct val="35000"/>
+            </a:spcAft>
+            <a:buNone/>
+          </a:pPr>
+          <a:endParaRPr lang="en-US" sz="1400" kern="1200"/>
+        </a:p>
+      </dsp:txBody>
+      <dsp:txXfrm rot="10800000">
+        <a:off x="8973620" y="3260654"/>
+        <a:ext cx="335784" cy="336690"/>
+      </dsp:txXfrm>
+    </dsp:sp>
+    <dsp:sp modelId="{529FCC09-4687-E147-80E8-2EB7609DC9CF}">
+      <dsp:nvSpPr>
+        <dsp:cNvPr id="0" name=""/>
+        <dsp:cNvSpPr/>
+      </dsp:nvSpPr>
+      <dsp:spPr>
+        <a:xfrm>
+          <a:off x="6340740" y="2750189"/>
+          <a:ext cx="2262701" cy="1357621"/>
+        </a:xfrm>
+        <a:prstGeom prst="roundRect">
+          <a:avLst>
+            <a:gd name="adj" fmla="val 10000"/>
+          </a:avLst>
+        </a:prstGeom>
+        <a:solidFill>
+          <a:schemeClr val="tx1">
+            <a:lumMod val="65000"/>
+            <a:lumOff val="35000"/>
+          </a:schemeClr>
+        </a:solidFill>
+        <a:ln w="25400" cap="flat" cmpd="sng" algn="ctr">
+          <a:solidFill>
+            <a:schemeClr val="lt1">
+              <a:hueOff val="0"/>
+              <a:satOff val="0"/>
+              <a:lumOff val="0"/>
+              <a:alphaOff val="0"/>
+            </a:schemeClr>
+          </a:solidFill>
+          <a:prstDash val="solid"/>
+        </a:ln>
+        <a:effectLst/>
+      </dsp:spPr>
+      <dsp:style>
+        <a:lnRef idx="2">
+          <a:scrgbClr r="0" g="0" b="0"/>
+        </a:lnRef>
+        <a:fillRef idx="1">
+          <a:scrgbClr r="0" g="0" b="0"/>
+        </a:fillRef>
+        <a:effectRef idx="0">
+          <a:scrgbClr r="0" g="0" b="0"/>
+        </a:effectRef>
+        <a:fontRef idx="minor">
+          <a:schemeClr val="lt1"/>
+        </a:fontRef>
+      </dsp:style>
+      <dsp:txBody>
+        <a:bodyPr spcFirstLastPara="0" vert="horz" wrap="square" lIns="64770" tIns="64770" rIns="64770" bIns="64770" numCol="1" spcCol="1270" anchor="ctr" anchorCtr="0">
+          <a:noAutofit/>
+        </a:bodyPr>
+        <a:lstStyle/>
+        <a:p>
+          <a:pPr marL="0" lvl="0" indent="0" algn="ctr" defTabSz="755650">
+            <a:lnSpc>
+              <a:spcPct val="90000"/>
+            </a:lnSpc>
+            <a:spcBef>
+              <a:spcPct val="0"/>
+            </a:spcBef>
+            <a:spcAft>
+              <a:spcPct val="35000"/>
+            </a:spcAft>
+            <a:buNone/>
+          </a:pPr>
+          <a:r>
+            <a:rPr lang="en-US" sz="1700" kern="1200" dirty="0"/>
+            <a:t>Model Interpretation</a:t>
+          </a:r>
+        </a:p>
+      </dsp:txBody>
+      <dsp:txXfrm>
+        <a:off x="6380503" y="2789952"/>
+        <a:ext cx="2183175" cy="1278095"/>
+      </dsp:txXfrm>
+    </dsp:sp>
+    <dsp:sp modelId="{5381123D-2C93-3241-8E06-B77D04CAE8EC}">
+      <dsp:nvSpPr>
+        <dsp:cNvPr id="0" name=""/>
+        <dsp:cNvSpPr/>
+      </dsp:nvSpPr>
+      <dsp:spPr>
+        <a:xfrm rot="10800000">
+          <a:off x="5661929" y="3148424"/>
+          <a:ext cx="479692" cy="561150"/>
+        </a:xfrm>
+        <a:prstGeom prst="rightArrow">
+          <a:avLst>
+            <a:gd name="adj1" fmla="val 60000"/>
+            <a:gd name="adj2" fmla="val 50000"/>
+          </a:avLst>
+        </a:prstGeom>
+        <a:solidFill>
+          <a:schemeClr val="bg2"/>
+        </a:solidFill>
+        <a:ln>
+          <a:noFill/>
+        </a:ln>
+        <a:effectLst/>
+      </dsp:spPr>
+      <dsp:style>
+        <a:lnRef idx="0">
+          <a:scrgbClr r="0" g="0" b="0"/>
+        </a:lnRef>
+        <a:fillRef idx="1">
+          <a:scrgbClr r="0" g="0" b="0"/>
+        </a:fillRef>
+        <a:effectRef idx="0">
+          <a:scrgbClr r="0" g="0" b="0"/>
+        </a:effectRef>
+        <a:fontRef idx="minor">
+          <a:schemeClr val="lt1"/>
+        </a:fontRef>
+      </dsp:style>
+      <dsp:txBody>
+        <a:bodyPr spcFirstLastPara="0" vert="horz" wrap="square" lIns="0" tIns="0" rIns="0" bIns="0" numCol="1" spcCol="1270" anchor="ctr" anchorCtr="0">
+          <a:noAutofit/>
+        </a:bodyPr>
+        <a:lstStyle/>
+        <a:p>
+          <a:pPr marL="0" lvl="0" indent="0" algn="ctr" defTabSz="622300">
+            <a:lnSpc>
+              <a:spcPct val="90000"/>
+            </a:lnSpc>
+            <a:spcBef>
+              <a:spcPct val="0"/>
+            </a:spcBef>
+            <a:spcAft>
+              <a:spcPct val="35000"/>
+            </a:spcAft>
+            <a:buNone/>
+          </a:pPr>
+          <a:endParaRPr lang="en-US" sz="1400" kern="1200"/>
+        </a:p>
+      </dsp:txBody>
+      <dsp:txXfrm rot="10800000">
+        <a:off x="5805837" y="3260654"/>
+        <a:ext cx="335784" cy="336690"/>
+      </dsp:txXfrm>
+    </dsp:sp>
+    <dsp:sp modelId="{1850AAD1-4903-FE47-A71D-0B73E666CD99}">
+      <dsp:nvSpPr>
+        <dsp:cNvPr id="0" name=""/>
+        <dsp:cNvSpPr/>
+      </dsp:nvSpPr>
+      <dsp:spPr>
+        <a:xfrm>
+          <a:off x="3172957" y="2750189"/>
+          <a:ext cx="2262701" cy="1357621"/>
+        </a:xfrm>
+        <a:prstGeom prst="roundRect">
+          <a:avLst>
+            <a:gd name="adj" fmla="val 10000"/>
+          </a:avLst>
+        </a:prstGeom>
+        <a:solidFill>
+          <a:schemeClr val="accent3">
+            <a:hueOff val="0"/>
+            <a:satOff val="0"/>
+            <a:lumOff val="0"/>
+            <a:alphaOff val="0"/>
+          </a:schemeClr>
+        </a:solidFill>
+        <a:ln w="25400" cap="flat" cmpd="sng" algn="ctr">
+          <a:solidFill>
+            <a:schemeClr val="lt1">
+              <a:hueOff val="0"/>
+              <a:satOff val="0"/>
+              <a:lumOff val="0"/>
+              <a:alphaOff val="0"/>
+            </a:schemeClr>
+          </a:solidFill>
+          <a:prstDash val="solid"/>
+        </a:ln>
+        <a:effectLst/>
+      </dsp:spPr>
+      <dsp:style>
+        <a:lnRef idx="2">
+          <a:scrgbClr r="0" g="0" b="0"/>
+        </a:lnRef>
+        <a:fillRef idx="1">
+          <a:scrgbClr r="0" g="0" b="0"/>
+        </a:fillRef>
+        <a:effectRef idx="0">
+          <a:scrgbClr r="0" g="0" b="0"/>
+        </a:effectRef>
+        <a:fontRef idx="minor">
+          <a:schemeClr val="lt1"/>
+        </a:fontRef>
+      </dsp:style>
+      <dsp:txBody>
+        <a:bodyPr spcFirstLastPara="0" vert="horz" wrap="square" lIns="64770" tIns="64770" rIns="64770" bIns="64770" numCol="1" spcCol="1270" anchor="ctr" anchorCtr="0">
+          <a:noAutofit/>
+        </a:bodyPr>
+        <a:lstStyle/>
+        <a:p>
+          <a:pPr marL="0" lvl="0" indent="0" algn="ctr" defTabSz="755650">
+            <a:lnSpc>
+              <a:spcPct val="90000"/>
+            </a:lnSpc>
+            <a:spcBef>
+              <a:spcPct val="0"/>
+            </a:spcBef>
+            <a:spcAft>
+              <a:spcPct val="35000"/>
+            </a:spcAft>
+            <a:buNone/>
+          </a:pPr>
+          <a:r>
+            <a:rPr lang="en-US" sz="1700" kern="1200" dirty="0"/>
+            <a:t>Dealing with Bias and Fairness</a:t>
+          </a:r>
+        </a:p>
+      </dsp:txBody>
+      <dsp:txXfrm>
+        <a:off x="3212720" y="2789952"/>
+        <a:ext cx="2183175" cy="1278095"/>
+      </dsp:txXfrm>
+    </dsp:sp>
+    <dsp:sp modelId="{D7CE2DAE-ABF0-9641-AE1A-0DB79AEBD84A}">
+      <dsp:nvSpPr>
+        <dsp:cNvPr id="0" name=""/>
+        <dsp:cNvSpPr/>
+      </dsp:nvSpPr>
+      <dsp:spPr>
+        <a:xfrm rot="10800000">
+          <a:off x="2494147" y="3148424"/>
+          <a:ext cx="479692" cy="561150"/>
+        </a:xfrm>
+        <a:prstGeom prst="rightArrow">
+          <a:avLst>
+            <a:gd name="adj1" fmla="val 60000"/>
+            <a:gd name="adj2" fmla="val 50000"/>
+          </a:avLst>
+        </a:prstGeom>
+        <a:solidFill>
+          <a:schemeClr val="accent3">
+            <a:hueOff val="0"/>
+            <a:satOff val="0"/>
+            <a:lumOff val="0"/>
+            <a:alphaOff val="0"/>
+          </a:schemeClr>
+        </a:solidFill>
+        <a:ln>
+          <a:noFill/>
+        </a:ln>
+        <a:effectLst/>
+      </dsp:spPr>
+      <dsp:style>
+        <a:lnRef idx="0">
+          <a:scrgbClr r="0" g="0" b="0"/>
+        </a:lnRef>
+        <a:fillRef idx="1">
+          <a:scrgbClr r="0" g="0" b="0"/>
+        </a:fillRef>
+        <a:effectRef idx="0">
+          <a:scrgbClr r="0" g="0" b="0"/>
+        </a:effectRef>
+        <a:fontRef idx="minor">
+          <a:schemeClr val="lt1"/>
+        </a:fontRef>
+      </dsp:style>
+      <dsp:txBody>
+        <a:bodyPr spcFirstLastPara="0" vert="horz" wrap="square" lIns="0" tIns="0" rIns="0" bIns="0" numCol="1" spcCol="1270" anchor="ctr" anchorCtr="0">
+          <a:noAutofit/>
+        </a:bodyPr>
+        <a:lstStyle/>
+        <a:p>
+          <a:pPr marL="0" lvl="0" indent="0" algn="ctr" defTabSz="622300">
+            <a:lnSpc>
+              <a:spcPct val="90000"/>
+            </a:lnSpc>
+            <a:spcBef>
+              <a:spcPct val="0"/>
+            </a:spcBef>
+            <a:spcAft>
+              <a:spcPct val="35000"/>
+            </a:spcAft>
+            <a:buNone/>
+          </a:pPr>
+          <a:endParaRPr lang="en-US" sz="1400" kern="1200"/>
+        </a:p>
+      </dsp:txBody>
+      <dsp:txXfrm rot="10800000">
+        <a:off x="2638055" y="3260654"/>
+        <a:ext cx="335784" cy="336690"/>
+      </dsp:txXfrm>
+    </dsp:sp>
+    <dsp:sp modelId="{0538887E-FF31-324E-B401-E87E44AFF0AA}">
+      <dsp:nvSpPr>
+        <dsp:cNvPr id="0" name=""/>
+        <dsp:cNvSpPr/>
+      </dsp:nvSpPr>
+      <dsp:spPr>
+        <a:xfrm>
+          <a:off x="5175" y="2750189"/>
+          <a:ext cx="2262701" cy="1357621"/>
+        </a:xfrm>
+        <a:prstGeom prst="roundRect">
+          <a:avLst>
+            <a:gd name="adj" fmla="val 10000"/>
+          </a:avLst>
+        </a:prstGeom>
+        <a:solidFill>
+          <a:schemeClr val="accent6">
+            <a:lumMod val="50000"/>
+          </a:schemeClr>
+        </a:solidFill>
+        <a:ln w="25400" cap="flat" cmpd="sng" algn="ctr">
+          <a:solidFill>
+            <a:schemeClr val="lt1">
+              <a:hueOff val="0"/>
+              <a:satOff val="0"/>
+              <a:lumOff val="0"/>
+              <a:alphaOff val="0"/>
+            </a:schemeClr>
+          </a:solidFill>
+          <a:prstDash val="solid"/>
+        </a:ln>
+        <a:effectLst/>
+      </dsp:spPr>
+      <dsp:style>
+        <a:lnRef idx="2">
+          <a:scrgbClr r="0" g="0" b="0"/>
+        </a:lnRef>
+        <a:fillRef idx="1">
+          <a:scrgbClr r="0" g="0" b="0"/>
+        </a:fillRef>
+        <a:effectRef idx="0">
+          <a:scrgbClr r="0" g="0" b="0"/>
+        </a:effectRef>
+        <a:fontRef idx="minor">
+          <a:schemeClr val="lt1"/>
+        </a:fontRef>
+      </dsp:style>
+      <dsp:txBody>
+        <a:bodyPr spcFirstLastPara="0" vert="horz" wrap="square" lIns="64770" tIns="64770" rIns="64770" bIns="64770" numCol="1" spcCol="1270" anchor="ctr" anchorCtr="0">
+          <a:noAutofit/>
+        </a:bodyPr>
+        <a:lstStyle/>
+        <a:p>
+          <a:pPr marL="0" lvl="0" indent="0" algn="ctr" defTabSz="755650">
+            <a:lnSpc>
+              <a:spcPct val="90000"/>
+            </a:lnSpc>
+            <a:spcBef>
+              <a:spcPct val="0"/>
+            </a:spcBef>
+            <a:spcAft>
+              <a:spcPct val="35000"/>
+            </a:spcAft>
+            <a:buNone/>
+          </a:pPr>
+          <a:r>
+            <a:rPr lang="en-US" sz="1700" kern="1200" dirty="0"/>
+            <a:t>Field Trial Design</a:t>
+          </a:r>
+        </a:p>
+      </dsp:txBody>
+      <dsp:txXfrm>
+        <a:off x="44938" y="2789952"/>
+        <a:ext cx="2183175" cy="1278095"/>
+      </dsp:txXfrm>
+    </dsp:sp>
+    <dsp:sp modelId="{92EB25B1-D4AE-754E-BD44-115E26D1FF80}">
+      <dsp:nvSpPr>
+        <dsp:cNvPr id="0" name=""/>
+        <dsp:cNvSpPr/>
+      </dsp:nvSpPr>
+      <dsp:spPr>
+        <a:xfrm rot="5400000">
+          <a:off x="896679" y="4266199"/>
+          <a:ext cx="479692" cy="561150"/>
+        </a:xfrm>
+        <a:prstGeom prst="rightArrow">
+          <a:avLst>
+            <a:gd name="adj1" fmla="val 60000"/>
+            <a:gd name="adj2" fmla="val 50000"/>
+          </a:avLst>
+        </a:prstGeom>
+        <a:solidFill>
+          <a:schemeClr val="accent6">
+            <a:lumMod val="50000"/>
+          </a:schemeClr>
+        </a:solidFill>
+        <a:ln>
+          <a:noFill/>
+        </a:ln>
+        <a:effectLst/>
+      </dsp:spPr>
+      <dsp:style>
+        <a:lnRef idx="0">
+          <a:scrgbClr r="0" g="0" b="0"/>
+        </a:lnRef>
+        <a:fillRef idx="1">
+          <a:scrgbClr r="0" g="0" b="0"/>
+        </a:fillRef>
+        <a:effectRef idx="0">
+          <a:scrgbClr r="0" g="0" b="0"/>
+        </a:effectRef>
+        <a:fontRef idx="minor">
+          <a:schemeClr val="lt1"/>
+        </a:fontRef>
+      </dsp:style>
+      <dsp:txBody>
+        <a:bodyPr spcFirstLastPara="0" vert="horz" wrap="square" lIns="0" tIns="0" rIns="0" bIns="0" numCol="1" spcCol="1270" anchor="ctr" anchorCtr="0">
+          <a:noAutofit/>
+        </a:bodyPr>
+        <a:lstStyle/>
+        <a:p>
+          <a:pPr marL="0" lvl="0" indent="0" algn="ctr" defTabSz="622300">
+            <a:lnSpc>
+              <a:spcPct val="90000"/>
+            </a:lnSpc>
+            <a:spcBef>
+              <a:spcPct val="0"/>
+            </a:spcBef>
+            <a:spcAft>
+              <a:spcPct val="35000"/>
+            </a:spcAft>
+            <a:buNone/>
+          </a:pPr>
+          <a:endParaRPr lang="en-US" sz="1400" kern="1200"/>
+        </a:p>
+      </dsp:txBody>
+      <dsp:txXfrm rot="-5400000">
+        <a:off x="968180" y="4306928"/>
+        <a:ext cx="336690" cy="335784"/>
+      </dsp:txXfrm>
+    </dsp:sp>
+    <dsp:sp modelId="{C225C079-1737-3742-99A0-0A7B593214FB}">
+      <dsp:nvSpPr>
+        <dsp:cNvPr id="0" name=""/>
+        <dsp:cNvSpPr/>
+      </dsp:nvSpPr>
+      <dsp:spPr>
+        <a:xfrm>
+          <a:off x="5175" y="5012891"/>
+          <a:ext cx="2262701" cy="1357621"/>
+        </a:xfrm>
+        <a:prstGeom prst="roundRect">
+          <a:avLst>
+            <a:gd name="adj" fmla="val 10000"/>
+          </a:avLst>
+        </a:prstGeom>
+        <a:solidFill>
+          <a:schemeClr val="accent5">
+            <a:hueOff val="0"/>
+            <a:satOff val="0"/>
+            <a:lumOff val="0"/>
+            <a:alphaOff val="0"/>
+          </a:schemeClr>
+        </a:solidFill>
+        <a:ln w="25400" cap="flat" cmpd="sng" algn="ctr">
+          <a:solidFill>
+            <a:schemeClr val="lt1">
+              <a:hueOff val="0"/>
+              <a:satOff val="0"/>
+              <a:lumOff val="0"/>
+              <a:alphaOff val="0"/>
+            </a:schemeClr>
+          </a:solidFill>
+          <a:prstDash val="solid"/>
+        </a:ln>
+        <a:effectLst/>
+      </dsp:spPr>
+      <dsp:style>
+        <a:lnRef idx="2">
+          <a:scrgbClr r="0" g="0" b="0"/>
+        </a:lnRef>
+        <a:fillRef idx="1">
+          <a:scrgbClr r="0" g="0" b="0"/>
+        </a:fillRef>
+        <a:effectRef idx="0">
+          <a:scrgbClr r="0" g="0" b="0"/>
+        </a:effectRef>
+        <a:fontRef idx="minor">
+          <a:schemeClr val="lt1"/>
+        </a:fontRef>
+      </dsp:style>
+      <dsp:txBody>
+        <a:bodyPr spcFirstLastPara="0" vert="horz" wrap="square" lIns="64770" tIns="64770" rIns="64770" bIns="64770" numCol="1" spcCol="1270" anchor="ctr" anchorCtr="0">
+          <a:noAutofit/>
+        </a:bodyPr>
+        <a:lstStyle/>
+        <a:p>
+          <a:pPr marL="0" lvl="0" indent="0" algn="ctr" defTabSz="755650">
+            <a:lnSpc>
+              <a:spcPct val="90000"/>
+            </a:lnSpc>
+            <a:spcBef>
+              <a:spcPct val="0"/>
+            </a:spcBef>
+            <a:spcAft>
+              <a:spcPct val="35000"/>
+            </a:spcAft>
+            <a:buNone/>
+          </a:pPr>
+          <a:r>
+            <a:rPr lang="en-US" sz="1700" kern="1200" dirty="0"/>
+            <a:t>Deployment</a:t>
+          </a:r>
+        </a:p>
+      </dsp:txBody>
+      <dsp:txXfrm>
+        <a:off x="44938" y="5052654"/>
+        <a:ext cx="2183175" cy="1278095"/>
+      </dsp:txXfrm>
+    </dsp:sp>
+    <dsp:sp modelId="{C8297064-9915-AB4E-A9CB-FFEA8FC197B9}">
+      <dsp:nvSpPr>
+        <dsp:cNvPr id="0" name=""/>
+        <dsp:cNvSpPr/>
+      </dsp:nvSpPr>
+      <dsp:spPr>
+        <a:xfrm>
+          <a:off x="2466994" y="5411126"/>
+          <a:ext cx="479692" cy="561150"/>
+        </a:xfrm>
+        <a:prstGeom prst="rightArrow">
+          <a:avLst>
+            <a:gd name="adj1" fmla="val 60000"/>
+            <a:gd name="adj2" fmla="val 50000"/>
+          </a:avLst>
+        </a:prstGeom>
+        <a:solidFill>
+          <a:schemeClr val="accent5">
+            <a:hueOff val="0"/>
+            <a:satOff val="0"/>
+            <a:lumOff val="0"/>
+            <a:alphaOff val="0"/>
+          </a:schemeClr>
+        </a:solidFill>
+        <a:ln>
+          <a:noFill/>
+        </a:ln>
+        <a:effectLst/>
+      </dsp:spPr>
+      <dsp:style>
+        <a:lnRef idx="0">
+          <a:scrgbClr r="0" g="0" b="0"/>
+        </a:lnRef>
+        <a:fillRef idx="1">
+          <a:scrgbClr r="0" g="0" b="0"/>
+        </a:fillRef>
+        <a:effectRef idx="0">
+          <a:scrgbClr r="0" g="0" b="0"/>
+        </a:effectRef>
+        <a:fontRef idx="minor">
+          <a:schemeClr val="lt1"/>
+        </a:fontRef>
+      </dsp:style>
+      <dsp:txBody>
+        <a:bodyPr spcFirstLastPara="0" vert="horz" wrap="square" lIns="0" tIns="0" rIns="0" bIns="0" numCol="1" spcCol="1270" anchor="ctr" anchorCtr="0">
+          <a:noAutofit/>
+        </a:bodyPr>
+        <a:lstStyle/>
+        <a:p>
+          <a:pPr marL="0" lvl="0" indent="0" algn="ctr" defTabSz="622300">
+            <a:lnSpc>
+              <a:spcPct val="90000"/>
+            </a:lnSpc>
+            <a:spcBef>
+              <a:spcPct val="0"/>
+            </a:spcBef>
+            <a:spcAft>
+              <a:spcPct val="35000"/>
+            </a:spcAft>
+            <a:buNone/>
+          </a:pPr>
+          <a:endParaRPr lang="en-US" sz="1400" kern="1200"/>
+        </a:p>
+      </dsp:txBody>
+      <dsp:txXfrm>
+        <a:off x="2466994" y="5523356"/>
+        <a:ext cx="335784" cy="336690"/>
+      </dsp:txXfrm>
+    </dsp:sp>
+    <dsp:sp modelId="{098F0226-B690-1B45-B506-7C933BFB7998}">
+      <dsp:nvSpPr>
+        <dsp:cNvPr id="0" name=""/>
+        <dsp:cNvSpPr/>
+      </dsp:nvSpPr>
+      <dsp:spPr>
+        <a:xfrm>
+          <a:off x="3172957" y="5012891"/>
+          <a:ext cx="2262701" cy="1357621"/>
+        </a:xfrm>
+        <a:prstGeom prst="roundRect">
+          <a:avLst>
+            <a:gd name="adj" fmla="val 10000"/>
+          </a:avLst>
+        </a:prstGeom>
+        <a:solidFill>
+          <a:srgbClr val="00B0F0"/>
+        </a:solidFill>
+        <a:ln w="25400" cap="flat" cmpd="sng" algn="ctr">
+          <a:solidFill>
+            <a:schemeClr val="lt1">
+              <a:hueOff val="0"/>
+              <a:satOff val="0"/>
+              <a:lumOff val="0"/>
+              <a:alphaOff val="0"/>
+            </a:schemeClr>
+          </a:solidFill>
+          <a:prstDash val="solid"/>
+        </a:ln>
+        <a:effectLst/>
+      </dsp:spPr>
+      <dsp:style>
+        <a:lnRef idx="2">
+          <a:scrgbClr r="0" g="0" b="0"/>
+        </a:lnRef>
+        <a:fillRef idx="1">
+          <a:scrgbClr r="0" g="0" b="0"/>
+        </a:fillRef>
+        <a:effectRef idx="0">
+          <a:scrgbClr r="0" g="0" b="0"/>
+        </a:effectRef>
+        <a:fontRef idx="minor">
+          <a:schemeClr val="lt1"/>
+        </a:fontRef>
+      </dsp:style>
+      <dsp:txBody>
+        <a:bodyPr spcFirstLastPara="0" vert="horz" wrap="square" lIns="64770" tIns="64770" rIns="64770" bIns="64770" numCol="1" spcCol="1270" anchor="ctr" anchorCtr="0">
+          <a:noAutofit/>
+        </a:bodyPr>
+        <a:lstStyle/>
+        <a:p>
+          <a:pPr marL="0" lvl="0" indent="0" algn="ctr" defTabSz="755650">
+            <a:lnSpc>
+              <a:spcPct val="90000"/>
+            </a:lnSpc>
+            <a:spcBef>
+              <a:spcPct val="0"/>
+            </a:spcBef>
+            <a:spcAft>
+              <a:spcPct val="35000"/>
+            </a:spcAft>
+            <a:buNone/>
+          </a:pPr>
+          <a:r>
+            <a:rPr lang="en-US" sz="1700" kern="1200" dirty="0"/>
+            <a:t>Monitoring</a:t>
+          </a:r>
+        </a:p>
+      </dsp:txBody>
+      <dsp:txXfrm>
+        <a:off x="3212720" y="5052654"/>
+        <a:ext cx="2183175" cy="1278095"/>
+      </dsp:txXfrm>
+    </dsp:sp>
+  </dsp:spTree>
+</dsp:drawing>
+</file>
+
+<file path=ppt/diagrams/layout1.xml><?xml version="1.0" encoding="utf-8"?>
+<dgm:layoutDef xmlns:dgm="http://schemas.openxmlformats.org/drawingml/2006/diagram" xmlns:a="http://schemas.openxmlformats.org/drawingml/2006/main" uniqueId="urn:microsoft.com/office/officeart/2005/8/layout/process5">
+  <dgm:title val=""/>
+  <dgm:desc val=""/>
+  <dgm:catLst>
+    <dgm:cat type="process" pri="17000"/>
+  </dgm:catLst>
+  <dgm:sampData>
+    <dgm:dataModel>
+      <dgm:ptLst>
+        <dgm:pt modelId="0" type="doc"/>
+        <dgm:pt modelId="1">
+          <dgm:prSet phldr="1"/>
+        </dgm:pt>
+        <dgm:pt modelId="2">
+          <dgm:prSet phldr="1"/>
+        </dgm:pt>
+        <dgm:pt modelId="3">
+          <dgm:prSet phldr="1"/>
+        </dgm:pt>
+        <dgm:pt modelId="4">
+          <dgm:prSet phldr="1"/>
+        </dgm:pt>
+        <dgm:pt modelId="5">
+          <dgm:prSet phldr="1"/>
+        </dgm:pt>
+      </dgm:ptLst>
+      <dgm:cxnLst>
+        <dgm:cxn modelId="7" srcId="0" destId="1" srcOrd="0" destOrd="0"/>
+        <dgm:cxn modelId="8" srcId="0" destId="2" srcOrd="1" destOrd="0"/>
+        <dgm:cxn modelId="9" srcId="0" destId="3" srcOrd="2" destOrd="0"/>
+        <dgm:cxn modelId="10" srcId="0" destId="4" srcOrd="3" destOrd="0"/>
+        <dgm:cxn modelId="11" srcId="0" destId="5" srcOrd="4" destOrd="0"/>
+      </dgm:cxnLst>
+      <dgm:bg/>
+      <dgm:whole/>
+    </dgm:dataModel>
+  </dgm:sampData>
+  <dgm:styleData>
+    <dgm:dataModel>
+      <dgm:ptLst>
+        <dgm:pt modelId="0" type="doc"/>
+        <dgm:pt modelId="1"/>
+        <dgm:pt modelId="2"/>
+      </dgm:ptLst>
+      <dgm:cxnLst>
+        <dgm:cxn modelId="3" srcId="0" destId="1" srcOrd="0" destOrd="0"/>
+        <dgm:cxn modelId="4" srcId="0" destId="2" srcOrd="1" destOrd="0"/>
+      </dgm:cxnLst>
+      <dgm:bg/>
+      <dgm:whole/>
+    </dgm:dataModel>
+  </dgm:styleData>
+  <dgm:clrData>
+    <dgm:dataModel>
+      <dgm:ptLst>
+        <dgm:pt modelId="0" type="doc"/>
+        <dgm:pt modelId="1"/>
+        <dgm:pt modelId="2"/>
+        <dgm:pt modelId="3"/>
+        <dgm:pt modelId="4"/>
+      </dgm:ptLst>
+      <dgm:cxnLst>
+        <dgm:cxn modelId="5" srcId="0" destId="1" srcOrd="0" destOrd="0"/>
+        <dgm:cxn modelId="6" srcId="0" destId="2" srcOrd="1" destOrd="0"/>
+        <dgm:cxn modelId="7" srcId="0" destId="3" srcOrd="2" destOrd="0"/>
+        <dgm:cxn modelId="8" srcId="0" destId="4" srcOrd="3" destOrd="0"/>
+      </dgm:cxnLst>
+      <dgm:bg/>
+      <dgm:whole/>
+    </dgm:dataModel>
+  </dgm:clrData>
+  <dgm:layoutNode name="diagram">
+    <dgm:varLst>
+      <dgm:dir/>
+      <dgm:resizeHandles val="exact"/>
+    </dgm:varLst>
+    <dgm:choose name="Name0">
+      <dgm:if name="Name1" axis="self" func="var" arg="dir" op="equ" val="norm">
+        <dgm:alg type="snake">
+          <dgm:param type="grDir" val="tL"/>
+          <dgm:param type="flowDir" val="row"/>
+          <dgm:param type="contDir" val="revDir"/>
+          <dgm:param type="bkpt" val="endCnv"/>
+        </dgm:alg>
+      </dgm:if>
+      <dgm:else name="Name2">
+        <dgm:alg type="snake">
+          <dgm:param type="grDir" val="tR"/>
+          <dgm:param type="flowDir" val="row"/>
+          <dgm:param type="contDir" val="revDir"/>
+          <dgm:param type="bkpt" val="endCnv"/>
+        </dgm:alg>
+      </dgm:else>
+    </dgm:choose>
+    <dgm:shape xmlns:r="http://schemas.openxmlformats.org/officeDocument/2006/relationships" r:blip="">
+      <dgm:adjLst/>
+    </dgm:shape>
+    <dgm:presOf/>
+    <dgm:constrLst>
+      <dgm:constr type="w" for="ch" ptType="node" refType="w"/>
+      <dgm:constr type="w" for="ch" forName="sibTrans" refType="w" refFor="ch" refPtType="node" op="equ" fact="0.4"/>
+      <dgm:constr type="sp" refType="w" refFor="ch" refForName="sibTrans" op="equ"/>
+      <dgm:constr type="primFontSz" for="ch" ptType="node" op="equ" val="65"/>
+      <dgm:constr type="primFontSz" for="des" forName="connectorText" op="equ" val="55"/>
+      <dgm:constr type="primFontSz" for="des" forName="connectorText" refType="primFontSz" refFor="ch" refPtType="node" op="lte" fact="0.8"/>
+    </dgm:constrLst>
+    <dgm:ruleLst/>
+    <dgm:forEach name="nodesForEach" axis="ch" ptType="node">
+      <dgm:layoutNode name="node">
+        <dgm:varLst>
+          <dgm:bulletEnabled val="1"/>
+        </dgm:varLst>
+        <dgm:alg type="tx"/>
+        <dgm:shape xmlns:r="http://schemas.openxmlformats.org/officeDocument/2006/relationships" type="roundRect" r:blip="">
+          <dgm:adjLst>
+            <dgm:adj idx="1" val="0.1"/>
+          </dgm:adjLst>
+        </dgm:shape>
+        <dgm:presOf axis="desOrSelf" ptType="node"/>
+        <dgm:constrLst>
+          <dgm:constr type="h" refType="w" fact="0.6"/>
+          <dgm:constr type="tMarg" refType="primFontSz" fact="0.3"/>
+          <dgm:constr type="bMarg" refType="primFontSz" fact="0.3"/>
+          <dgm:constr type="lMarg" refType="primFontSz" fact="0.3"/>
+          <dgm:constr type="rMarg" refType="primFontSz" fact="0.3"/>
+        </dgm:constrLst>
+        <dgm:ruleLst>
+          <dgm:rule type="primFontSz" val="5" fact="NaN" max="NaN"/>
+        </dgm:ruleLst>
+      </dgm:layoutNode>
+      <dgm:forEach name="sibTransForEach" axis="followSib" ptType="sibTrans" cnt="1">
+        <dgm:layoutNode name="sibTrans">
+          <dgm:alg type="conn">
+            <dgm:param type="begPts" val="auto"/>
+            <dgm:param type="endPts" val="auto"/>
+          </dgm:alg>
+          <dgm:shape xmlns:r="http://schemas.openxmlformats.org/officeDocument/2006/relationships" type="conn" r:blip="">
+            <dgm:adjLst/>
+          </dgm:shape>
+          <dgm:presOf axis="self"/>
+          <dgm:constrLst>
+            <dgm:constr type="h" refType="w" fact="0.62"/>
+            <dgm:constr type="connDist"/>
+          </dgm:constrLst>
+          <dgm:ruleLst/>
+          <dgm:layoutNode name="connectorText">
+            <dgm:alg type="tx">
+              <dgm:param type="autoTxRot" val="upr"/>
+            </dgm:alg>
+            <dgm:shape xmlns:r="http://schemas.openxmlformats.org/officeDocument/2006/relationships" type="conn" r:blip="" hideGeom="1">
+              <dgm:adjLst/>
+            </dgm:shape>
+            <dgm:presOf axis="self"/>
+            <dgm:constrLst>
+              <dgm:constr type="lMarg"/>
+              <dgm:constr type="rMarg"/>
+              <dgm:constr type="tMarg"/>
+              <dgm:constr type="bMarg"/>
+            </dgm:constrLst>
+            <dgm:ruleLst>
+              <dgm:rule type="primFontSz" val="5" fact="NaN" max="NaN"/>
+            </dgm:ruleLst>
+          </dgm:layoutNode>
+        </dgm:layoutNode>
+      </dgm:forEach>
+    </dgm:forEach>
+  </dgm:layoutNode>
+</dgm:layoutDef>
+</file>
+
+<file path=ppt/diagrams/quickStyle1.xml><?xml version="1.0" encoding="utf-8"?>
+<dgm:styleDef xmlns:dgm="http://schemas.openxmlformats.org/drawingml/2006/diagram" xmlns:a="http://schemas.openxmlformats.org/drawingml/2006/main" uniqueId="urn:microsoft.com/office/officeart/2005/8/quickstyle/simple1">
+  <dgm:title val=""/>
+  <dgm:desc val=""/>
+  <dgm:catLst>
+    <dgm:cat type="simple" pri="10100"/>
+  </dgm:catLst>
+  <dgm:scene3d>
+    <a:camera prst="orthographicFront"/>
+    <a:lightRig rig="threePt" dir="t"/>
+  </dgm:scene3d>
+  <dgm:styleLbl name="node0">
+    <dgm:scene3d>
+      <a:camera prst="orthographicFront"/>
+      <a:lightRig rig="threePt" dir="t"/>
+    </dgm:scene3d>
+    <dgm:sp3d/>
+    <dgm:txPr/>
+    <dgm:style>
+      <a:lnRef idx="2">
+        <a:scrgbClr r="0" g="0" b="0"/>
+      </a:lnRef>
+      <a:fillRef idx="1">
+        <a:scrgbClr r="0" g="0" b="0"/>
+      </a:fillRef>
+      <a:effectRef idx="0">
+        <a:scrgbClr r="0" g="0" b="0"/>
+      </a:effectRef>
+      <a:fontRef idx="minor">
+        <a:schemeClr val="lt1"/>
+      </a:fontRef>
+    </dgm:style>
+  </dgm:styleLbl>
+  <dgm:styleLbl name="lnNode1">
+    <dgm:scene3d>
+      <a:camera prst="orthographicFront"/>
+      <a:lightRig rig="threePt" dir="t"/>
+    </dgm:scene3d>
+    <dgm:sp3d/>
+    <dgm:txPr/>
+    <dgm:style>
+      <a:lnRef idx="2">
+        <a:scrgbClr r="0" g="0" b="0"/>
+      </a:lnRef>
+      <a:fillRef idx="1">
+        <a:scrgbClr r="0" g="0" b="0"/>
+      </a:fillRef>
+      <a:effectRef idx="0">
+        <a:scrgbClr r="0" g="0" b="0"/>
+      </a:effectRef>
+      <a:fontRef idx="minor">
+        <a:schemeClr val="lt1"/>
+      </a:fontRef>
+    </dgm:style>
+  </dgm:styleLbl>
+  <dgm:styleLbl name="vennNode1">
+    <dgm:scene3d>
+      <a:camera prst="orthographicFront"/>
+      <a:lightRig rig="threePt" dir="t"/>
+    </dgm:scene3d>
+    <dgm:sp3d/>
+    <dgm:txPr/>
+    <dgm:style>
+      <a:lnRef idx="2">
+        <a:scrgbClr r="0" g="0" b="0"/>
+      </a:lnRef>
+      <a:fillRef idx="1">
+        <a:scrgbClr r="0" g="0" b="0"/>
+      </a:fillRef>
+      <a:effectRef idx="0">
+        <a:scrgbClr r="0" g="0" b="0"/>
+      </a:effectRef>
+      <a:fontRef idx="minor">
+        <a:schemeClr val="tx1"/>
+      </a:fontRef>
+    </dgm:style>
+  </dgm:styleLbl>
+  <dgm:styleLbl name="alignNode1">
+    <dgm:scene3d>
+      <a:camera prst="orthographicFront"/>
+      <a:lightRig rig="threePt" dir="t"/>
+    </dgm:scene3d>
+    <dgm:sp3d/>
+    <dgm:txPr/>
+    <dgm:style>
+      <a:lnRef idx="2">
+        <a:scrgbClr r="0" g="0" b="0"/>
+      </a:lnRef>
+      <a:fillRef idx="1">
+        <a:scrgbClr r="0" g="0" b="0"/>
+      </a:fillRef>
+      <a:effectRef idx="0">
+        <a:scrgbClr r="0" g="0" b="0"/>
+      </a:effectRef>
+      <a:fontRef idx="minor">
+        <a:schemeClr val="lt1"/>
+      </a:fontRef>
+    </dgm:style>
+  </dgm:styleLbl>
+  <dgm:styleLbl name="node1">
+    <dgm:scene3d>
+      <a:camera prst="orthographicFront"/>
+      <a:lightRig rig="threePt" dir="t"/>
+    </dgm:scene3d>
+    <dgm:sp3d/>
+    <dgm:txPr/>
+    <dgm:style>
+      <a:lnRef idx="2">
+        <a:scrgbClr r="0" g="0" b="0"/>
+      </a:lnRef>
+      <a:fillRef idx="1">
+        <a:scrgbClr r="0" g="0" b="0"/>
+      </a:fillRef>
+      <a:effectRef idx="0">
+        <a:scrgbClr r="0" g="0" b="0"/>
+      </a:effectRef>
+      <a:fontRef idx="minor">
+        <a:schemeClr val="lt1"/>
+      </a:fontRef>
+    </dgm:style>
+  </dgm:styleLbl>
+  <dgm:styleLbl name="node2">
+    <dgm:scene3d>
+      <a:camera prst="orthographicFront"/>
+      <a:lightRig rig="threePt" dir="t"/>
+    </dgm:scene3d>
+    <dgm:sp3d/>
+    <dgm:txPr/>
+    <dgm:style>
+      <a:lnRef idx="2">
+        <a:scrgbClr r="0" g="0" b="0"/>
+      </a:lnRef>
+      <a:fillRef idx="1">
+        <a:scrgbClr r="0" g="0" b="0"/>
+      </a:fillRef>
+      <a:effectRef idx="0">
+        <a:scrgbClr r="0" g="0" b="0"/>
+      </a:effectRef>
+      <a:fontRef idx="minor">
+        <a:schemeClr val="lt1"/>
+      </a:fontRef>
+    </dgm:style>
+  </dgm:styleLbl>
+  <dgm:styleLbl name="node3">
+    <dgm:scene3d>
+      <a:camera prst="orthographicFront"/>
+      <a:lightRig rig="threePt" dir="t"/>
+    </dgm:scene3d>
+    <dgm:sp3d/>
+    <dgm:txPr/>
+    <dgm:style>
+      <a:lnRef idx="2">
+        <a:scrgbClr r="0" g="0" b="0"/>
+      </a:lnRef>
+      <a:fillRef idx="1">
+        <a:scrgbClr r="0" g="0" b="0"/>
+      </a:fillRef>
+      <a:effectRef idx="0">
+        <a:scrgbClr r="0" g="0" b="0"/>
+      </a:effectRef>
+      <a:fontRef idx="minor">
+        <a:schemeClr val="lt1"/>
+      </a:fontRef>
+    </dgm:style>
+  </dgm:styleLbl>
+  <dgm:styleLbl name="node4">
+    <dgm:scene3d>
+      <a:camera prst="orthographicFront"/>
+      <a:lightRig rig="threePt" dir="t"/>
+    </dgm:scene3d>
+    <dgm:sp3d/>
+    <dgm:txPr/>
+    <dgm:style>
+      <a:lnRef idx="2">
+        <a:scrgbClr r="0" g="0" b="0"/>
+      </a:lnRef>
+      <a:fillRef idx="1">
+        <a:scrgbClr r="0" g="0" b="0"/>
+      </a:fillRef>
+      <a:effectRef idx="0">
+        <a:scrgbClr r="0" g="0" b="0"/>
+      </a:effectRef>
+      <a:fontRef idx="minor">
+        <a:schemeClr val="lt1"/>
+      </a:fontRef>
+    </dgm:style>
+  </dgm:styleLbl>
+  <dgm:styleLbl name="fgImgPlace1">
+    <dgm:scene3d>
+      <a:camera prst="orthographicFront"/>
+      <a:lightRig rig="threePt" dir="t"/>
+    </dgm:scene3d>
+    <dgm:sp3d/>
+    <dgm:txPr/>
+    <dgm:style>
+      <a:lnRef idx="2">
+        <a:scrgbClr r="0" g="0" b="0"/>
+      </a:lnRef>
+      <a:fillRef idx="1">
+        <a:scrgbClr r="0" g="0" b="0"/>
+      </a:fillRef>
+      <a:effectRef idx="0">
+        <a:scrgbClr r="0" g="0" b="0"/>
+      </a:effectRef>
+      <a:fontRef idx="minor"/>
+    </dgm:style>
+  </dgm:styleLbl>
+  <dgm:styleLbl name="alignImgPlace1">
+    <dgm:scene3d>
+      <a:camera prst="orthographicFront"/>
+      <a:lightRig rig="threePt" dir="t"/>
+    </dgm:scene3d>
+    <dgm:sp3d/>
+    <dgm:txPr/>
+    <dgm:style>
+      <a:lnRef idx="2">
+        <a:scrgbClr r="0" g="0" b="0"/>
+      </a:lnRef>
+      <a:fillRef idx="1">
+        <a:scrgbClr r="0" g="0" b="0"/>
+      </a:fillRef>
+      <a:effectRef idx="0">
+        <a:scrgbClr r="0" g="0" b="0"/>
+      </a:effectRef>
+      <a:fontRef idx="minor"/>
+    </dgm:style>
+  </dgm:styleLbl>
+  <dgm:styleLbl name="bgImgPlace1">
+    <dgm:scene3d>
+      <a:camera prst="orthographicFront"/>
+      <a:lightRig rig="threePt" dir="t"/>
+    </dgm:scene3d>
+    <dgm:sp3d/>
+    <dgm:txPr/>
+    <dgm:style>
+      <a:lnRef idx="2">
+        <a:scrgbClr r="0" g="0" b="0"/>
+      </a:lnRef>
+      <a:fillRef idx="1">
+        <a:scrgbClr r="0" g="0" b="0"/>
+      </a:fillRef>
+      <a:effectRef idx="0">
+        <a:scrgbClr r="0" g="0" b="0"/>
+      </a:effectRef>
+      <a:fontRef idx="minor"/>
+    </dgm:style>
+  </dgm:styleLbl>
+  <dgm:styleLbl name="sibTrans2D1">
+    <dgm:scene3d>
+      <a:camera prst="orthographicFront"/>
+      <a:lightRig rig="threePt" dir="t"/>
+    </dgm:scene3d>
+    <dgm:sp3d/>
+    <dgm:txPr/>
+    <dgm:style>
+      <a:lnRef idx="0">
+        <a:scrgbClr r="0" g="0" b="0"/>
+      </a:lnRef>
+      <a:fillRef idx="1">
+        <a:scrgbClr r="0" g="0" b="0"/>
+      </a:fillRef>
+      <a:effectRef idx="0">
+        <a:scrgbClr r="0" g="0" b="0"/>
+      </a:effectRef>
+      <a:fontRef idx="minor">
+        <a:schemeClr val="lt1"/>
+      </a:fontRef>
+    </dgm:style>
+  </dgm:styleLbl>
+  <dgm:styleLbl name="fgSibTrans2D1">
+    <dgm:scene3d>
+      <a:camera prst="orthographicFront"/>
+      <a:lightRig rig="threePt" dir="t"/>
+    </dgm:scene3d>
+    <dgm:sp3d/>
+    <dgm:txPr/>
+    <dgm:style>
+      <a:lnRef idx="0">
+        <a:scrgbClr r="0" g="0" b="0"/>
+      </a:lnRef>
+      <a:fillRef idx="1">
+        <a:scrgbClr r="0" g="0" b="0"/>
+      </a:fillRef>
+      <a:effectRef idx="0">
+        <a:scrgbClr r="0" g="0" b="0"/>
+      </a:effectRef>
+      <a:fontRef idx="minor">
+        <a:schemeClr val="lt1"/>
+      </a:fontRef>
+    </dgm:style>
+  </dgm:styleLbl>
+  <dgm:styleLbl name="bgSibTrans2D1">
+    <dgm:scene3d>
+      <a:camera prst="orthographicFront"/>
+      <a:lightRig rig="threePt" dir="t"/>
+    </dgm:scene3d>
+    <dgm:sp3d/>
+    <dgm:txPr/>
+    <dgm:style>
+      <a:lnRef idx="0">
+        <a:scrgbClr r="0" g="0" b="0"/>
+      </a:lnRef>
+      <a:fillRef idx="1">
+        <a:scrgbClr r="0" g="0" b="0"/>
+      </a:fillRef>
+      <a:effectRef idx="0">
+        <a:scrgbClr r="0" g="0" b="0"/>
+      </a:effectRef>
+      <a:fontRef idx="minor">
+        <a:schemeClr val="lt1"/>
+      </a:fontRef>
+    </dgm:style>
+  </dgm:styleLbl>
+  <dgm:styleLbl name="sibTrans1D1">
+    <dgm:scene3d>
+      <a:camera prst="orthographicFront"/>
+      <a:lightRig rig="threePt" dir="t"/>
+    </dgm:scene3d>
+    <dgm:sp3d/>
+    <dgm:txPr/>
+    <dgm:style>
+      <a:lnRef idx="1">
+        <a:scrgbClr r="0" g="0" b="0"/>
+      </a:lnRef>
+      <a:fillRef idx="0">
+        <a:scrgbClr r="0" g="0" b="0"/>
+      </a:fillRef>
+      <a:effectRef idx="0">
+        <a:scrgbClr r="0" g="0" b="0"/>
+      </a:effectRef>
+      <a:fontRef idx="minor"/>
+    </dgm:style>
+  </dgm:styleLbl>
+  <dgm:styleLbl name="callout">
+    <dgm:scene3d>
+      <a:camera prst="orthographicFront"/>
+      <a:lightRig rig="threePt" dir="t"/>
+    </dgm:scene3d>
+    <dgm:sp3d/>
+    <dgm:txPr/>
+    <dgm:style>
+      <a:lnRef idx="2">
+        <a:scrgbClr r="0" g="0" b="0"/>
+      </a:lnRef>
+      <a:fillRef idx="1">
+        <a:scrgbClr r="0" g="0" b="0"/>
+      </a:fillRef>
+      <a:effectRef idx="0">
+        <a:scrgbClr r="0" g="0" b="0"/>
+      </a:effectRef>
+      <a:fontRef idx="minor"/>
+    </dgm:style>
+  </dgm:styleLbl>
+  <dgm:styleLbl name="asst0">
+    <dgm:scene3d>
+      <a:camera prst="orthographicFront"/>
+      <a:lightRig rig="threePt" dir="t"/>
+    </dgm:scene3d>
+    <dgm:sp3d/>
+    <dgm:txPr/>
+    <dgm:style>
+      <a:lnRef idx="2">
+        <a:scrgbClr r="0" g="0" b="0"/>
+      </a:lnRef>
+      <a:fillRef idx="1">
+        <a:scrgbClr r="0" g="0" b="0"/>
+      </a:fillRef>
+      <a:effectRef idx="0">
+        <a:scrgbClr r="0" g="0" b="0"/>
+      </a:effectRef>
+      <a:fontRef idx="minor">
+        <a:schemeClr val="lt1"/>
+      </a:fontRef>
+    </dgm:style>
+  </dgm:styleLbl>
+  <dgm:styleLbl name="asst1">
+    <dgm:scene3d>
+      <a:camera prst="orthographicFront"/>
+      <a:lightRig rig="threePt" dir="t"/>
+    </dgm:scene3d>
+    <dgm:sp3d/>
+    <dgm:txPr/>
+    <dgm:style>
+      <a:lnRef idx="2">
+        <a:scrgbClr r="0" g="0" b="0"/>
+      </a:lnRef>
+      <a:fillRef idx="1">
+        <a:scrgbClr r="0" g="0" b="0"/>
+      </a:fillRef>
+      <a:effectRef idx="0">
+        <a:scrgbClr r="0" g="0" b="0"/>
+      </a:effectRef>
+      <a:fontRef idx="minor">
+        <a:schemeClr val="lt1"/>
+      </a:fontRef>
+    </dgm:style>
+  </dgm:styleLbl>
+  <dgm:styleLbl name="asst2">
+    <dgm:scene3d>
+      <a:camera prst="orthographicFront"/>
+      <a:lightRig rig="threePt" dir="t"/>
+    </dgm:scene3d>
+    <dgm:sp3d/>
+    <dgm:txPr/>
+    <dgm:style>
+      <a:lnRef idx="2">
+        <a:scrgbClr r="0" g="0" b="0"/>
+      </a:lnRef>
+      <a:fillRef idx="1">
+        <a:scrgbClr r="0" g="0" b="0"/>
+      </a:fillRef>
+      <a:effectRef idx="0">
+        <a:scrgbClr r="0" g="0" b="0"/>
+      </a:effectRef>
+      <a:fontRef idx="minor">
+        <a:schemeClr val="lt1"/>
+      </a:fontRef>
+    </dgm:style>
+  </dgm:styleLbl>
+  <dgm:styleLbl name="asst3">
+    <dgm:scene3d>
+      <a:camera prst="orthographicFront"/>
+      <a:lightRig rig="threePt" dir="t"/>
+    </dgm:scene3d>
+    <dgm:sp3d/>
+    <dgm:txPr/>
+    <dgm:style>
+      <a:lnRef idx="2">
+        <a:scrgbClr r="0" g="0" b="0"/>
+      </a:lnRef>
+      <a:fillRef idx="1">
+        <a:scrgbClr r="0" g="0" b="0"/>
+      </a:fillRef>
+      <a:effectRef idx="0">
+        <a:scrgbClr r="0" g="0" b="0"/>
+      </a:effectRef>
+      <a:fontRef idx="minor">
+        <a:schemeClr val="lt1"/>
+      </a:fontRef>
+    </dgm:style>
+  </dgm:styleLbl>
+  <dgm:styleLbl name="asst4">
+    <dgm:scene3d>
+      <a:camera prst="orthographicFront"/>
+      <a:lightRig rig="threePt" dir="t"/>
+    </dgm:scene3d>
+    <dgm:sp3d/>
+    <dgm:txPr/>
+    <dgm:style>
+      <a:lnRef idx="2">
+        <a:scrgbClr r="0" g="0" b="0"/>
+      </a:lnRef>
+      <a:fillRef idx="1">
+        <a:scrgbClr r="0" g="0" b="0"/>
+      </a:fillRef>
+      <a:effectRef idx="0">
+        <a:scrgbClr r="0" g="0" b="0"/>
+      </a:effectRef>
+      <a:fontRef idx="minor">
+        <a:schemeClr val="lt1"/>
+      </a:fontRef>
+    </dgm:style>
+  </dgm:styleLbl>
+  <dgm:styleLbl name="parChTrans2D1">
+    <dgm:scene3d>
+      <a:camera prst="orthographicFront"/>
+      <a:lightRig rig="threePt" dir="t"/>
+    </dgm:scene3d>
+    <dgm:sp3d/>
+    <dgm:txPr/>
+    <dgm:style>
+      <a:lnRef idx="2">
+        <a:scrgbClr r="0" g="0" b="0"/>
+      </a:lnRef>
+      <a:fillRef idx="1">
+        <a:scrgbClr r="0" g="0" b="0"/>
+      </a:fillRef>
+      <a:effectRef idx="0">
+        <a:scrgbClr r="0" g="0" b="0"/>
+      </a:effectRef>
+      <a:fontRef idx="minor">
+        <a:schemeClr val="lt1"/>
+      </a:fontRef>
+    </dgm:style>
+  </dgm:styleLbl>
+  <dgm:styleLbl name="parChTrans2D2">
+    <dgm:scene3d>
+      <a:camera prst="orthographicFront"/>
+      <a:lightRig rig="threePt" dir="t"/>
+    </dgm:scene3d>
+    <dgm:sp3d/>
+    <dgm:txPr/>
+    <dgm:style>
+      <a:lnRef idx="2">
+        <a:scrgbClr r="0" g="0" b="0"/>
+      </a:lnRef>
+      <a:fillRef idx="1">
+        <a:scrgbClr r="0" g="0" b="0"/>
+      </a:fillRef>
+      <a:effectRef idx="0">
+        <a:scrgbClr r="0" g="0" b="0"/>
+      </a:effectRef>
+      <a:fontRef idx="minor">
+        <a:schemeClr val="lt1"/>
+      </a:fontRef>
+    </dgm:style>
+  </dgm:styleLbl>
+  <dgm:styleLbl name="parChTrans2D3">
+    <dgm:scene3d>
+      <a:camera prst="orthographicFront"/>
+      <a:lightRig rig="threePt" dir="t"/>
+    </dgm:scene3d>
+    <dgm:sp3d/>
+    <dgm:txPr/>
+    <dgm:style>
+      <a:lnRef idx="2">
+        <a:scrgbClr r="0" g="0" b="0"/>
+      </a:lnRef>
+      <a:fillRef idx="1">
+        <a:scrgbClr r="0" g="0" b="0"/>
+      </a:fillRef>
+      <a:effectRef idx="0">
+        <a:scrgbClr r="0" g="0" b="0"/>
+      </a:effectRef>
+      <a:fontRef idx="minor">
+        <a:schemeClr val="lt1"/>
+      </a:fontRef>
+    </dgm:style>
+  </dgm:styleLbl>
+  <dgm:styleLbl name="parChTrans2D4">
+    <dgm:scene3d>
+      <a:camera prst="orthographicFront"/>
+      <a:lightRig rig="threePt" dir="t"/>
+    </dgm:scene3d>
+    <dgm:sp3d/>
+    <dgm:txPr/>
+    <dgm:style>
+      <a:lnRef idx="2">
+        <a:scrgbClr r="0" g="0" b="0"/>
+      </a:lnRef>
+      <a:fillRef idx="1">
+        <a:scrgbClr r="0" g="0" b="0"/>
+      </a:fillRef>
+      <a:effectRef idx="0">
+        <a:scrgbClr r="0" g="0" b="0"/>
+      </a:effectRef>
+      <a:fontRef idx="minor">
+        <a:schemeClr val="lt1"/>
+      </a:fontRef>
+    </dgm:style>
+  </dgm:styleLbl>
+  <dgm:styleLbl name="parChTrans1D1">
+    <dgm:scene3d>
+      <a:camera prst="orthographicFront"/>
+      <a:lightRig rig="threePt" dir="t"/>
+    </dgm:scene3d>
+    <dgm:sp3d/>
+    <dgm:txPr/>
+    <dgm:style>
+      <a:lnRef idx="2">
+        <a:scrgbClr r="0" g="0" b="0"/>
+      </a:lnRef>
+      <a:fillRef idx="0">
+        <a:scrgbClr r="0" g="0" b="0"/>
+      </a:fillRef>
+      <a:effectRef idx="0">
+        <a:scrgbClr r="0" g="0" b="0"/>
+      </a:effectRef>
+      <a:fontRef idx="minor"/>
+    </dgm:style>
+  </dgm:styleLbl>
+  <dgm:styleLbl name="parChTrans1D2">
+    <dgm:scene3d>
+      <a:camera prst="orthographicFront"/>
+      <a:lightRig rig="threePt" dir="t"/>
+    </dgm:scene3d>
+    <dgm:sp3d/>
+    <dgm:txPr/>
+    <dgm:style>
+      <a:lnRef idx="2">
+        <a:scrgbClr r="0" g="0" b="0"/>
+      </a:lnRef>
+      <a:fillRef idx="0">
+        <a:scrgbClr r="0" g="0" b="0"/>
+      </a:fillRef>
+      <a:effectRef idx="0">
+        <a:scrgbClr r="0" g="0" b="0"/>
+      </a:effectRef>
+      <a:fontRef idx="minor"/>
+    </dgm:style>
+  </dgm:styleLbl>
+  <dgm:styleLbl name="parChTrans1D3">
+    <dgm:scene3d>
+      <a:camera prst="orthographicFront"/>
+      <a:lightRig rig="threePt" dir="t"/>
+    </dgm:scene3d>
+    <dgm:sp3d/>
+    <dgm:txPr/>
+    <dgm:style>
+      <a:lnRef idx="2">
+        <a:scrgbClr r="0" g="0" b="0"/>
+      </a:lnRef>
+      <a:fillRef idx="0">
+        <a:scrgbClr r="0" g="0" b="0"/>
+      </a:fillRef>
+      <a:effectRef idx="0">
+        <a:scrgbClr r="0" g="0" b="0"/>
+      </a:effectRef>
+      <a:fontRef idx="minor"/>
+    </dgm:style>
+  </dgm:styleLbl>
+  <dgm:styleLbl name="parChTrans1D4">
+    <dgm:scene3d>
+      <a:camera prst="orthographicFront"/>
+      <a:lightRig rig="threePt" dir="t"/>
+    </dgm:scene3d>
+    <dgm:sp3d/>
+    <dgm:txPr/>
+    <dgm:style>
+      <a:lnRef idx="2">
+        <a:scrgbClr r="0" g="0" b="0"/>
+      </a:lnRef>
+      <a:fillRef idx="0">
+        <a:scrgbClr r="0" g="0" b="0"/>
+      </a:fillRef>
+      <a:effectRef idx="0">
+        <a:scrgbClr r="0" g="0" b="0"/>
+      </a:effectRef>
+      <a:fontRef idx="minor"/>
+    </dgm:style>
+  </dgm:styleLbl>
+  <dgm:styleLbl name="fgAcc1">
+    <dgm:scene3d>
+      <a:camera prst="orthographicFront"/>
+      <a:lightRig rig="threePt" dir="t"/>
+    </dgm:scene3d>
+    <dgm:sp3d/>
+    <dgm:txPr/>
+    <dgm:style>
+      <a:lnRef idx="2">
+        <a:scrgbClr r="0" g="0" b="0"/>
+      </a:lnRef>
+      <a:fillRef idx="1">
+        <a:scrgbClr r="0" g="0" b="0"/>
+      </a:fillRef>
+      <a:effectRef idx="0">
+        <a:scrgbClr r="0" g="0" b="0"/>
+      </a:effectRef>
+      <a:fontRef idx="minor"/>
+    </dgm:style>
+  </dgm:styleLbl>
+  <dgm:styleLbl name="conFgAcc1">
+    <dgm:scene3d>
+      <a:camera prst="orthographicFront"/>
+      <a:lightRig rig="threePt" dir="t"/>
+    </dgm:scene3d>
+    <dgm:sp3d/>
+    <dgm:txPr/>
+    <dgm:style>
+      <a:lnRef idx="2">
+        <a:scrgbClr r="0" g="0" b="0"/>
+      </a:lnRef>
+      <a:fillRef idx="1">
+        <a:scrgbClr r="0" g="0" b="0"/>
+      </a:fillRef>
+      <a:effectRef idx="0">
+        <a:scrgbClr r="0" g="0" b="0"/>
+      </a:effectRef>
+      <a:fontRef idx="minor"/>
+    </dgm:style>
+  </dgm:styleLbl>
+  <dgm:styleLbl name="alignAcc1">
+    <dgm:scene3d>
+      <a:camera prst="orthographicFront"/>
+      <a:lightRig rig="threePt" dir="t"/>
+    </dgm:scene3d>
+    <dgm:sp3d/>
+    <dgm:txPr/>
+    <dgm:style>
+      <a:lnRef idx="2">
+        <a:scrgbClr r="0" g="0" b="0"/>
+      </a:lnRef>
+      <a:fillRef idx="1">
+        <a:scrgbClr r="0" g="0" b="0"/>
+      </a:fillRef>
+      <a:effectRef idx="0">
+        <a:scrgbClr r="0" g="0" b="0"/>
+      </a:effectRef>
+      <a:fontRef idx="minor"/>
+    </dgm:style>
+  </dgm:styleLbl>
+  <dgm:styleLbl name="trAlignAcc1">
+    <dgm:scene3d>
+      <a:camera prst="orthographicFront"/>
+      <a:lightRig rig="threePt" dir="t"/>
+    </dgm:scene3d>
+    <dgm:sp3d/>
+    <dgm:txPr/>
+    <dgm:style>
+      <a:lnRef idx="1">
+        <a:scrgbClr r="0" g="0" b="0"/>
+      </a:lnRef>
+      <a:fillRef idx="1">
+        <a:scrgbClr r="0" g="0" b="0"/>
+      </a:fillRef>
+      <a:effectRef idx="0">
+        <a:scrgbClr r="0" g="0" b="0"/>
+      </a:effectRef>
+      <a:fontRef idx="minor"/>
+    </dgm:style>
+  </dgm:styleLbl>
+  <dgm:styleLbl name="bgAcc1">
+    <dgm:scene3d>
+      <a:camera prst="orthographicFront"/>
+      <a:lightRig rig="threePt" dir="t"/>
+    </dgm:scene3d>
+    <dgm:sp3d/>
+    <dgm:txPr/>
+    <dgm:style>
+      <a:lnRef idx="2">
+        <a:scrgbClr r="0" g="0" b="0"/>
+      </a:lnRef>
+      <a:fillRef idx="1">
+        <a:scrgbClr r="0" g="0" b="0"/>
+      </a:fillRef>
+      <a:effectRef idx="0">
+        <a:scrgbClr r="0" g="0" b="0"/>
+      </a:effectRef>
+      <a:fontRef idx="minor"/>
+    </dgm:style>
+  </dgm:styleLbl>
+  <dgm:styleLbl name="solidFgAcc1">
+    <dgm:scene3d>
+      <a:camera prst="orthographicFront"/>
+      <a:lightRig rig="threePt" dir="t"/>
+    </dgm:scene3d>
+    <dgm:sp3d/>
+    <dgm:txPr/>
+    <dgm:style>
+      <a:lnRef idx="2">
+        <a:scrgbClr r="0" g="0" b="0"/>
+      </a:lnRef>
+      <a:fillRef idx="1">
+        <a:scrgbClr r="0" g="0" b="0"/>
+      </a:fillRef>
+      <a:effectRef idx="0">
+        <a:scrgbClr r="0" g="0" b="0"/>
+      </a:effectRef>
+      <a:fontRef idx="minor"/>
+    </dgm:style>
+  </dgm:styleLbl>
+  <dgm:styleLbl name="solidAlignAcc1">
+    <dgm:scene3d>
+      <a:camera prst="orthographicFront"/>
+      <a:lightRig rig="threePt" dir="t"/>
+    </dgm:scene3d>
+    <dgm:sp3d/>
+    <dgm:txPr/>
+    <dgm:style>
+      <a:lnRef idx="2">
+        <a:scrgbClr r="0" g="0" b="0"/>
+      </a:lnRef>
+      <a:fillRef idx="1">
+        <a:scrgbClr r="0" g="0" b="0"/>
+      </a:fillRef>
+      <a:effectRef idx="0">
+        <a:scrgbClr r="0" g="0" b="0"/>
+      </a:effectRef>
+      <a:fontRef idx="minor"/>
+    </dgm:style>
+  </dgm:styleLbl>
+  <dgm:styleLbl name="solidBgAcc1">
+    <dgm:scene3d>
+      <a:camera prst="orthographicFront"/>
+      <a:lightRig rig="threePt" dir="t"/>
+    </dgm:scene3d>
+    <dgm:sp3d/>
+    <dgm:txPr/>
+    <dgm:style>
+      <a:lnRef idx="2">
+        <a:scrgbClr r="0" g="0" b="0"/>
+      </a:lnRef>
+      <a:fillRef idx="1">
+        <a:scrgbClr r="0" g="0" b="0"/>
+      </a:fillRef>
+      <a:effectRef idx="0">
+        <a:scrgbClr r="0" g="0" b="0"/>
+      </a:effectRef>
+      <a:fontRef idx="minor"/>
+    </dgm:style>
+  </dgm:styleLbl>
+  <dgm:styleLbl name="fgAccFollowNode1">
+    <dgm:scene3d>
+      <a:camera prst="orthographicFront"/>
+      <a:lightRig rig="threePt" dir="t"/>
+    </dgm:scene3d>
+    <dgm:sp3d/>
+    <dgm:txPr/>
+    <dgm:style>
+      <a:lnRef idx="2">
+        <a:scrgbClr r="0" g="0" b="0"/>
+      </a:lnRef>
+      <a:fillRef idx="1">
+        <a:scrgbClr r="0" g="0" b="0"/>
+      </a:fillRef>
+      <a:effectRef idx="0">
+        <a:scrgbClr r="0" g="0" b="0"/>
+      </a:effectRef>
+      <a:fontRef idx="minor"/>
+    </dgm:style>
+  </dgm:styleLbl>
+  <dgm:styleLbl name="alignAccFollowNode1">
+    <dgm:scene3d>
+      <a:camera prst="orthographicFront"/>
+      <a:lightRig rig="threePt" dir="t"/>
+    </dgm:scene3d>
+    <dgm:sp3d/>
+    <dgm:txPr/>
+    <dgm:style>
+      <a:lnRef idx="2">
+        <a:scrgbClr r="0" g="0" b="0"/>
+      </a:lnRef>
+      <a:fillRef idx="1">
+        <a:scrgbClr r="0" g="0" b="0"/>
+      </a:fillRef>
+      <a:effectRef idx="0">
+        <a:scrgbClr r="0" g="0" b="0"/>
+      </a:effectRef>
+      <a:fontRef idx="minor"/>
+    </dgm:style>
+  </dgm:styleLbl>
+  <dgm:styleLbl name="bgAccFollowNode1">
+    <dgm:scene3d>
+      <a:camera prst="orthographicFront"/>
+      <a:lightRig rig="threePt" dir="t"/>
+    </dgm:scene3d>
+    <dgm:sp3d/>
+    <dgm:txPr/>
+    <dgm:style>
+      <a:lnRef idx="2">
+        <a:scrgbClr r="0" g="0" b="0"/>
+      </a:lnRef>
+      <a:fillRef idx="1">
+        <a:scrgbClr r="0" g="0" b="0"/>
+      </a:fillRef>
+      <a:effectRef idx="0">
+        <a:scrgbClr r="0" g="0" b="0"/>
+      </a:effectRef>
+      <a:fontRef idx="minor"/>
+    </dgm:style>
+  </dgm:styleLbl>
+  <dgm:styleLbl name="fgAcc0">
+    <dgm:scene3d>
+      <a:camera prst="orthographicFront"/>
+      <a:lightRig rig="threePt" dir="t"/>
+    </dgm:scene3d>
+    <dgm:sp3d/>
+    <dgm:txPr/>
+    <dgm:style>
+      <a:lnRef idx="2">
+        <a:scrgbClr r="0" g="0" b="0"/>
+      </a:lnRef>
+      <a:fillRef idx="1">
+        <a:scrgbClr r="0" g="0" b="0"/>
+      </a:fillRef>
+      <a:effectRef idx="0">
+        <a:scrgbClr r="0" g="0" b="0"/>
+      </a:effectRef>
+      <a:fontRef idx="minor"/>
+    </dgm:style>
+  </dgm:styleLbl>
+  <dgm:styleLbl name="fgAcc2">
+    <dgm:scene3d>
+      <a:camera prst="orthographicFront"/>
+      <a:lightRig rig="threePt" dir="t"/>
+    </dgm:scene3d>
+    <dgm:sp3d/>
+    <dgm:txPr/>
+    <dgm:style>
+      <a:lnRef idx="2">
+        <a:scrgbClr r="0" g="0" b="0"/>
+      </a:lnRef>
+      <a:fillRef idx="1">
+        <a:scrgbClr r="0" g="0" b="0"/>
+      </a:fillRef>
+      <a:effectRef idx="0">
+        <a:scrgbClr r="0" g="0" b="0"/>
+      </a:effectRef>
+      <a:fontRef idx="minor"/>
+    </dgm:style>
+  </dgm:styleLbl>
+  <dgm:styleLbl name="fgAcc3">
+    <dgm:scene3d>
+      <a:camera prst="orthographicFront"/>
+      <a:lightRig rig="threePt" dir="t"/>
+    </dgm:scene3d>
+    <dgm:sp3d/>
+    <dgm:txPr/>
+    <dgm:style>
+      <a:lnRef idx="2">
+        <a:scrgbClr r="0" g="0" b="0"/>
+      </a:lnRef>
+      <a:fillRef idx="1">
+        <a:scrgbClr r="0" g="0" b="0"/>
+      </a:fillRef>
+      <a:effectRef idx="0">
+        <a:scrgbClr r="0" g="0" b="0"/>
+      </a:effectRef>
+      <a:fontRef idx="minor"/>
+    </dgm:style>
+  </dgm:styleLbl>
+  <dgm:styleLbl name="fgAcc4">
+    <dgm:scene3d>
+      <a:camera prst="orthographicFront"/>
+      <a:lightRig rig="threePt" dir="t"/>
+    </dgm:scene3d>
+    <dgm:sp3d/>
+    <dgm:txPr/>
+    <dgm:style>
+      <a:lnRef idx="2">
+        <a:scrgbClr r="0" g="0" b="0"/>
+      </a:lnRef>
+      <a:fillRef idx="1">
+        <a:scrgbClr r="0" g="0" b="0"/>
+      </a:fillRef>
+      <a:effectRef idx="0">
+        <a:scrgbClr r="0" g="0" b="0"/>
+      </a:effectRef>
+      <a:fontRef idx="minor"/>
+    </dgm:style>
+  </dgm:styleLbl>
+  <dgm:styleLbl name="bgShp">
+    <dgm:scene3d>
+      <a:camera prst="orthographicFront"/>
+      <a:lightRig rig="threePt" dir="t"/>
+    </dgm:scene3d>
+    <dgm:sp3d/>
+    <dgm:txPr/>
+    <dgm:style>
+      <a:lnRef idx="0">
+        <a:scrgbClr r="0" g="0" b="0"/>
+      </a:lnRef>
+      <a:fillRef idx="1">
+        <a:scrgbClr r="0" g="0" b="0"/>
+      </a:fillRef>
+      <a:effectRef idx="0">
+        <a:scrgbClr r="0" g="0" b="0"/>
+      </a:effectRef>
+      <a:fontRef idx="minor"/>
+    </dgm:style>
+  </dgm:styleLbl>
+  <dgm:styleLbl name="dkBgShp">
+    <dgm:scene3d>
+      <a:camera prst="orthographicFront"/>
+      <a:lightRig rig="threePt" dir="t"/>
+    </dgm:scene3d>
+    <dgm:sp3d/>
+    <dgm:txPr/>
+    <dgm:style>
+      <a:lnRef idx="0">
+        <a:scrgbClr r="0" g="0" b="0"/>
+      </a:lnRef>
+      <a:fillRef idx="1">
+        <a:scrgbClr r="0" g="0" b="0"/>
+      </a:fillRef>
+      <a:effectRef idx="0">
+        <a:scrgbClr r="0" g="0" b="0"/>
+      </a:effectRef>
+      <a:fontRef idx="minor"/>
+    </dgm:style>
+  </dgm:styleLbl>
+  <dgm:styleLbl name="trBgShp">
+    <dgm:scene3d>
+      <a:camera prst="orthographicFront"/>
+      <a:lightRig rig="threePt" dir="t"/>
+    </dgm:scene3d>
+    <dgm:sp3d/>
+    <dgm:txPr/>
+    <dgm:style>
+      <a:lnRef idx="0">
+        <a:scrgbClr r="0" g="0" b="0"/>
+      </a:lnRef>
+      <a:fillRef idx="1">
+        <a:scrgbClr r="0" g="0" b="0"/>
+      </a:fillRef>
+      <a:effectRef idx="0">
+        <a:scrgbClr r="0" g="0" b="0"/>
+      </a:effectRef>
+      <a:fontRef idx="minor"/>
+    </dgm:style>
+  </dgm:styleLbl>
+  <dgm:styleLbl name="fgShp">
+    <dgm:scene3d>
+      <a:camera prst="orthographicFront"/>
+      <a:lightRig rig="threePt" dir="t"/>
+    </dgm:scene3d>
+    <dgm:sp3d/>
+    <dgm:txPr/>
+    <dgm:style>
+      <a:lnRef idx="2">
+        <a:scrgbClr r="0" g="0" b="0"/>
+      </a:lnRef>
+      <a:fillRef idx="1">
+        <a:scrgbClr r="0" g="0" b="0"/>
+      </a:fillRef>
+      <a:effectRef idx="0">
+        <a:scrgbClr r="0" g="0" b="0"/>
+      </a:effectRef>
+      <a:fontRef idx="minor"/>
+    </dgm:style>
+  </dgm:styleLbl>
+  <dgm:styleLbl name="revTx">
+    <dgm:scene3d>
+      <a:camera prst="orthographicFront"/>
+      <a:lightRig rig="threePt" dir="t"/>
+    </dgm:scene3d>
+    <dgm:sp3d/>
+    <dgm:txPr/>
+    <dgm:style>
+      <a:lnRef idx="0">
+        <a:scrgbClr r="0" g="0" b="0"/>
+      </a:lnRef>
+      <a:fillRef idx="0">
+        <a:scrgbClr r="0" g="0" b="0"/>
+      </a:fillRef>
+      <a:effectRef idx="0">
+        <a:scrgbClr r="0" g="0" b="0"/>
+      </a:effectRef>
+      <a:fontRef idx="minor"/>
+    </dgm:style>
+  </dgm:styleLbl>
+</dgm:styleDef>
 </file>
 
 <file path=ppt/notesMasters/notesMaster1.xml><?xml version="1.0" encoding="utf-8"?>
@@ -1650,7 +6656,7 @@
                 <a:cs typeface="Calibri"/>
                 <a:sym typeface="Calibri"/>
               </a:rPr>
-              <a:t>19</a:t>
+              <a:t>20</a:t>
             </a:fld>
             <a:endParaRPr lang="en-US" sz="1200" b="0" i="0" u="none" strike="noStrike" cap="none">
               <a:solidFill>
@@ -2525,6 +7531,244 @@
         </p:txBody>
       </p:sp>
     </p:spTree>
+  </p:cSld>
+  <p:clrMapOvr>
+    <a:masterClrMapping/>
+  </p:clrMapOvr>
+</p:sldLayout>
+</file>
+
+<file path=ppt/slideLayouts/slideLayout4.xml><?xml version="1.0" encoding="utf-8"?>
+<p:sldLayout xmlns:a="http://schemas.openxmlformats.org/drawingml/2006/main" xmlns:r="http://schemas.openxmlformats.org/officeDocument/2006/relationships" xmlns:p="http://schemas.openxmlformats.org/presentationml/2006/main" matchingName="Section header" type="secHead">
+  <p:cSld name="Section header">
+    <p:spTree>
+      <p:nvGrpSpPr>
+        <p:cNvPr id="1" name="Shape 17"/>
+        <p:cNvGrpSpPr/>
+        <p:nvPr/>
+      </p:nvGrpSpPr>
+      <p:grpSpPr>
+        <a:xfrm>
+          <a:off x="0" y="0"/>
+          <a:ext cx="0" cy="0"/>
+          <a:chOff x="0" y="0"/>
+          <a:chExt cx="0" cy="0"/>
+        </a:xfrm>
+      </p:grpSpPr>
+      <p:sp>
+        <p:nvSpPr>
+          <p:cNvPr id="18" name="Google Shape;18;g6dad9273e7_0_8"/>
+          <p:cNvSpPr txBox="1">
+            <a:spLocks noGrp="1"/>
+          </p:cNvSpPr>
+          <p:nvPr>
+            <p:ph type="title"/>
+          </p:nvPr>
+        </p:nvSpPr>
+        <p:spPr>
+          <a:xfrm>
+            <a:off x="415600" y="2867800"/>
+            <a:ext cx="11360700" cy="1122300"/>
+          </a:xfrm>
+          <a:prstGeom prst="rect">
+            <a:avLst/>
+          </a:prstGeom>
+        </p:spPr>
+        <p:txBody>
+          <a:bodyPr spcFirstLastPara="1" wrap="square" lIns="121900" tIns="121900" rIns="121900" bIns="121900" anchor="ctr" anchorCtr="0">
+            <a:noAutofit/>
+          </a:bodyPr>
+          <a:lstStyle>
+            <a:lvl1pPr lvl="0" algn="ctr">
+              <a:spcBef>
+                <a:spcPts val="0"/>
+              </a:spcBef>
+              <a:spcAft>
+                <a:spcPts val="0"/>
+              </a:spcAft>
+              <a:buSzPts val="4800"/>
+              <a:buNone/>
+              <a:defRPr sz="4800"/>
+            </a:lvl1pPr>
+            <a:lvl2pPr lvl="1" algn="ctr">
+              <a:spcBef>
+                <a:spcPts val="0"/>
+              </a:spcBef>
+              <a:spcAft>
+                <a:spcPts val="0"/>
+              </a:spcAft>
+              <a:buSzPts val="4800"/>
+              <a:buNone/>
+              <a:defRPr sz="4800"/>
+            </a:lvl2pPr>
+            <a:lvl3pPr lvl="2" algn="ctr">
+              <a:spcBef>
+                <a:spcPts val="0"/>
+              </a:spcBef>
+              <a:spcAft>
+                <a:spcPts val="0"/>
+              </a:spcAft>
+              <a:buSzPts val="4800"/>
+              <a:buNone/>
+              <a:defRPr sz="4800"/>
+            </a:lvl3pPr>
+            <a:lvl4pPr lvl="3" algn="ctr">
+              <a:spcBef>
+                <a:spcPts val="0"/>
+              </a:spcBef>
+              <a:spcAft>
+                <a:spcPts val="0"/>
+              </a:spcAft>
+              <a:buSzPts val="4800"/>
+              <a:buNone/>
+              <a:defRPr sz="4800"/>
+            </a:lvl4pPr>
+            <a:lvl5pPr lvl="4" algn="ctr">
+              <a:spcBef>
+                <a:spcPts val="0"/>
+              </a:spcBef>
+              <a:spcAft>
+                <a:spcPts val="0"/>
+              </a:spcAft>
+              <a:buSzPts val="4800"/>
+              <a:buNone/>
+              <a:defRPr sz="4800"/>
+            </a:lvl5pPr>
+            <a:lvl6pPr lvl="5" algn="ctr">
+              <a:spcBef>
+                <a:spcPts val="0"/>
+              </a:spcBef>
+              <a:spcAft>
+                <a:spcPts val="0"/>
+              </a:spcAft>
+              <a:buSzPts val="4800"/>
+              <a:buNone/>
+              <a:defRPr sz="4800"/>
+            </a:lvl6pPr>
+            <a:lvl7pPr lvl="6" algn="ctr">
+              <a:spcBef>
+                <a:spcPts val="0"/>
+              </a:spcBef>
+              <a:spcAft>
+                <a:spcPts val="0"/>
+              </a:spcAft>
+              <a:buSzPts val="4800"/>
+              <a:buNone/>
+              <a:defRPr sz="4800"/>
+            </a:lvl7pPr>
+            <a:lvl8pPr lvl="7" algn="ctr">
+              <a:spcBef>
+                <a:spcPts val="0"/>
+              </a:spcBef>
+              <a:spcAft>
+                <a:spcPts val="0"/>
+              </a:spcAft>
+              <a:buSzPts val="4800"/>
+              <a:buNone/>
+              <a:defRPr sz="4800"/>
+            </a:lvl8pPr>
+            <a:lvl9pPr lvl="8" algn="ctr">
+              <a:spcBef>
+                <a:spcPts val="0"/>
+              </a:spcBef>
+              <a:spcAft>
+                <a:spcPts val="0"/>
+              </a:spcAft>
+              <a:buSzPts val="4800"/>
+              <a:buNone/>
+              <a:defRPr sz="4800"/>
+            </a:lvl9pPr>
+          </a:lstStyle>
+          <a:p>
+            <a:endParaRPr/>
+          </a:p>
+        </p:txBody>
+      </p:sp>
+      <p:sp>
+        <p:nvSpPr>
+          <p:cNvPr id="19" name="Google Shape;19;g6dad9273e7_0_8"/>
+          <p:cNvSpPr txBox="1">
+            <a:spLocks noGrp="1"/>
+          </p:cNvSpPr>
+          <p:nvPr>
+            <p:ph type="sldNum" idx="12"/>
+          </p:nvPr>
+        </p:nvSpPr>
+        <p:spPr>
+          <a:xfrm>
+            <a:off x="11296610" y="6217622"/>
+            <a:ext cx="731700" cy="524700"/>
+          </a:xfrm>
+          <a:prstGeom prst="rect">
+            <a:avLst/>
+          </a:prstGeom>
+        </p:spPr>
+        <p:txBody>
+          <a:bodyPr spcFirstLastPara="1" wrap="square" lIns="121900" tIns="121900" rIns="121900" bIns="121900" anchor="ctr" anchorCtr="0">
+            <a:noAutofit/>
+          </a:bodyPr>
+          <a:lstStyle>
+            <a:lvl1pPr lvl="0">
+              <a:buNone/>
+              <a:defRPr/>
+            </a:lvl1pPr>
+            <a:lvl2pPr lvl="1">
+              <a:buNone/>
+              <a:defRPr/>
+            </a:lvl2pPr>
+            <a:lvl3pPr lvl="2">
+              <a:buNone/>
+              <a:defRPr/>
+            </a:lvl3pPr>
+            <a:lvl4pPr lvl="3">
+              <a:buNone/>
+              <a:defRPr/>
+            </a:lvl4pPr>
+            <a:lvl5pPr lvl="4">
+              <a:buNone/>
+              <a:defRPr/>
+            </a:lvl5pPr>
+            <a:lvl6pPr lvl="5">
+              <a:buNone/>
+              <a:defRPr/>
+            </a:lvl6pPr>
+            <a:lvl7pPr lvl="6">
+              <a:buNone/>
+              <a:defRPr/>
+            </a:lvl7pPr>
+            <a:lvl8pPr lvl="7">
+              <a:buNone/>
+              <a:defRPr/>
+            </a:lvl8pPr>
+            <a:lvl9pPr lvl="8">
+              <a:buNone/>
+              <a:defRPr/>
+            </a:lvl9pPr>
+          </a:lstStyle>
+          <a:p>
+            <a:pPr marL="0" lvl="0" indent="0" algn="r" rtl="0">
+              <a:spcBef>
+                <a:spcPts val="0"/>
+              </a:spcBef>
+              <a:spcAft>
+                <a:spcPts val="0"/>
+              </a:spcAft>
+              <a:buNone/>
+            </a:pPr>
+            <a:fld id="{00000000-1234-1234-1234-123412341234}" type="slidenum">
+              <a:rPr lang="en-US"/>
+              <a:t>‹#›</a:t>
+            </a:fld>
+            <a:endParaRPr/>
+          </a:p>
+        </p:txBody>
+      </p:sp>
+    </p:spTree>
+    <p:extLst>
+      <p:ext uri="{BB962C8B-B14F-4D97-AF65-F5344CB8AC3E}">
+        <p14:creationId xmlns:p14="http://schemas.microsoft.com/office/powerpoint/2010/main" val="940328140"/>
+      </p:ext>
+    </p:extLst>
   </p:cSld>
   <p:clrMapOvr>
     <a:masterClrMapping/>
@@ -3102,6 +8346,7 @@
     <p:sldLayoutId id="2147483649" r:id="rId1"/>
     <p:sldLayoutId id="2147483661" r:id="rId2"/>
     <p:sldLayoutId id="2147483659" r:id="rId3"/>
+    <p:sldLayoutId id="2147483662" r:id="rId4"/>
   </p:sldLayoutIdLst>
   <p:hf sldNum="0" hdr="0" ftr="0" dt="0"/>
   <p:txStyles>
@@ -3916,80 +9161,48 @@
         </p:nvSpPr>
         <p:spPr/>
         <p:txBody>
-          <a:bodyPr>
-            <a:normAutofit/>
-          </a:bodyPr>
+          <a:bodyPr/>
           <a:lstStyle/>
           <a:p>
             <a:r>
               <a:rPr lang="en-US" dirty="0"/>
-              <a:t>Data Exploration</a:t>
+              <a:t>Get Data</a:t>
             </a:r>
           </a:p>
           <a:p>
             <a:pPr lvl="1"/>
             <a:r>
               <a:rPr lang="en-US" dirty="0"/>
-              <a:t>Distributions</a:t>
+              <a:t>API, CSV, Database</a:t>
+            </a:r>
+          </a:p>
+          <a:p>
+            <a:r>
+              <a:rPr lang="en-US" dirty="0"/>
+              <a:t>Store Data</a:t>
             </a:r>
           </a:p>
           <a:p>
             <a:pPr lvl="1"/>
             <a:r>
               <a:rPr lang="en-US" dirty="0"/>
-              <a:t>Missing Values</a:t>
+              <a:t>Database</a:t>
+            </a:r>
+          </a:p>
+          <a:p>
+            <a:r>
+              <a:rPr lang="en-US" dirty="0"/>
+              <a:t>Integrate Data</a:t>
             </a:r>
           </a:p>
           <a:p>
             <a:pPr lvl="1"/>
             <a:r>
               <a:rPr lang="en-US" dirty="0"/>
-              <a:t>Correlations</a:t>
-            </a:r>
-          </a:p>
-          <a:p>
-            <a:pPr lvl="1"/>
-            <a:r>
-              <a:rPr lang="en-US" dirty="0"/>
-              <a:t>Other Patterns</a:t>
-            </a:r>
-          </a:p>
-          <a:p>
-            <a:r>
-              <a:rPr lang="en-US" dirty="0"/>
-              <a:t>Pre-Processing</a:t>
-            </a:r>
-          </a:p>
-          <a:p>
-            <a:pPr lvl="1"/>
-            <a:r>
-              <a:rPr lang="en-US" dirty="0"/>
-              <a:t>Leakage</a:t>
-            </a:r>
-          </a:p>
-          <a:p>
-            <a:pPr lvl="1"/>
-            <a:r>
-              <a:rPr lang="en-US" dirty="0"/>
-              <a:t>Deal with Missing values</a:t>
-            </a:r>
-          </a:p>
-          <a:p>
-            <a:pPr lvl="1"/>
-            <a:r>
-              <a:rPr lang="en-US" dirty="0"/>
-              <a:t>Scaling</a:t>
-            </a:r>
-          </a:p>
-          <a:p>
-            <a:pPr lvl="1"/>
-            <a:r>
-              <a:rPr lang="en-US" dirty="0"/>
-              <a:t>Data errors</a:t>
-            </a:r>
-          </a:p>
-          <a:p>
-            <a:pPr lvl="1"/>
+              <a:t>Record Linkage</a:t>
+            </a:r>
+          </a:p>
+          <a:p>
             <a:endParaRPr lang="en-US" dirty="0"/>
           </a:p>
         </p:txBody>
@@ -4018,7 +9231,7 @@
           <a:p>
             <a:r>
               <a:rPr lang="en-US" dirty="0"/>
-              <a:t>Explore and Prepare data</a:t>
+              <a:t>Data Acquisition &amp; Integration</a:t>
             </a:r>
           </a:p>
         </p:txBody>
@@ -4026,7 +9239,7 @@
     </p:spTree>
     <p:extLst>
       <p:ext uri="{BB962C8B-B14F-4D97-AF65-F5344CB8AC3E}">
-        <p14:creationId xmlns:p14="http://schemas.microsoft.com/office/powerpoint/2010/main" val="723680688"/>
+        <p14:creationId xmlns:p14="http://schemas.microsoft.com/office/powerpoint/2010/main" val="1245332309"/>
       </p:ext>
     </p:extLst>
   </p:cSld>
@@ -4065,65 +9278,80 @@
         </p:nvSpPr>
         <p:spPr/>
         <p:txBody>
-          <a:bodyPr/>
+          <a:bodyPr>
+            <a:normAutofit/>
+          </a:bodyPr>
           <a:lstStyle/>
           <a:p>
             <a:r>
               <a:rPr lang="en-US" dirty="0"/>
-              <a:t>Common Features</a:t>
+              <a:t>Data Exploration</a:t>
             </a:r>
           </a:p>
           <a:p>
             <a:pPr lvl="1"/>
             <a:r>
               <a:rPr lang="en-US" dirty="0"/>
-              <a:t>Discretization</a:t>
+              <a:t>Distributions</a:t>
             </a:r>
           </a:p>
           <a:p>
             <a:pPr lvl="1"/>
             <a:r>
               <a:rPr lang="en-US" dirty="0"/>
-              <a:t>Transformations</a:t>
+              <a:t>Missing Values</a:t>
             </a:r>
           </a:p>
           <a:p>
             <a:pPr lvl="1"/>
             <a:r>
               <a:rPr lang="en-US" dirty="0"/>
-              <a:t>Interactions/Conjunctions</a:t>
+              <a:t>Correlations</a:t>
             </a:r>
           </a:p>
           <a:p>
             <a:pPr lvl="1"/>
             <a:r>
               <a:rPr lang="en-US" dirty="0"/>
-              <a:t>Disaggregation</a:t>
+              <a:t>Other Patterns</a:t>
+            </a:r>
+          </a:p>
+          <a:p>
+            <a:r>
+              <a:rPr lang="en-US" dirty="0"/>
+              <a:t>Pre-Processing</a:t>
             </a:r>
           </a:p>
           <a:p>
             <a:pPr lvl="1"/>
             <a:r>
               <a:rPr lang="en-US" dirty="0"/>
-              <a:t>Aggregations</a:t>
-            </a:r>
-          </a:p>
-          <a:p>
-            <a:pPr lvl="2"/>
-            <a:r>
-              <a:rPr lang="en-US" dirty="0"/>
-              <a:t>Temporal</a:t>
-            </a:r>
-          </a:p>
-          <a:p>
-            <a:pPr lvl="2"/>
-            <a:r>
-              <a:rPr lang="en-US" dirty="0"/>
-              <a:t>Spatial</a:t>
-            </a:r>
-          </a:p>
-          <a:p>
-            <a:pPr lvl="2"/>
+              <a:t>Leakage</a:t>
+            </a:r>
+          </a:p>
+          <a:p>
+            <a:pPr lvl="1"/>
+            <a:r>
+              <a:rPr lang="en-US" dirty="0"/>
+              <a:t>Deal with Missing values</a:t>
+            </a:r>
+          </a:p>
+          <a:p>
+            <a:pPr lvl="1"/>
+            <a:r>
+              <a:rPr lang="en-US" dirty="0"/>
+              <a:t>Scaling</a:t>
+            </a:r>
+          </a:p>
+          <a:p>
+            <a:pPr lvl="1"/>
+            <a:r>
+              <a:rPr lang="en-US" dirty="0"/>
+              <a:t>Data errors</a:t>
+            </a:r>
+          </a:p>
+          <a:p>
+            <a:pPr lvl="1"/>
             <a:endParaRPr lang="en-US" dirty="0"/>
           </a:p>
         </p:txBody>
@@ -4152,7 +9380,7 @@
           <a:p>
             <a:r>
               <a:rPr lang="en-US" dirty="0"/>
-              <a:t>Feature Creation</a:t>
+              <a:t>Explore and Prepare data</a:t>
             </a:r>
           </a:p>
         </p:txBody>
@@ -4160,7 +9388,7 @@
     </p:spTree>
     <p:extLst>
       <p:ext uri="{BB962C8B-B14F-4D97-AF65-F5344CB8AC3E}">
-        <p14:creationId xmlns:p14="http://schemas.microsoft.com/office/powerpoint/2010/main" val="3976800366"/>
+        <p14:creationId xmlns:p14="http://schemas.microsoft.com/office/powerpoint/2010/main" val="723680688"/>
       </p:ext>
     </p:extLst>
   </p:cSld>
@@ -4204,21 +9432,61 @@
           <a:p>
             <a:r>
               <a:rPr lang="en-US" dirty="0"/>
-              <a:t>Select pool of methods applicable for task</a:t>
-            </a:r>
-          </a:p>
-          <a:p>
-            <a:r>
-              <a:rPr lang="en-US" dirty="0"/>
-              <a:t>For loop over a large number of methods</a:t>
+              <a:t>Common Features</a:t>
             </a:r>
           </a:p>
           <a:p>
             <a:pPr lvl="1"/>
             <a:r>
               <a:rPr lang="en-US" dirty="0"/>
-              <a:t>For loop over parameters</a:t>
-            </a:r>
+              <a:t>Discretization</a:t>
+            </a:r>
+          </a:p>
+          <a:p>
+            <a:pPr lvl="1"/>
+            <a:r>
+              <a:rPr lang="en-US" dirty="0"/>
+              <a:t>Transformations</a:t>
+            </a:r>
+          </a:p>
+          <a:p>
+            <a:pPr lvl="1"/>
+            <a:r>
+              <a:rPr lang="en-US" dirty="0"/>
+              <a:t>Interactions/Conjunctions</a:t>
+            </a:r>
+          </a:p>
+          <a:p>
+            <a:pPr lvl="1"/>
+            <a:r>
+              <a:rPr lang="en-US" dirty="0"/>
+              <a:t>Disaggregation</a:t>
+            </a:r>
+          </a:p>
+          <a:p>
+            <a:pPr lvl="1"/>
+            <a:r>
+              <a:rPr lang="en-US" dirty="0"/>
+              <a:t>Aggregations</a:t>
+            </a:r>
+          </a:p>
+          <a:p>
+            <a:pPr lvl="2"/>
+            <a:r>
+              <a:rPr lang="en-US" dirty="0"/>
+              <a:t>Temporal</a:t>
+            </a:r>
+          </a:p>
+          <a:p>
+            <a:pPr lvl="2"/>
+            <a:r>
+              <a:rPr lang="en-US" dirty="0"/>
+              <a:t>Spatial</a:t>
+            </a:r>
+          </a:p>
+          <a:p>
+            <a:pPr lvl="2"/>
+            <a:endParaRPr lang="en-US" dirty="0"/>
           </a:p>
         </p:txBody>
       </p:sp>
@@ -4239,12 +9507,14 @@
           </a:xfrm>
         </p:spPr>
         <p:txBody>
-          <a:bodyPr/>
+          <a:bodyPr>
+            <a:normAutofit/>
+          </a:bodyPr>
           <a:lstStyle/>
           <a:p>
             <a:r>
               <a:rPr lang="en-US" dirty="0"/>
-              <a:t>Method Selection</a:t>
+              <a:t>Feature Creation</a:t>
             </a:r>
           </a:p>
         </p:txBody>
@@ -4252,7 +9522,7 @@
     </p:spTree>
     <p:extLst>
       <p:ext uri="{BB962C8B-B14F-4D97-AF65-F5344CB8AC3E}">
-        <p14:creationId xmlns:p14="http://schemas.microsoft.com/office/powerpoint/2010/main" val="474248022"/>
+        <p14:creationId xmlns:p14="http://schemas.microsoft.com/office/powerpoint/2010/main" val="3976800366"/>
       </p:ext>
     </p:extLst>
   </p:cSld>
@@ -4296,49 +9566,21 @@
           <a:p>
             <a:r>
               <a:rPr lang="en-US" dirty="0"/>
-              <a:t>Using historical data</a:t>
+              <a:t>Select pool of methods applicable for task</a:t>
+            </a:r>
+          </a:p>
+          <a:p>
+            <a:r>
+              <a:rPr lang="en-US" dirty="0"/>
+              <a:t>For loop over a large number of methods</a:t>
             </a:r>
           </a:p>
           <a:p>
             <a:pPr lvl="1"/>
             <a:r>
               <a:rPr lang="en-US" dirty="0"/>
-              <a:t>Methodology</a:t>
-            </a:r>
-          </a:p>
-          <a:p>
-            <a:pPr lvl="1"/>
-            <a:r>
-              <a:rPr lang="en-US" dirty="0"/>
-              <a:t>Metric</a:t>
-            </a:r>
-          </a:p>
-          <a:p>
-            <a:endParaRPr lang="en-US" dirty="0"/>
-          </a:p>
-          <a:p>
-            <a:r>
-              <a:rPr lang="en-US" dirty="0"/>
-              <a:t>Field Experiment</a:t>
-            </a:r>
-          </a:p>
-          <a:p>
-            <a:pPr lvl="1"/>
-            <a:r>
-              <a:rPr lang="en-US" dirty="0"/>
-              <a:t>Methodology</a:t>
-            </a:r>
-          </a:p>
-          <a:p>
-            <a:pPr lvl="1"/>
-            <a:r>
-              <a:rPr lang="en-US" dirty="0"/>
-              <a:t>Metric</a:t>
-            </a:r>
-          </a:p>
-          <a:p>
-            <a:pPr lvl="1"/>
-            <a:endParaRPr lang="en-US" dirty="0"/>
+              <a:t>For loop over parameters</a:t>
+            </a:r>
           </a:p>
         </p:txBody>
       </p:sp>
@@ -4364,7 +9606,7 @@
           <a:p>
             <a:r>
               <a:rPr lang="en-US" dirty="0"/>
-              <a:t>Validation</a:t>
+              <a:t>Method Selection</a:t>
             </a:r>
           </a:p>
         </p:txBody>
@@ -4372,7 +9614,7 @@
     </p:spTree>
     <p:extLst>
       <p:ext uri="{BB962C8B-B14F-4D97-AF65-F5344CB8AC3E}">
-        <p14:creationId xmlns:p14="http://schemas.microsoft.com/office/powerpoint/2010/main" val="1948318951"/>
+        <p14:creationId xmlns:p14="http://schemas.microsoft.com/office/powerpoint/2010/main" val="474248022"/>
       </p:ext>
     </p:extLst>
   </p:cSld>
@@ -4416,28 +9658,49 @@
           <a:p>
             <a:r>
               <a:rPr lang="en-US" dirty="0"/>
-              <a:t>Re-training</a:t>
+              <a:t>Using historical data</a:t>
             </a:r>
           </a:p>
           <a:p>
             <a:pPr lvl="1"/>
             <a:r>
               <a:rPr lang="en-US" dirty="0"/>
-              <a:t>How often?</a:t>
+              <a:t>Methodology</a:t>
             </a:r>
           </a:p>
           <a:p>
             <a:pPr lvl="1"/>
             <a:r>
               <a:rPr lang="en-US" dirty="0"/>
-              <a:t>Re-select methods?</a:t>
-            </a:r>
-          </a:p>
-          <a:p>
-            <a:r>
-              <a:rPr lang="en-US" dirty="0"/>
-              <a:t>Scoring</a:t>
-            </a:r>
+              <a:t>Metric</a:t>
+            </a:r>
+          </a:p>
+          <a:p>
+            <a:endParaRPr lang="en-US" dirty="0"/>
+          </a:p>
+          <a:p>
+            <a:r>
+              <a:rPr lang="en-US" dirty="0"/>
+              <a:t>Field Experiment</a:t>
+            </a:r>
+          </a:p>
+          <a:p>
+            <a:pPr lvl="1"/>
+            <a:r>
+              <a:rPr lang="en-US" dirty="0"/>
+              <a:t>Methodology</a:t>
+            </a:r>
+          </a:p>
+          <a:p>
+            <a:pPr lvl="1"/>
+            <a:r>
+              <a:rPr lang="en-US" dirty="0"/>
+              <a:t>Metric</a:t>
+            </a:r>
+          </a:p>
+          <a:p>
+            <a:pPr lvl="1"/>
+            <a:endParaRPr lang="en-US" dirty="0"/>
           </a:p>
         </p:txBody>
       </p:sp>
@@ -4463,7 +9726,7 @@
           <a:p>
             <a:r>
               <a:rPr lang="en-US" dirty="0"/>
-              <a:t>Deployment</a:t>
+              <a:t>Validation</a:t>
             </a:r>
           </a:p>
         </p:txBody>
@@ -4471,7 +9734,7 @@
     </p:spTree>
     <p:extLst>
       <p:ext uri="{BB962C8B-B14F-4D97-AF65-F5344CB8AC3E}">
-        <p14:creationId xmlns:p14="http://schemas.microsoft.com/office/powerpoint/2010/main" val="4206092852"/>
+        <p14:creationId xmlns:p14="http://schemas.microsoft.com/office/powerpoint/2010/main" val="1948318951"/>
       </p:ext>
     </p:extLst>
   </p:cSld>
@@ -4515,41 +9778,28 @@
           <a:p>
             <a:r>
               <a:rPr lang="en-US" dirty="0"/>
-              <a:t>Different models</a:t>
-            </a:r>
-          </a:p>
-          <a:p>
-            <a:r>
-              <a:rPr lang="en-US" dirty="0"/>
-              <a:t>Model parameters</a:t>
-            </a:r>
-          </a:p>
-          <a:p>
-            <a:r>
-              <a:rPr lang="en-US" dirty="0"/>
-              <a:t>Different Labels/Outcomes</a:t>
-            </a:r>
-          </a:p>
-          <a:p>
-            <a:r>
-              <a:rPr lang="en-US" dirty="0"/>
-              <a:t>Different Deployment Settings</a:t>
-            </a:r>
-          </a:p>
-          <a:p>
-            <a:r>
-              <a:rPr lang="en-US" dirty="0"/>
-              <a:t>Different Feature (Groups)</a:t>
-            </a:r>
-          </a:p>
-          <a:p>
-            <a:r>
-              <a:rPr lang="en-US" dirty="0"/>
-              <a:t>Different Metrics</a:t>
-            </a:r>
-          </a:p>
-          <a:p>
-            <a:endParaRPr lang="en-US" dirty="0"/>
+              <a:t>Re-training</a:t>
+            </a:r>
+          </a:p>
+          <a:p>
+            <a:pPr lvl="1"/>
+            <a:r>
+              <a:rPr lang="en-US" dirty="0"/>
+              <a:t>How often?</a:t>
+            </a:r>
+          </a:p>
+          <a:p>
+            <a:pPr lvl="1"/>
+            <a:r>
+              <a:rPr lang="en-US" dirty="0"/>
+              <a:t>Re-select methods?</a:t>
+            </a:r>
+          </a:p>
+          <a:p>
+            <a:r>
+              <a:rPr lang="en-US" dirty="0"/>
+              <a:t>Scoring</a:t>
+            </a:r>
           </a:p>
         </p:txBody>
       </p:sp>
@@ -4574,8 +9824,8 @@
           <a:lstStyle/>
           <a:p>
             <a:r>
-              <a:rPr lang="en-US" sz="3200" dirty="0"/>
-              <a:t>What types of variations do you want to test using your pipeline?</a:t>
+              <a:rPr lang="en-US" dirty="0"/>
+              <a:t>Deployment</a:t>
             </a:r>
           </a:p>
         </p:txBody>
@@ -4583,7 +9833,7 @@
     </p:spTree>
     <p:extLst>
       <p:ext uri="{BB962C8B-B14F-4D97-AF65-F5344CB8AC3E}">
-        <p14:creationId xmlns:p14="http://schemas.microsoft.com/office/powerpoint/2010/main" val="1912911053"/>
+        <p14:creationId xmlns:p14="http://schemas.microsoft.com/office/powerpoint/2010/main" val="4206092852"/>
       </p:ext>
     </p:extLst>
   </p:cSld>
@@ -4626,63 +9876,41 @@
           <a:lstStyle/>
           <a:p>
             <a:r>
-              <a:rPr lang="en-US" dirty="0" err="1"/>
-              <a:t>Config</a:t>
-            </a:r>
-            <a:r>
-              <a:rPr lang="en-US" dirty="0"/>
-              <a:t> files (</a:t>
-            </a:r>
-            <a:r>
-              <a:rPr lang="en-US" dirty="0" err="1"/>
-              <a:t>yaml</a:t>
-            </a:r>
-            <a:r>
-              <a:rPr lang="en-US" dirty="0"/>
-              <a:t>, </a:t>
-            </a:r>
-            <a:r>
-              <a:rPr lang="en-US" dirty="0" err="1"/>
-              <a:t>json</a:t>
-            </a:r>
-            <a:r>
-              <a:rPr lang="en-US" dirty="0"/>
-              <a:t>, </a:t>
-            </a:r>
-            <a:r>
-              <a:rPr lang="en-US" dirty="0" err="1"/>
-              <a:t>py</a:t>
-            </a:r>
-            <a:r>
-              <a:rPr lang="en-US" dirty="0"/>
-              <a:t>)</a:t>
-            </a:r>
-          </a:p>
-          <a:p>
-            <a:r>
-              <a:rPr lang="en-US" dirty="0"/>
-              <a:t>Store models as pickles</a:t>
-            </a:r>
-          </a:p>
-          <a:p>
-            <a:r>
-              <a:rPr lang="en-US" dirty="0"/>
-              <a:t>Store predictions in databases</a:t>
-            </a:r>
-          </a:p>
-          <a:p>
-            <a:r>
-              <a:rPr lang="en-US" dirty="0"/>
-              <a:t>Store evaluation metrics in databases</a:t>
-            </a:r>
-          </a:p>
-          <a:p>
-            <a:r>
-              <a:rPr lang="en-US" dirty="0">
-                <a:hlinkClick r:id="rId2"/>
-              </a:rPr>
-              <a:t>Sample results schema</a:t>
-            </a:r>
+              <a:rPr lang="en-US" dirty="0"/>
+              <a:t>Different models</a:t>
+            </a:r>
+          </a:p>
+          <a:p>
+            <a:r>
+              <a:rPr lang="en-US" dirty="0"/>
+              <a:t>Model parameters</a:t>
+            </a:r>
+          </a:p>
+          <a:p>
+            <a:r>
+              <a:rPr lang="en-US" dirty="0"/>
+              <a:t>Different Labels/Outcomes</a:t>
+            </a:r>
+          </a:p>
+          <a:p>
+            <a:r>
+              <a:rPr lang="en-US" dirty="0"/>
+              <a:t>Different Deployment Settings</a:t>
+            </a:r>
+          </a:p>
+          <a:p>
+            <a:r>
+              <a:rPr lang="en-US" dirty="0"/>
+              <a:t>Different Feature (Groups)</a:t>
+            </a:r>
+          </a:p>
+          <a:p>
+            <a:r>
+              <a:rPr lang="en-US" dirty="0"/>
+              <a:t>Different Metrics</a:t>
+            </a:r>
+          </a:p>
+          <a:p>
             <a:endParaRPr lang="en-US" dirty="0"/>
           </a:p>
         </p:txBody>
@@ -4708,8 +9936,8 @@
           <a:lstStyle/>
           <a:p>
             <a:r>
-              <a:rPr lang="en-US" dirty="0"/>
-              <a:t>Best Practices</a:t>
+              <a:rPr lang="en-US" sz="3200" dirty="0"/>
+              <a:t>What types of variations do you want to test using your pipeline?</a:t>
             </a:r>
           </a:p>
         </p:txBody>
@@ -4717,7 +9945,7 @@
     </p:spTree>
     <p:extLst>
       <p:ext uri="{BB962C8B-B14F-4D97-AF65-F5344CB8AC3E}">
-        <p14:creationId xmlns:p14="http://schemas.microsoft.com/office/powerpoint/2010/main" val="1217707484"/>
+        <p14:creationId xmlns:p14="http://schemas.microsoft.com/office/powerpoint/2010/main" val="1912911053"/>
       </p:ext>
     </p:extLst>
   </p:cSld>
@@ -4760,36 +9988,62 @@
           <a:lstStyle/>
           <a:p>
             <a:r>
-              <a:rPr lang="en-US" dirty="0"/>
-              <a:t>https://</a:t>
-            </a:r>
-            <a:r>
               <a:rPr lang="en-US" dirty="0" err="1"/>
-              <a:t>github.com</a:t>
-            </a:r>
-            <a:r>
-              <a:rPr lang="en-US" dirty="0"/>
-              <a:t>/</a:t>
+              <a:t>Config</a:t>
+            </a:r>
+            <a:r>
+              <a:rPr lang="en-US" dirty="0"/>
+              <a:t> files (</a:t>
             </a:r>
             <a:r>
               <a:rPr lang="en-US" dirty="0" err="1"/>
-              <a:t>dssg</a:t>
-            </a:r>
-            <a:r>
-              <a:rPr lang="en-US" dirty="0"/>
-              <a:t>/</a:t>
+              <a:t>yaml</a:t>
+            </a:r>
+            <a:r>
+              <a:rPr lang="en-US" dirty="0"/>
+              <a:t>, </a:t>
             </a:r>
             <a:r>
               <a:rPr lang="en-US" dirty="0" err="1"/>
-              <a:t>san_jose_housing</a:t>
-            </a:r>
-            <a:r>
-              <a:rPr lang="en-US" dirty="0"/>
-              <a:t>/blob/master/</a:t>
+              <a:t>json</a:t>
+            </a:r>
+            <a:r>
+              <a:rPr lang="en-US" dirty="0"/>
+              <a:t>, </a:t>
             </a:r>
             <a:r>
               <a:rPr lang="en-US" dirty="0" err="1"/>
-              <a:t>example_experiment_config.yaml</a:t>
+              <a:t>py</a:t>
+            </a:r>
+            <a:r>
+              <a:rPr lang="en-US" dirty="0"/>
+              <a:t>)</a:t>
+            </a:r>
+          </a:p>
+          <a:p>
+            <a:r>
+              <a:rPr lang="en-US" dirty="0"/>
+              <a:t>Store models as pickles</a:t>
+            </a:r>
+          </a:p>
+          <a:p>
+            <a:r>
+              <a:rPr lang="en-US" dirty="0"/>
+              <a:t>Store predictions in databases</a:t>
+            </a:r>
+          </a:p>
+          <a:p>
+            <a:r>
+              <a:rPr lang="en-US" dirty="0"/>
+              <a:t>Store evaluation metrics in databases</a:t>
+            </a:r>
+          </a:p>
+          <a:p>
+            <a:r>
+              <a:rPr lang="en-US" dirty="0">
+                <a:hlinkClick r:id="rId2"/>
+              </a:rPr>
+              <a:t>Sample results schema</a:t>
             </a:r>
             <a:endParaRPr lang="en-US" dirty="0"/>
           </a:p>
@@ -4817,7 +10071,7 @@
           <a:p>
             <a:r>
               <a:rPr lang="en-US" dirty="0"/>
-              <a:t>Config file example</a:t>
+              <a:t>Best Practices</a:t>
             </a:r>
           </a:p>
         </p:txBody>
@@ -4825,7 +10079,7 @@
     </p:spTree>
     <p:extLst>
       <p:ext uri="{BB962C8B-B14F-4D97-AF65-F5344CB8AC3E}">
-        <p14:creationId xmlns:p14="http://schemas.microsoft.com/office/powerpoint/2010/main" val="2083363561"/>
+        <p14:creationId xmlns:p14="http://schemas.microsoft.com/office/powerpoint/2010/main" val="1217707484"/>
       </p:ext>
     </p:extLst>
   </p:cSld>
@@ -4864,127 +10118,41 @@
         </p:nvSpPr>
         <p:spPr/>
         <p:txBody>
-          <a:bodyPr>
-            <a:normAutofit fontScale="77500" lnSpcReduction="20000"/>
-          </a:bodyPr>
+          <a:bodyPr/>
           <a:lstStyle/>
           <a:p>
             <a:r>
               <a:rPr lang="en-US" dirty="0"/>
-              <a:t>Build a simple, modular, extensible, machine learning pipeline with functions to do the following:</a:t>
-            </a:r>
-            <a:br>
-              <a:rPr lang="en-US" dirty="0"/>
-            </a:br>
-            <a:endParaRPr lang="en-US" dirty="0"/>
-          </a:p>
-          <a:p>
-            <a:pPr lvl="1"/>
-            <a:r>
-              <a:rPr lang="en-US" dirty="0"/>
-              <a:t>ETL and exploration</a:t>
-            </a:r>
-          </a:p>
-          <a:p>
-            <a:pPr lvl="2"/>
-            <a:r>
-              <a:rPr lang="en-US" dirty="0"/>
-              <a:t>Load Data</a:t>
-            </a:r>
-          </a:p>
-          <a:p>
-            <a:pPr lvl="2"/>
-            <a:r>
-              <a:rPr lang="en-US" dirty="0"/>
-              <a:t>Explore data</a:t>
-            </a:r>
-          </a:p>
-          <a:p>
-            <a:pPr lvl="2"/>
-            <a:r>
-              <a:rPr lang="en-US" dirty="0"/>
-              <a:t>Pre-process data</a:t>
-            </a:r>
-          </a:p>
-          <a:p>
-            <a:pPr lvl="1"/>
-            <a:r>
-              <a:rPr lang="en-US" dirty="0"/>
-              <a:t>Cohort Creation</a:t>
-            </a:r>
-          </a:p>
-          <a:p>
-            <a:pPr lvl="2"/>
-            <a:r>
-              <a:rPr lang="en-US" dirty="0"/>
-              <a:t>Create rows</a:t>
-            </a:r>
-          </a:p>
-          <a:p>
-            <a:pPr lvl="2"/>
-            <a:r>
-              <a:rPr lang="en-US" dirty="0"/>
-              <a:t>Create labels for each row</a:t>
-            </a:r>
-          </a:p>
-          <a:p>
-            <a:pPr lvl="2"/>
-            <a:r>
-              <a:rPr lang="en-US" dirty="0"/>
-              <a:t>Create one feature</a:t>
-            </a:r>
-          </a:p>
-          <a:p>
-            <a:pPr lvl="1"/>
-            <a:r>
-              <a:rPr lang="en-US" dirty="0"/>
-              <a:t>Train Test Set Creation</a:t>
-            </a:r>
-          </a:p>
-          <a:p>
-            <a:pPr lvl="2"/>
-            <a:r>
-              <a:rPr lang="en-US" dirty="0"/>
-              <a:t>Generate one training set</a:t>
-            </a:r>
-          </a:p>
-          <a:p>
-            <a:pPr lvl="2"/>
-            <a:r>
-              <a:rPr lang="en-US" dirty="0"/>
-              <a:t>Generate one validation set</a:t>
-            </a:r>
-          </a:p>
-          <a:p>
-            <a:pPr lvl="1"/>
-            <a:r>
-              <a:rPr lang="en-US" dirty="0"/>
-              <a:t>Modeling</a:t>
-            </a:r>
-          </a:p>
-          <a:p>
-            <a:pPr lvl="2"/>
-            <a:r>
-              <a:rPr lang="en-US" dirty="0"/>
-              <a:t>Build 1 classifier on training set</a:t>
-            </a:r>
-          </a:p>
-          <a:p>
-            <a:pPr lvl="2"/>
-            <a:r>
-              <a:rPr lang="en-US" dirty="0"/>
-              <a:t>Run the 1 classifier on the validation set</a:t>
-            </a:r>
-          </a:p>
-          <a:p>
-            <a:pPr lvl="2"/>
-            <a:r>
-              <a:rPr lang="en-US" dirty="0"/>
-              <a:t>Calculate one metric</a:t>
-            </a:r>
-          </a:p>
-          <a:p>
-            <a:pPr lvl="1"/>
+              <a:t>https://</a:t>
+            </a:r>
+            <a:r>
+              <a:rPr lang="en-US" dirty="0" err="1"/>
+              <a:t>github.com</a:t>
+            </a:r>
+            <a:r>
+              <a:rPr lang="en-US" dirty="0"/>
+              <a:t>/</a:t>
+            </a:r>
+            <a:r>
+              <a:rPr lang="en-US" dirty="0" err="1"/>
+              <a:t>dssg</a:t>
+            </a:r>
+            <a:r>
+              <a:rPr lang="en-US" dirty="0"/>
+              <a:t>/</a:t>
+            </a:r>
+            <a:r>
+              <a:rPr lang="en-US" dirty="0" err="1"/>
+              <a:t>san_jose_housing</a:t>
+            </a:r>
+            <a:r>
+              <a:rPr lang="en-US" dirty="0"/>
+              <a:t>/blob/master/</a:t>
+            </a:r>
+            <a:r>
+              <a:rPr lang="en-US" dirty="0" err="1"/>
+              <a:t>example_experiment_config.yaml</a:t>
+            </a:r>
             <a:endParaRPr lang="en-US" dirty="0"/>
           </a:p>
         </p:txBody>
@@ -5011,6 +10179,200 @@
           <a:p>
             <a:r>
               <a:rPr lang="en-US" dirty="0"/>
+              <a:t>Config file example</a:t>
+            </a:r>
+          </a:p>
+        </p:txBody>
+      </p:sp>
+    </p:spTree>
+    <p:extLst>
+      <p:ext uri="{BB962C8B-B14F-4D97-AF65-F5344CB8AC3E}">
+        <p14:creationId xmlns:p14="http://schemas.microsoft.com/office/powerpoint/2010/main" val="2083363561"/>
+      </p:ext>
+    </p:extLst>
+  </p:cSld>
+  <p:clrMapOvr>
+    <a:masterClrMapping/>
+  </p:clrMapOvr>
+</p:sld>
+</file>
+
+<file path=ppt/slides/slide19.xml><?xml version="1.0" encoding="utf-8"?>
+<p:sld xmlns:a="http://schemas.openxmlformats.org/drawingml/2006/main" xmlns:r="http://schemas.openxmlformats.org/officeDocument/2006/relationships" xmlns:p="http://schemas.openxmlformats.org/presentationml/2006/main">
+  <p:cSld>
+    <p:spTree>
+      <p:nvGrpSpPr>
+        <p:cNvPr id="1" name=""/>
+        <p:cNvGrpSpPr/>
+        <p:nvPr/>
+      </p:nvGrpSpPr>
+      <p:grpSpPr>
+        <a:xfrm>
+          <a:off x="0" y="0"/>
+          <a:ext cx="0" cy="0"/>
+          <a:chOff x="0" y="0"/>
+          <a:chExt cx="0" cy="0"/>
+        </a:xfrm>
+      </p:grpSpPr>
+      <p:sp>
+        <p:nvSpPr>
+          <p:cNvPr id="2" name="Content Placeholder 1"/>
+          <p:cNvSpPr>
+            <a:spLocks noGrp="1"/>
+          </p:cNvSpPr>
+          <p:nvPr>
+            <p:ph type="body" idx="1"/>
+          </p:nvPr>
+        </p:nvSpPr>
+        <p:spPr/>
+        <p:txBody>
+          <a:bodyPr>
+            <a:normAutofit fontScale="77500" lnSpcReduction="20000"/>
+          </a:bodyPr>
+          <a:lstStyle/>
+          <a:p>
+            <a:r>
+              <a:rPr lang="en-US" dirty="0"/>
+              <a:t>Build a simple, modular, extensible, machine learning pipeline with functions to do the following:</a:t>
+            </a:r>
+            <a:br>
+              <a:rPr lang="en-US" dirty="0"/>
+            </a:br>
+            <a:endParaRPr lang="en-US" dirty="0"/>
+          </a:p>
+          <a:p>
+            <a:pPr lvl="1"/>
+            <a:r>
+              <a:rPr lang="en-US" dirty="0"/>
+              <a:t>ETL and exploration</a:t>
+            </a:r>
+          </a:p>
+          <a:p>
+            <a:pPr lvl="2"/>
+            <a:r>
+              <a:rPr lang="en-US" dirty="0"/>
+              <a:t>Load Data</a:t>
+            </a:r>
+          </a:p>
+          <a:p>
+            <a:pPr lvl="2"/>
+            <a:r>
+              <a:rPr lang="en-US" dirty="0"/>
+              <a:t>Explore data</a:t>
+            </a:r>
+          </a:p>
+          <a:p>
+            <a:pPr lvl="2"/>
+            <a:r>
+              <a:rPr lang="en-US" dirty="0"/>
+              <a:t>Pre-process data</a:t>
+            </a:r>
+          </a:p>
+          <a:p>
+            <a:pPr lvl="1"/>
+            <a:r>
+              <a:rPr lang="en-US" dirty="0"/>
+              <a:t>Cohort Creation</a:t>
+            </a:r>
+          </a:p>
+          <a:p>
+            <a:pPr lvl="2"/>
+            <a:r>
+              <a:rPr lang="en-US" dirty="0"/>
+              <a:t>Create rows</a:t>
+            </a:r>
+          </a:p>
+          <a:p>
+            <a:pPr lvl="2"/>
+            <a:r>
+              <a:rPr lang="en-US" dirty="0"/>
+              <a:t>Create labels for each row</a:t>
+            </a:r>
+          </a:p>
+          <a:p>
+            <a:pPr lvl="2"/>
+            <a:r>
+              <a:rPr lang="en-US" dirty="0"/>
+              <a:t>Create one feature</a:t>
+            </a:r>
+          </a:p>
+          <a:p>
+            <a:pPr lvl="1"/>
+            <a:r>
+              <a:rPr lang="en-US" dirty="0"/>
+              <a:t>Train Test Set Creation</a:t>
+            </a:r>
+          </a:p>
+          <a:p>
+            <a:pPr lvl="2"/>
+            <a:r>
+              <a:rPr lang="en-US" dirty="0"/>
+              <a:t>Generate one training set</a:t>
+            </a:r>
+          </a:p>
+          <a:p>
+            <a:pPr lvl="2"/>
+            <a:r>
+              <a:rPr lang="en-US" dirty="0"/>
+              <a:t>Generate one validation set</a:t>
+            </a:r>
+          </a:p>
+          <a:p>
+            <a:pPr lvl="1"/>
+            <a:r>
+              <a:rPr lang="en-US" dirty="0"/>
+              <a:t>Modeling</a:t>
+            </a:r>
+          </a:p>
+          <a:p>
+            <a:pPr lvl="2"/>
+            <a:r>
+              <a:rPr lang="en-US" dirty="0"/>
+              <a:t>Build 1 classifier on training set</a:t>
+            </a:r>
+          </a:p>
+          <a:p>
+            <a:pPr lvl="2"/>
+            <a:r>
+              <a:rPr lang="en-US" dirty="0"/>
+              <a:t>Run the 1 classifier on the validation set</a:t>
+            </a:r>
+          </a:p>
+          <a:p>
+            <a:pPr lvl="2"/>
+            <a:r>
+              <a:rPr lang="en-US" dirty="0"/>
+              <a:t>Calculate one metric</a:t>
+            </a:r>
+          </a:p>
+          <a:p>
+            <a:pPr lvl="1"/>
+            <a:endParaRPr lang="en-US" dirty="0"/>
+          </a:p>
+        </p:txBody>
+      </p:sp>
+      <p:sp>
+        <p:nvSpPr>
+          <p:cNvPr id="3" name="Title 2"/>
+          <p:cNvSpPr>
+            <a:spLocks noGrp="1"/>
+          </p:cNvSpPr>
+          <p:nvPr>
+            <p:ph type="title"/>
+          </p:nvPr>
+        </p:nvSpPr>
+        <p:spPr>
+          <a:xfrm>
+            <a:off x="0" y="23813"/>
+            <a:ext cx="12192000" cy="1143000"/>
+          </a:xfrm>
+        </p:spPr>
+        <p:txBody>
+          <a:bodyPr/>
+          <a:lstStyle/>
+          <a:p>
+            <a:r>
+              <a:rPr lang="en-US" dirty="0"/>
               <a:t>Building a simple pipeline</a:t>
             </a:r>
           </a:p>
@@ -5029,7 +10391,136 @@
 </p:sld>
 </file>
 
-<file path=ppt/slides/slide19.xml><?xml version="1.0" encoding="utf-8"?>
+<file path=ppt/slides/slide2.xml><?xml version="1.0" encoding="utf-8"?>
+<p:sld xmlns:a="http://schemas.openxmlformats.org/drawingml/2006/main" xmlns:r="http://schemas.openxmlformats.org/officeDocument/2006/relationships" xmlns:p="http://schemas.openxmlformats.org/presentationml/2006/main">
+  <p:cSld>
+    <p:spTree>
+      <p:nvGrpSpPr>
+        <p:cNvPr id="1" name=""/>
+        <p:cNvGrpSpPr/>
+        <p:nvPr/>
+      </p:nvGrpSpPr>
+      <p:grpSpPr>
+        <a:xfrm>
+          <a:off x="0" y="0"/>
+          <a:ext cx="0" cy="0"/>
+          <a:chOff x="0" y="0"/>
+          <a:chExt cx="0" cy="0"/>
+        </a:xfrm>
+      </p:grpSpPr>
+      <p:sp>
+        <p:nvSpPr>
+          <p:cNvPr id="2" name="Title 1">
+            <a:extLst>
+              <a:ext uri="{FF2B5EF4-FFF2-40B4-BE49-F238E27FC236}">
+                <a16:creationId xmlns:a16="http://schemas.microsoft.com/office/drawing/2014/main" id="{94CF2A94-A63F-6149-AA28-2E35B60E3D3E}"/>
+              </a:ext>
+            </a:extLst>
+          </p:cNvPr>
+          <p:cNvSpPr>
+            <a:spLocks noGrp="1"/>
+          </p:cNvSpPr>
+          <p:nvPr>
+            <p:ph type="title"/>
+          </p:nvPr>
+        </p:nvSpPr>
+        <p:spPr/>
+        <p:txBody>
+          <a:bodyPr/>
+          <a:lstStyle/>
+          <a:p>
+            <a:endParaRPr lang="en-US"/>
+          </a:p>
+        </p:txBody>
+      </p:sp>
+      <p:graphicFrame>
+        <p:nvGraphicFramePr>
+          <p:cNvPr id="3" name="Diagram 2">
+            <a:extLst>
+              <a:ext uri="{FF2B5EF4-FFF2-40B4-BE49-F238E27FC236}">
+                <a16:creationId xmlns:a16="http://schemas.microsoft.com/office/drawing/2014/main" id="{8E902576-68A9-6E48-B0FE-5B1889953DC8}"/>
+              </a:ext>
+            </a:extLst>
+          </p:cNvPr>
+          <p:cNvGraphicFramePr/>
+          <p:nvPr/>
+        </p:nvGraphicFramePr>
+        <p:xfrm>
+          <a:off x="180467" y="0"/>
+          <a:ext cx="11776400" cy="6858000"/>
+        </p:xfrm>
+        <a:graphic>
+          <a:graphicData uri="http://schemas.openxmlformats.org/drawingml/2006/diagram">
+            <dgm:relIds xmlns:dgm="http://schemas.openxmlformats.org/drawingml/2006/diagram" xmlns:r="http://schemas.openxmlformats.org/officeDocument/2006/relationships" r:dm="rId2" r:lo="rId3" r:qs="rId4" r:cs="rId5"/>
+          </a:graphicData>
+        </a:graphic>
+      </p:graphicFrame>
+      <p:sp>
+        <p:nvSpPr>
+          <p:cNvPr id="4" name="Rectangle 3">
+            <a:extLst>
+              <a:ext uri="{FF2B5EF4-FFF2-40B4-BE49-F238E27FC236}">
+                <a16:creationId xmlns:a16="http://schemas.microsoft.com/office/drawing/2014/main" id="{E2C99BF2-C81A-5246-89D3-E49BCDCAD699}"/>
+              </a:ext>
+            </a:extLst>
+          </p:cNvPr>
+          <p:cNvSpPr/>
+          <p:nvPr/>
+        </p:nvSpPr>
+        <p:spPr>
+          <a:xfrm>
+            <a:off x="9553197" y="274320"/>
+            <a:ext cx="2534195" cy="1789611"/>
+          </a:xfrm>
+          <a:prstGeom prst="rect">
+            <a:avLst/>
+          </a:prstGeom>
+          <a:noFill/>
+          <a:ln w="76200">
+            <a:solidFill>
+              <a:srgbClr val="C00000"/>
+            </a:solidFill>
+          </a:ln>
+        </p:spPr>
+        <p:style>
+          <a:lnRef idx="2">
+            <a:schemeClr val="accent1">
+              <a:shade val="50000"/>
+            </a:schemeClr>
+          </a:lnRef>
+          <a:fillRef idx="1">
+            <a:schemeClr val="accent1"/>
+          </a:fillRef>
+          <a:effectRef idx="0">
+            <a:schemeClr val="accent1"/>
+          </a:effectRef>
+          <a:fontRef idx="minor">
+            <a:schemeClr val="lt1"/>
+          </a:fontRef>
+        </p:style>
+        <p:txBody>
+          <a:bodyPr rtlCol="0" anchor="ctr"/>
+          <a:lstStyle/>
+          <a:p>
+            <a:pPr algn="ctr"/>
+            <a:endParaRPr lang="en-US"/>
+          </a:p>
+        </p:txBody>
+      </p:sp>
+    </p:spTree>
+    <p:extLst>
+      <p:ext uri="{BB962C8B-B14F-4D97-AF65-F5344CB8AC3E}">
+        <p14:creationId xmlns:p14="http://schemas.microsoft.com/office/powerpoint/2010/main" val="1512151284"/>
+      </p:ext>
+    </p:extLst>
+  </p:cSld>
+  <p:clrMapOvr>
+    <a:masterClrMapping/>
+  </p:clrMapOvr>
+</p:sld>
+</file>
+
+<file path=ppt/slides/slide20.xml><?xml version="1.0" encoding="utf-8"?>
 <p:sld xmlns:a="http://schemas.openxmlformats.org/drawingml/2006/main" xmlns:r="http://schemas.openxmlformats.org/officeDocument/2006/relationships" xmlns:p="http://schemas.openxmlformats.org/presentationml/2006/main">
   <p:cSld>
     <p:spTree>
@@ -5478,114 +10969,7 @@
 </p:sld>
 </file>
 
-<file path=ppt/slides/slide2.xml><?xml version="1.0" encoding="utf-8"?>
-<p:sld xmlns:a="http://schemas.openxmlformats.org/drawingml/2006/main" xmlns:r="http://schemas.openxmlformats.org/officeDocument/2006/relationships" xmlns:p="http://schemas.openxmlformats.org/presentationml/2006/main">
-  <p:cSld>
-    <p:spTree>
-      <p:nvGrpSpPr>
-        <p:cNvPr id="1" name=""/>
-        <p:cNvGrpSpPr/>
-        <p:nvPr/>
-      </p:nvGrpSpPr>
-      <p:grpSpPr>
-        <a:xfrm>
-          <a:off x="0" y="0"/>
-          <a:ext cx="0" cy="0"/>
-          <a:chOff x="0" y="0"/>
-          <a:chExt cx="0" cy="0"/>
-        </a:xfrm>
-      </p:grpSpPr>
-      <p:sp>
-        <p:nvSpPr>
-          <p:cNvPr id="2" name="Content Placeholder 1"/>
-          <p:cNvSpPr>
-            <a:spLocks noGrp="1"/>
-          </p:cNvSpPr>
-          <p:nvPr>
-            <p:ph type="body" idx="1"/>
-          </p:nvPr>
-        </p:nvSpPr>
-        <p:spPr/>
-        <p:txBody>
-          <a:bodyPr/>
-          <a:lstStyle/>
-          <a:p>
-            <a:r>
-              <a:rPr lang="en-US" dirty="0"/>
-              <a:t>What is an ML Pipeline?</a:t>
-            </a:r>
-          </a:p>
-          <a:p>
-            <a:r>
-              <a:rPr lang="en-US" dirty="0"/>
-              <a:t>Why should we build ML pipelines?</a:t>
-            </a:r>
-          </a:p>
-          <a:p>
-            <a:r>
-              <a:rPr lang="en-US" dirty="0"/>
-              <a:t>What components should it have?</a:t>
-            </a:r>
-          </a:p>
-          <a:p>
-            <a:r>
-              <a:rPr lang="en-US" dirty="0"/>
-              <a:t>Best Practices</a:t>
-            </a:r>
-          </a:p>
-          <a:p>
-            <a:r>
-              <a:rPr lang="en-US" dirty="0"/>
-              <a:t>Good Examples</a:t>
-            </a:r>
-          </a:p>
-        </p:txBody>
-      </p:sp>
-      <p:sp>
-        <p:nvSpPr>
-          <p:cNvPr id="3" name="Title 2"/>
-          <p:cNvSpPr>
-            <a:spLocks noGrp="1"/>
-          </p:cNvSpPr>
-          <p:nvPr>
-            <p:ph type="title"/>
-          </p:nvPr>
-        </p:nvSpPr>
-        <p:spPr>
-          <a:xfrm>
-            <a:off x="0" y="325028"/>
-            <a:ext cx="12192000" cy="1143000"/>
-          </a:xfrm>
-        </p:spPr>
-        <p:txBody>
-          <a:bodyPr/>
-          <a:lstStyle/>
-          <a:p>
-            <a:r>
-              <a:rPr lang="en-US" dirty="0">
-                <a:solidFill>
-                  <a:schemeClr val="bg1"/>
-                </a:solidFill>
-              </a:rPr>
-              <a:t>Things we will cover</a:t>
-            </a:r>
-          </a:p>
-        </p:txBody>
-      </p:sp>
-    </p:spTree>
-    <p:extLst>
-      <p:ext uri="{BB962C8B-B14F-4D97-AF65-F5344CB8AC3E}">
-        <p14:creationId xmlns:p14="http://schemas.microsoft.com/office/powerpoint/2010/main" val="2729631539"/>
-      </p:ext>
-    </p:extLst>
-  </p:cSld>
-  <p:clrMapOvr>
-    <a:masterClrMapping/>
-  </p:clrMapOvr>
-</p:sld>
-</file>
-
-<file path=ppt/slides/slide20.xml><?xml version="1.0" encoding="utf-8"?>
+<file path=ppt/slides/slide21.xml><?xml version="1.0" encoding="utf-8"?>
 <p:sld xmlns:a="http://schemas.openxmlformats.org/drawingml/2006/main" xmlns:r="http://schemas.openxmlformats.org/officeDocument/2006/relationships" xmlns:p="http://schemas.openxmlformats.org/presentationml/2006/main">
   <p:cSld>
     <p:spTree>
@@ -5755,6 +11139,113 @@
       </p:grpSpPr>
       <p:sp>
         <p:nvSpPr>
+          <p:cNvPr id="2" name="Content Placeholder 1"/>
+          <p:cNvSpPr>
+            <a:spLocks noGrp="1"/>
+          </p:cNvSpPr>
+          <p:nvPr>
+            <p:ph type="body" idx="1"/>
+          </p:nvPr>
+        </p:nvSpPr>
+        <p:spPr/>
+        <p:txBody>
+          <a:bodyPr/>
+          <a:lstStyle/>
+          <a:p>
+            <a:r>
+              <a:rPr lang="en-US" dirty="0"/>
+              <a:t>What is an ML Pipeline?</a:t>
+            </a:r>
+          </a:p>
+          <a:p>
+            <a:r>
+              <a:rPr lang="en-US" dirty="0"/>
+              <a:t>Why should we build ML pipelines?</a:t>
+            </a:r>
+          </a:p>
+          <a:p>
+            <a:r>
+              <a:rPr lang="en-US" dirty="0"/>
+              <a:t>What components should it have?</a:t>
+            </a:r>
+          </a:p>
+          <a:p>
+            <a:r>
+              <a:rPr lang="en-US" dirty="0"/>
+              <a:t>Best Practices</a:t>
+            </a:r>
+          </a:p>
+          <a:p>
+            <a:r>
+              <a:rPr lang="en-US" dirty="0"/>
+              <a:t>Good Examples</a:t>
+            </a:r>
+          </a:p>
+        </p:txBody>
+      </p:sp>
+      <p:sp>
+        <p:nvSpPr>
+          <p:cNvPr id="3" name="Title 2"/>
+          <p:cNvSpPr>
+            <a:spLocks noGrp="1"/>
+          </p:cNvSpPr>
+          <p:nvPr>
+            <p:ph type="title"/>
+          </p:nvPr>
+        </p:nvSpPr>
+        <p:spPr>
+          <a:xfrm>
+            <a:off x="0" y="325028"/>
+            <a:ext cx="12192000" cy="1143000"/>
+          </a:xfrm>
+        </p:spPr>
+        <p:txBody>
+          <a:bodyPr/>
+          <a:lstStyle/>
+          <a:p>
+            <a:r>
+              <a:rPr lang="en-US" dirty="0">
+                <a:solidFill>
+                  <a:schemeClr val="bg1"/>
+                </a:solidFill>
+              </a:rPr>
+              <a:t>Things we will cover</a:t>
+            </a:r>
+          </a:p>
+        </p:txBody>
+      </p:sp>
+    </p:spTree>
+    <p:extLst>
+      <p:ext uri="{BB962C8B-B14F-4D97-AF65-F5344CB8AC3E}">
+        <p14:creationId xmlns:p14="http://schemas.microsoft.com/office/powerpoint/2010/main" val="2729631539"/>
+      </p:ext>
+    </p:extLst>
+  </p:cSld>
+  <p:clrMapOvr>
+    <a:masterClrMapping/>
+  </p:clrMapOvr>
+</p:sld>
+</file>
+
+<file path=ppt/slides/slide4.xml><?xml version="1.0" encoding="utf-8"?>
+<p:sld xmlns:a="http://schemas.openxmlformats.org/drawingml/2006/main" xmlns:r="http://schemas.openxmlformats.org/officeDocument/2006/relationships" xmlns:p="http://schemas.openxmlformats.org/presentationml/2006/main">
+  <p:cSld>
+    <p:spTree>
+      <p:nvGrpSpPr>
+        <p:cNvPr id="1" name=""/>
+        <p:cNvGrpSpPr/>
+        <p:nvPr/>
+      </p:nvGrpSpPr>
+      <p:grpSpPr>
+        <a:xfrm>
+          <a:off x="0" y="0"/>
+          <a:ext cx="0" cy="0"/>
+          <a:chOff x="0" y="0"/>
+          <a:chExt cx="0" cy="0"/>
+        </a:xfrm>
+      </p:grpSpPr>
+      <p:sp>
+        <p:nvSpPr>
           <p:cNvPr id="2" name="Text Placeholder 1">
             <a:extLst>
               <a:ext uri="{FF2B5EF4-FFF2-40B4-BE49-F238E27FC236}">
@@ -5864,7 +11355,7 @@
 </p:sld>
 </file>
 
-<file path=ppt/slides/slide4.xml><?xml version="1.0" encoding="utf-8"?>
+<file path=ppt/slides/slide5.xml><?xml version="1.0" encoding="utf-8"?>
 <p:sld xmlns:a="http://schemas.openxmlformats.org/drawingml/2006/main" xmlns:r="http://schemas.openxmlformats.org/officeDocument/2006/relationships" xmlns:p="http://schemas.openxmlformats.org/presentationml/2006/main">
   <p:cSld>
     <p:spTree>
@@ -5967,7 +11458,7 @@
 </p:sld>
 </file>
 
-<file path=ppt/slides/slide5.xml><?xml version="1.0" encoding="utf-8"?>
+<file path=ppt/slides/slide6.xml><?xml version="1.0" encoding="utf-8"?>
 <p:sld xmlns:a="http://schemas.openxmlformats.org/drawingml/2006/main" xmlns:r="http://schemas.openxmlformats.org/officeDocument/2006/relationships" xmlns:p="http://schemas.openxmlformats.org/presentationml/2006/main">
   <p:cSld>
     <p:spTree>
@@ -6065,7 +11556,7 @@
 </p:sld>
 </file>
 
-<file path=ppt/slides/slide6.xml><?xml version="1.0" encoding="utf-8"?>
+<file path=ppt/slides/slide7.xml><?xml version="1.0" encoding="utf-8"?>
 <p:sld xmlns:a="http://schemas.openxmlformats.org/drawingml/2006/main" xmlns:r="http://schemas.openxmlformats.org/officeDocument/2006/relationships" xmlns:p="http://schemas.openxmlformats.org/presentationml/2006/main">
   <p:cSld>
     <p:spTree>
@@ -6153,7 +11644,7 @@
 </p:sld>
 </file>
 
-<file path=ppt/slides/slide7.xml><?xml version="1.0" encoding="utf-8"?>
+<file path=ppt/slides/slide8.xml><?xml version="1.0" encoding="utf-8"?>
 <p:sld xmlns:a="http://schemas.openxmlformats.org/drawingml/2006/main" xmlns:r="http://schemas.openxmlformats.org/officeDocument/2006/relationships" xmlns:p="http://schemas.openxmlformats.org/presentationml/2006/main">
   <p:cSld>
     <p:spTree>
@@ -6357,7 +11848,7 @@
 </p:sld>
 </file>
 
-<file path=ppt/slides/slide8.xml><?xml version="1.0" encoding="utf-8"?>
+<file path=ppt/slides/slide9.xml><?xml version="1.0" encoding="utf-8"?>
 <p:sld xmlns:a="http://schemas.openxmlformats.org/drawingml/2006/main" xmlns:r="http://schemas.openxmlformats.org/officeDocument/2006/relationships" xmlns:p="http://schemas.openxmlformats.org/presentationml/2006/main">
   <p:cSld>
     <p:spTree>
@@ -6446,123 +11937,6 @@
     <p:extLst>
       <p:ext uri="{BB962C8B-B14F-4D97-AF65-F5344CB8AC3E}">
         <p14:creationId xmlns:p14="http://schemas.microsoft.com/office/powerpoint/2010/main" val="2973739076"/>
-      </p:ext>
-    </p:extLst>
-  </p:cSld>
-  <p:clrMapOvr>
-    <a:masterClrMapping/>
-  </p:clrMapOvr>
-</p:sld>
-</file>
-
-<file path=ppt/slides/slide9.xml><?xml version="1.0" encoding="utf-8"?>
-<p:sld xmlns:a="http://schemas.openxmlformats.org/drawingml/2006/main" xmlns:r="http://schemas.openxmlformats.org/officeDocument/2006/relationships" xmlns:p="http://schemas.openxmlformats.org/presentationml/2006/main">
-  <p:cSld>
-    <p:spTree>
-      <p:nvGrpSpPr>
-        <p:cNvPr id="1" name=""/>
-        <p:cNvGrpSpPr/>
-        <p:nvPr/>
-      </p:nvGrpSpPr>
-      <p:grpSpPr>
-        <a:xfrm>
-          <a:off x="0" y="0"/>
-          <a:ext cx="0" cy="0"/>
-          <a:chOff x="0" y="0"/>
-          <a:chExt cx="0" cy="0"/>
-        </a:xfrm>
-      </p:grpSpPr>
-      <p:sp>
-        <p:nvSpPr>
-          <p:cNvPr id="2" name="Content Placeholder 1"/>
-          <p:cNvSpPr>
-            <a:spLocks noGrp="1"/>
-          </p:cNvSpPr>
-          <p:nvPr>
-            <p:ph type="body" idx="1"/>
-          </p:nvPr>
-        </p:nvSpPr>
-        <p:spPr/>
-        <p:txBody>
-          <a:bodyPr/>
-          <a:lstStyle/>
-          <a:p>
-            <a:r>
-              <a:rPr lang="en-US" dirty="0"/>
-              <a:t>Get Data</a:t>
-            </a:r>
-          </a:p>
-          <a:p>
-            <a:pPr lvl="1"/>
-            <a:r>
-              <a:rPr lang="en-US" dirty="0"/>
-              <a:t>API, CSV, Database</a:t>
-            </a:r>
-          </a:p>
-          <a:p>
-            <a:r>
-              <a:rPr lang="en-US" dirty="0"/>
-              <a:t>Store Data</a:t>
-            </a:r>
-          </a:p>
-          <a:p>
-            <a:pPr lvl="1"/>
-            <a:r>
-              <a:rPr lang="en-US" dirty="0"/>
-              <a:t>Database</a:t>
-            </a:r>
-          </a:p>
-          <a:p>
-            <a:r>
-              <a:rPr lang="en-US" dirty="0"/>
-              <a:t>Integrate Data</a:t>
-            </a:r>
-          </a:p>
-          <a:p>
-            <a:pPr lvl="1"/>
-            <a:r>
-              <a:rPr lang="en-US" dirty="0"/>
-              <a:t>Record Linkage</a:t>
-            </a:r>
-          </a:p>
-          <a:p>
-            <a:endParaRPr lang="en-US" dirty="0"/>
-          </a:p>
-        </p:txBody>
-      </p:sp>
-      <p:sp>
-        <p:nvSpPr>
-          <p:cNvPr id="3" name="Title 2"/>
-          <p:cNvSpPr>
-            <a:spLocks noGrp="1"/>
-          </p:cNvSpPr>
-          <p:nvPr>
-            <p:ph type="title"/>
-          </p:nvPr>
-        </p:nvSpPr>
-        <p:spPr>
-          <a:xfrm>
-            <a:off x="0" y="23813"/>
-            <a:ext cx="12192000" cy="1143000"/>
-          </a:xfrm>
-        </p:spPr>
-        <p:txBody>
-          <a:bodyPr>
-            <a:normAutofit/>
-          </a:bodyPr>
-          <a:lstStyle/>
-          <a:p>
-            <a:r>
-              <a:rPr lang="en-US" dirty="0"/>
-              <a:t>Data Acquisition &amp; Integration</a:t>
-            </a:r>
-          </a:p>
-        </p:txBody>
-      </p:sp>
-    </p:spTree>
-    <p:extLst>
-      <p:ext uri="{BB962C8B-B14F-4D97-AF65-F5344CB8AC3E}">
-        <p14:creationId xmlns:p14="http://schemas.microsoft.com/office/powerpoint/2010/main" val="1245332309"/>
       </p:ext>
     </p:extLst>
   </p:cSld>

--- a/04 - Machine Learning Pipelines/Machine-Learning-Pipelines.pptx
+++ b/04 - Machine Learning Pipelines/Machine-Learning-Pipelines.pptx
@@ -9432,6 +9432,12 @@
           <a:p>
             <a:r>
               <a:rPr lang="en-US" dirty="0"/>
+              <a:t>Data comes with fields or columns (if it’s even structured), not features</a:t>
+            </a:r>
+          </a:p>
+          <a:p>
+            <a:r>
+              <a:rPr lang="en-US" dirty="0"/>
               <a:t>Common Features</a:t>
             </a:r>
           </a:p>
@@ -9482,6 +9488,12 @@
             <a:r>
               <a:rPr lang="en-US" dirty="0"/>
               <a:t>Spatial</a:t>
+            </a:r>
+          </a:p>
+          <a:p>
+            <a:r>
+              <a:rPr lang="en-US" dirty="0"/>
+              <a:t>How are you handling imputation of missing values?</a:t>
             </a:r>
           </a:p>
           <a:p>
@@ -9778,6 +9790,12 @@
           <a:p>
             <a:r>
               <a:rPr lang="en-US" dirty="0"/>
+              <a:t>Model monitoring</a:t>
+            </a:r>
+          </a:p>
+          <a:p>
+            <a:r>
+              <a:rPr lang="en-US" dirty="0"/>
               <a:t>Re-training</a:t>
             </a:r>
           </a:p>
@@ -9988,12 +10006,21 @@
           <a:lstStyle/>
           <a:p>
             <a:r>
-              <a:rPr lang="en-US" dirty="0" err="1"/>
-              <a:t>Config</a:t>
-            </a:r>
-            <a:r>
-              <a:rPr lang="en-US" dirty="0"/>
-              <a:t> files (</a:t>
+              <a:rPr lang="en-US" dirty="0"/>
+              <a:t>Draw a diagram of the pipeline: </a:t>
+            </a:r>
+          </a:p>
+          <a:p>
+            <a:pPr lvl="1"/>
+            <a:r>
+              <a:rPr lang="en-US" dirty="0"/>
+              <a:t>What function runs each step? What are the inputs? What are the outputs?</a:t>
+            </a:r>
+          </a:p>
+          <a:p>
+            <a:r>
+              <a:rPr lang="en-US" dirty="0"/>
+              <a:t>Config files (</a:t>
             </a:r>
             <a:r>
               <a:rPr lang="en-US" dirty="0" err="1"/>
@@ -10001,15 +10028,7 @@
             </a:r>
             <a:r>
               <a:rPr lang="en-US" dirty="0"/>
-              <a:t>, </a:t>
-            </a:r>
-            <a:r>
-              <a:rPr lang="en-US" dirty="0" err="1"/>
-              <a:t>json</a:t>
-            </a:r>
-            <a:r>
-              <a:rPr lang="en-US" dirty="0"/>
-              <a:t>, </a:t>
+              <a:t>, json, </a:t>
             </a:r>
             <a:r>
               <a:rPr lang="en-US" dirty="0" err="1"/>
@@ -10023,22 +10042,44 @@
           <a:p>
             <a:r>
               <a:rPr lang="en-US" dirty="0"/>
+              <a:t>Make each step modular and extensible so it can easily be re-used</a:t>
+            </a:r>
+          </a:p>
+          <a:p>
+            <a:r>
+              <a:rPr lang="en-US" dirty="0"/>
+              <a:t>Build a simple, end-to-end version first, then add more functionality</a:t>
+            </a:r>
+          </a:p>
+          <a:p>
+            <a:r>
+              <a:rPr lang="en-US" dirty="0"/>
+              <a:t>Think about how you’ll store outputs:</a:t>
+            </a:r>
+          </a:p>
+          <a:p>
+            <a:pPr lvl="1"/>
+            <a:r>
+              <a:rPr lang="en-US" dirty="0"/>
               <a:t>Store models as pickles</a:t>
             </a:r>
           </a:p>
           <a:p>
+            <a:pPr lvl="1"/>
             <a:r>
               <a:rPr lang="en-US" dirty="0"/>
               <a:t>Store predictions in databases</a:t>
             </a:r>
           </a:p>
           <a:p>
+            <a:pPr lvl="1"/>
             <a:r>
               <a:rPr lang="en-US" dirty="0"/>
               <a:t>Store evaluation metrics in databases</a:t>
             </a:r>
           </a:p>
           <a:p>
+            <a:pPr lvl="1"/>
             <a:r>
               <a:rPr lang="en-US" dirty="0">
                 <a:hlinkClick r:id="rId2"/>
@@ -11295,7 +11336,7 @@
             <a:pPr lvl="1"/>
             <a:r>
               <a:rPr lang="en-US" dirty="0"/>
-              <a:t>Testing ideas and hypothesis easily and quickly</a:t>
+              <a:t>Testing ideas and hypotheses easily and quickly</a:t>
             </a:r>
           </a:p>
           <a:p>

--- a/04 - Machine Learning Pipelines/Machine-Learning-Pipelines.pptx
+++ b/04 - Machine Learning Pipelines/Machine-Learning-Pipelines.pptx
@@ -16,7 +16,7 @@
     <p:sldId id="425" r:id="rId7"/>
     <p:sldId id="426" r:id="rId8"/>
     <p:sldId id="420" r:id="rId9"/>
-    <p:sldId id="427" r:id="rId10"/>
+    <p:sldId id="430" r:id="rId10"/>
     <p:sldId id="357" r:id="rId11"/>
     <p:sldId id="358" r:id="rId12"/>
     <p:sldId id="359" r:id="rId13"/>
@@ -9231,7 +9231,7 @@
           <a:p>
             <a:r>
               <a:rPr lang="en-US" dirty="0"/>
-              <a:t>Data Acquisition &amp; Integration</a:t>
+              <a:t>Components: Data Acquisition &amp; Integration</a:t>
             </a:r>
           </a:p>
         </p:txBody>
@@ -9380,7 +9380,7 @@
           <a:p>
             <a:r>
               <a:rPr lang="en-US" dirty="0"/>
-              <a:t>Explore and Prepare data</a:t>
+              <a:t>Components: Explore and Prepare data</a:t>
             </a:r>
           </a:p>
         </p:txBody>
@@ -9526,7 +9526,7 @@
           <a:p>
             <a:r>
               <a:rPr lang="en-US" dirty="0"/>
-              <a:t>Feature Creation</a:t>
+              <a:t>Components: Feature Creation</a:t>
             </a:r>
           </a:p>
         </p:txBody>
@@ -9618,7 +9618,7 @@
           <a:p>
             <a:r>
               <a:rPr lang="en-US" dirty="0"/>
-              <a:t>Method Selection</a:t>
+              <a:t>Components: Method Selection</a:t>
             </a:r>
           </a:p>
         </p:txBody>
@@ -9738,7 +9738,7 @@
           <a:p>
             <a:r>
               <a:rPr lang="en-US" dirty="0"/>
-              <a:t>Validation</a:t>
+              <a:t>Components: Validation</a:t>
             </a:r>
           </a:p>
         </p:txBody>
@@ -10048,7 +10048,15 @@
           <a:p>
             <a:r>
               <a:rPr lang="en-US" dirty="0"/>
-              <a:t>Build a simple, end-to-end version first, then add more functionality</a:t>
+              <a:t>Build a </a:t>
+            </a:r>
+            <a:r>
+              <a:rPr lang="en-US" b="1" dirty="0"/>
+              <a:t>simple</a:t>
+            </a:r>
+            <a:r>
+              <a:rPr lang="en-US" dirty="0"/>
+              <a:t>, end-to-end version first, then add more functionality</a:t>
             </a:r>
           </a:p>
           <a:p>
@@ -10414,7 +10422,7 @@
           <a:p>
             <a:r>
               <a:rPr lang="en-US" dirty="0"/>
-              <a:t>Building a simple pipeline</a:t>
+              <a:t>Get Started by building a simple pipeline</a:t>
             </a:r>
           </a:p>
         </p:txBody>
@@ -11103,12 +11111,8 @@
               <a:buAutoNum type="arabicPeriod"/>
             </a:pPr>
             <a:r>
-              <a:rPr lang="en-US" dirty="0" err="1"/>
-              <a:t>Sql</a:t>
-            </a:r>
-            <a:r>
-              <a:rPr lang="en-US" dirty="0"/>
-              <a:t> and python</a:t>
+              <a:rPr lang="en-US" dirty="0"/>
+              <a:t>SQL and python</a:t>
             </a:r>
           </a:p>
           <a:p>
@@ -11442,7 +11446,7 @@
           <a:p>
             <a:r>
               <a:rPr lang="en-US" dirty="0"/>
-              <a:t>Reduce bug/errors</a:t>
+              <a:t>Reduce bugs/errors</a:t>
             </a:r>
           </a:p>
           <a:p>
@@ -11908,46 +11912,6 @@
       </p:grpSpPr>
       <p:sp>
         <p:nvSpPr>
-          <p:cNvPr id="2" name="Text Placeholder 1">
-            <a:extLst>
-              <a:ext uri="{FF2B5EF4-FFF2-40B4-BE49-F238E27FC236}">
-                <a16:creationId xmlns:a16="http://schemas.microsoft.com/office/drawing/2014/main" id="{0F905C92-D9A3-4E44-8405-3A089A112523}"/>
-              </a:ext>
-            </a:extLst>
-          </p:cNvPr>
-          <p:cNvSpPr>
-            <a:spLocks noGrp="1"/>
-          </p:cNvSpPr>
-          <p:nvPr>
-            <p:ph type="body" idx="1"/>
-          </p:nvPr>
-        </p:nvSpPr>
-        <p:spPr/>
-        <p:txBody>
-          <a:bodyPr/>
-          <a:lstStyle/>
-          <a:p>
-            <a:r>
-              <a:rPr lang="en-US" dirty="0"/>
-              <a:t>Inputs</a:t>
-            </a:r>
-          </a:p>
-          <a:p>
-            <a:r>
-              <a:rPr lang="en-US" dirty="0"/>
-              <a:t>Processing</a:t>
-            </a:r>
-          </a:p>
-          <a:p>
-            <a:r>
-              <a:rPr lang="en-US" dirty="0"/>
-              <a:t>Output</a:t>
-            </a:r>
-          </a:p>
-        </p:txBody>
-      </p:sp>
-      <p:sp>
-        <p:nvSpPr>
           <p:cNvPr id="3" name="Title 2">
             <a:extLst>
               <a:ext uri="{FF2B5EF4-FFF2-40B4-BE49-F238E27FC236}">
@@ -11974,10 +11938,326 @@
           </a:p>
         </p:txBody>
       </p:sp>
+      <p:sp>
+        <p:nvSpPr>
+          <p:cNvPr id="7" name="Rounded Rectangle 6">
+            <a:extLst>
+              <a:ext uri="{FF2B5EF4-FFF2-40B4-BE49-F238E27FC236}">
+                <a16:creationId xmlns:a16="http://schemas.microsoft.com/office/drawing/2014/main" id="{46EFA21E-4796-F741-8C42-862E5379F6D7}"/>
+              </a:ext>
+            </a:extLst>
+          </p:cNvPr>
+          <p:cNvSpPr/>
+          <p:nvPr/>
+        </p:nvSpPr>
+        <p:spPr>
+          <a:xfrm>
+            <a:off x="4151870" y="2842055"/>
+            <a:ext cx="4065373" cy="1890583"/>
+          </a:xfrm>
+          <a:prstGeom prst="roundRect">
+            <a:avLst/>
+          </a:prstGeom>
+          <a:solidFill>
+            <a:schemeClr val="accent1">
+              <a:lumMod val="40000"/>
+              <a:lumOff val="60000"/>
+            </a:schemeClr>
+          </a:solidFill>
+        </p:spPr>
+        <p:style>
+          <a:lnRef idx="2">
+            <a:schemeClr val="accent1">
+              <a:shade val="50000"/>
+            </a:schemeClr>
+          </a:lnRef>
+          <a:fillRef idx="1">
+            <a:schemeClr val="accent1"/>
+          </a:fillRef>
+          <a:effectRef idx="0">
+            <a:schemeClr val="accent1"/>
+          </a:effectRef>
+          <a:fontRef idx="minor">
+            <a:schemeClr val="lt1"/>
+          </a:fontRef>
+        </p:style>
+        <p:txBody>
+          <a:bodyPr rtlCol="0" anchor="ctr"/>
+          <a:lstStyle/>
+          <a:p>
+            <a:pPr algn="ctr"/>
+            <a:endParaRPr lang="en-US" dirty="0"/>
+          </a:p>
+        </p:txBody>
+      </p:sp>
+      <p:sp>
+        <p:nvSpPr>
+          <p:cNvPr id="8" name="Right Arrow 7">
+            <a:extLst>
+              <a:ext uri="{FF2B5EF4-FFF2-40B4-BE49-F238E27FC236}">
+                <a16:creationId xmlns:a16="http://schemas.microsoft.com/office/drawing/2014/main" id="{B713D5E0-D969-3F4B-ACF1-C5D315EB54BC}"/>
+              </a:ext>
+            </a:extLst>
+          </p:cNvPr>
+          <p:cNvSpPr/>
+          <p:nvPr/>
+        </p:nvSpPr>
+        <p:spPr>
+          <a:xfrm>
+            <a:off x="2496064" y="3429000"/>
+            <a:ext cx="1581664" cy="716692"/>
+          </a:xfrm>
+          <a:prstGeom prst="rightArrow">
+            <a:avLst/>
+          </a:prstGeom>
+          <a:solidFill>
+            <a:schemeClr val="accent1">
+              <a:lumMod val="40000"/>
+              <a:lumOff val="60000"/>
+            </a:schemeClr>
+          </a:solidFill>
+        </p:spPr>
+        <p:style>
+          <a:lnRef idx="2">
+            <a:schemeClr val="accent1">
+              <a:shade val="50000"/>
+            </a:schemeClr>
+          </a:lnRef>
+          <a:fillRef idx="1">
+            <a:schemeClr val="accent1"/>
+          </a:fillRef>
+          <a:effectRef idx="0">
+            <a:schemeClr val="accent1"/>
+          </a:effectRef>
+          <a:fontRef idx="minor">
+            <a:schemeClr val="lt1"/>
+          </a:fontRef>
+        </p:style>
+        <p:txBody>
+          <a:bodyPr rtlCol="0" anchor="ctr"/>
+          <a:lstStyle/>
+          <a:p>
+            <a:pPr algn="ctr"/>
+            <a:endParaRPr lang="en-US"/>
+          </a:p>
+        </p:txBody>
+      </p:sp>
+      <p:sp>
+        <p:nvSpPr>
+          <p:cNvPr id="9" name="Right Arrow 8">
+            <a:extLst>
+              <a:ext uri="{FF2B5EF4-FFF2-40B4-BE49-F238E27FC236}">
+                <a16:creationId xmlns:a16="http://schemas.microsoft.com/office/drawing/2014/main" id="{DA9EBE54-1611-3446-91C9-4C5A79244F6A}"/>
+              </a:ext>
+            </a:extLst>
+          </p:cNvPr>
+          <p:cNvSpPr/>
+          <p:nvPr/>
+        </p:nvSpPr>
+        <p:spPr>
+          <a:xfrm>
+            <a:off x="8320217" y="3429000"/>
+            <a:ext cx="1581664" cy="716692"/>
+          </a:xfrm>
+          <a:prstGeom prst="rightArrow">
+            <a:avLst/>
+          </a:prstGeom>
+          <a:solidFill>
+            <a:schemeClr val="accent1">
+              <a:lumMod val="40000"/>
+              <a:lumOff val="60000"/>
+            </a:schemeClr>
+          </a:solidFill>
+        </p:spPr>
+        <p:style>
+          <a:lnRef idx="2">
+            <a:schemeClr val="accent1">
+              <a:shade val="50000"/>
+            </a:schemeClr>
+          </a:lnRef>
+          <a:fillRef idx="1">
+            <a:schemeClr val="accent1"/>
+          </a:fillRef>
+          <a:effectRef idx="0">
+            <a:schemeClr val="accent1"/>
+          </a:effectRef>
+          <a:fontRef idx="minor">
+            <a:schemeClr val="lt1"/>
+          </a:fontRef>
+        </p:style>
+        <p:txBody>
+          <a:bodyPr rtlCol="0" anchor="ctr"/>
+          <a:lstStyle/>
+          <a:p>
+            <a:pPr algn="ctr"/>
+            <a:endParaRPr lang="en-US"/>
+          </a:p>
+        </p:txBody>
+      </p:sp>
+      <p:sp>
+        <p:nvSpPr>
+          <p:cNvPr id="10" name="Rectangle 9">
+            <a:extLst>
+              <a:ext uri="{FF2B5EF4-FFF2-40B4-BE49-F238E27FC236}">
+                <a16:creationId xmlns:a16="http://schemas.microsoft.com/office/drawing/2014/main" id="{A48AD4E3-95CD-F349-8A42-FCA7D590A713}"/>
+              </a:ext>
+            </a:extLst>
+          </p:cNvPr>
+          <p:cNvSpPr/>
+          <p:nvPr/>
+        </p:nvSpPr>
+        <p:spPr>
+          <a:xfrm>
+            <a:off x="130558" y="3600789"/>
+            <a:ext cx="3431058" cy="1323439"/>
+          </a:xfrm>
+          <a:prstGeom prst="rect">
+            <a:avLst/>
+          </a:prstGeom>
+        </p:spPr>
+        <p:txBody>
+          <a:bodyPr wrap="square">
+            <a:spAutoFit/>
+          </a:bodyPr>
+          <a:lstStyle/>
+          <a:p>
+            <a:pPr algn="ctr"/>
+            <a:r>
+              <a:rPr lang="en-US" sz="2000" b="1" dirty="0"/>
+              <a:t>Inputs</a:t>
+            </a:r>
+          </a:p>
+          <a:p>
+            <a:pPr algn="ctr"/>
+            <a:endParaRPr lang="en-US" sz="2000" b="1" dirty="0"/>
+          </a:p>
+          <a:p>
+            <a:pPr lvl="1"/>
+            <a:r>
+              <a:rPr lang="en-US" sz="2000" dirty="0"/>
+              <a:t>Data structures/format?</a:t>
+            </a:r>
+          </a:p>
+          <a:p>
+            <a:pPr lvl="1"/>
+            <a:r>
+              <a:rPr lang="en-US" sz="2000" dirty="0"/>
+              <a:t>Parameters/Configuration?</a:t>
+            </a:r>
+          </a:p>
+        </p:txBody>
+      </p:sp>
+      <p:sp>
+        <p:nvSpPr>
+          <p:cNvPr id="11" name="Rectangle 10">
+            <a:extLst>
+              <a:ext uri="{FF2B5EF4-FFF2-40B4-BE49-F238E27FC236}">
+                <a16:creationId xmlns:a16="http://schemas.microsoft.com/office/drawing/2014/main" id="{6CCD1160-7D29-574B-B77F-F3BA57FD80C7}"/>
+              </a:ext>
+            </a:extLst>
+          </p:cNvPr>
+          <p:cNvSpPr/>
+          <p:nvPr/>
+        </p:nvSpPr>
+        <p:spPr>
+          <a:xfrm>
+            <a:off x="8760942" y="3600789"/>
+            <a:ext cx="3431058" cy="1323439"/>
+          </a:xfrm>
+          <a:prstGeom prst="rect">
+            <a:avLst/>
+          </a:prstGeom>
+        </p:spPr>
+        <p:txBody>
+          <a:bodyPr wrap="square">
+            <a:spAutoFit/>
+          </a:bodyPr>
+          <a:lstStyle/>
+          <a:p>
+            <a:pPr algn="ctr"/>
+            <a:r>
+              <a:rPr lang="en-US" sz="2000" b="1" dirty="0"/>
+              <a:t>Outputs</a:t>
+            </a:r>
+          </a:p>
+          <a:p>
+            <a:pPr algn="ctr"/>
+            <a:endParaRPr lang="en-US" sz="2000" b="1" dirty="0"/>
+          </a:p>
+          <a:p>
+            <a:pPr lvl="1" algn="r"/>
+            <a:r>
+              <a:rPr lang="en-US" sz="2000" dirty="0"/>
+              <a:t>Data structures/format?</a:t>
+            </a:r>
+          </a:p>
+          <a:p>
+            <a:pPr lvl="1" algn="r"/>
+            <a:r>
+              <a:rPr lang="en-US" sz="2000" dirty="0"/>
+              <a:t>Store to disk/</a:t>
+            </a:r>
+            <a:r>
+              <a:rPr lang="en-US" sz="2000" dirty="0" err="1"/>
+              <a:t>db</a:t>
+            </a:r>
+            <a:r>
+              <a:rPr lang="en-US" sz="2000" dirty="0"/>
+              <a:t>?</a:t>
+            </a:r>
+          </a:p>
+        </p:txBody>
+      </p:sp>
+      <p:sp>
+        <p:nvSpPr>
+          <p:cNvPr id="12" name="Rectangle 11">
+            <a:extLst>
+              <a:ext uri="{FF2B5EF4-FFF2-40B4-BE49-F238E27FC236}">
+                <a16:creationId xmlns:a16="http://schemas.microsoft.com/office/drawing/2014/main" id="{3E13A319-AC37-1A47-AF21-FE4BEDD99614}"/>
+              </a:ext>
+            </a:extLst>
+          </p:cNvPr>
+          <p:cNvSpPr/>
+          <p:nvPr/>
+        </p:nvSpPr>
+        <p:spPr>
+          <a:xfrm>
+            <a:off x="4314569" y="3125626"/>
+            <a:ext cx="3729680" cy="1015663"/>
+          </a:xfrm>
+          <a:prstGeom prst="rect">
+            <a:avLst/>
+          </a:prstGeom>
+        </p:spPr>
+        <p:txBody>
+          <a:bodyPr wrap="square">
+            <a:spAutoFit/>
+          </a:bodyPr>
+          <a:lstStyle/>
+          <a:p>
+            <a:pPr algn="ctr"/>
+            <a:r>
+              <a:rPr lang="en-US" sz="2000" b="1" dirty="0"/>
+              <a:t>Processing</a:t>
+            </a:r>
+          </a:p>
+          <a:p>
+            <a:pPr algn="ctr"/>
+            <a:endParaRPr lang="en-US" sz="2000" b="1" dirty="0"/>
+          </a:p>
+          <a:p>
+            <a:pPr lvl="1" algn="ctr"/>
+            <a:r>
+              <a:rPr lang="en-US" sz="2000" dirty="0"/>
+              <a:t>Modular, extensible functions</a:t>
+            </a:r>
+          </a:p>
+        </p:txBody>
+      </p:sp>
     </p:spTree>
     <p:extLst>
       <p:ext uri="{BB962C8B-B14F-4D97-AF65-F5344CB8AC3E}">
-        <p14:creationId xmlns:p14="http://schemas.microsoft.com/office/powerpoint/2010/main" val="2973739076"/>
+        <p14:creationId xmlns:p14="http://schemas.microsoft.com/office/powerpoint/2010/main" val="1647432046"/>
       </p:ext>
     </p:extLst>
   </p:cSld>

--- a/04 - Machine Learning Pipelines/Machine-Learning-Pipelines.pptx
+++ b/04 - Machine Learning Pipelines/Machine-Learning-Pipelines.pptx
@@ -266,13 +266,932 @@
       <p15:sldGuideLst xmlns:p15="http://schemas.microsoft.com/office/powerpoint/2012/main"/>
     </p:ext>
     <p:ext uri="http://customooxmlschemas.google.com/">
-      <go:slidesCustomData xmlns="" xmlns:mc="http://schemas.openxmlformats.org/markup-compatibility/2006" xmlns:mv="urn:schemas-microsoft-com:mac:vml" xmlns:c="http://schemas.openxmlformats.org/drawingml/2006/chart" xmlns:dgm="http://schemas.openxmlformats.org/drawingml/2006/diagram" xmlns:o="urn:schemas-microsoft-com:office:office" xmlns:v="urn:schemas-microsoft-com:vml" xmlns:pvml="urn:schemas-microsoft-com:office:powerpoint" xmlns:com="http://schemas.openxmlformats.org/drawingml/2006/compatibility" xmlns:p14="http://schemas.microsoft.com/office/powerpoint/2010/main" xmlns:p15="http://schemas.microsoft.com/office/powerpoint/2012/main" xmlns:go="http://customooxmlschemas.google.com/" r:id="rId30" roundtripDataSignature="AMtx7mjFyVUGRZWio+dc9dxzYsimUxNJbg=="/>
+      <go:slidesCustomData xmlns:go="http://customooxmlschemas.google.com/" xmlns:p15="http://schemas.microsoft.com/office/powerpoint/2012/main" xmlns:p14="http://schemas.microsoft.com/office/powerpoint/2010/main" xmlns:com="http://schemas.openxmlformats.org/drawingml/2006/compatibility" xmlns:pvml="urn:schemas-microsoft-com:office:powerpoint" xmlns:v="urn:schemas-microsoft-com:vml" xmlns:o="urn:schemas-microsoft-com:office:office" xmlns:dgm="http://schemas.openxmlformats.org/drawingml/2006/diagram" xmlns:c="http://schemas.openxmlformats.org/drawingml/2006/chart" xmlns:mv="urn:schemas-microsoft-com:mac:vml" xmlns:mc="http://schemas.openxmlformats.org/markup-compatibility/2006" xmlns="" r:id="rId30" roundtripDataSignature="AMtx7mjFyVUGRZWio+dc9dxzYsimUxNJbg=="/>
     </p:ext>
   </p:extLst>
 </p:presentation>
 </file>
 
 <file path=ppt/diagrams/colors1.xml><?xml version="1.0" encoding="utf-8"?>
+<dgm:colorsDef xmlns:dgm="http://schemas.openxmlformats.org/drawingml/2006/diagram" xmlns:a="http://schemas.openxmlformats.org/drawingml/2006/main" uniqueId="urn:microsoft.com/office/officeart/2005/8/colors/colorful1">
+  <dgm:title val=""/>
+  <dgm:desc val=""/>
+  <dgm:catLst>
+    <dgm:cat type="colorful" pri="10100"/>
+  </dgm:catLst>
+  <dgm:styleLbl name="node0">
+    <dgm:fillClrLst meth="repeat">
+      <a:schemeClr val="accent1"/>
+    </dgm:fillClrLst>
+    <dgm:linClrLst meth="repeat">
+      <a:schemeClr val="lt1"/>
+    </dgm:linClrLst>
+    <dgm:effectClrLst/>
+    <dgm:txLinClrLst/>
+    <dgm:txFillClrLst/>
+    <dgm:txEffectClrLst/>
+  </dgm:styleLbl>
+  <dgm:styleLbl name="node1">
+    <dgm:fillClrLst meth="repeat">
+      <a:schemeClr val="accent2"/>
+      <a:schemeClr val="accent3"/>
+      <a:schemeClr val="accent4"/>
+      <a:schemeClr val="accent5"/>
+      <a:schemeClr val="accent6"/>
+    </dgm:fillClrLst>
+    <dgm:linClrLst meth="repeat">
+      <a:schemeClr val="lt1"/>
+    </dgm:linClrLst>
+    <dgm:effectClrLst/>
+    <dgm:txLinClrLst/>
+    <dgm:txFillClrLst/>
+    <dgm:txEffectClrLst/>
+  </dgm:styleLbl>
+  <dgm:styleLbl name="alignNode1">
+    <dgm:fillClrLst meth="repeat">
+      <a:schemeClr val="accent2"/>
+      <a:schemeClr val="accent3"/>
+      <a:schemeClr val="accent4"/>
+      <a:schemeClr val="accent5"/>
+      <a:schemeClr val="accent6"/>
+    </dgm:fillClrLst>
+    <dgm:linClrLst meth="repeat">
+      <a:schemeClr val="accent2"/>
+      <a:schemeClr val="accent3"/>
+      <a:schemeClr val="accent4"/>
+      <a:schemeClr val="accent5"/>
+      <a:schemeClr val="accent6"/>
+    </dgm:linClrLst>
+    <dgm:effectClrLst/>
+    <dgm:txLinClrLst/>
+    <dgm:txFillClrLst/>
+    <dgm:txEffectClrLst/>
+  </dgm:styleLbl>
+  <dgm:styleLbl name="lnNode1">
+    <dgm:fillClrLst meth="repeat">
+      <a:schemeClr val="accent2"/>
+      <a:schemeClr val="accent3"/>
+      <a:schemeClr val="accent4"/>
+      <a:schemeClr val="accent5"/>
+      <a:schemeClr val="accent6"/>
+    </dgm:fillClrLst>
+    <dgm:linClrLst meth="repeat">
+      <a:schemeClr val="lt1"/>
+    </dgm:linClrLst>
+    <dgm:effectClrLst/>
+    <dgm:txLinClrLst/>
+    <dgm:txFillClrLst/>
+    <dgm:txEffectClrLst/>
+  </dgm:styleLbl>
+  <dgm:styleLbl name="vennNode1">
+    <dgm:fillClrLst meth="repeat">
+      <a:schemeClr val="accent2">
+        <a:alpha val="50000"/>
+      </a:schemeClr>
+      <a:schemeClr val="accent3">
+        <a:alpha val="50000"/>
+      </a:schemeClr>
+      <a:schemeClr val="accent4">
+        <a:alpha val="50000"/>
+      </a:schemeClr>
+      <a:schemeClr val="accent5">
+        <a:alpha val="50000"/>
+      </a:schemeClr>
+      <a:schemeClr val="accent6">
+        <a:alpha val="50000"/>
+      </a:schemeClr>
+    </dgm:fillClrLst>
+    <dgm:linClrLst meth="repeat">
+      <a:schemeClr val="lt1"/>
+    </dgm:linClrLst>
+    <dgm:effectClrLst/>
+    <dgm:txLinClrLst/>
+    <dgm:txFillClrLst/>
+    <dgm:txEffectClrLst/>
+  </dgm:styleLbl>
+  <dgm:styleLbl name="node2">
+    <dgm:fillClrLst>
+      <a:schemeClr val="accent2"/>
+    </dgm:fillClrLst>
+    <dgm:linClrLst meth="repeat">
+      <a:schemeClr val="lt1"/>
+    </dgm:linClrLst>
+    <dgm:effectClrLst/>
+    <dgm:txLinClrLst/>
+    <dgm:txFillClrLst/>
+    <dgm:txEffectClrLst/>
+  </dgm:styleLbl>
+  <dgm:styleLbl name="node3">
+    <dgm:fillClrLst>
+      <a:schemeClr val="accent3"/>
+    </dgm:fillClrLst>
+    <dgm:linClrLst meth="repeat">
+      <a:schemeClr val="lt1"/>
+    </dgm:linClrLst>
+    <dgm:effectClrLst/>
+    <dgm:txLinClrLst/>
+    <dgm:txFillClrLst/>
+    <dgm:txEffectClrLst/>
+  </dgm:styleLbl>
+  <dgm:styleLbl name="node4">
+    <dgm:fillClrLst>
+      <a:schemeClr val="accent4"/>
+    </dgm:fillClrLst>
+    <dgm:linClrLst meth="repeat">
+      <a:schemeClr val="lt1"/>
+    </dgm:linClrLst>
+    <dgm:effectClrLst/>
+    <dgm:txLinClrLst/>
+    <dgm:txFillClrLst/>
+    <dgm:txEffectClrLst/>
+  </dgm:styleLbl>
+  <dgm:styleLbl name="fgImgPlace1">
+    <dgm:fillClrLst meth="repeat">
+      <a:schemeClr val="accent2">
+        <a:tint val="50000"/>
+      </a:schemeClr>
+      <a:schemeClr val="accent3">
+        <a:tint val="50000"/>
+      </a:schemeClr>
+      <a:schemeClr val="accent4">
+        <a:tint val="50000"/>
+      </a:schemeClr>
+      <a:schemeClr val="accent5">
+        <a:tint val="50000"/>
+      </a:schemeClr>
+      <a:schemeClr val="accent6">
+        <a:tint val="50000"/>
+      </a:schemeClr>
+    </dgm:fillClrLst>
+    <dgm:linClrLst meth="repeat">
+      <a:schemeClr val="lt1"/>
+    </dgm:linClrLst>
+    <dgm:effectClrLst/>
+    <dgm:txLinClrLst/>
+    <dgm:txFillClrLst meth="repeat">
+      <a:schemeClr val="lt1"/>
+    </dgm:txFillClrLst>
+    <dgm:txEffectClrLst/>
+  </dgm:styleLbl>
+  <dgm:styleLbl name="alignImgPlace1">
+    <dgm:fillClrLst>
+      <a:schemeClr val="accent1">
+        <a:tint val="50000"/>
+      </a:schemeClr>
+      <a:schemeClr val="accent2">
+        <a:tint val="20000"/>
+      </a:schemeClr>
+    </dgm:fillClrLst>
+    <dgm:linClrLst meth="repeat">
+      <a:schemeClr val="lt1"/>
+    </dgm:linClrLst>
+    <dgm:effectClrLst/>
+    <dgm:txLinClrLst/>
+    <dgm:txFillClrLst meth="repeat">
+      <a:schemeClr val="lt1"/>
+    </dgm:txFillClrLst>
+    <dgm:txEffectClrLst/>
+  </dgm:styleLbl>
+  <dgm:styleLbl name="bgImgPlace1">
+    <dgm:fillClrLst>
+      <a:schemeClr val="accent1">
+        <a:tint val="50000"/>
+      </a:schemeClr>
+      <a:schemeClr val="accent2">
+        <a:tint val="20000"/>
+      </a:schemeClr>
+    </dgm:fillClrLst>
+    <dgm:linClrLst meth="repeat">
+      <a:schemeClr val="lt1"/>
+    </dgm:linClrLst>
+    <dgm:effectClrLst/>
+    <dgm:txLinClrLst/>
+    <dgm:txFillClrLst meth="repeat">
+      <a:schemeClr val="lt1"/>
+    </dgm:txFillClrLst>
+    <dgm:txEffectClrLst/>
+  </dgm:styleLbl>
+  <dgm:styleLbl name="sibTrans2D1">
+    <dgm:fillClrLst meth="repeat">
+      <a:schemeClr val="accent2"/>
+      <a:schemeClr val="accent3"/>
+      <a:schemeClr val="accent4"/>
+      <a:schemeClr val="accent5"/>
+      <a:schemeClr val="accent6"/>
+    </dgm:fillClrLst>
+    <dgm:linClrLst meth="cycle">
+      <a:schemeClr val="lt1"/>
+    </dgm:linClrLst>
+    <dgm:effectClrLst/>
+    <dgm:txLinClrLst/>
+    <dgm:txFillClrLst/>
+    <dgm:txEffectClrLst/>
+  </dgm:styleLbl>
+  <dgm:styleLbl name="fgSibTrans2D1">
+    <dgm:fillClrLst meth="repeat">
+      <a:schemeClr val="accent2"/>
+      <a:schemeClr val="accent3"/>
+      <a:schemeClr val="accent4"/>
+      <a:schemeClr val="accent5"/>
+      <a:schemeClr val="accent6"/>
+    </dgm:fillClrLst>
+    <dgm:linClrLst meth="cycle">
+      <a:schemeClr val="lt1"/>
+    </dgm:linClrLst>
+    <dgm:effectClrLst/>
+    <dgm:txLinClrLst/>
+    <dgm:txFillClrLst meth="repeat">
+      <a:schemeClr val="lt1"/>
+    </dgm:txFillClrLst>
+    <dgm:txEffectClrLst/>
+  </dgm:styleLbl>
+  <dgm:styleLbl name="bgSibTrans2D1">
+    <dgm:fillClrLst meth="repeat">
+      <a:schemeClr val="accent2"/>
+      <a:schemeClr val="accent3"/>
+      <a:schemeClr val="accent4"/>
+      <a:schemeClr val="accent5"/>
+      <a:schemeClr val="accent6"/>
+    </dgm:fillClrLst>
+    <dgm:linClrLst meth="cycle">
+      <a:schemeClr val="lt1"/>
+    </dgm:linClrLst>
+    <dgm:effectClrLst/>
+    <dgm:txLinClrLst/>
+    <dgm:txFillClrLst meth="repeat">
+      <a:schemeClr val="lt1"/>
+    </dgm:txFillClrLst>
+    <dgm:txEffectClrLst/>
+  </dgm:styleLbl>
+  <dgm:styleLbl name="sibTrans1D1">
+    <dgm:fillClrLst meth="repeat">
+      <a:schemeClr val="accent2"/>
+      <a:schemeClr val="accent3"/>
+      <a:schemeClr val="accent4"/>
+      <a:schemeClr val="accent5"/>
+      <a:schemeClr val="accent6"/>
+    </dgm:fillClrLst>
+    <dgm:linClrLst meth="repeat">
+      <a:schemeClr val="accent2"/>
+      <a:schemeClr val="accent3"/>
+      <a:schemeClr val="accent4"/>
+      <a:schemeClr val="accent5"/>
+      <a:schemeClr val="accent6"/>
+    </dgm:linClrLst>
+    <dgm:effectClrLst/>
+    <dgm:txLinClrLst/>
+    <dgm:txFillClrLst meth="repeat">
+      <a:schemeClr val="tx1"/>
+    </dgm:txFillClrLst>
+    <dgm:txEffectClrLst/>
+  </dgm:styleLbl>
+  <dgm:styleLbl name="callout">
+    <dgm:fillClrLst meth="repeat">
+      <a:schemeClr val="accent2"/>
+    </dgm:fillClrLst>
+    <dgm:linClrLst meth="repeat">
+      <a:schemeClr val="accent2">
+        <a:tint val="50000"/>
+      </a:schemeClr>
+    </dgm:linClrLst>
+    <dgm:effectClrLst/>
+    <dgm:txLinClrLst/>
+    <dgm:txFillClrLst meth="repeat">
+      <a:schemeClr val="tx1"/>
+    </dgm:txFillClrLst>
+    <dgm:txEffectClrLst/>
+  </dgm:styleLbl>
+  <dgm:styleLbl name="asst0">
+    <dgm:fillClrLst meth="repeat">
+      <a:schemeClr val="accent1"/>
+    </dgm:fillClrLst>
+    <dgm:linClrLst meth="repeat">
+      <a:schemeClr val="lt1"/>
+    </dgm:linClrLst>
+    <dgm:effectClrLst/>
+    <dgm:txLinClrLst/>
+    <dgm:txFillClrLst/>
+    <dgm:txEffectClrLst/>
+  </dgm:styleLbl>
+  <dgm:styleLbl name="asst1">
+    <dgm:fillClrLst meth="repeat">
+      <a:schemeClr val="accent2"/>
+    </dgm:fillClrLst>
+    <dgm:linClrLst meth="repeat">
+      <a:schemeClr val="lt1"/>
+    </dgm:linClrLst>
+    <dgm:effectClrLst/>
+    <dgm:txLinClrLst/>
+    <dgm:txFillClrLst/>
+    <dgm:txEffectClrLst/>
+  </dgm:styleLbl>
+  <dgm:styleLbl name="asst2">
+    <dgm:fillClrLst>
+      <a:schemeClr val="accent3"/>
+    </dgm:fillClrLst>
+    <dgm:linClrLst meth="repeat">
+      <a:schemeClr val="lt1"/>
+    </dgm:linClrLst>
+    <dgm:effectClrLst/>
+    <dgm:txLinClrLst/>
+    <dgm:txFillClrLst/>
+    <dgm:txEffectClrLst/>
+  </dgm:styleLbl>
+  <dgm:styleLbl name="asst3">
+    <dgm:fillClrLst>
+      <a:schemeClr val="accent4"/>
+    </dgm:fillClrLst>
+    <dgm:linClrLst meth="repeat">
+      <a:schemeClr val="lt1"/>
+    </dgm:linClrLst>
+    <dgm:effectClrLst/>
+    <dgm:txLinClrLst/>
+    <dgm:txFillClrLst/>
+    <dgm:txEffectClrLst/>
+  </dgm:styleLbl>
+  <dgm:styleLbl name="asst4">
+    <dgm:fillClrLst>
+      <a:schemeClr val="accent5"/>
+    </dgm:fillClrLst>
+    <dgm:linClrLst meth="repeat">
+      <a:schemeClr val="lt1"/>
+    </dgm:linClrLst>
+    <dgm:effectClrLst/>
+    <dgm:txLinClrLst/>
+    <dgm:txFillClrLst/>
+    <dgm:txEffectClrLst/>
+  </dgm:styleLbl>
+  <dgm:styleLbl name="parChTrans2D1">
+    <dgm:fillClrLst meth="repeat">
+      <a:schemeClr val="accent2"/>
+    </dgm:fillClrLst>
+    <dgm:linClrLst meth="repeat">
+      <a:schemeClr val="lt1"/>
+    </dgm:linClrLst>
+    <dgm:effectClrLst/>
+    <dgm:txLinClrLst/>
+    <dgm:txFillClrLst meth="repeat">
+      <a:schemeClr val="lt1"/>
+    </dgm:txFillClrLst>
+    <dgm:txEffectClrLst/>
+  </dgm:styleLbl>
+  <dgm:styleLbl name="parChTrans2D2">
+    <dgm:fillClrLst meth="repeat">
+      <a:schemeClr val="accent3"/>
+    </dgm:fillClrLst>
+    <dgm:linClrLst meth="repeat">
+      <a:schemeClr val="lt1"/>
+    </dgm:linClrLst>
+    <dgm:effectClrLst/>
+    <dgm:txLinClrLst/>
+    <dgm:txFillClrLst/>
+    <dgm:txEffectClrLst/>
+  </dgm:styleLbl>
+  <dgm:styleLbl name="parChTrans2D3">
+    <dgm:fillClrLst meth="repeat">
+      <a:schemeClr val="accent4"/>
+    </dgm:fillClrLst>
+    <dgm:linClrLst meth="repeat">
+      <a:schemeClr val="lt1"/>
+    </dgm:linClrLst>
+    <dgm:effectClrLst/>
+    <dgm:txLinClrLst/>
+    <dgm:txFillClrLst/>
+    <dgm:txEffectClrLst/>
+  </dgm:styleLbl>
+  <dgm:styleLbl name="parChTrans2D4">
+    <dgm:fillClrLst meth="repeat">
+      <a:schemeClr val="accent5"/>
+    </dgm:fillClrLst>
+    <dgm:linClrLst meth="repeat">
+      <a:schemeClr val="lt1"/>
+    </dgm:linClrLst>
+    <dgm:effectClrLst/>
+    <dgm:txLinClrLst/>
+    <dgm:txFillClrLst meth="repeat">
+      <a:schemeClr val="lt1"/>
+    </dgm:txFillClrLst>
+    <dgm:txEffectClrLst/>
+  </dgm:styleLbl>
+  <dgm:styleLbl name="parChTrans1D1">
+    <dgm:fillClrLst meth="repeat">
+      <a:schemeClr val="accent2"/>
+    </dgm:fillClrLst>
+    <dgm:linClrLst meth="repeat">
+      <a:schemeClr val="accent1"/>
+    </dgm:linClrLst>
+    <dgm:effectClrLst/>
+    <dgm:txLinClrLst/>
+    <dgm:txFillClrLst meth="repeat">
+      <a:schemeClr val="tx1"/>
+    </dgm:txFillClrLst>
+    <dgm:txEffectClrLst/>
+  </dgm:styleLbl>
+  <dgm:styleLbl name="parChTrans1D2">
+    <dgm:fillClrLst meth="repeat">
+      <a:schemeClr val="accent3">
+        <a:tint val="90000"/>
+      </a:schemeClr>
+    </dgm:fillClrLst>
+    <dgm:linClrLst meth="repeat">
+      <a:schemeClr val="accent2"/>
+    </dgm:linClrLst>
+    <dgm:effectClrLst/>
+    <dgm:txLinClrLst/>
+    <dgm:txFillClrLst meth="repeat">
+      <a:schemeClr val="tx1"/>
+    </dgm:txFillClrLst>
+    <dgm:txEffectClrLst/>
+  </dgm:styleLbl>
+  <dgm:styleLbl name="parChTrans1D3">
+    <dgm:fillClrLst meth="repeat">
+      <a:schemeClr val="accent4">
+        <a:tint val="70000"/>
+      </a:schemeClr>
+    </dgm:fillClrLst>
+    <dgm:linClrLst meth="repeat">
+      <a:schemeClr val="accent3"/>
+    </dgm:linClrLst>
+    <dgm:effectClrLst/>
+    <dgm:txLinClrLst/>
+    <dgm:txFillClrLst meth="repeat">
+      <a:schemeClr val="tx1"/>
+    </dgm:txFillClrLst>
+    <dgm:txEffectClrLst/>
+  </dgm:styleLbl>
+  <dgm:styleLbl name="parChTrans1D4">
+    <dgm:fillClrLst meth="repeat">
+      <a:schemeClr val="accent5">
+        <a:tint val="50000"/>
+      </a:schemeClr>
+    </dgm:fillClrLst>
+    <dgm:linClrLst meth="repeat">
+      <a:schemeClr val="accent4"/>
+    </dgm:linClrLst>
+    <dgm:effectClrLst/>
+    <dgm:txLinClrLst/>
+    <dgm:txFillClrLst meth="repeat">
+      <a:schemeClr val="tx1"/>
+    </dgm:txFillClrLst>
+    <dgm:txEffectClrLst/>
+  </dgm:styleLbl>
+  <dgm:styleLbl name="fgAcc1">
+    <dgm:fillClrLst meth="repeat">
+      <a:schemeClr val="lt1">
+        <a:alpha val="90000"/>
+      </a:schemeClr>
+    </dgm:fillClrLst>
+    <dgm:linClrLst meth="repeat">
+      <a:schemeClr val="accent2"/>
+      <a:schemeClr val="accent3"/>
+      <a:schemeClr val="accent4"/>
+      <a:schemeClr val="accent5"/>
+      <a:schemeClr val="accent6"/>
+    </dgm:linClrLst>
+    <dgm:effectClrLst/>
+    <dgm:txLinClrLst/>
+    <dgm:txFillClrLst meth="repeat">
+      <a:schemeClr val="dk1"/>
+    </dgm:txFillClrLst>
+    <dgm:txEffectClrLst/>
+  </dgm:styleLbl>
+  <dgm:styleLbl name="conFgAcc1">
+    <dgm:fillClrLst meth="repeat">
+      <a:schemeClr val="lt1">
+        <a:alpha val="90000"/>
+      </a:schemeClr>
+    </dgm:fillClrLst>
+    <dgm:linClrLst meth="repeat">
+      <a:schemeClr val="accent2"/>
+      <a:schemeClr val="accent3"/>
+      <a:schemeClr val="accent4"/>
+      <a:schemeClr val="accent5"/>
+      <a:schemeClr val="accent6"/>
+    </dgm:linClrLst>
+    <dgm:effectClrLst/>
+    <dgm:txLinClrLst/>
+    <dgm:txFillClrLst meth="repeat">
+      <a:schemeClr val="dk1"/>
+    </dgm:txFillClrLst>
+    <dgm:txEffectClrLst/>
+  </dgm:styleLbl>
+  <dgm:styleLbl name="alignAcc1">
+    <dgm:fillClrLst meth="repeat">
+      <a:schemeClr val="lt1">
+        <a:alpha val="90000"/>
+      </a:schemeClr>
+    </dgm:fillClrLst>
+    <dgm:linClrLst meth="repeat">
+      <a:schemeClr val="accent2"/>
+      <a:schemeClr val="accent3"/>
+      <a:schemeClr val="accent4"/>
+      <a:schemeClr val="accent5"/>
+      <a:schemeClr val="accent6"/>
+    </dgm:linClrLst>
+    <dgm:effectClrLst/>
+    <dgm:txLinClrLst/>
+    <dgm:txFillClrLst meth="repeat">
+      <a:schemeClr val="dk1"/>
+    </dgm:txFillClrLst>
+    <dgm:txEffectClrLst/>
+  </dgm:styleLbl>
+  <dgm:styleLbl name="trAlignAcc1">
+    <dgm:fillClrLst meth="repeat">
+      <a:schemeClr val="lt1">
+        <a:alpha val="40000"/>
+      </a:schemeClr>
+    </dgm:fillClrLst>
+    <dgm:linClrLst meth="repeat">
+      <a:schemeClr val="accent1"/>
+    </dgm:linClrLst>
+    <dgm:effectClrLst/>
+    <dgm:txLinClrLst/>
+    <dgm:txFillClrLst meth="repeat">
+      <a:schemeClr val="dk1"/>
+    </dgm:txFillClrLst>
+    <dgm:txEffectClrLst/>
+  </dgm:styleLbl>
+  <dgm:styleLbl name="bgAcc1">
+    <dgm:fillClrLst meth="repeat">
+      <a:schemeClr val="lt1">
+        <a:alpha val="90000"/>
+      </a:schemeClr>
+    </dgm:fillClrLst>
+    <dgm:linClrLst meth="repeat">
+      <a:schemeClr val="accent2"/>
+      <a:schemeClr val="accent3"/>
+      <a:schemeClr val="accent4"/>
+      <a:schemeClr val="accent5"/>
+      <a:schemeClr val="accent6"/>
+    </dgm:linClrLst>
+    <dgm:effectClrLst/>
+    <dgm:txLinClrLst/>
+    <dgm:txFillClrLst meth="repeat">
+      <a:schemeClr val="dk1"/>
+    </dgm:txFillClrLst>
+    <dgm:txEffectClrLst/>
+  </dgm:styleLbl>
+  <dgm:styleLbl name="solidFgAcc1">
+    <dgm:fillClrLst meth="repeat">
+      <a:schemeClr val="lt1"/>
+    </dgm:fillClrLst>
+    <dgm:linClrLst meth="repeat">
+      <a:schemeClr val="accent2"/>
+      <a:schemeClr val="accent3"/>
+      <a:schemeClr val="accent4"/>
+      <a:schemeClr val="accent5"/>
+      <a:schemeClr val="accent6"/>
+    </dgm:linClrLst>
+    <dgm:effectClrLst/>
+    <dgm:txLinClrLst/>
+    <dgm:txFillClrLst meth="repeat">
+      <a:schemeClr val="dk1"/>
+    </dgm:txFillClrLst>
+    <dgm:txEffectClrLst/>
+  </dgm:styleLbl>
+  <dgm:styleLbl name="solidAlignAcc1">
+    <dgm:fillClrLst meth="repeat">
+      <a:schemeClr val="lt1"/>
+    </dgm:fillClrLst>
+    <dgm:linClrLst meth="repeat">
+      <a:schemeClr val="accent2"/>
+      <a:schemeClr val="accent3"/>
+      <a:schemeClr val="accent4"/>
+      <a:schemeClr val="accent5"/>
+      <a:schemeClr val="accent6"/>
+    </dgm:linClrLst>
+    <dgm:effectClrLst/>
+    <dgm:txLinClrLst/>
+    <dgm:txFillClrLst meth="repeat">
+      <a:schemeClr val="dk1"/>
+    </dgm:txFillClrLst>
+    <dgm:txEffectClrLst/>
+  </dgm:styleLbl>
+  <dgm:styleLbl name="solidBgAcc1">
+    <dgm:fillClrLst meth="repeat">
+      <a:schemeClr val="lt1"/>
+    </dgm:fillClrLst>
+    <dgm:linClrLst meth="repeat">
+      <a:schemeClr val="accent2"/>
+      <a:schemeClr val="accent3"/>
+      <a:schemeClr val="accent4"/>
+      <a:schemeClr val="accent5"/>
+      <a:schemeClr val="accent6"/>
+    </dgm:linClrLst>
+    <dgm:effectClrLst/>
+    <dgm:txLinClrLst/>
+    <dgm:txFillClrLst meth="repeat">
+      <a:schemeClr val="dk1"/>
+    </dgm:txFillClrLst>
+    <dgm:txEffectClrLst/>
+  </dgm:styleLbl>
+  <dgm:styleLbl name="fgAccFollowNode1">
+    <dgm:fillClrLst meth="repeat">
+      <a:schemeClr val="accent2">
+        <a:tint val="40000"/>
+        <a:alpha val="90000"/>
+      </a:schemeClr>
+      <a:schemeClr val="accent3">
+        <a:tint val="40000"/>
+        <a:alpha val="90000"/>
+      </a:schemeClr>
+      <a:schemeClr val="accent4">
+        <a:tint val="40000"/>
+        <a:alpha val="90000"/>
+      </a:schemeClr>
+      <a:schemeClr val="accent5">
+        <a:tint val="40000"/>
+        <a:alpha val="90000"/>
+      </a:schemeClr>
+      <a:schemeClr val="accent6">
+        <a:tint val="40000"/>
+        <a:alpha val="90000"/>
+      </a:schemeClr>
+    </dgm:fillClrLst>
+    <dgm:linClrLst meth="repeat">
+      <a:schemeClr val="accent2">
+        <a:tint val="40000"/>
+        <a:alpha val="90000"/>
+      </a:schemeClr>
+      <a:schemeClr val="accent3">
+        <a:tint val="40000"/>
+        <a:alpha val="90000"/>
+      </a:schemeClr>
+      <a:schemeClr val="accent4">
+        <a:tint val="40000"/>
+        <a:alpha val="90000"/>
+      </a:schemeClr>
+      <a:schemeClr val="accent5">
+        <a:tint val="40000"/>
+        <a:alpha val="90000"/>
+      </a:schemeClr>
+      <a:schemeClr val="accent6">
+        <a:tint val="40000"/>
+        <a:alpha val="90000"/>
+      </a:schemeClr>
+    </dgm:linClrLst>
+    <dgm:effectClrLst/>
+    <dgm:txLinClrLst/>
+    <dgm:txFillClrLst meth="repeat">
+      <a:schemeClr val="dk1"/>
+    </dgm:txFillClrLst>
+    <dgm:txEffectClrLst/>
+  </dgm:styleLbl>
+  <dgm:styleLbl name="alignAccFollowNode1">
+    <dgm:fillClrLst meth="repeat">
+      <a:schemeClr val="accent2">
+        <a:tint val="40000"/>
+        <a:alpha val="90000"/>
+      </a:schemeClr>
+      <a:schemeClr val="accent3">
+        <a:tint val="40000"/>
+        <a:alpha val="90000"/>
+      </a:schemeClr>
+      <a:schemeClr val="accent4">
+        <a:tint val="40000"/>
+        <a:alpha val="90000"/>
+      </a:schemeClr>
+      <a:schemeClr val="accent5">
+        <a:tint val="40000"/>
+        <a:alpha val="90000"/>
+      </a:schemeClr>
+      <a:schemeClr val="accent6">
+        <a:tint val="40000"/>
+        <a:alpha val="90000"/>
+      </a:schemeClr>
+    </dgm:fillClrLst>
+    <dgm:linClrLst meth="repeat">
+      <a:schemeClr val="accent2">
+        <a:tint val="40000"/>
+        <a:alpha val="90000"/>
+      </a:schemeClr>
+      <a:schemeClr val="accent3">
+        <a:tint val="40000"/>
+        <a:alpha val="90000"/>
+      </a:schemeClr>
+      <a:schemeClr val="accent4">
+        <a:tint val="40000"/>
+        <a:alpha val="90000"/>
+      </a:schemeClr>
+      <a:schemeClr val="accent5">
+        <a:tint val="40000"/>
+        <a:alpha val="90000"/>
+      </a:schemeClr>
+      <a:schemeClr val="accent6">
+        <a:tint val="40000"/>
+        <a:alpha val="90000"/>
+      </a:schemeClr>
+    </dgm:linClrLst>
+    <dgm:effectClrLst/>
+    <dgm:txLinClrLst/>
+    <dgm:txFillClrLst meth="repeat">
+      <a:schemeClr val="dk1"/>
+    </dgm:txFillClrLst>
+    <dgm:txEffectClrLst/>
+  </dgm:styleLbl>
+  <dgm:styleLbl name="bgAccFollowNode1">
+    <dgm:fillClrLst meth="repeat">
+      <a:schemeClr val="accent2">
+        <a:tint val="40000"/>
+        <a:alpha val="90000"/>
+      </a:schemeClr>
+      <a:schemeClr val="accent3">
+        <a:tint val="40000"/>
+        <a:alpha val="90000"/>
+      </a:schemeClr>
+      <a:schemeClr val="accent4">
+        <a:tint val="40000"/>
+        <a:alpha val="90000"/>
+      </a:schemeClr>
+      <a:schemeClr val="accent5">
+        <a:tint val="40000"/>
+        <a:alpha val="90000"/>
+      </a:schemeClr>
+      <a:schemeClr val="accent6">
+        <a:tint val="40000"/>
+        <a:alpha val="90000"/>
+      </a:schemeClr>
+    </dgm:fillClrLst>
+    <dgm:linClrLst meth="repeat">
+      <a:schemeClr val="accent2">
+        <a:tint val="40000"/>
+        <a:alpha val="90000"/>
+      </a:schemeClr>
+      <a:schemeClr val="accent3">
+        <a:tint val="40000"/>
+        <a:alpha val="90000"/>
+      </a:schemeClr>
+      <a:schemeClr val="accent4">
+        <a:tint val="40000"/>
+        <a:alpha val="90000"/>
+      </a:schemeClr>
+      <a:schemeClr val="accent5">
+        <a:tint val="40000"/>
+        <a:alpha val="90000"/>
+      </a:schemeClr>
+      <a:schemeClr val="accent6">
+        <a:tint val="40000"/>
+        <a:alpha val="90000"/>
+      </a:schemeClr>
+    </dgm:linClrLst>
+    <dgm:effectClrLst/>
+    <dgm:txLinClrLst/>
+    <dgm:txFillClrLst meth="repeat">
+      <a:schemeClr val="dk1"/>
+    </dgm:txFillClrLst>
+    <dgm:txEffectClrLst/>
+  </dgm:styleLbl>
+  <dgm:styleLbl name="fgAcc0">
+    <dgm:fillClrLst meth="repeat">
+      <a:schemeClr val="lt1">
+        <a:alpha val="90000"/>
+      </a:schemeClr>
+    </dgm:fillClrLst>
+    <dgm:linClrLst>
+      <a:schemeClr val="accent1"/>
+    </dgm:linClrLst>
+    <dgm:effectClrLst/>
+    <dgm:txLinClrLst/>
+    <dgm:txFillClrLst meth="repeat">
+      <a:schemeClr val="dk1"/>
+    </dgm:txFillClrLst>
+    <dgm:txEffectClrLst/>
+  </dgm:styleLbl>
+  <dgm:styleLbl name="fgAcc2">
+    <dgm:fillClrLst meth="repeat">
+      <a:schemeClr val="lt1">
+        <a:alpha val="90000"/>
+      </a:schemeClr>
+    </dgm:fillClrLst>
+    <dgm:linClrLst>
+      <a:schemeClr val="accent2"/>
+    </dgm:linClrLst>
+    <dgm:effectClrLst/>
+    <dgm:txLinClrLst/>
+    <dgm:txFillClrLst meth="repeat">
+      <a:schemeClr val="dk1"/>
+    </dgm:txFillClrLst>
+    <dgm:txEffectClrLst/>
+  </dgm:styleLbl>
+  <dgm:styleLbl name="fgAcc3">
+    <dgm:fillClrLst meth="repeat">
+      <a:schemeClr val="lt1">
+        <a:alpha val="90000"/>
+      </a:schemeClr>
+    </dgm:fillClrLst>
+    <dgm:linClrLst>
+      <a:schemeClr val="accent3"/>
+    </dgm:linClrLst>
+    <dgm:effectClrLst/>
+    <dgm:txLinClrLst/>
+    <dgm:txFillClrLst meth="repeat">
+      <a:schemeClr val="dk1"/>
+    </dgm:txFillClrLst>
+    <dgm:txEffectClrLst/>
+  </dgm:styleLbl>
+  <dgm:styleLbl name="fgAcc4">
+    <dgm:fillClrLst meth="repeat">
+      <a:schemeClr val="lt1">
+        <a:alpha val="90000"/>
+      </a:schemeClr>
+    </dgm:fillClrLst>
+    <dgm:linClrLst>
+      <a:schemeClr val="accent4"/>
+    </dgm:linClrLst>
+    <dgm:effectClrLst/>
+    <dgm:txLinClrLst/>
+    <dgm:txFillClrLst meth="repeat">
+      <a:schemeClr val="dk1"/>
+    </dgm:txFillClrLst>
+    <dgm:txEffectClrLst/>
+  </dgm:styleLbl>
+  <dgm:styleLbl name="bgShp">
+    <dgm:fillClrLst meth="repeat">
+      <a:schemeClr val="accent2">
+        <a:tint val="40000"/>
+      </a:schemeClr>
+    </dgm:fillClrLst>
+    <dgm:linClrLst meth="repeat">
+      <a:schemeClr val="dk1"/>
+    </dgm:linClrLst>
+    <dgm:effectClrLst/>
+    <dgm:txLinClrLst/>
+    <dgm:txFillClrLst meth="repeat">
+      <a:schemeClr val="dk1"/>
+    </dgm:txFillClrLst>
+    <dgm:txEffectClrLst/>
+  </dgm:styleLbl>
+  <dgm:styleLbl name="dkBgShp">
+    <dgm:fillClrLst meth="repeat">
+      <a:schemeClr val="accent2">
+        <a:shade val="90000"/>
+      </a:schemeClr>
+    </dgm:fillClrLst>
+    <dgm:linClrLst meth="repeat">
+      <a:schemeClr val="dk1"/>
+    </dgm:linClrLst>
+    <dgm:effectClrLst/>
+    <dgm:txLinClrLst/>
+    <dgm:txFillClrLst meth="repeat">
+      <a:schemeClr val="lt1"/>
+    </dgm:txFillClrLst>
+    <dgm:txEffectClrLst/>
+  </dgm:styleLbl>
+  <dgm:styleLbl name="trBgShp">
+    <dgm:fillClrLst meth="repeat">
+      <a:schemeClr val="accent1">
+        <a:tint val="50000"/>
+        <a:alpha val="40000"/>
+      </a:schemeClr>
+    </dgm:fillClrLst>
+    <dgm:linClrLst meth="repeat">
+      <a:schemeClr val="accent2"/>
+    </dgm:linClrLst>
+    <dgm:effectClrLst/>
+    <dgm:txLinClrLst/>
+    <dgm:txFillClrLst meth="repeat">
+      <a:schemeClr val="lt1"/>
+    </dgm:txFillClrLst>
+    <dgm:txEffectClrLst/>
+  </dgm:styleLbl>
+  <dgm:styleLbl name="fgShp">
+    <dgm:fillClrLst meth="repeat">
+      <a:schemeClr val="accent2">
+        <a:tint val="40000"/>
+      </a:schemeClr>
+    </dgm:fillClrLst>
+    <dgm:linClrLst meth="repeat">
+      <a:schemeClr val="lt1"/>
+    </dgm:linClrLst>
+    <dgm:effectClrLst/>
+    <dgm:txLinClrLst/>
+    <dgm:txFillClrLst meth="repeat">
+      <a:schemeClr val="dk1"/>
+    </dgm:txFillClrLst>
+    <dgm:txEffectClrLst/>
+  </dgm:styleLbl>
+  <dgm:styleLbl name="revTx">
+    <dgm:fillClrLst meth="repeat">
+      <a:schemeClr val="lt1">
+        <a:alpha val="0"/>
+      </a:schemeClr>
+    </dgm:fillClrLst>
+    <dgm:linClrLst meth="repeat">
+      <a:schemeClr val="dk1">
+        <a:alpha val="0"/>
+      </a:schemeClr>
+    </dgm:linClrLst>
+    <dgm:effectClrLst/>
+    <dgm:txLinClrLst/>
+    <dgm:txFillClrLst meth="repeat">
+      <a:schemeClr val="tx1"/>
+    </dgm:txFillClrLst>
+    <dgm:txEffectClrLst/>
+  </dgm:styleLbl>
+</dgm:colorsDef>
+</file>
+
+<file path=ppt/diagrams/colors2.xml><?xml version="1.0" encoding="utf-8"?>
 <dgm:colorsDef xmlns:dgm="http://schemas.openxmlformats.org/drawingml/2006/diagram" xmlns:a="http://schemas.openxmlformats.org/drawingml/2006/main" uniqueId="urn:microsoft.com/office/officeart/2005/8/colors/colorful1">
   <dgm:title val=""/>
   <dgm:desc val=""/>
@@ -2438,6 +3357,861 @@
 </dgm:dataModel>
 </file>
 
+<file path=ppt/diagrams/data2.xml><?xml version="1.0" encoding="utf-8"?>
+<dgm:dataModel xmlns:dgm="http://schemas.openxmlformats.org/drawingml/2006/diagram" xmlns:a="http://schemas.openxmlformats.org/drawingml/2006/main">
+  <dgm:ptLst>
+    <dgm:pt modelId="{53408397-7BEF-834B-991E-F94AD9BF9205}" type="doc">
+      <dgm:prSet loTypeId="urn:microsoft.com/office/officeart/2005/8/layout/process5" loCatId="" qsTypeId="urn:microsoft.com/office/officeart/2005/8/quickstyle/simple1" qsCatId="simple" csTypeId="urn:microsoft.com/office/officeart/2005/8/colors/colorful1" csCatId="colorful" phldr="1"/>
+      <dgm:spPr/>
+    </dgm:pt>
+    <dgm:pt modelId="{A381F536-7F5F-AC4A-B7B6-A723EDA19837}">
+      <dgm:prSet phldrT="[Text]"/>
+      <dgm:spPr/>
+      <dgm:t>
+        <a:bodyPr/>
+        <a:lstStyle/>
+        <a:p>
+          <a:r>
+            <a:rPr lang="en-US" dirty="0"/>
+            <a:t>Get Data</a:t>
+          </a:r>
+        </a:p>
+      </dgm:t>
+    </dgm:pt>
+    <dgm:pt modelId="{329C9C28-B35E-F148-8392-FB33D3753519}" type="parTrans" cxnId="{51716828-F3F0-064F-A2D7-EC67DCCE57F1}">
+      <dgm:prSet/>
+      <dgm:spPr/>
+      <dgm:t>
+        <a:bodyPr/>
+        <a:lstStyle/>
+        <a:p>
+          <a:endParaRPr lang="en-US"/>
+        </a:p>
+      </dgm:t>
+    </dgm:pt>
+    <dgm:pt modelId="{5DDC021A-F133-1F42-8078-9FD3180EB0BC}" type="sibTrans" cxnId="{51716828-F3F0-064F-A2D7-EC67DCCE57F1}">
+      <dgm:prSet/>
+      <dgm:spPr/>
+      <dgm:t>
+        <a:bodyPr/>
+        <a:lstStyle/>
+        <a:p>
+          <a:endParaRPr lang="en-US"/>
+        </a:p>
+      </dgm:t>
+    </dgm:pt>
+    <dgm:pt modelId="{BE12651C-271C-DA4D-9449-09F4E570AABC}">
+      <dgm:prSet phldrT="[Text]"/>
+      <dgm:spPr>
+        <a:solidFill>
+          <a:schemeClr val="tx1">
+            <a:lumMod val="50000"/>
+            <a:lumOff val="50000"/>
+          </a:schemeClr>
+        </a:solidFill>
+      </dgm:spPr>
+      <dgm:t>
+        <a:bodyPr/>
+        <a:lstStyle/>
+        <a:p>
+          <a:r>
+            <a:rPr lang="en-US" dirty="0"/>
+            <a:t>Integrate Data</a:t>
+          </a:r>
+        </a:p>
+      </dgm:t>
+    </dgm:pt>
+    <dgm:pt modelId="{DFC12901-C2BA-6642-BB97-7E2A50AD5A2B}" type="parTrans" cxnId="{43056025-73DD-E14D-A36C-970AF2F05166}">
+      <dgm:prSet/>
+      <dgm:spPr/>
+      <dgm:t>
+        <a:bodyPr/>
+        <a:lstStyle/>
+        <a:p>
+          <a:endParaRPr lang="en-US"/>
+        </a:p>
+      </dgm:t>
+    </dgm:pt>
+    <dgm:pt modelId="{3DBD5F64-F3E6-2D40-90B8-75A613A96296}" type="sibTrans" cxnId="{43056025-73DD-E14D-A36C-970AF2F05166}">
+      <dgm:prSet/>
+      <dgm:spPr/>
+      <dgm:t>
+        <a:bodyPr/>
+        <a:lstStyle/>
+        <a:p>
+          <a:endParaRPr lang="en-US"/>
+        </a:p>
+      </dgm:t>
+    </dgm:pt>
+    <dgm:pt modelId="{FF8BD3E1-993A-F544-A845-5FDE33849123}">
+      <dgm:prSet phldrT="[Text]"/>
+      <dgm:spPr>
+        <a:solidFill>
+          <a:srgbClr val="00B050"/>
+        </a:solidFill>
+      </dgm:spPr>
+      <dgm:t>
+        <a:bodyPr/>
+        <a:lstStyle/>
+        <a:p>
+          <a:r>
+            <a:rPr lang="en-US" dirty="0"/>
+            <a:t>Prep for Modeling</a:t>
+          </a:r>
+        </a:p>
+      </dgm:t>
+    </dgm:pt>
+    <dgm:pt modelId="{8DB932FF-C22D-244A-BA2F-96F206964844}" type="parTrans" cxnId="{9D167533-F805-4A42-AE8A-40768584C5E0}">
+      <dgm:prSet/>
+      <dgm:spPr/>
+      <dgm:t>
+        <a:bodyPr/>
+        <a:lstStyle/>
+        <a:p>
+          <a:endParaRPr lang="en-US"/>
+        </a:p>
+      </dgm:t>
+    </dgm:pt>
+    <dgm:pt modelId="{BB92FD83-AB0A-9A4C-99D6-B0C95AEFFD58}" type="sibTrans" cxnId="{9D167533-F805-4A42-AE8A-40768584C5E0}">
+      <dgm:prSet/>
+      <dgm:spPr>
+        <a:solidFill>
+          <a:srgbClr val="00B050"/>
+        </a:solidFill>
+      </dgm:spPr>
+      <dgm:t>
+        <a:bodyPr/>
+        <a:lstStyle/>
+        <a:p>
+          <a:endParaRPr lang="en-US"/>
+        </a:p>
+      </dgm:t>
+    </dgm:pt>
+    <dgm:pt modelId="{9B930AC0-B17B-8645-8D75-5662A6FD630A}">
+      <dgm:prSet phldrT="[Text]"/>
+      <dgm:spPr>
+        <a:solidFill>
+          <a:schemeClr val="accent5">
+            <a:lumMod val="75000"/>
+          </a:schemeClr>
+        </a:solidFill>
+      </dgm:spPr>
+      <dgm:t>
+        <a:bodyPr/>
+        <a:lstStyle/>
+        <a:p>
+          <a:r>
+            <a:rPr lang="en-US" dirty="0"/>
+            <a:t>Process Data</a:t>
+          </a:r>
+        </a:p>
+      </dgm:t>
+    </dgm:pt>
+    <dgm:pt modelId="{95D26414-BA6D-1B4A-993F-A426CC97EFB9}" type="parTrans" cxnId="{C69AA131-1988-CB4E-96A8-B46F24621A97}">
+      <dgm:prSet/>
+      <dgm:spPr/>
+      <dgm:t>
+        <a:bodyPr/>
+        <a:lstStyle/>
+        <a:p>
+          <a:endParaRPr lang="en-US"/>
+        </a:p>
+      </dgm:t>
+    </dgm:pt>
+    <dgm:pt modelId="{FB5FC714-1CDA-A448-84EE-F7946A60030D}" type="sibTrans" cxnId="{C69AA131-1988-CB4E-96A8-B46F24621A97}">
+      <dgm:prSet/>
+      <dgm:spPr/>
+      <dgm:t>
+        <a:bodyPr/>
+        <a:lstStyle/>
+        <a:p>
+          <a:endParaRPr lang="en-US"/>
+        </a:p>
+      </dgm:t>
+    </dgm:pt>
+    <dgm:pt modelId="{F0227596-1DFA-B04A-9AF8-DBFEA1E361A9}">
+      <dgm:prSet phldrT="[Text]"/>
+      <dgm:spPr/>
+      <dgm:t>
+        <a:bodyPr/>
+        <a:lstStyle/>
+        <a:p>
+          <a:r>
+            <a:rPr lang="en-US" dirty="0"/>
+            <a:t>Explore Data</a:t>
+          </a:r>
+        </a:p>
+      </dgm:t>
+    </dgm:pt>
+    <dgm:pt modelId="{5D3E9AFD-D31F-D247-B5DE-AEE593D7CBE4}" type="parTrans" cxnId="{EC0A4A9B-F79F-9C46-B62C-5AEA65BFE41B}">
+      <dgm:prSet/>
+      <dgm:spPr/>
+      <dgm:t>
+        <a:bodyPr/>
+        <a:lstStyle/>
+        <a:p>
+          <a:endParaRPr lang="en-US"/>
+        </a:p>
+      </dgm:t>
+    </dgm:pt>
+    <dgm:pt modelId="{C68DE66F-9E15-D140-B82B-A50863D10ADD}" type="sibTrans" cxnId="{EC0A4A9B-F79F-9C46-B62C-5AEA65BFE41B}">
+      <dgm:prSet/>
+      <dgm:spPr/>
+      <dgm:t>
+        <a:bodyPr/>
+        <a:lstStyle/>
+        <a:p>
+          <a:endParaRPr lang="en-US"/>
+        </a:p>
+      </dgm:t>
+    </dgm:pt>
+    <dgm:pt modelId="{2D6EBF7C-320A-4843-A7E9-D9646A1B46E6}">
+      <dgm:prSet phldrT="[Text]"/>
+      <dgm:spPr>
+        <a:solidFill>
+          <a:srgbClr val="00B050"/>
+        </a:solidFill>
+      </dgm:spPr>
+      <dgm:t>
+        <a:bodyPr/>
+        <a:lstStyle/>
+        <a:p>
+          <a:r>
+            <a:rPr lang="en-US" dirty="0"/>
+            <a:t>label generation</a:t>
+          </a:r>
+        </a:p>
+      </dgm:t>
+    </dgm:pt>
+    <dgm:pt modelId="{ADCEBD33-A65C-CB41-A3E2-2DFC4E17E779}" type="parTrans" cxnId="{8906E2A7-DFB8-B048-9912-CC4EA1A5B321}">
+      <dgm:prSet/>
+      <dgm:spPr/>
+      <dgm:t>
+        <a:bodyPr/>
+        <a:lstStyle/>
+        <a:p>
+          <a:endParaRPr lang="en-US"/>
+        </a:p>
+      </dgm:t>
+    </dgm:pt>
+    <dgm:pt modelId="{F0DBB5F7-54A4-F244-9377-75D847462ADA}" type="sibTrans" cxnId="{8906E2A7-DFB8-B048-9912-CC4EA1A5B321}">
+      <dgm:prSet/>
+      <dgm:spPr/>
+      <dgm:t>
+        <a:bodyPr/>
+        <a:lstStyle/>
+        <a:p>
+          <a:endParaRPr lang="en-US"/>
+        </a:p>
+      </dgm:t>
+    </dgm:pt>
+    <dgm:pt modelId="{3E93C2C0-03F5-3B4D-A12E-609D515E424E}">
+      <dgm:prSet phldrT="[Text]"/>
+      <dgm:spPr>
+        <a:solidFill>
+          <a:srgbClr val="00B050"/>
+        </a:solidFill>
+      </dgm:spPr>
+      <dgm:t>
+        <a:bodyPr/>
+        <a:lstStyle/>
+        <a:p>
+          <a:r>
+            <a:rPr lang="en-US" dirty="0"/>
+            <a:t>train-test sets</a:t>
+          </a:r>
+        </a:p>
+      </dgm:t>
+    </dgm:pt>
+    <dgm:pt modelId="{37264CC0-D52F-354B-BB70-BA05FD620594}" type="parTrans" cxnId="{C5DEC308-3133-4B4B-9BFC-884707F214FD}">
+      <dgm:prSet/>
+      <dgm:spPr/>
+      <dgm:t>
+        <a:bodyPr/>
+        <a:lstStyle/>
+        <a:p>
+          <a:endParaRPr lang="en-US"/>
+        </a:p>
+      </dgm:t>
+    </dgm:pt>
+    <dgm:pt modelId="{6B80FDD8-79E8-C946-9E1E-82CCFA448012}" type="sibTrans" cxnId="{C5DEC308-3133-4B4B-9BFC-884707F214FD}">
+      <dgm:prSet/>
+      <dgm:spPr/>
+      <dgm:t>
+        <a:bodyPr/>
+        <a:lstStyle/>
+        <a:p>
+          <a:endParaRPr lang="en-US"/>
+        </a:p>
+      </dgm:t>
+    </dgm:pt>
+    <dgm:pt modelId="{8C5CB9AB-1E15-5E43-914E-3AA45A61266F}">
+      <dgm:prSet phldrT="[Text]"/>
+      <dgm:spPr>
+        <a:solidFill>
+          <a:srgbClr val="00B050"/>
+        </a:solidFill>
+      </dgm:spPr>
+      <dgm:t>
+        <a:bodyPr/>
+        <a:lstStyle/>
+        <a:p>
+          <a:r>
+            <a:rPr lang="en-US" dirty="0"/>
+            <a:t>feature generation</a:t>
+          </a:r>
+        </a:p>
+      </dgm:t>
+    </dgm:pt>
+    <dgm:pt modelId="{BAFA9554-5C6B-E54E-B342-6C4B0EABB1A6}" type="parTrans" cxnId="{200648F2-F545-094A-BA37-F8C60B8CFF7F}">
+      <dgm:prSet/>
+      <dgm:spPr/>
+      <dgm:t>
+        <a:bodyPr/>
+        <a:lstStyle/>
+        <a:p>
+          <a:endParaRPr lang="en-US"/>
+        </a:p>
+      </dgm:t>
+    </dgm:pt>
+    <dgm:pt modelId="{61391F8D-306D-BF4C-8F80-449173B00B0E}" type="sibTrans" cxnId="{200648F2-F545-094A-BA37-F8C60B8CFF7F}">
+      <dgm:prSet/>
+      <dgm:spPr/>
+      <dgm:t>
+        <a:bodyPr/>
+        <a:lstStyle/>
+        <a:p>
+          <a:endParaRPr lang="en-US"/>
+        </a:p>
+      </dgm:t>
+    </dgm:pt>
+    <dgm:pt modelId="{E0D4C661-1BDE-D542-96AC-C13B57598042}">
+      <dgm:prSet phldrT="[Text]"/>
+      <dgm:spPr>
+        <a:solidFill>
+          <a:srgbClr val="00B050"/>
+        </a:solidFill>
+      </dgm:spPr>
+      <dgm:t>
+        <a:bodyPr/>
+        <a:lstStyle/>
+        <a:p>
+          <a:r>
+            <a:rPr lang="en-US" dirty="0"/>
+            <a:t>matrix generation</a:t>
+          </a:r>
+        </a:p>
+      </dgm:t>
+    </dgm:pt>
+    <dgm:pt modelId="{46911794-B163-064A-BB12-AC1E098AE647}" type="parTrans" cxnId="{958607AC-449D-3C40-80DA-7EAF2FDD6AD9}">
+      <dgm:prSet/>
+      <dgm:spPr/>
+      <dgm:t>
+        <a:bodyPr/>
+        <a:lstStyle/>
+        <a:p>
+          <a:endParaRPr lang="en-US"/>
+        </a:p>
+      </dgm:t>
+    </dgm:pt>
+    <dgm:pt modelId="{AFB7686E-C580-C846-A2BF-1B81BE3C101C}" type="sibTrans" cxnId="{958607AC-449D-3C40-80DA-7EAF2FDD6AD9}">
+      <dgm:prSet/>
+      <dgm:spPr/>
+      <dgm:t>
+        <a:bodyPr/>
+        <a:lstStyle/>
+        <a:p>
+          <a:endParaRPr lang="en-US"/>
+        </a:p>
+      </dgm:t>
+    </dgm:pt>
+    <dgm:pt modelId="{BB110DD8-6114-8A41-B6D7-E33C2FE2C322}">
+      <dgm:prSet phldrT="[Text]"/>
+      <dgm:spPr>
+        <a:solidFill>
+          <a:schemeClr val="accent6">
+            <a:lumMod val="50000"/>
+          </a:schemeClr>
+        </a:solidFill>
+      </dgm:spPr>
+      <dgm:t>
+        <a:bodyPr/>
+        <a:lstStyle/>
+        <a:p>
+          <a:r>
+            <a:rPr lang="en-US" dirty="0"/>
+            <a:t>Modeling</a:t>
+          </a:r>
+        </a:p>
+      </dgm:t>
+    </dgm:pt>
+    <dgm:pt modelId="{71F7E257-9889-1F42-9991-5BA23F0B8E20}" type="parTrans" cxnId="{7A90E8E3-6DED-2946-9799-5F397E10AFEA}">
+      <dgm:prSet/>
+      <dgm:spPr/>
+      <dgm:t>
+        <a:bodyPr/>
+        <a:lstStyle/>
+        <a:p>
+          <a:endParaRPr lang="en-US"/>
+        </a:p>
+      </dgm:t>
+    </dgm:pt>
+    <dgm:pt modelId="{FC5141FC-D3AA-9941-AF4A-59D1F272FAAF}" type="sibTrans" cxnId="{7A90E8E3-6DED-2946-9799-5F397E10AFEA}">
+      <dgm:prSet/>
+      <dgm:spPr/>
+      <dgm:t>
+        <a:bodyPr/>
+        <a:lstStyle/>
+        <a:p>
+          <a:endParaRPr lang="en-US"/>
+        </a:p>
+      </dgm:t>
+    </dgm:pt>
+    <dgm:pt modelId="{46B871EE-54CA-3B40-8F0A-062F012E3C09}">
+      <dgm:prSet phldrT="[Text]"/>
+      <dgm:spPr>
+        <a:solidFill>
+          <a:schemeClr val="accent6">
+            <a:lumMod val="50000"/>
+          </a:schemeClr>
+        </a:solidFill>
+      </dgm:spPr>
+      <dgm:t>
+        <a:bodyPr/>
+        <a:lstStyle/>
+        <a:p>
+          <a:r>
+            <a:rPr lang="en-US" dirty="0"/>
+            <a:t>train, test, generate metrics</a:t>
+          </a:r>
+        </a:p>
+      </dgm:t>
+    </dgm:pt>
+    <dgm:pt modelId="{EA4BD619-7683-0143-ACB5-684566DDB7FD}" type="parTrans" cxnId="{D2FAF971-F09B-464C-9FBD-513E9A9D0F05}">
+      <dgm:prSet/>
+      <dgm:spPr/>
+      <dgm:t>
+        <a:bodyPr/>
+        <a:lstStyle/>
+        <a:p>
+          <a:endParaRPr lang="en-US"/>
+        </a:p>
+      </dgm:t>
+    </dgm:pt>
+    <dgm:pt modelId="{04CC6022-1A76-5E43-AC84-F02D925033B8}" type="sibTrans" cxnId="{D2FAF971-F09B-464C-9FBD-513E9A9D0F05}">
+      <dgm:prSet/>
+      <dgm:spPr/>
+      <dgm:t>
+        <a:bodyPr/>
+        <a:lstStyle/>
+        <a:p>
+          <a:endParaRPr lang="en-US"/>
+        </a:p>
+      </dgm:t>
+    </dgm:pt>
+    <dgm:pt modelId="{DA69D477-02EE-FD47-BFBC-85D110E07938}">
+      <dgm:prSet phldrT="[Text]"/>
+      <dgm:spPr>
+        <a:solidFill>
+          <a:srgbClr val="92D050"/>
+        </a:solidFill>
+      </dgm:spPr>
+      <dgm:t>
+        <a:bodyPr/>
+        <a:lstStyle/>
+        <a:p>
+          <a:r>
+            <a:rPr lang="en-US" dirty="0"/>
+            <a:t>Model Selection</a:t>
+          </a:r>
+        </a:p>
+      </dgm:t>
+    </dgm:pt>
+    <dgm:pt modelId="{1D550AEB-862D-864B-9AC9-A1836C2F7753}" type="parTrans" cxnId="{CC041310-122A-8046-AE7D-8EB16B77C716}">
+      <dgm:prSet/>
+      <dgm:spPr/>
+      <dgm:t>
+        <a:bodyPr/>
+        <a:lstStyle/>
+        <a:p>
+          <a:endParaRPr lang="en-US"/>
+        </a:p>
+      </dgm:t>
+    </dgm:pt>
+    <dgm:pt modelId="{46F97E0E-5E1F-B04C-BAB7-5F58E4E7D302}" type="sibTrans" cxnId="{CC041310-122A-8046-AE7D-8EB16B77C716}">
+      <dgm:prSet/>
+      <dgm:spPr/>
+      <dgm:t>
+        <a:bodyPr/>
+        <a:lstStyle/>
+        <a:p>
+          <a:endParaRPr lang="en-US"/>
+        </a:p>
+      </dgm:t>
+    </dgm:pt>
+    <dgm:pt modelId="{5D4B2213-3784-6943-AB72-FE894B852DCE}">
+      <dgm:prSet phldrT="[Text]"/>
+      <dgm:spPr/>
+      <dgm:t>
+        <a:bodyPr/>
+        <a:lstStyle/>
+        <a:p>
+          <a:r>
+            <a:rPr lang="en-US" dirty="0"/>
+            <a:t>(Field) Evaluation</a:t>
+          </a:r>
+        </a:p>
+      </dgm:t>
+    </dgm:pt>
+    <dgm:pt modelId="{75124B2B-D41E-E242-92A6-64384C119997}" type="parTrans" cxnId="{17A3D3A2-9D76-E547-A63F-A5EFD6179CCF}">
+      <dgm:prSet/>
+      <dgm:spPr/>
+      <dgm:t>
+        <a:bodyPr/>
+        <a:lstStyle/>
+        <a:p>
+          <a:endParaRPr lang="en-US"/>
+        </a:p>
+      </dgm:t>
+    </dgm:pt>
+    <dgm:pt modelId="{C796DA68-6946-334F-AA0D-5F864BF81140}" type="sibTrans" cxnId="{17A3D3A2-9D76-E547-A63F-A5EFD6179CCF}">
+      <dgm:prSet/>
+      <dgm:spPr/>
+      <dgm:t>
+        <a:bodyPr/>
+        <a:lstStyle/>
+        <a:p>
+          <a:endParaRPr lang="en-US"/>
+        </a:p>
+      </dgm:t>
+    </dgm:pt>
+    <dgm:pt modelId="{F5D61B4A-3417-7347-A0D4-602C2301A695}">
+      <dgm:prSet phldrT="[Text]"/>
+      <dgm:spPr/>
+      <dgm:t>
+        <a:bodyPr/>
+        <a:lstStyle/>
+        <a:p>
+          <a:r>
+            <a:rPr lang="en-US" dirty="0"/>
+            <a:t>Deployment</a:t>
+          </a:r>
+        </a:p>
+      </dgm:t>
+    </dgm:pt>
+    <dgm:pt modelId="{2394C947-5BA5-2F44-94C4-DA77A323D79F}" type="parTrans" cxnId="{376CD68F-64E0-6C42-8A20-0AE32BFCF4DA}">
+      <dgm:prSet/>
+      <dgm:spPr/>
+      <dgm:t>
+        <a:bodyPr/>
+        <a:lstStyle/>
+        <a:p>
+          <a:endParaRPr lang="en-US"/>
+        </a:p>
+      </dgm:t>
+    </dgm:pt>
+    <dgm:pt modelId="{2426FD64-F799-8E47-B50B-CAFD9C42378C}" type="sibTrans" cxnId="{376CD68F-64E0-6C42-8A20-0AE32BFCF4DA}">
+      <dgm:prSet/>
+      <dgm:spPr/>
+      <dgm:t>
+        <a:bodyPr/>
+        <a:lstStyle/>
+        <a:p>
+          <a:endParaRPr lang="en-US"/>
+        </a:p>
+      </dgm:t>
+    </dgm:pt>
+    <dgm:pt modelId="{79FF6E57-03AB-1F4E-8FAC-4913A3A334C7}">
+      <dgm:prSet phldrT="[Text]"/>
+      <dgm:spPr>
+        <a:solidFill>
+          <a:srgbClr val="7030A0"/>
+        </a:solidFill>
+      </dgm:spPr>
+      <dgm:t>
+        <a:bodyPr/>
+        <a:lstStyle/>
+        <a:p>
+          <a:r>
+            <a:rPr lang="en-US" dirty="0"/>
+            <a:t>Maintenance/Update</a:t>
+          </a:r>
+        </a:p>
+      </dgm:t>
+    </dgm:pt>
+    <dgm:pt modelId="{A7EDC702-9FA3-894B-ADFB-1103BBF4E2C5}" type="parTrans" cxnId="{1CFB965A-F645-2642-A0E1-5F33548B7EF8}">
+      <dgm:prSet/>
+      <dgm:spPr/>
+      <dgm:t>
+        <a:bodyPr/>
+        <a:lstStyle/>
+        <a:p>
+          <a:endParaRPr lang="en-US"/>
+        </a:p>
+      </dgm:t>
+    </dgm:pt>
+    <dgm:pt modelId="{02228096-0F46-1847-AC8D-4170EFD985FD}" type="sibTrans" cxnId="{1CFB965A-F645-2642-A0E1-5F33548B7EF8}">
+      <dgm:prSet/>
+      <dgm:spPr/>
+      <dgm:t>
+        <a:bodyPr/>
+        <a:lstStyle/>
+        <a:p>
+          <a:endParaRPr lang="en-US"/>
+        </a:p>
+      </dgm:t>
+    </dgm:pt>
+    <dgm:pt modelId="{49143118-4EC4-B640-8C5A-D09CC10268DE}" type="pres">
+      <dgm:prSet presAssocID="{53408397-7BEF-834B-991E-F94AD9BF9205}" presName="diagram" presStyleCnt="0">
+        <dgm:presLayoutVars>
+          <dgm:dir/>
+          <dgm:resizeHandles val="exact"/>
+        </dgm:presLayoutVars>
+      </dgm:prSet>
+      <dgm:spPr/>
+    </dgm:pt>
+    <dgm:pt modelId="{7701DEB5-F741-C347-9B4C-2922656CB7D6}" type="pres">
+      <dgm:prSet presAssocID="{A381F536-7F5F-AC4A-B7B6-A723EDA19837}" presName="node" presStyleLbl="node1" presStyleIdx="0" presStyleCnt="10">
+        <dgm:presLayoutVars>
+          <dgm:bulletEnabled val="1"/>
+        </dgm:presLayoutVars>
+      </dgm:prSet>
+      <dgm:spPr/>
+    </dgm:pt>
+    <dgm:pt modelId="{5681F244-185D-BB4B-950B-713F466570DA}" type="pres">
+      <dgm:prSet presAssocID="{5DDC021A-F133-1F42-8078-9FD3180EB0BC}" presName="sibTrans" presStyleLbl="sibTrans2D1" presStyleIdx="0" presStyleCnt="9"/>
+      <dgm:spPr/>
+    </dgm:pt>
+    <dgm:pt modelId="{3DC26FF5-56EA-7C4A-9DF8-6F6417F2A0D7}" type="pres">
+      <dgm:prSet presAssocID="{5DDC021A-F133-1F42-8078-9FD3180EB0BC}" presName="connectorText" presStyleLbl="sibTrans2D1" presStyleIdx="0" presStyleCnt="9"/>
+      <dgm:spPr/>
+    </dgm:pt>
+    <dgm:pt modelId="{08012776-5F8A-CD42-B350-4F213480EEE6}" type="pres">
+      <dgm:prSet presAssocID="{BE12651C-271C-DA4D-9449-09F4E570AABC}" presName="node" presStyleLbl="node1" presStyleIdx="1" presStyleCnt="10">
+        <dgm:presLayoutVars>
+          <dgm:bulletEnabled val="1"/>
+        </dgm:presLayoutVars>
+      </dgm:prSet>
+      <dgm:spPr/>
+    </dgm:pt>
+    <dgm:pt modelId="{6239EBE0-D4CE-FF43-BD25-C63735294CC6}" type="pres">
+      <dgm:prSet presAssocID="{3DBD5F64-F3E6-2D40-90B8-75A613A96296}" presName="sibTrans" presStyleLbl="sibTrans2D1" presStyleIdx="1" presStyleCnt="9"/>
+      <dgm:spPr/>
+    </dgm:pt>
+    <dgm:pt modelId="{5AC6CAE5-9193-384D-9EE2-CF51BC174DD6}" type="pres">
+      <dgm:prSet presAssocID="{3DBD5F64-F3E6-2D40-90B8-75A613A96296}" presName="connectorText" presStyleLbl="sibTrans2D1" presStyleIdx="1" presStyleCnt="9"/>
+      <dgm:spPr/>
+    </dgm:pt>
+    <dgm:pt modelId="{8E91D48A-AF0F-6B49-A3A4-A04982AD432C}" type="pres">
+      <dgm:prSet presAssocID="{9B930AC0-B17B-8645-8D75-5662A6FD630A}" presName="node" presStyleLbl="node1" presStyleIdx="2" presStyleCnt="10">
+        <dgm:presLayoutVars>
+          <dgm:bulletEnabled val="1"/>
+        </dgm:presLayoutVars>
+      </dgm:prSet>
+      <dgm:spPr/>
+    </dgm:pt>
+    <dgm:pt modelId="{74098E3D-DA85-B84E-86B0-7B90E8C1847E}" type="pres">
+      <dgm:prSet presAssocID="{FB5FC714-1CDA-A448-84EE-F7946A60030D}" presName="sibTrans" presStyleLbl="sibTrans2D1" presStyleIdx="2" presStyleCnt="9"/>
+      <dgm:spPr/>
+    </dgm:pt>
+    <dgm:pt modelId="{0B565E8D-FA7C-5B4B-8746-56A4B62D194E}" type="pres">
+      <dgm:prSet presAssocID="{FB5FC714-1CDA-A448-84EE-F7946A60030D}" presName="connectorText" presStyleLbl="sibTrans2D1" presStyleIdx="2" presStyleCnt="9"/>
+      <dgm:spPr/>
+    </dgm:pt>
+    <dgm:pt modelId="{D29C2B53-E1C9-9746-8675-5932C807E1A9}" type="pres">
+      <dgm:prSet presAssocID="{F0227596-1DFA-B04A-9AF8-DBFEA1E361A9}" presName="node" presStyleLbl="node1" presStyleIdx="3" presStyleCnt="10">
+        <dgm:presLayoutVars>
+          <dgm:bulletEnabled val="1"/>
+        </dgm:presLayoutVars>
+      </dgm:prSet>
+      <dgm:spPr/>
+    </dgm:pt>
+    <dgm:pt modelId="{514134DF-8D4D-4343-A2AF-E5BDF0F6B357}" type="pres">
+      <dgm:prSet presAssocID="{C68DE66F-9E15-D140-B82B-A50863D10ADD}" presName="sibTrans" presStyleLbl="sibTrans2D1" presStyleIdx="3" presStyleCnt="9"/>
+      <dgm:spPr/>
+    </dgm:pt>
+    <dgm:pt modelId="{4B9597FD-3109-F24E-888F-380DE8436BBF}" type="pres">
+      <dgm:prSet presAssocID="{C68DE66F-9E15-D140-B82B-A50863D10ADD}" presName="connectorText" presStyleLbl="sibTrans2D1" presStyleIdx="3" presStyleCnt="9"/>
+      <dgm:spPr/>
+    </dgm:pt>
+    <dgm:pt modelId="{FDD9AA42-34A8-4A4A-B773-8DFEE194A196}" type="pres">
+      <dgm:prSet presAssocID="{FF8BD3E1-993A-F544-A845-5FDE33849123}" presName="node" presStyleLbl="node1" presStyleIdx="4" presStyleCnt="10">
+        <dgm:presLayoutVars>
+          <dgm:bulletEnabled val="1"/>
+        </dgm:presLayoutVars>
+      </dgm:prSet>
+      <dgm:spPr/>
+    </dgm:pt>
+    <dgm:pt modelId="{F6079404-8DFE-6B4F-B984-74995EF78CEF}" type="pres">
+      <dgm:prSet presAssocID="{BB92FD83-AB0A-9A4C-99D6-B0C95AEFFD58}" presName="sibTrans" presStyleLbl="sibTrans2D1" presStyleIdx="4" presStyleCnt="9"/>
+      <dgm:spPr/>
+    </dgm:pt>
+    <dgm:pt modelId="{252A18B4-640E-5A4B-9870-E120E2911766}" type="pres">
+      <dgm:prSet presAssocID="{BB92FD83-AB0A-9A4C-99D6-B0C95AEFFD58}" presName="connectorText" presStyleLbl="sibTrans2D1" presStyleIdx="4" presStyleCnt="9"/>
+      <dgm:spPr/>
+    </dgm:pt>
+    <dgm:pt modelId="{A376AB59-0D87-B34C-A258-80F2DE22F1B2}" type="pres">
+      <dgm:prSet presAssocID="{BB110DD8-6114-8A41-B6D7-E33C2FE2C322}" presName="node" presStyleLbl="node1" presStyleIdx="5" presStyleCnt="10">
+        <dgm:presLayoutVars>
+          <dgm:bulletEnabled val="1"/>
+        </dgm:presLayoutVars>
+      </dgm:prSet>
+      <dgm:spPr/>
+    </dgm:pt>
+    <dgm:pt modelId="{46EC6974-58E8-9B4B-B340-4C77ADD4C9B9}" type="pres">
+      <dgm:prSet presAssocID="{FC5141FC-D3AA-9941-AF4A-59D1F272FAAF}" presName="sibTrans" presStyleLbl="sibTrans2D1" presStyleIdx="5" presStyleCnt="9"/>
+      <dgm:spPr/>
+    </dgm:pt>
+    <dgm:pt modelId="{D48D1F4C-E94B-044F-A46A-2189EBE61603}" type="pres">
+      <dgm:prSet presAssocID="{FC5141FC-D3AA-9941-AF4A-59D1F272FAAF}" presName="connectorText" presStyleLbl="sibTrans2D1" presStyleIdx="5" presStyleCnt="9"/>
+      <dgm:spPr/>
+    </dgm:pt>
+    <dgm:pt modelId="{A8E6A842-E110-0E42-AEEE-3AAA62F9B98B}" type="pres">
+      <dgm:prSet presAssocID="{DA69D477-02EE-FD47-BFBC-85D110E07938}" presName="node" presStyleLbl="node1" presStyleIdx="6" presStyleCnt="10">
+        <dgm:presLayoutVars>
+          <dgm:bulletEnabled val="1"/>
+        </dgm:presLayoutVars>
+      </dgm:prSet>
+      <dgm:spPr/>
+    </dgm:pt>
+    <dgm:pt modelId="{DE7618B1-A375-7B4F-8D72-5D2FD5716DCA}" type="pres">
+      <dgm:prSet presAssocID="{46F97E0E-5E1F-B04C-BAB7-5F58E4E7D302}" presName="sibTrans" presStyleLbl="sibTrans2D1" presStyleIdx="6" presStyleCnt="9"/>
+      <dgm:spPr/>
+    </dgm:pt>
+    <dgm:pt modelId="{2DECBB58-FA24-E64B-BABA-E980490541C3}" type="pres">
+      <dgm:prSet presAssocID="{46F97E0E-5E1F-B04C-BAB7-5F58E4E7D302}" presName="connectorText" presStyleLbl="sibTrans2D1" presStyleIdx="6" presStyleCnt="9"/>
+      <dgm:spPr/>
+    </dgm:pt>
+    <dgm:pt modelId="{1C6D6C8F-61BC-804B-A02A-F1E41BFFAE7D}" type="pres">
+      <dgm:prSet presAssocID="{5D4B2213-3784-6943-AB72-FE894B852DCE}" presName="node" presStyleLbl="node1" presStyleIdx="7" presStyleCnt="10">
+        <dgm:presLayoutVars>
+          <dgm:bulletEnabled val="1"/>
+        </dgm:presLayoutVars>
+      </dgm:prSet>
+      <dgm:spPr/>
+    </dgm:pt>
+    <dgm:pt modelId="{19C64962-A697-8340-B219-236B05177FAF}" type="pres">
+      <dgm:prSet presAssocID="{C796DA68-6946-334F-AA0D-5F864BF81140}" presName="sibTrans" presStyleLbl="sibTrans2D1" presStyleIdx="7" presStyleCnt="9"/>
+      <dgm:spPr/>
+    </dgm:pt>
+    <dgm:pt modelId="{18417CB2-18FC-1741-834C-4F9306C1C43C}" type="pres">
+      <dgm:prSet presAssocID="{C796DA68-6946-334F-AA0D-5F864BF81140}" presName="connectorText" presStyleLbl="sibTrans2D1" presStyleIdx="7" presStyleCnt="9"/>
+      <dgm:spPr/>
+    </dgm:pt>
+    <dgm:pt modelId="{FDE7F5A7-A857-6443-96EC-3785EE65F296}" type="pres">
+      <dgm:prSet presAssocID="{F5D61B4A-3417-7347-A0D4-602C2301A695}" presName="node" presStyleLbl="node1" presStyleIdx="8" presStyleCnt="10">
+        <dgm:presLayoutVars>
+          <dgm:bulletEnabled val="1"/>
+        </dgm:presLayoutVars>
+      </dgm:prSet>
+      <dgm:spPr/>
+    </dgm:pt>
+    <dgm:pt modelId="{79104E31-0F31-D148-A9AF-883F3C634927}" type="pres">
+      <dgm:prSet presAssocID="{2426FD64-F799-8E47-B50B-CAFD9C42378C}" presName="sibTrans" presStyleLbl="sibTrans2D1" presStyleIdx="8" presStyleCnt="9"/>
+      <dgm:spPr/>
+    </dgm:pt>
+    <dgm:pt modelId="{32C37E79-0CF2-F349-86BF-F796687EF9C8}" type="pres">
+      <dgm:prSet presAssocID="{2426FD64-F799-8E47-B50B-CAFD9C42378C}" presName="connectorText" presStyleLbl="sibTrans2D1" presStyleIdx="8" presStyleCnt="9"/>
+      <dgm:spPr/>
+    </dgm:pt>
+    <dgm:pt modelId="{9F9A02F9-F6D6-4E40-AE9D-C9F36A8A4DFA}" type="pres">
+      <dgm:prSet presAssocID="{79FF6E57-03AB-1F4E-8FAC-4913A3A334C7}" presName="node" presStyleLbl="node1" presStyleIdx="9" presStyleCnt="10">
+        <dgm:presLayoutVars>
+          <dgm:bulletEnabled val="1"/>
+        </dgm:presLayoutVars>
+      </dgm:prSet>
+      <dgm:spPr/>
+    </dgm:pt>
+  </dgm:ptLst>
+  <dgm:cxnLst>
+    <dgm:cxn modelId="{C5DEC308-3133-4B4B-9BFC-884707F214FD}" srcId="{FF8BD3E1-993A-F544-A845-5FDE33849123}" destId="{3E93C2C0-03F5-3B4D-A12E-609D515E424E}" srcOrd="2" destOrd="0" parTransId="{37264CC0-D52F-354B-BB70-BA05FD620594}" sibTransId="{6B80FDD8-79E8-C946-9E1E-82CCFA448012}"/>
+    <dgm:cxn modelId="{CC041310-122A-8046-AE7D-8EB16B77C716}" srcId="{53408397-7BEF-834B-991E-F94AD9BF9205}" destId="{DA69D477-02EE-FD47-BFBC-85D110E07938}" srcOrd="6" destOrd="0" parTransId="{1D550AEB-862D-864B-9AC9-A1836C2F7753}" sibTransId="{46F97E0E-5E1F-B04C-BAB7-5F58E4E7D302}"/>
+    <dgm:cxn modelId="{D9F58919-EAAF-824B-8608-D87216F21434}" type="presOf" srcId="{C796DA68-6946-334F-AA0D-5F864BF81140}" destId="{19C64962-A697-8340-B219-236B05177FAF}" srcOrd="0" destOrd="0" presId="urn:microsoft.com/office/officeart/2005/8/layout/process5"/>
+    <dgm:cxn modelId="{EDDAD324-6800-524F-89C9-E9F5C51D9851}" type="presOf" srcId="{BB92FD83-AB0A-9A4C-99D6-B0C95AEFFD58}" destId="{252A18B4-640E-5A4B-9870-E120E2911766}" srcOrd="1" destOrd="0" presId="urn:microsoft.com/office/officeart/2005/8/layout/process5"/>
+    <dgm:cxn modelId="{43056025-73DD-E14D-A36C-970AF2F05166}" srcId="{53408397-7BEF-834B-991E-F94AD9BF9205}" destId="{BE12651C-271C-DA4D-9449-09F4E570AABC}" srcOrd="1" destOrd="0" parTransId="{DFC12901-C2BA-6642-BB97-7E2A50AD5A2B}" sibTransId="{3DBD5F64-F3E6-2D40-90B8-75A613A96296}"/>
+    <dgm:cxn modelId="{B6647525-93BB-5247-9E5E-7A69B790F1C6}" type="presOf" srcId="{2426FD64-F799-8E47-B50B-CAFD9C42378C}" destId="{32C37E79-0CF2-F349-86BF-F796687EF9C8}" srcOrd="1" destOrd="0" presId="urn:microsoft.com/office/officeart/2005/8/layout/process5"/>
+    <dgm:cxn modelId="{D6A0A625-BB00-5A4B-930A-E60B1AD1689C}" type="presOf" srcId="{9B930AC0-B17B-8645-8D75-5662A6FD630A}" destId="{8E91D48A-AF0F-6B49-A3A4-A04982AD432C}" srcOrd="0" destOrd="0" presId="urn:microsoft.com/office/officeart/2005/8/layout/process5"/>
+    <dgm:cxn modelId="{A50FFC27-E6CE-3E46-A5D4-C50DD1858CE4}" type="presOf" srcId="{3E93C2C0-03F5-3B4D-A12E-609D515E424E}" destId="{FDD9AA42-34A8-4A4A-B773-8DFEE194A196}" srcOrd="0" destOrd="3" presId="urn:microsoft.com/office/officeart/2005/8/layout/process5"/>
+    <dgm:cxn modelId="{51716828-F3F0-064F-A2D7-EC67DCCE57F1}" srcId="{53408397-7BEF-834B-991E-F94AD9BF9205}" destId="{A381F536-7F5F-AC4A-B7B6-A723EDA19837}" srcOrd="0" destOrd="0" parTransId="{329C9C28-B35E-F148-8392-FB33D3753519}" sibTransId="{5DDC021A-F133-1F42-8078-9FD3180EB0BC}"/>
+    <dgm:cxn modelId="{0F1AF629-08A9-0B44-9F90-27EE60AC85DE}" type="presOf" srcId="{A381F536-7F5F-AC4A-B7B6-A723EDA19837}" destId="{7701DEB5-F741-C347-9B4C-2922656CB7D6}" srcOrd="0" destOrd="0" presId="urn:microsoft.com/office/officeart/2005/8/layout/process5"/>
+    <dgm:cxn modelId="{C69AA131-1988-CB4E-96A8-B46F24621A97}" srcId="{53408397-7BEF-834B-991E-F94AD9BF9205}" destId="{9B930AC0-B17B-8645-8D75-5662A6FD630A}" srcOrd="2" destOrd="0" parTransId="{95D26414-BA6D-1B4A-993F-A426CC97EFB9}" sibTransId="{FB5FC714-1CDA-A448-84EE-F7946A60030D}"/>
+    <dgm:cxn modelId="{0D81FB31-159C-2343-BD8F-18EF93368AFE}" type="presOf" srcId="{3DBD5F64-F3E6-2D40-90B8-75A613A96296}" destId="{5AC6CAE5-9193-384D-9EE2-CF51BC174DD6}" srcOrd="1" destOrd="0" presId="urn:microsoft.com/office/officeart/2005/8/layout/process5"/>
+    <dgm:cxn modelId="{9D167533-F805-4A42-AE8A-40768584C5E0}" srcId="{53408397-7BEF-834B-991E-F94AD9BF9205}" destId="{FF8BD3E1-993A-F544-A845-5FDE33849123}" srcOrd="4" destOrd="0" parTransId="{8DB932FF-C22D-244A-BA2F-96F206964844}" sibTransId="{BB92FD83-AB0A-9A4C-99D6-B0C95AEFFD58}"/>
+    <dgm:cxn modelId="{64E7B235-5993-F742-86A0-D5A285F8100B}" type="presOf" srcId="{53408397-7BEF-834B-991E-F94AD9BF9205}" destId="{49143118-4EC4-B640-8C5A-D09CC10268DE}" srcOrd="0" destOrd="0" presId="urn:microsoft.com/office/officeart/2005/8/layout/process5"/>
+    <dgm:cxn modelId="{75D46037-A89C-324D-958C-DBFFB7EBC2BC}" type="presOf" srcId="{2D6EBF7C-320A-4843-A7E9-D9646A1B46E6}" destId="{FDD9AA42-34A8-4A4A-B773-8DFEE194A196}" srcOrd="0" destOrd="1" presId="urn:microsoft.com/office/officeart/2005/8/layout/process5"/>
+    <dgm:cxn modelId="{4611163A-AB0F-274C-B3C5-BA1DF0982F3F}" type="presOf" srcId="{46F97E0E-5E1F-B04C-BAB7-5F58E4E7D302}" destId="{DE7618B1-A375-7B4F-8D72-5D2FD5716DCA}" srcOrd="0" destOrd="0" presId="urn:microsoft.com/office/officeart/2005/8/layout/process5"/>
+    <dgm:cxn modelId="{02D4DE3B-E270-1548-830D-3CABB9C42122}" type="presOf" srcId="{FF8BD3E1-993A-F544-A845-5FDE33849123}" destId="{FDD9AA42-34A8-4A4A-B773-8DFEE194A196}" srcOrd="0" destOrd="0" presId="urn:microsoft.com/office/officeart/2005/8/layout/process5"/>
+    <dgm:cxn modelId="{8B4D5A3C-37D5-684E-9D22-B7421D0FFB91}" type="presOf" srcId="{2426FD64-F799-8E47-B50B-CAFD9C42378C}" destId="{79104E31-0F31-D148-A9AF-883F3C634927}" srcOrd="0" destOrd="0" presId="urn:microsoft.com/office/officeart/2005/8/layout/process5"/>
+    <dgm:cxn modelId="{844B5140-F402-344B-B4A4-F23033E09972}" type="presOf" srcId="{FB5FC714-1CDA-A448-84EE-F7946A60030D}" destId="{0B565E8D-FA7C-5B4B-8746-56A4B62D194E}" srcOrd="1" destOrd="0" presId="urn:microsoft.com/office/officeart/2005/8/layout/process5"/>
+    <dgm:cxn modelId="{7E748F52-B9AD-764A-9E7B-426402F5A8F2}" type="presOf" srcId="{79FF6E57-03AB-1F4E-8FAC-4913A3A334C7}" destId="{9F9A02F9-F6D6-4E40-AE9D-C9F36A8A4DFA}" srcOrd="0" destOrd="0" presId="urn:microsoft.com/office/officeart/2005/8/layout/process5"/>
+    <dgm:cxn modelId="{1CFB965A-F645-2642-A0E1-5F33548B7EF8}" srcId="{53408397-7BEF-834B-991E-F94AD9BF9205}" destId="{79FF6E57-03AB-1F4E-8FAC-4913A3A334C7}" srcOrd="9" destOrd="0" parTransId="{A7EDC702-9FA3-894B-ADFB-1103BBF4E2C5}" sibTransId="{02228096-0F46-1847-AC8D-4170EFD985FD}"/>
+    <dgm:cxn modelId="{2F9F0E5E-9504-7B4C-8FCE-ECC0C5D6AC83}" type="presOf" srcId="{BB110DD8-6114-8A41-B6D7-E33C2FE2C322}" destId="{A376AB59-0D87-B34C-A258-80F2DE22F1B2}" srcOrd="0" destOrd="0" presId="urn:microsoft.com/office/officeart/2005/8/layout/process5"/>
+    <dgm:cxn modelId="{A1CB0661-4926-434B-846F-185C14713DBB}" type="presOf" srcId="{C68DE66F-9E15-D140-B82B-A50863D10ADD}" destId="{514134DF-8D4D-4343-A2AF-E5BDF0F6B357}" srcOrd="0" destOrd="0" presId="urn:microsoft.com/office/officeart/2005/8/layout/process5"/>
+    <dgm:cxn modelId="{2F901E71-B49A-D443-A3D6-F6AF6F72632A}" type="presOf" srcId="{E0D4C661-1BDE-D542-96AC-C13B57598042}" destId="{FDD9AA42-34A8-4A4A-B773-8DFEE194A196}" srcOrd="0" destOrd="4" presId="urn:microsoft.com/office/officeart/2005/8/layout/process5"/>
+    <dgm:cxn modelId="{D2FAF971-F09B-464C-9FBD-513E9A9D0F05}" srcId="{BB110DD8-6114-8A41-B6D7-E33C2FE2C322}" destId="{46B871EE-54CA-3B40-8F0A-062F012E3C09}" srcOrd="0" destOrd="0" parTransId="{EA4BD619-7683-0143-ACB5-684566DDB7FD}" sibTransId="{04CC6022-1A76-5E43-AC84-F02D925033B8}"/>
+    <dgm:cxn modelId="{F5FFC47B-2931-8E48-8F8F-BD7C35D45310}" type="presOf" srcId="{FC5141FC-D3AA-9941-AF4A-59D1F272FAAF}" destId="{46EC6974-58E8-9B4B-B340-4C77ADD4C9B9}" srcOrd="0" destOrd="0" presId="urn:microsoft.com/office/officeart/2005/8/layout/process5"/>
+    <dgm:cxn modelId="{0FF0E97D-E3C5-4C44-A3FE-BCD95E2B701A}" type="presOf" srcId="{FC5141FC-D3AA-9941-AF4A-59D1F272FAAF}" destId="{D48D1F4C-E94B-044F-A46A-2189EBE61603}" srcOrd="1" destOrd="0" presId="urn:microsoft.com/office/officeart/2005/8/layout/process5"/>
+    <dgm:cxn modelId="{CCEB5081-F43A-7043-AB06-A100801D13FF}" type="presOf" srcId="{5D4B2213-3784-6943-AB72-FE894B852DCE}" destId="{1C6D6C8F-61BC-804B-A02A-F1E41BFFAE7D}" srcOrd="0" destOrd="0" presId="urn:microsoft.com/office/officeart/2005/8/layout/process5"/>
+    <dgm:cxn modelId="{9EB84586-29DA-0447-AA28-1B94FB595B04}" type="presOf" srcId="{8C5CB9AB-1E15-5E43-914E-3AA45A61266F}" destId="{FDD9AA42-34A8-4A4A-B773-8DFEE194A196}" srcOrd="0" destOrd="2" presId="urn:microsoft.com/office/officeart/2005/8/layout/process5"/>
+    <dgm:cxn modelId="{141D128C-5845-DC43-8070-680C682AC830}" type="presOf" srcId="{BE12651C-271C-DA4D-9449-09F4E570AABC}" destId="{08012776-5F8A-CD42-B350-4F213480EEE6}" srcOrd="0" destOrd="0" presId="urn:microsoft.com/office/officeart/2005/8/layout/process5"/>
+    <dgm:cxn modelId="{376CD68F-64E0-6C42-8A20-0AE32BFCF4DA}" srcId="{53408397-7BEF-834B-991E-F94AD9BF9205}" destId="{F5D61B4A-3417-7347-A0D4-602C2301A695}" srcOrd="8" destOrd="0" parTransId="{2394C947-5BA5-2F44-94C4-DA77A323D79F}" sibTransId="{2426FD64-F799-8E47-B50B-CAFD9C42378C}"/>
+    <dgm:cxn modelId="{C67E5A92-2D18-774B-9B47-4C9A14CB4AEE}" type="presOf" srcId="{F5D61B4A-3417-7347-A0D4-602C2301A695}" destId="{FDE7F5A7-A857-6443-96EC-3785EE65F296}" srcOrd="0" destOrd="0" presId="urn:microsoft.com/office/officeart/2005/8/layout/process5"/>
+    <dgm:cxn modelId="{EC0A4A9B-F79F-9C46-B62C-5AEA65BFE41B}" srcId="{53408397-7BEF-834B-991E-F94AD9BF9205}" destId="{F0227596-1DFA-B04A-9AF8-DBFEA1E361A9}" srcOrd="3" destOrd="0" parTransId="{5D3E9AFD-D31F-D247-B5DE-AEE593D7CBE4}" sibTransId="{C68DE66F-9E15-D140-B82B-A50863D10ADD}"/>
+    <dgm:cxn modelId="{CC27DAA0-6F58-F549-A0C6-6E68CE8373CA}" type="presOf" srcId="{FB5FC714-1CDA-A448-84EE-F7946A60030D}" destId="{74098E3D-DA85-B84E-86B0-7B90E8C1847E}" srcOrd="0" destOrd="0" presId="urn:microsoft.com/office/officeart/2005/8/layout/process5"/>
+    <dgm:cxn modelId="{8DA73CA2-7C1F-014F-BA11-C2C75A7E0DB3}" type="presOf" srcId="{C68DE66F-9E15-D140-B82B-A50863D10ADD}" destId="{4B9597FD-3109-F24E-888F-380DE8436BBF}" srcOrd="1" destOrd="0" presId="urn:microsoft.com/office/officeart/2005/8/layout/process5"/>
+    <dgm:cxn modelId="{17A3D3A2-9D76-E547-A63F-A5EFD6179CCF}" srcId="{53408397-7BEF-834B-991E-F94AD9BF9205}" destId="{5D4B2213-3784-6943-AB72-FE894B852DCE}" srcOrd="7" destOrd="0" parTransId="{75124B2B-D41E-E242-92A6-64384C119997}" sibTransId="{C796DA68-6946-334F-AA0D-5F864BF81140}"/>
+    <dgm:cxn modelId="{8906E2A7-DFB8-B048-9912-CC4EA1A5B321}" srcId="{FF8BD3E1-993A-F544-A845-5FDE33849123}" destId="{2D6EBF7C-320A-4843-A7E9-D9646A1B46E6}" srcOrd="0" destOrd="0" parTransId="{ADCEBD33-A65C-CB41-A3E2-2DFC4E17E779}" sibTransId="{F0DBB5F7-54A4-F244-9377-75D847462ADA}"/>
+    <dgm:cxn modelId="{958607AC-449D-3C40-80DA-7EAF2FDD6AD9}" srcId="{FF8BD3E1-993A-F544-A845-5FDE33849123}" destId="{E0D4C661-1BDE-D542-96AC-C13B57598042}" srcOrd="3" destOrd="0" parTransId="{46911794-B163-064A-BB12-AC1E098AE647}" sibTransId="{AFB7686E-C580-C846-A2BF-1B81BE3C101C}"/>
+    <dgm:cxn modelId="{B14262AF-BA45-7047-AE06-E64AB35797EB}" type="presOf" srcId="{DA69D477-02EE-FD47-BFBC-85D110E07938}" destId="{A8E6A842-E110-0E42-AEEE-3AAA62F9B98B}" srcOrd="0" destOrd="0" presId="urn:microsoft.com/office/officeart/2005/8/layout/process5"/>
+    <dgm:cxn modelId="{FFE8B2B7-AC93-1447-B8C6-D19CA9626C8E}" type="presOf" srcId="{C796DA68-6946-334F-AA0D-5F864BF81140}" destId="{18417CB2-18FC-1741-834C-4F9306C1C43C}" srcOrd="1" destOrd="0" presId="urn:microsoft.com/office/officeart/2005/8/layout/process5"/>
+    <dgm:cxn modelId="{DB55D6B8-6DAE-C443-B2D4-DF6C60326E31}" type="presOf" srcId="{5DDC021A-F133-1F42-8078-9FD3180EB0BC}" destId="{3DC26FF5-56EA-7C4A-9DF8-6F6417F2A0D7}" srcOrd="1" destOrd="0" presId="urn:microsoft.com/office/officeart/2005/8/layout/process5"/>
+    <dgm:cxn modelId="{44BCEFBA-6A14-9D49-9796-0FDD31CFA06B}" type="presOf" srcId="{BB92FD83-AB0A-9A4C-99D6-B0C95AEFFD58}" destId="{F6079404-8DFE-6B4F-B984-74995EF78CEF}" srcOrd="0" destOrd="0" presId="urn:microsoft.com/office/officeart/2005/8/layout/process5"/>
+    <dgm:cxn modelId="{5DFC1ABC-074D-2C41-A35C-413F0F4862C5}" type="presOf" srcId="{3DBD5F64-F3E6-2D40-90B8-75A613A96296}" destId="{6239EBE0-D4CE-FF43-BD25-C63735294CC6}" srcOrd="0" destOrd="0" presId="urn:microsoft.com/office/officeart/2005/8/layout/process5"/>
+    <dgm:cxn modelId="{D8816FC2-DBF1-AA44-8DEC-1267C1EEF96B}" type="presOf" srcId="{F0227596-1DFA-B04A-9AF8-DBFEA1E361A9}" destId="{D29C2B53-E1C9-9746-8675-5932C807E1A9}" srcOrd="0" destOrd="0" presId="urn:microsoft.com/office/officeart/2005/8/layout/process5"/>
+    <dgm:cxn modelId="{8D6455D0-F557-6A4B-A7B4-F5B3DCC94DE9}" type="presOf" srcId="{5DDC021A-F133-1F42-8078-9FD3180EB0BC}" destId="{5681F244-185D-BB4B-950B-713F466570DA}" srcOrd="0" destOrd="0" presId="urn:microsoft.com/office/officeart/2005/8/layout/process5"/>
+    <dgm:cxn modelId="{896AF0D0-CC9D-3041-BCF5-787184947717}" type="presOf" srcId="{46B871EE-54CA-3B40-8F0A-062F012E3C09}" destId="{A376AB59-0D87-B34C-A258-80F2DE22F1B2}" srcOrd="0" destOrd="1" presId="urn:microsoft.com/office/officeart/2005/8/layout/process5"/>
+    <dgm:cxn modelId="{7A90E8E3-6DED-2946-9799-5F397E10AFEA}" srcId="{53408397-7BEF-834B-991E-F94AD9BF9205}" destId="{BB110DD8-6114-8A41-B6D7-E33C2FE2C322}" srcOrd="5" destOrd="0" parTransId="{71F7E257-9889-1F42-9991-5BA23F0B8E20}" sibTransId="{FC5141FC-D3AA-9941-AF4A-59D1F272FAAF}"/>
+    <dgm:cxn modelId="{200648F2-F545-094A-BA37-F8C60B8CFF7F}" srcId="{FF8BD3E1-993A-F544-A845-5FDE33849123}" destId="{8C5CB9AB-1E15-5E43-914E-3AA45A61266F}" srcOrd="1" destOrd="0" parTransId="{BAFA9554-5C6B-E54E-B342-6C4B0EABB1A6}" sibTransId="{61391F8D-306D-BF4C-8F80-449173B00B0E}"/>
+    <dgm:cxn modelId="{BB6196F6-5621-1349-9CB5-715636E2E96E}" type="presOf" srcId="{46F97E0E-5E1F-B04C-BAB7-5F58E4E7D302}" destId="{2DECBB58-FA24-E64B-BABA-E980490541C3}" srcOrd="1" destOrd="0" presId="urn:microsoft.com/office/officeart/2005/8/layout/process5"/>
+    <dgm:cxn modelId="{8AAC8C75-425F-FF4F-AAFF-85C5B0CB26F6}" type="presParOf" srcId="{49143118-4EC4-B640-8C5A-D09CC10268DE}" destId="{7701DEB5-F741-C347-9B4C-2922656CB7D6}" srcOrd="0" destOrd="0" presId="urn:microsoft.com/office/officeart/2005/8/layout/process5"/>
+    <dgm:cxn modelId="{5211AC52-EAE1-7040-9976-7EB5C57FEEE9}" type="presParOf" srcId="{49143118-4EC4-B640-8C5A-D09CC10268DE}" destId="{5681F244-185D-BB4B-950B-713F466570DA}" srcOrd="1" destOrd="0" presId="urn:microsoft.com/office/officeart/2005/8/layout/process5"/>
+    <dgm:cxn modelId="{ADCC39AC-8B8C-1944-9349-D9B4368C22DD}" type="presParOf" srcId="{5681F244-185D-BB4B-950B-713F466570DA}" destId="{3DC26FF5-56EA-7C4A-9DF8-6F6417F2A0D7}" srcOrd="0" destOrd="0" presId="urn:microsoft.com/office/officeart/2005/8/layout/process5"/>
+    <dgm:cxn modelId="{67089E4A-428F-0943-8C09-EBE498818934}" type="presParOf" srcId="{49143118-4EC4-B640-8C5A-D09CC10268DE}" destId="{08012776-5F8A-CD42-B350-4F213480EEE6}" srcOrd="2" destOrd="0" presId="urn:microsoft.com/office/officeart/2005/8/layout/process5"/>
+    <dgm:cxn modelId="{8542AE8E-0675-3A41-B0EA-996D33EAF951}" type="presParOf" srcId="{49143118-4EC4-B640-8C5A-D09CC10268DE}" destId="{6239EBE0-D4CE-FF43-BD25-C63735294CC6}" srcOrd="3" destOrd="0" presId="urn:microsoft.com/office/officeart/2005/8/layout/process5"/>
+    <dgm:cxn modelId="{C1291472-D655-7D45-8A89-CA6BEE1594F2}" type="presParOf" srcId="{6239EBE0-D4CE-FF43-BD25-C63735294CC6}" destId="{5AC6CAE5-9193-384D-9EE2-CF51BC174DD6}" srcOrd="0" destOrd="0" presId="urn:microsoft.com/office/officeart/2005/8/layout/process5"/>
+    <dgm:cxn modelId="{B7E1FF1A-F03A-A844-8490-36AB37BBA075}" type="presParOf" srcId="{49143118-4EC4-B640-8C5A-D09CC10268DE}" destId="{8E91D48A-AF0F-6B49-A3A4-A04982AD432C}" srcOrd="4" destOrd="0" presId="urn:microsoft.com/office/officeart/2005/8/layout/process5"/>
+    <dgm:cxn modelId="{FD01BD06-2533-F442-8D4F-E60434675C49}" type="presParOf" srcId="{49143118-4EC4-B640-8C5A-D09CC10268DE}" destId="{74098E3D-DA85-B84E-86B0-7B90E8C1847E}" srcOrd="5" destOrd="0" presId="urn:microsoft.com/office/officeart/2005/8/layout/process5"/>
+    <dgm:cxn modelId="{6367377B-7F08-114B-89CE-AD441A01DC30}" type="presParOf" srcId="{74098E3D-DA85-B84E-86B0-7B90E8C1847E}" destId="{0B565E8D-FA7C-5B4B-8746-56A4B62D194E}" srcOrd="0" destOrd="0" presId="urn:microsoft.com/office/officeart/2005/8/layout/process5"/>
+    <dgm:cxn modelId="{83B41385-BE43-4141-AED7-178F1C3BCBB8}" type="presParOf" srcId="{49143118-4EC4-B640-8C5A-D09CC10268DE}" destId="{D29C2B53-E1C9-9746-8675-5932C807E1A9}" srcOrd="6" destOrd="0" presId="urn:microsoft.com/office/officeart/2005/8/layout/process5"/>
+    <dgm:cxn modelId="{97786434-ED49-9F44-8835-1AD2565292DB}" type="presParOf" srcId="{49143118-4EC4-B640-8C5A-D09CC10268DE}" destId="{514134DF-8D4D-4343-A2AF-E5BDF0F6B357}" srcOrd="7" destOrd="0" presId="urn:microsoft.com/office/officeart/2005/8/layout/process5"/>
+    <dgm:cxn modelId="{D10B821F-A868-C346-809F-F3E546253C54}" type="presParOf" srcId="{514134DF-8D4D-4343-A2AF-E5BDF0F6B357}" destId="{4B9597FD-3109-F24E-888F-380DE8436BBF}" srcOrd="0" destOrd="0" presId="urn:microsoft.com/office/officeart/2005/8/layout/process5"/>
+    <dgm:cxn modelId="{A2B89FE7-B96D-7D47-B150-71BEE8F3A516}" type="presParOf" srcId="{49143118-4EC4-B640-8C5A-D09CC10268DE}" destId="{FDD9AA42-34A8-4A4A-B773-8DFEE194A196}" srcOrd="8" destOrd="0" presId="urn:microsoft.com/office/officeart/2005/8/layout/process5"/>
+    <dgm:cxn modelId="{7F98052C-CC0A-A746-9D6C-B05DF3B639D5}" type="presParOf" srcId="{49143118-4EC4-B640-8C5A-D09CC10268DE}" destId="{F6079404-8DFE-6B4F-B984-74995EF78CEF}" srcOrd="9" destOrd="0" presId="urn:microsoft.com/office/officeart/2005/8/layout/process5"/>
+    <dgm:cxn modelId="{44C851E3-5CEF-5948-B5BA-3C72586E52CF}" type="presParOf" srcId="{F6079404-8DFE-6B4F-B984-74995EF78CEF}" destId="{252A18B4-640E-5A4B-9870-E120E2911766}" srcOrd="0" destOrd="0" presId="urn:microsoft.com/office/officeart/2005/8/layout/process5"/>
+    <dgm:cxn modelId="{798468B8-783A-9F4E-829E-BCB1B02ECE12}" type="presParOf" srcId="{49143118-4EC4-B640-8C5A-D09CC10268DE}" destId="{A376AB59-0D87-B34C-A258-80F2DE22F1B2}" srcOrd="10" destOrd="0" presId="urn:microsoft.com/office/officeart/2005/8/layout/process5"/>
+    <dgm:cxn modelId="{3314CF19-A546-DB4D-A25F-0B12BBC71F8D}" type="presParOf" srcId="{49143118-4EC4-B640-8C5A-D09CC10268DE}" destId="{46EC6974-58E8-9B4B-B340-4C77ADD4C9B9}" srcOrd="11" destOrd="0" presId="urn:microsoft.com/office/officeart/2005/8/layout/process5"/>
+    <dgm:cxn modelId="{D8583919-97D5-8D4B-B2A3-306C87097E4E}" type="presParOf" srcId="{46EC6974-58E8-9B4B-B340-4C77ADD4C9B9}" destId="{D48D1F4C-E94B-044F-A46A-2189EBE61603}" srcOrd="0" destOrd="0" presId="urn:microsoft.com/office/officeart/2005/8/layout/process5"/>
+    <dgm:cxn modelId="{44EBA0B4-976A-FC46-A1DC-55B71DD3D6A0}" type="presParOf" srcId="{49143118-4EC4-B640-8C5A-D09CC10268DE}" destId="{A8E6A842-E110-0E42-AEEE-3AAA62F9B98B}" srcOrd="12" destOrd="0" presId="urn:microsoft.com/office/officeart/2005/8/layout/process5"/>
+    <dgm:cxn modelId="{CE3F5E8E-34D5-5B4B-AC7F-42CAE6E58CCD}" type="presParOf" srcId="{49143118-4EC4-B640-8C5A-D09CC10268DE}" destId="{DE7618B1-A375-7B4F-8D72-5D2FD5716DCA}" srcOrd="13" destOrd="0" presId="urn:microsoft.com/office/officeart/2005/8/layout/process5"/>
+    <dgm:cxn modelId="{5C19A9B5-BA81-2244-B8D6-1DB520A0AA43}" type="presParOf" srcId="{DE7618B1-A375-7B4F-8D72-5D2FD5716DCA}" destId="{2DECBB58-FA24-E64B-BABA-E980490541C3}" srcOrd="0" destOrd="0" presId="urn:microsoft.com/office/officeart/2005/8/layout/process5"/>
+    <dgm:cxn modelId="{25BDA7C4-CD0D-BD48-AF5B-B65822E57D7B}" type="presParOf" srcId="{49143118-4EC4-B640-8C5A-D09CC10268DE}" destId="{1C6D6C8F-61BC-804B-A02A-F1E41BFFAE7D}" srcOrd="14" destOrd="0" presId="urn:microsoft.com/office/officeart/2005/8/layout/process5"/>
+    <dgm:cxn modelId="{B2896502-9959-A54C-A101-059E45AD09A0}" type="presParOf" srcId="{49143118-4EC4-B640-8C5A-D09CC10268DE}" destId="{19C64962-A697-8340-B219-236B05177FAF}" srcOrd="15" destOrd="0" presId="urn:microsoft.com/office/officeart/2005/8/layout/process5"/>
+    <dgm:cxn modelId="{06AC28FD-A9E0-8141-9C87-C76BFCE9F859}" type="presParOf" srcId="{19C64962-A697-8340-B219-236B05177FAF}" destId="{18417CB2-18FC-1741-834C-4F9306C1C43C}" srcOrd="0" destOrd="0" presId="urn:microsoft.com/office/officeart/2005/8/layout/process5"/>
+    <dgm:cxn modelId="{EE791C75-C35C-1B45-A383-2EFBBEA8E6FE}" type="presParOf" srcId="{49143118-4EC4-B640-8C5A-D09CC10268DE}" destId="{FDE7F5A7-A857-6443-96EC-3785EE65F296}" srcOrd="16" destOrd="0" presId="urn:microsoft.com/office/officeart/2005/8/layout/process5"/>
+    <dgm:cxn modelId="{163237D3-D577-1648-A9B8-B011DE847A4A}" type="presParOf" srcId="{49143118-4EC4-B640-8C5A-D09CC10268DE}" destId="{79104E31-0F31-D148-A9AF-883F3C634927}" srcOrd="17" destOrd="0" presId="urn:microsoft.com/office/officeart/2005/8/layout/process5"/>
+    <dgm:cxn modelId="{A238C635-16E9-7A43-8F33-74187046E9E2}" type="presParOf" srcId="{79104E31-0F31-D148-A9AF-883F3C634927}" destId="{32C37E79-0CF2-F349-86BF-F796687EF9C8}" srcOrd="0" destOrd="0" presId="urn:microsoft.com/office/officeart/2005/8/layout/process5"/>
+    <dgm:cxn modelId="{D8D00CF3-8182-7540-8DC1-0F85CA4087DA}" type="presParOf" srcId="{49143118-4EC4-B640-8C5A-D09CC10268DE}" destId="{9F9A02F9-F6D6-4E40-AE9D-C9F36A8A4DFA}" srcOrd="18" destOrd="0" presId="urn:microsoft.com/office/officeart/2005/8/layout/process5"/>
+  </dgm:cxnLst>
+  <dgm:bg/>
+  <dgm:whole/>
+  <dgm:extLst>
+    <a:ext uri="http://schemas.microsoft.com/office/drawing/2008/diagram">
+      <dsp:dataModelExt xmlns:dsp="http://schemas.microsoft.com/office/drawing/2008/diagram" relId="rId6" minVer="http://schemas.openxmlformats.org/drawingml/2006/diagram"/>
+    </a:ext>
+  </dgm:extLst>
+</dgm:dataModel>
+</file>
+
 <file path=ppt/diagrams/drawing1.xml><?xml version="1.0" encoding="utf-8"?>
 <dsp:drawing xmlns:dgm="http://schemas.openxmlformats.org/drawingml/2006/diagram" xmlns:dsp="http://schemas.microsoft.com/office/drawing/2008/diagram" xmlns:a="http://schemas.openxmlformats.org/drawingml/2006/main">
   <dsp:spTree>
@@ -4066,6 +5840,1491 @@
       <dsp:txXfrm>
         <a:off x="3212720" y="5052654"/>
         <a:ext cx="2183175" cy="1278095"/>
+      </dsp:txXfrm>
+    </dsp:sp>
+  </dsp:spTree>
+</dsp:drawing>
+</file>
+
+<file path=ppt/diagrams/drawing2.xml><?xml version="1.0" encoding="utf-8"?>
+<dsp:drawing xmlns:dgm="http://schemas.openxmlformats.org/drawingml/2006/diagram" xmlns:dsp="http://schemas.microsoft.com/office/drawing/2008/diagram" xmlns:a="http://schemas.openxmlformats.org/drawingml/2006/main">
+  <dsp:spTree>
+    <dsp:nvGrpSpPr>
+      <dsp:cNvPr id="0" name=""/>
+      <dsp:cNvGrpSpPr/>
+    </dsp:nvGrpSpPr>
+    <dsp:grpSpPr/>
+    <dsp:sp modelId="{7701DEB5-F741-C347-9B4C-2922656CB7D6}">
+      <dsp:nvSpPr>
+        <dsp:cNvPr id="0" name=""/>
+        <dsp:cNvSpPr/>
+      </dsp:nvSpPr>
+      <dsp:spPr>
+        <a:xfrm>
+          <a:off x="572778" y="1311"/>
+          <a:ext cx="2102939" cy="1261763"/>
+        </a:xfrm>
+        <a:prstGeom prst="roundRect">
+          <a:avLst>
+            <a:gd name="adj" fmla="val 10000"/>
+          </a:avLst>
+        </a:prstGeom>
+        <a:solidFill>
+          <a:schemeClr val="accent2">
+            <a:hueOff val="0"/>
+            <a:satOff val="0"/>
+            <a:lumOff val="0"/>
+            <a:alphaOff val="0"/>
+          </a:schemeClr>
+        </a:solidFill>
+        <a:ln w="25400" cap="flat" cmpd="sng" algn="ctr">
+          <a:solidFill>
+            <a:schemeClr val="lt1">
+              <a:hueOff val="0"/>
+              <a:satOff val="0"/>
+              <a:lumOff val="0"/>
+              <a:alphaOff val="0"/>
+            </a:schemeClr>
+          </a:solidFill>
+          <a:prstDash val="solid"/>
+        </a:ln>
+        <a:effectLst/>
+      </dsp:spPr>
+      <dsp:style>
+        <a:lnRef idx="2">
+          <a:scrgbClr r="0" g="0" b="0"/>
+        </a:lnRef>
+        <a:fillRef idx="1">
+          <a:scrgbClr r="0" g="0" b="0"/>
+        </a:fillRef>
+        <a:effectRef idx="0">
+          <a:scrgbClr r="0" g="0" b="0"/>
+        </a:effectRef>
+        <a:fontRef idx="minor">
+          <a:schemeClr val="lt1"/>
+        </a:fontRef>
+      </dsp:style>
+      <dsp:txBody>
+        <a:bodyPr spcFirstLastPara="0" vert="horz" wrap="square" lIns="60960" tIns="60960" rIns="60960" bIns="60960" numCol="1" spcCol="1270" anchor="ctr" anchorCtr="0">
+          <a:noAutofit/>
+        </a:bodyPr>
+        <a:lstStyle/>
+        <a:p>
+          <a:pPr marL="0" lvl="0" indent="0" algn="ctr" defTabSz="711200">
+            <a:lnSpc>
+              <a:spcPct val="90000"/>
+            </a:lnSpc>
+            <a:spcBef>
+              <a:spcPct val="0"/>
+            </a:spcBef>
+            <a:spcAft>
+              <a:spcPct val="35000"/>
+            </a:spcAft>
+            <a:buNone/>
+          </a:pPr>
+          <a:r>
+            <a:rPr lang="en-US" sz="1600" kern="1200" dirty="0"/>
+            <a:t>Get Data</a:t>
+          </a:r>
+        </a:p>
+      </dsp:txBody>
+      <dsp:txXfrm>
+        <a:off x="609734" y="38267"/>
+        <a:ext cx="2029027" cy="1187851"/>
+      </dsp:txXfrm>
+    </dsp:sp>
+    <dsp:sp modelId="{5681F244-185D-BB4B-950B-713F466570DA}">
+      <dsp:nvSpPr>
+        <dsp:cNvPr id="0" name=""/>
+        <dsp:cNvSpPr/>
+      </dsp:nvSpPr>
+      <dsp:spPr>
+        <a:xfrm>
+          <a:off x="2860775" y="371428"/>
+          <a:ext cx="445823" cy="521528"/>
+        </a:xfrm>
+        <a:prstGeom prst="rightArrow">
+          <a:avLst>
+            <a:gd name="adj1" fmla="val 60000"/>
+            <a:gd name="adj2" fmla="val 50000"/>
+          </a:avLst>
+        </a:prstGeom>
+        <a:solidFill>
+          <a:schemeClr val="accent2">
+            <a:hueOff val="0"/>
+            <a:satOff val="0"/>
+            <a:lumOff val="0"/>
+            <a:alphaOff val="0"/>
+          </a:schemeClr>
+        </a:solidFill>
+        <a:ln>
+          <a:noFill/>
+        </a:ln>
+        <a:effectLst/>
+      </dsp:spPr>
+      <dsp:style>
+        <a:lnRef idx="0">
+          <a:scrgbClr r="0" g="0" b="0"/>
+        </a:lnRef>
+        <a:fillRef idx="1">
+          <a:scrgbClr r="0" g="0" b="0"/>
+        </a:fillRef>
+        <a:effectRef idx="0">
+          <a:scrgbClr r="0" g="0" b="0"/>
+        </a:effectRef>
+        <a:fontRef idx="minor">
+          <a:schemeClr val="lt1"/>
+        </a:fontRef>
+      </dsp:style>
+      <dsp:txBody>
+        <a:bodyPr spcFirstLastPara="0" vert="horz" wrap="square" lIns="0" tIns="0" rIns="0" bIns="0" numCol="1" spcCol="1270" anchor="ctr" anchorCtr="0">
+          <a:noAutofit/>
+        </a:bodyPr>
+        <a:lstStyle/>
+        <a:p>
+          <a:pPr marL="0" lvl="0" indent="0" algn="ctr" defTabSz="577850">
+            <a:lnSpc>
+              <a:spcPct val="90000"/>
+            </a:lnSpc>
+            <a:spcBef>
+              <a:spcPct val="0"/>
+            </a:spcBef>
+            <a:spcAft>
+              <a:spcPct val="35000"/>
+            </a:spcAft>
+            <a:buNone/>
+          </a:pPr>
+          <a:endParaRPr lang="en-US" sz="1300" kern="1200"/>
+        </a:p>
+      </dsp:txBody>
+      <dsp:txXfrm>
+        <a:off x="2860775" y="475734"/>
+        <a:ext cx="312076" cy="312916"/>
+      </dsp:txXfrm>
+    </dsp:sp>
+    <dsp:sp modelId="{08012776-5F8A-CD42-B350-4F213480EEE6}">
+      <dsp:nvSpPr>
+        <dsp:cNvPr id="0" name=""/>
+        <dsp:cNvSpPr/>
+      </dsp:nvSpPr>
+      <dsp:spPr>
+        <a:xfrm>
+          <a:off x="3516892" y="1311"/>
+          <a:ext cx="2102939" cy="1261763"/>
+        </a:xfrm>
+        <a:prstGeom prst="roundRect">
+          <a:avLst>
+            <a:gd name="adj" fmla="val 10000"/>
+          </a:avLst>
+        </a:prstGeom>
+        <a:solidFill>
+          <a:schemeClr val="tx1">
+            <a:lumMod val="50000"/>
+            <a:lumOff val="50000"/>
+          </a:schemeClr>
+        </a:solidFill>
+        <a:ln w="25400" cap="flat" cmpd="sng" algn="ctr">
+          <a:solidFill>
+            <a:schemeClr val="lt1">
+              <a:hueOff val="0"/>
+              <a:satOff val="0"/>
+              <a:lumOff val="0"/>
+              <a:alphaOff val="0"/>
+            </a:schemeClr>
+          </a:solidFill>
+          <a:prstDash val="solid"/>
+        </a:ln>
+        <a:effectLst/>
+      </dsp:spPr>
+      <dsp:style>
+        <a:lnRef idx="2">
+          <a:scrgbClr r="0" g="0" b="0"/>
+        </a:lnRef>
+        <a:fillRef idx="1">
+          <a:scrgbClr r="0" g="0" b="0"/>
+        </a:fillRef>
+        <a:effectRef idx="0">
+          <a:scrgbClr r="0" g="0" b="0"/>
+        </a:effectRef>
+        <a:fontRef idx="minor">
+          <a:schemeClr val="lt1"/>
+        </a:fontRef>
+      </dsp:style>
+      <dsp:txBody>
+        <a:bodyPr spcFirstLastPara="0" vert="horz" wrap="square" lIns="60960" tIns="60960" rIns="60960" bIns="60960" numCol="1" spcCol="1270" anchor="ctr" anchorCtr="0">
+          <a:noAutofit/>
+        </a:bodyPr>
+        <a:lstStyle/>
+        <a:p>
+          <a:pPr marL="0" lvl="0" indent="0" algn="ctr" defTabSz="711200">
+            <a:lnSpc>
+              <a:spcPct val="90000"/>
+            </a:lnSpc>
+            <a:spcBef>
+              <a:spcPct val="0"/>
+            </a:spcBef>
+            <a:spcAft>
+              <a:spcPct val="35000"/>
+            </a:spcAft>
+            <a:buNone/>
+          </a:pPr>
+          <a:r>
+            <a:rPr lang="en-US" sz="1600" kern="1200" dirty="0"/>
+            <a:t>Integrate Data</a:t>
+          </a:r>
+        </a:p>
+      </dsp:txBody>
+      <dsp:txXfrm>
+        <a:off x="3553848" y="38267"/>
+        <a:ext cx="2029027" cy="1187851"/>
+      </dsp:txXfrm>
+    </dsp:sp>
+    <dsp:sp modelId="{6239EBE0-D4CE-FF43-BD25-C63735294CC6}">
+      <dsp:nvSpPr>
+        <dsp:cNvPr id="0" name=""/>
+        <dsp:cNvSpPr/>
+      </dsp:nvSpPr>
+      <dsp:spPr>
+        <a:xfrm>
+          <a:off x="5804890" y="371428"/>
+          <a:ext cx="445823" cy="521528"/>
+        </a:xfrm>
+        <a:prstGeom prst="rightArrow">
+          <a:avLst>
+            <a:gd name="adj1" fmla="val 60000"/>
+            <a:gd name="adj2" fmla="val 50000"/>
+          </a:avLst>
+        </a:prstGeom>
+        <a:solidFill>
+          <a:schemeClr val="accent3">
+            <a:hueOff val="0"/>
+            <a:satOff val="0"/>
+            <a:lumOff val="0"/>
+            <a:alphaOff val="0"/>
+          </a:schemeClr>
+        </a:solidFill>
+        <a:ln>
+          <a:noFill/>
+        </a:ln>
+        <a:effectLst/>
+      </dsp:spPr>
+      <dsp:style>
+        <a:lnRef idx="0">
+          <a:scrgbClr r="0" g="0" b="0"/>
+        </a:lnRef>
+        <a:fillRef idx="1">
+          <a:scrgbClr r="0" g="0" b="0"/>
+        </a:fillRef>
+        <a:effectRef idx="0">
+          <a:scrgbClr r="0" g="0" b="0"/>
+        </a:effectRef>
+        <a:fontRef idx="minor">
+          <a:schemeClr val="lt1"/>
+        </a:fontRef>
+      </dsp:style>
+      <dsp:txBody>
+        <a:bodyPr spcFirstLastPara="0" vert="horz" wrap="square" lIns="0" tIns="0" rIns="0" bIns="0" numCol="1" spcCol="1270" anchor="ctr" anchorCtr="0">
+          <a:noAutofit/>
+        </a:bodyPr>
+        <a:lstStyle/>
+        <a:p>
+          <a:pPr marL="0" lvl="0" indent="0" algn="ctr" defTabSz="577850">
+            <a:lnSpc>
+              <a:spcPct val="90000"/>
+            </a:lnSpc>
+            <a:spcBef>
+              <a:spcPct val="0"/>
+            </a:spcBef>
+            <a:spcAft>
+              <a:spcPct val="35000"/>
+            </a:spcAft>
+            <a:buNone/>
+          </a:pPr>
+          <a:endParaRPr lang="en-US" sz="1300" kern="1200"/>
+        </a:p>
+      </dsp:txBody>
+      <dsp:txXfrm>
+        <a:off x="5804890" y="475734"/>
+        <a:ext cx="312076" cy="312916"/>
+      </dsp:txXfrm>
+    </dsp:sp>
+    <dsp:sp modelId="{8E91D48A-AF0F-6B49-A3A4-A04982AD432C}">
+      <dsp:nvSpPr>
+        <dsp:cNvPr id="0" name=""/>
+        <dsp:cNvSpPr/>
+      </dsp:nvSpPr>
+      <dsp:spPr>
+        <a:xfrm>
+          <a:off x="6461007" y="1311"/>
+          <a:ext cx="2102939" cy="1261763"/>
+        </a:xfrm>
+        <a:prstGeom prst="roundRect">
+          <a:avLst>
+            <a:gd name="adj" fmla="val 10000"/>
+          </a:avLst>
+        </a:prstGeom>
+        <a:solidFill>
+          <a:schemeClr val="accent5">
+            <a:lumMod val="75000"/>
+          </a:schemeClr>
+        </a:solidFill>
+        <a:ln w="25400" cap="flat" cmpd="sng" algn="ctr">
+          <a:solidFill>
+            <a:schemeClr val="lt1">
+              <a:hueOff val="0"/>
+              <a:satOff val="0"/>
+              <a:lumOff val="0"/>
+              <a:alphaOff val="0"/>
+            </a:schemeClr>
+          </a:solidFill>
+          <a:prstDash val="solid"/>
+        </a:ln>
+        <a:effectLst/>
+      </dsp:spPr>
+      <dsp:style>
+        <a:lnRef idx="2">
+          <a:scrgbClr r="0" g="0" b="0"/>
+        </a:lnRef>
+        <a:fillRef idx="1">
+          <a:scrgbClr r="0" g="0" b="0"/>
+        </a:fillRef>
+        <a:effectRef idx="0">
+          <a:scrgbClr r="0" g="0" b="0"/>
+        </a:effectRef>
+        <a:fontRef idx="minor">
+          <a:schemeClr val="lt1"/>
+        </a:fontRef>
+      </dsp:style>
+      <dsp:txBody>
+        <a:bodyPr spcFirstLastPara="0" vert="horz" wrap="square" lIns="60960" tIns="60960" rIns="60960" bIns="60960" numCol="1" spcCol="1270" anchor="ctr" anchorCtr="0">
+          <a:noAutofit/>
+        </a:bodyPr>
+        <a:lstStyle/>
+        <a:p>
+          <a:pPr marL="0" lvl="0" indent="0" algn="ctr" defTabSz="711200">
+            <a:lnSpc>
+              <a:spcPct val="90000"/>
+            </a:lnSpc>
+            <a:spcBef>
+              <a:spcPct val="0"/>
+            </a:spcBef>
+            <a:spcAft>
+              <a:spcPct val="35000"/>
+            </a:spcAft>
+            <a:buNone/>
+          </a:pPr>
+          <a:r>
+            <a:rPr lang="en-US" sz="1600" kern="1200" dirty="0"/>
+            <a:t>Process Data</a:t>
+          </a:r>
+        </a:p>
+      </dsp:txBody>
+      <dsp:txXfrm>
+        <a:off x="6497963" y="38267"/>
+        <a:ext cx="2029027" cy="1187851"/>
+      </dsp:txXfrm>
+    </dsp:sp>
+    <dsp:sp modelId="{74098E3D-DA85-B84E-86B0-7B90E8C1847E}">
+      <dsp:nvSpPr>
+        <dsp:cNvPr id="0" name=""/>
+        <dsp:cNvSpPr/>
+      </dsp:nvSpPr>
+      <dsp:spPr>
+        <a:xfrm>
+          <a:off x="8749004" y="371428"/>
+          <a:ext cx="445823" cy="521528"/>
+        </a:xfrm>
+        <a:prstGeom prst="rightArrow">
+          <a:avLst>
+            <a:gd name="adj1" fmla="val 60000"/>
+            <a:gd name="adj2" fmla="val 50000"/>
+          </a:avLst>
+        </a:prstGeom>
+        <a:solidFill>
+          <a:schemeClr val="accent4">
+            <a:hueOff val="0"/>
+            <a:satOff val="0"/>
+            <a:lumOff val="0"/>
+            <a:alphaOff val="0"/>
+          </a:schemeClr>
+        </a:solidFill>
+        <a:ln>
+          <a:noFill/>
+        </a:ln>
+        <a:effectLst/>
+      </dsp:spPr>
+      <dsp:style>
+        <a:lnRef idx="0">
+          <a:scrgbClr r="0" g="0" b="0"/>
+        </a:lnRef>
+        <a:fillRef idx="1">
+          <a:scrgbClr r="0" g="0" b="0"/>
+        </a:fillRef>
+        <a:effectRef idx="0">
+          <a:scrgbClr r="0" g="0" b="0"/>
+        </a:effectRef>
+        <a:fontRef idx="minor">
+          <a:schemeClr val="lt1"/>
+        </a:fontRef>
+      </dsp:style>
+      <dsp:txBody>
+        <a:bodyPr spcFirstLastPara="0" vert="horz" wrap="square" lIns="0" tIns="0" rIns="0" bIns="0" numCol="1" spcCol="1270" anchor="ctr" anchorCtr="0">
+          <a:noAutofit/>
+        </a:bodyPr>
+        <a:lstStyle/>
+        <a:p>
+          <a:pPr marL="0" lvl="0" indent="0" algn="ctr" defTabSz="577850">
+            <a:lnSpc>
+              <a:spcPct val="90000"/>
+            </a:lnSpc>
+            <a:spcBef>
+              <a:spcPct val="0"/>
+            </a:spcBef>
+            <a:spcAft>
+              <a:spcPct val="35000"/>
+            </a:spcAft>
+            <a:buNone/>
+          </a:pPr>
+          <a:endParaRPr lang="en-US" sz="1300" kern="1200"/>
+        </a:p>
+      </dsp:txBody>
+      <dsp:txXfrm>
+        <a:off x="8749004" y="475734"/>
+        <a:ext cx="312076" cy="312916"/>
+      </dsp:txXfrm>
+    </dsp:sp>
+    <dsp:sp modelId="{D29C2B53-E1C9-9746-8675-5932C807E1A9}">
+      <dsp:nvSpPr>
+        <dsp:cNvPr id="0" name=""/>
+        <dsp:cNvSpPr/>
+      </dsp:nvSpPr>
+      <dsp:spPr>
+        <a:xfrm>
+          <a:off x="9405121" y="1311"/>
+          <a:ext cx="2102939" cy="1261763"/>
+        </a:xfrm>
+        <a:prstGeom prst="roundRect">
+          <a:avLst>
+            <a:gd name="adj" fmla="val 10000"/>
+          </a:avLst>
+        </a:prstGeom>
+        <a:solidFill>
+          <a:schemeClr val="accent5">
+            <a:hueOff val="0"/>
+            <a:satOff val="0"/>
+            <a:lumOff val="0"/>
+            <a:alphaOff val="0"/>
+          </a:schemeClr>
+        </a:solidFill>
+        <a:ln w="25400" cap="flat" cmpd="sng" algn="ctr">
+          <a:solidFill>
+            <a:schemeClr val="lt1">
+              <a:hueOff val="0"/>
+              <a:satOff val="0"/>
+              <a:lumOff val="0"/>
+              <a:alphaOff val="0"/>
+            </a:schemeClr>
+          </a:solidFill>
+          <a:prstDash val="solid"/>
+        </a:ln>
+        <a:effectLst/>
+      </dsp:spPr>
+      <dsp:style>
+        <a:lnRef idx="2">
+          <a:scrgbClr r="0" g="0" b="0"/>
+        </a:lnRef>
+        <a:fillRef idx="1">
+          <a:scrgbClr r="0" g="0" b="0"/>
+        </a:fillRef>
+        <a:effectRef idx="0">
+          <a:scrgbClr r="0" g="0" b="0"/>
+        </a:effectRef>
+        <a:fontRef idx="minor">
+          <a:schemeClr val="lt1"/>
+        </a:fontRef>
+      </dsp:style>
+      <dsp:txBody>
+        <a:bodyPr spcFirstLastPara="0" vert="horz" wrap="square" lIns="60960" tIns="60960" rIns="60960" bIns="60960" numCol="1" spcCol="1270" anchor="ctr" anchorCtr="0">
+          <a:noAutofit/>
+        </a:bodyPr>
+        <a:lstStyle/>
+        <a:p>
+          <a:pPr marL="0" lvl="0" indent="0" algn="ctr" defTabSz="711200">
+            <a:lnSpc>
+              <a:spcPct val="90000"/>
+            </a:lnSpc>
+            <a:spcBef>
+              <a:spcPct val="0"/>
+            </a:spcBef>
+            <a:spcAft>
+              <a:spcPct val="35000"/>
+            </a:spcAft>
+            <a:buNone/>
+          </a:pPr>
+          <a:r>
+            <a:rPr lang="en-US" sz="1600" kern="1200" dirty="0"/>
+            <a:t>Explore Data</a:t>
+          </a:r>
+        </a:p>
+      </dsp:txBody>
+      <dsp:txXfrm>
+        <a:off x="9442077" y="38267"/>
+        <a:ext cx="2029027" cy="1187851"/>
+      </dsp:txXfrm>
+    </dsp:sp>
+    <dsp:sp modelId="{514134DF-8D4D-4343-A2AF-E5BDF0F6B357}">
+      <dsp:nvSpPr>
+        <dsp:cNvPr id="0" name=""/>
+        <dsp:cNvSpPr/>
+      </dsp:nvSpPr>
+      <dsp:spPr>
+        <a:xfrm rot="5400000">
+          <a:off x="10233679" y="1410280"/>
+          <a:ext cx="445823" cy="521528"/>
+        </a:xfrm>
+        <a:prstGeom prst="rightArrow">
+          <a:avLst>
+            <a:gd name="adj1" fmla="val 60000"/>
+            <a:gd name="adj2" fmla="val 50000"/>
+          </a:avLst>
+        </a:prstGeom>
+        <a:solidFill>
+          <a:schemeClr val="accent5">
+            <a:hueOff val="0"/>
+            <a:satOff val="0"/>
+            <a:lumOff val="0"/>
+            <a:alphaOff val="0"/>
+          </a:schemeClr>
+        </a:solidFill>
+        <a:ln>
+          <a:noFill/>
+        </a:ln>
+        <a:effectLst/>
+      </dsp:spPr>
+      <dsp:style>
+        <a:lnRef idx="0">
+          <a:scrgbClr r="0" g="0" b="0"/>
+        </a:lnRef>
+        <a:fillRef idx="1">
+          <a:scrgbClr r="0" g="0" b="0"/>
+        </a:fillRef>
+        <a:effectRef idx="0">
+          <a:scrgbClr r="0" g="0" b="0"/>
+        </a:effectRef>
+        <a:fontRef idx="minor">
+          <a:schemeClr val="lt1"/>
+        </a:fontRef>
+      </dsp:style>
+      <dsp:txBody>
+        <a:bodyPr spcFirstLastPara="0" vert="horz" wrap="square" lIns="0" tIns="0" rIns="0" bIns="0" numCol="1" spcCol="1270" anchor="ctr" anchorCtr="0">
+          <a:noAutofit/>
+        </a:bodyPr>
+        <a:lstStyle/>
+        <a:p>
+          <a:pPr marL="0" lvl="0" indent="0" algn="ctr" defTabSz="577850">
+            <a:lnSpc>
+              <a:spcPct val="90000"/>
+            </a:lnSpc>
+            <a:spcBef>
+              <a:spcPct val="0"/>
+            </a:spcBef>
+            <a:spcAft>
+              <a:spcPct val="35000"/>
+            </a:spcAft>
+            <a:buNone/>
+          </a:pPr>
+          <a:endParaRPr lang="en-US" sz="1300" kern="1200"/>
+        </a:p>
+      </dsp:txBody>
+      <dsp:txXfrm rot="-5400000">
+        <a:off x="10300133" y="1448133"/>
+        <a:ext cx="312916" cy="312076"/>
+      </dsp:txXfrm>
+    </dsp:sp>
+    <dsp:sp modelId="{FDD9AA42-34A8-4A4A-B773-8DFEE194A196}">
+      <dsp:nvSpPr>
+        <dsp:cNvPr id="0" name=""/>
+        <dsp:cNvSpPr/>
+      </dsp:nvSpPr>
+      <dsp:spPr>
+        <a:xfrm>
+          <a:off x="9405121" y="2104250"/>
+          <a:ext cx="2102939" cy="1261763"/>
+        </a:xfrm>
+        <a:prstGeom prst="roundRect">
+          <a:avLst>
+            <a:gd name="adj" fmla="val 10000"/>
+          </a:avLst>
+        </a:prstGeom>
+        <a:solidFill>
+          <a:srgbClr val="00B050"/>
+        </a:solidFill>
+        <a:ln w="25400" cap="flat" cmpd="sng" algn="ctr">
+          <a:solidFill>
+            <a:schemeClr val="lt1">
+              <a:hueOff val="0"/>
+              <a:satOff val="0"/>
+              <a:lumOff val="0"/>
+              <a:alphaOff val="0"/>
+            </a:schemeClr>
+          </a:solidFill>
+          <a:prstDash val="solid"/>
+        </a:ln>
+        <a:effectLst/>
+      </dsp:spPr>
+      <dsp:style>
+        <a:lnRef idx="2">
+          <a:scrgbClr r="0" g="0" b="0"/>
+        </a:lnRef>
+        <a:fillRef idx="1">
+          <a:scrgbClr r="0" g="0" b="0"/>
+        </a:fillRef>
+        <a:effectRef idx="0">
+          <a:scrgbClr r="0" g="0" b="0"/>
+        </a:effectRef>
+        <a:fontRef idx="minor">
+          <a:schemeClr val="lt1"/>
+        </a:fontRef>
+      </dsp:style>
+      <dsp:txBody>
+        <a:bodyPr spcFirstLastPara="0" vert="horz" wrap="square" lIns="60960" tIns="60960" rIns="60960" bIns="60960" numCol="1" spcCol="1270" anchor="t" anchorCtr="0">
+          <a:noAutofit/>
+        </a:bodyPr>
+        <a:lstStyle/>
+        <a:p>
+          <a:pPr marL="0" lvl="0" indent="0" algn="l" defTabSz="711200">
+            <a:lnSpc>
+              <a:spcPct val="90000"/>
+            </a:lnSpc>
+            <a:spcBef>
+              <a:spcPct val="0"/>
+            </a:spcBef>
+            <a:spcAft>
+              <a:spcPct val="35000"/>
+            </a:spcAft>
+            <a:buNone/>
+          </a:pPr>
+          <a:r>
+            <a:rPr lang="en-US" sz="1600" kern="1200" dirty="0"/>
+            <a:t>Prep for Modeling</a:t>
+          </a:r>
+        </a:p>
+        <a:p>
+          <a:pPr marL="114300" lvl="1" indent="-114300" algn="l" defTabSz="533400">
+            <a:lnSpc>
+              <a:spcPct val="90000"/>
+            </a:lnSpc>
+            <a:spcBef>
+              <a:spcPct val="0"/>
+            </a:spcBef>
+            <a:spcAft>
+              <a:spcPct val="15000"/>
+            </a:spcAft>
+            <a:buChar char="•"/>
+          </a:pPr>
+          <a:r>
+            <a:rPr lang="en-US" sz="1200" kern="1200" dirty="0"/>
+            <a:t>label generation</a:t>
+          </a:r>
+        </a:p>
+        <a:p>
+          <a:pPr marL="114300" lvl="1" indent="-114300" algn="l" defTabSz="533400">
+            <a:lnSpc>
+              <a:spcPct val="90000"/>
+            </a:lnSpc>
+            <a:spcBef>
+              <a:spcPct val="0"/>
+            </a:spcBef>
+            <a:spcAft>
+              <a:spcPct val="15000"/>
+            </a:spcAft>
+            <a:buChar char="•"/>
+          </a:pPr>
+          <a:r>
+            <a:rPr lang="en-US" sz="1200" kern="1200" dirty="0"/>
+            <a:t>feature generation</a:t>
+          </a:r>
+        </a:p>
+        <a:p>
+          <a:pPr marL="114300" lvl="1" indent="-114300" algn="l" defTabSz="533400">
+            <a:lnSpc>
+              <a:spcPct val="90000"/>
+            </a:lnSpc>
+            <a:spcBef>
+              <a:spcPct val="0"/>
+            </a:spcBef>
+            <a:spcAft>
+              <a:spcPct val="15000"/>
+            </a:spcAft>
+            <a:buChar char="•"/>
+          </a:pPr>
+          <a:r>
+            <a:rPr lang="en-US" sz="1200" kern="1200" dirty="0"/>
+            <a:t>train-test sets</a:t>
+          </a:r>
+        </a:p>
+        <a:p>
+          <a:pPr marL="114300" lvl="1" indent="-114300" algn="l" defTabSz="533400">
+            <a:lnSpc>
+              <a:spcPct val="90000"/>
+            </a:lnSpc>
+            <a:spcBef>
+              <a:spcPct val="0"/>
+            </a:spcBef>
+            <a:spcAft>
+              <a:spcPct val="15000"/>
+            </a:spcAft>
+            <a:buChar char="•"/>
+          </a:pPr>
+          <a:r>
+            <a:rPr lang="en-US" sz="1200" kern="1200" dirty="0"/>
+            <a:t>matrix generation</a:t>
+          </a:r>
+        </a:p>
+      </dsp:txBody>
+      <dsp:txXfrm>
+        <a:off x="9442077" y="2141206"/>
+        <a:ext cx="2029027" cy="1187851"/>
+      </dsp:txXfrm>
+    </dsp:sp>
+    <dsp:sp modelId="{F6079404-8DFE-6B4F-B984-74995EF78CEF}">
+      <dsp:nvSpPr>
+        <dsp:cNvPr id="0" name=""/>
+        <dsp:cNvSpPr/>
+      </dsp:nvSpPr>
+      <dsp:spPr>
+        <a:xfrm rot="10800000">
+          <a:off x="8774240" y="2474367"/>
+          <a:ext cx="445823" cy="521528"/>
+        </a:xfrm>
+        <a:prstGeom prst="rightArrow">
+          <a:avLst>
+            <a:gd name="adj1" fmla="val 60000"/>
+            <a:gd name="adj2" fmla="val 50000"/>
+          </a:avLst>
+        </a:prstGeom>
+        <a:solidFill>
+          <a:srgbClr val="00B050"/>
+        </a:solidFill>
+        <a:ln>
+          <a:noFill/>
+        </a:ln>
+        <a:effectLst/>
+      </dsp:spPr>
+      <dsp:style>
+        <a:lnRef idx="0">
+          <a:scrgbClr r="0" g="0" b="0"/>
+        </a:lnRef>
+        <a:fillRef idx="1">
+          <a:scrgbClr r="0" g="0" b="0"/>
+        </a:fillRef>
+        <a:effectRef idx="0">
+          <a:scrgbClr r="0" g="0" b="0"/>
+        </a:effectRef>
+        <a:fontRef idx="minor">
+          <a:schemeClr val="lt1"/>
+        </a:fontRef>
+      </dsp:style>
+      <dsp:txBody>
+        <a:bodyPr spcFirstLastPara="0" vert="horz" wrap="square" lIns="0" tIns="0" rIns="0" bIns="0" numCol="1" spcCol="1270" anchor="ctr" anchorCtr="0">
+          <a:noAutofit/>
+        </a:bodyPr>
+        <a:lstStyle/>
+        <a:p>
+          <a:pPr marL="0" lvl="0" indent="0" algn="ctr" defTabSz="577850">
+            <a:lnSpc>
+              <a:spcPct val="90000"/>
+            </a:lnSpc>
+            <a:spcBef>
+              <a:spcPct val="0"/>
+            </a:spcBef>
+            <a:spcAft>
+              <a:spcPct val="35000"/>
+            </a:spcAft>
+            <a:buNone/>
+          </a:pPr>
+          <a:endParaRPr lang="en-US" sz="1300" kern="1200"/>
+        </a:p>
+      </dsp:txBody>
+      <dsp:txXfrm rot="10800000">
+        <a:off x="8907987" y="2578673"/>
+        <a:ext cx="312076" cy="312916"/>
+      </dsp:txXfrm>
+    </dsp:sp>
+    <dsp:sp modelId="{A376AB59-0D87-B34C-A258-80F2DE22F1B2}">
+      <dsp:nvSpPr>
+        <dsp:cNvPr id="0" name=""/>
+        <dsp:cNvSpPr/>
+      </dsp:nvSpPr>
+      <dsp:spPr>
+        <a:xfrm>
+          <a:off x="6461007" y="2104250"/>
+          <a:ext cx="2102939" cy="1261763"/>
+        </a:xfrm>
+        <a:prstGeom prst="roundRect">
+          <a:avLst>
+            <a:gd name="adj" fmla="val 10000"/>
+          </a:avLst>
+        </a:prstGeom>
+        <a:solidFill>
+          <a:schemeClr val="accent6">
+            <a:lumMod val="50000"/>
+          </a:schemeClr>
+        </a:solidFill>
+        <a:ln w="25400" cap="flat" cmpd="sng" algn="ctr">
+          <a:solidFill>
+            <a:schemeClr val="lt1">
+              <a:hueOff val="0"/>
+              <a:satOff val="0"/>
+              <a:lumOff val="0"/>
+              <a:alphaOff val="0"/>
+            </a:schemeClr>
+          </a:solidFill>
+          <a:prstDash val="solid"/>
+        </a:ln>
+        <a:effectLst/>
+      </dsp:spPr>
+      <dsp:style>
+        <a:lnRef idx="2">
+          <a:scrgbClr r="0" g="0" b="0"/>
+        </a:lnRef>
+        <a:fillRef idx="1">
+          <a:scrgbClr r="0" g="0" b="0"/>
+        </a:fillRef>
+        <a:effectRef idx="0">
+          <a:scrgbClr r="0" g="0" b="0"/>
+        </a:effectRef>
+        <a:fontRef idx="minor">
+          <a:schemeClr val="lt1"/>
+        </a:fontRef>
+      </dsp:style>
+      <dsp:txBody>
+        <a:bodyPr spcFirstLastPara="0" vert="horz" wrap="square" lIns="60960" tIns="60960" rIns="60960" bIns="60960" numCol="1" spcCol="1270" anchor="t" anchorCtr="0">
+          <a:noAutofit/>
+        </a:bodyPr>
+        <a:lstStyle/>
+        <a:p>
+          <a:pPr marL="0" lvl="0" indent="0" algn="l" defTabSz="711200">
+            <a:lnSpc>
+              <a:spcPct val="90000"/>
+            </a:lnSpc>
+            <a:spcBef>
+              <a:spcPct val="0"/>
+            </a:spcBef>
+            <a:spcAft>
+              <a:spcPct val="35000"/>
+            </a:spcAft>
+            <a:buNone/>
+          </a:pPr>
+          <a:r>
+            <a:rPr lang="en-US" sz="1600" kern="1200" dirty="0"/>
+            <a:t>Modeling</a:t>
+          </a:r>
+        </a:p>
+        <a:p>
+          <a:pPr marL="114300" lvl="1" indent="-114300" algn="l" defTabSz="533400">
+            <a:lnSpc>
+              <a:spcPct val="90000"/>
+            </a:lnSpc>
+            <a:spcBef>
+              <a:spcPct val="0"/>
+            </a:spcBef>
+            <a:spcAft>
+              <a:spcPct val="15000"/>
+            </a:spcAft>
+            <a:buChar char="•"/>
+          </a:pPr>
+          <a:r>
+            <a:rPr lang="en-US" sz="1200" kern="1200" dirty="0"/>
+            <a:t>train, test, generate metrics</a:t>
+          </a:r>
+        </a:p>
+      </dsp:txBody>
+      <dsp:txXfrm>
+        <a:off x="6497963" y="2141206"/>
+        <a:ext cx="2029027" cy="1187851"/>
+      </dsp:txXfrm>
+    </dsp:sp>
+    <dsp:sp modelId="{46EC6974-58E8-9B4B-B340-4C77ADD4C9B9}">
+      <dsp:nvSpPr>
+        <dsp:cNvPr id="0" name=""/>
+        <dsp:cNvSpPr/>
+      </dsp:nvSpPr>
+      <dsp:spPr>
+        <a:xfrm rot="10800000">
+          <a:off x="5830125" y="2474367"/>
+          <a:ext cx="445823" cy="521528"/>
+        </a:xfrm>
+        <a:prstGeom prst="rightArrow">
+          <a:avLst>
+            <a:gd name="adj1" fmla="val 60000"/>
+            <a:gd name="adj2" fmla="val 50000"/>
+          </a:avLst>
+        </a:prstGeom>
+        <a:solidFill>
+          <a:schemeClr val="accent2">
+            <a:hueOff val="0"/>
+            <a:satOff val="0"/>
+            <a:lumOff val="0"/>
+            <a:alphaOff val="0"/>
+          </a:schemeClr>
+        </a:solidFill>
+        <a:ln>
+          <a:noFill/>
+        </a:ln>
+        <a:effectLst/>
+      </dsp:spPr>
+      <dsp:style>
+        <a:lnRef idx="0">
+          <a:scrgbClr r="0" g="0" b="0"/>
+        </a:lnRef>
+        <a:fillRef idx="1">
+          <a:scrgbClr r="0" g="0" b="0"/>
+        </a:fillRef>
+        <a:effectRef idx="0">
+          <a:scrgbClr r="0" g="0" b="0"/>
+        </a:effectRef>
+        <a:fontRef idx="minor">
+          <a:schemeClr val="lt1"/>
+        </a:fontRef>
+      </dsp:style>
+      <dsp:txBody>
+        <a:bodyPr spcFirstLastPara="0" vert="horz" wrap="square" lIns="0" tIns="0" rIns="0" bIns="0" numCol="1" spcCol="1270" anchor="ctr" anchorCtr="0">
+          <a:noAutofit/>
+        </a:bodyPr>
+        <a:lstStyle/>
+        <a:p>
+          <a:pPr marL="0" lvl="0" indent="0" algn="ctr" defTabSz="577850">
+            <a:lnSpc>
+              <a:spcPct val="90000"/>
+            </a:lnSpc>
+            <a:spcBef>
+              <a:spcPct val="0"/>
+            </a:spcBef>
+            <a:spcAft>
+              <a:spcPct val="35000"/>
+            </a:spcAft>
+            <a:buNone/>
+          </a:pPr>
+          <a:endParaRPr lang="en-US" sz="1300" kern="1200"/>
+        </a:p>
+      </dsp:txBody>
+      <dsp:txXfrm rot="10800000">
+        <a:off x="5963872" y="2578673"/>
+        <a:ext cx="312076" cy="312916"/>
+      </dsp:txXfrm>
+    </dsp:sp>
+    <dsp:sp modelId="{A8E6A842-E110-0E42-AEEE-3AAA62F9B98B}">
+      <dsp:nvSpPr>
+        <dsp:cNvPr id="0" name=""/>
+        <dsp:cNvSpPr/>
+      </dsp:nvSpPr>
+      <dsp:spPr>
+        <a:xfrm>
+          <a:off x="3516892" y="2104250"/>
+          <a:ext cx="2102939" cy="1261763"/>
+        </a:xfrm>
+        <a:prstGeom prst="roundRect">
+          <a:avLst>
+            <a:gd name="adj" fmla="val 10000"/>
+          </a:avLst>
+        </a:prstGeom>
+        <a:solidFill>
+          <a:srgbClr val="92D050"/>
+        </a:solidFill>
+        <a:ln w="25400" cap="flat" cmpd="sng" algn="ctr">
+          <a:solidFill>
+            <a:schemeClr val="lt1">
+              <a:hueOff val="0"/>
+              <a:satOff val="0"/>
+              <a:lumOff val="0"/>
+              <a:alphaOff val="0"/>
+            </a:schemeClr>
+          </a:solidFill>
+          <a:prstDash val="solid"/>
+        </a:ln>
+        <a:effectLst/>
+      </dsp:spPr>
+      <dsp:style>
+        <a:lnRef idx="2">
+          <a:scrgbClr r="0" g="0" b="0"/>
+        </a:lnRef>
+        <a:fillRef idx="1">
+          <a:scrgbClr r="0" g="0" b="0"/>
+        </a:fillRef>
+        <a:effectRef idx="0">
+          <a:scrgbClr r="0" g="0" b="0"/>
+        </a:effectRef>
+        <a:fontRef idx="minor">
+          <a:schemeClr val="lt1"/>
+        </a:fontRef>
+      </dsp:style>
+      <dsp:txBody>
+        <a:bodyPr spcFirstLastPara="0" vert="horz" wrap="square" lIns="60960" tIns="60960" rIns="60960" bIns="60960" numCol="1" spcCol="1270" anchor="ctr" anchorCtr="0">
+          <a:noAutofit/>
+        </a:bodyPr>
+        <a:lstStyle/>
+        <a:p>
+          <a:pPr marL="0" lvl="0" indent="0" algn="ctr" defTabSz="711200">
+            <a:lnSpc>
+              <a:spcPct val="90000"/>
+            </a:lnSpc>
+            <a:spcBef>
+              <a:spcPct val="0"/>
+            </a:spcBef>
+            <a:spcAft>
+              <a:spcPct val="35000"/>
+            </a:spcAft>
+            <a:buNone/>
+          </a:pPr>
+          <a:r>
+            <a:rPr lang="en-US" sz="1600" kern="1200" dirty="0"/>
+            <a:t>Model Selection</a:t>
+          </a:r>
+        </a:p>
+      </dsp:txBody>
+      <dsp:txXfrm>
+        <a:off x="3553848" y="2141206"/>
+        <a:ext cx="2029027" cy="1187851"/>
+      </dsp:txXfrm>
+    </dsp:sp>
+    <dsp:sp modelId="{DE7618B1-A375-7B4F-8D72-5D2FD5716DCA}">
+      <dsp:nvSpPr>
+        <dsp:cNvPr id="0" name=""/>
+        <dsp:cNvSpPr/>
+      </dsp:nvSpPr>
+      <dsp:spPr>
+        <a:xfrm rot="10800000">
+          <a:off x="2886010" y="2474367"/>
+          <a:ext cx="445823" cy="521528"/>
+        </a:xfrm>
+        <a:prstGeom prst="rightArrow">
+          <a:avLst>
+            <a:gd name="adj1" fmla="val 60000"/>
+            <a:gd name="adj2" fmla="val 50000"/>
+          </a:avLst>
+        </a:prstGeom>
+        <a:solidFill>
+          <a:schemeClr val="accent3">
+            <a:hueOff val="0"/>
+            <a:satOff val="0"/>
+            <a:lumOff val="0"/>
+            <a:alphaOff val="0"/>
+          </a:schemeClr>
+        </a:solidFill>
+        <a:ln>
+          <a:noFill/>
+        </a:ln>
+        <a:effectLst/>
+      </dsp:spPr>
+      <dsp:style>
+        <a:lnRef idx="0">
+          <a:scrgbClr r="0" g="0" b="0"/>
+        </a:lnRef>
+        <a:fillRef idx="1">
+          <a:scrgbClr r="0" g="0" b="0"/>
+        </a:fillRef>
+        <a:effectRef idx="0">
+          <a:scrgbClr r="0" g="0" b="0"/>
+        </a:effectRef>
+        <a:fontRef idx="minor">
+          <a:schemeClr val="lt1"/>
+        </a:fontRef>
+      </dsp:style>
+      <dsp:txBody>
+        <a:bodyPr spcFirstLastPara="0" vert="horz" wrap="square" lIns="0" tIns="0" rIns="0" bIns="0" numCol="1" spcCol="1270" anchor="ctr" anchorCtr="0">
+          <a:noAutofit/>
+        </a:bodyPr>
+        <a:lstStyle/>
+        <a:p>
+          <a:pPr marL="0" lvl="0" indent="0" algn="ctr" defTabSz="577850">
+            <a:lnSpc>
+              <a:spcPct val="90000"/>
+            </a:lnSpc>
+            <a:spcBef>
+              <a:spcPct val="0"/>
+            </a:spcBef>
+            <a:spcAft>
+              <a:spcPct val="35000"/>
+            </a:spcAft>
+            <a:buNone/>
+          </a:pPr>
+          <a:endParaRPr lang="en-US" sz="1300" kern="1200"/>
+        </a:p>
+      </dsp:txBody>
+      <dsp:txXfrm rot="10800000">
+        <a:off x="3019757" y="2578673"/>
+        <a:ext cx="312076" cy="312916"/>
+      </dsp:txXfrm>
+    </dsp:sp>
+    <dsp:sp modelId="{1C6D6C8F-61BC-804B-A02A-F1E41BFFAE7D}">
+      <dsp:nvSpPr>
+        <dsp:cNvPr id="0" name=""/>
+        <dsp:cNvSpPr/>
+      </dsp:nvSpPr>
+      <dsp:spPr>
+        <a:xfrm>
+          <a:off x="572778" y="2104250"/>
+          <a:ext cx="2102939" cy="1261763"/>
+        </a:xfrm>
+        <a:prstGeom prst="roundRect">
+          <a:avLst>
+            <a:gd name="adj" fmla="val 10000"/>
+          </a:avLst>
+        </a:prstGeom>
+        <a:solidFill>
+          <a:schemeClr val="accent4">
+            <a:hueOff val="0"/>
+            <a:satOff val="0"/>
+            <a:lumOff val="0"/>
+            <a:alphaOff val="0"/>
+          </a:schemeClr>
+        </a:solidFill>
+        <a:ln w="25400" cap="flat" cmpd="sng" algn="ctr">
+          <a:solidFill>
+            <a:schemeClr val="lt1">
+              <a:hueOff val="0"/>
+              <a:satOff val="0"/>
+              <a:lumOff val="0"/>
+              <a:alphaOff val="0"/>
+            </a:schemeClr>
+          </a:solidFill>
+          <a:prstDash val="solid"/>
+        </a:ln>
+        <a:effectLst/>
+      </dsp:spPr>
+      <dsp:style>
+        <a:lnRef idx="2">
+          <a:scrgbClr r="0" g="0" b="0"/>
+        </a:lnRef>
+        <a:fillRef idx="1">
+          <a:scrgbClr r="0" g="0" b="0"/>
+        </a:fillRef>
+        <a:effectRef idx="0">
+          <a:scrgbClr r="0" g="0" b="0"/>
+        </a:effectRef>
+        <a:fontRef idx="minor">
+          <a:schemeClr val="lt1"/>
+        </a:fontRef>
+      </dsp:style>
+      <dsp:txBody>
+        <a:bodyPr spcFirstLastPara="0" vert="horz" wrap="square" lIns="60960" tIns="60960" rIns="60960" bIns="60960" numCol="1" spcCol="1270" anchor="ctr" anchorCtr="0">
+          <a:noAutofit/>
+        </a:bodyPr>
+        <a:lstStyle/>
+        <a:p>
+          <a:pPr marL="0" lvl="0" indent="0" algn="ctr" defTabSz="711200">
+            <a:lnSpc>
+              <a:spcPct val="90000"/>
+            </a:lnSpc>
+            <a:spcBef>
+              <a:spcPct val="0"/>
+            </a:spcBef>
+            <a:spcAft>
+              <a:spcPct val="35000"/>
+            </a:spcAft>
+            <a:buNone/>
+          </a:pPr>
+          <a:r>
+            <a:rPr lang="en-US" sz="1600" kern="1200" dirty="0"/>
+            <a:t>(Field) Evaluation</a:t>
+          </a:r>
+        </a:p>
+      </dsp:txBody>
+      <dsp:txXfrm>
+        <a:off x="609734" y="2141206"/>
+        <a:ext cx="2029027" cy="1187851"/>
+      </dsp:txXfrm>
+    </dsp:sp>
+    <dsp:sp modelId="{19C64962-A697-8340-B219-236B05177FAF}">
+      <dsp:nvSpPr>
+        <dsp:cNvPr id="0" name=""/>
+        <dsp:cNvSpPr/>
+      </dsp:nvSpPr>
+      <dsp:spPr>
+        <a:xfrm rot="5400000">
+          <a:off x="1401336" y="3513219"/>
+          <a:ext cx="445823" cy="521528"/>
+        </a:xfrm>
+        <a:prstGeom prst="rightArrow">
+          <a:avLst>
+            <a:gd name="adj1" fmla="val 60000"/>
+            <a:gd name="adj2" fmla="val 50000"/>
+          </a:avLst>
+        </a:prstGeom>
+        <a:solidFill>
+          <a:schemeClr val="accent4">
+            <a:hueOff val="0"/>
+            <a:satOff val="0"/>
+            <a:lumOff val="0"/>
+            <a:alphaOff val="0"/>
+          </a:schemeClr>
+        </a:solidFill>
+        <a:ln>
+          <a:noFill/>
+        </a:ln>
+        <a:effectLst/>
+      </dsp:spPr>
+      <dsp:style>
+        <a:lnRef idx="0">
+          <a:scrgbClr r="0" g="0" b="0"/>
+        </a:lnRef>
+        <a:fillRef idx="1">
+          <a:scrgbClr r="0" g="0" b="0"/>
+        </a:fillRef>
+        <a:effectRef idx="0">
+          <a:scrgbClr r="0" g="0" b="0"/>
+        </a:effectRef>
+        <a:fontRef idx="minor">
+          <a:schemeClr val="lt1"/>
+        </a:fontRef>
+      </dsp:style>
+      <dsp:txBody>
+        <a:bodyPr spcFirstLastPara="0" vert="horz" wrap="square" lIns="0" tIns="0" rIns="0" bIns="0" numCol="1" spcCol="1270" anchor="ctr" anchorCtr="0">
+          <a:noAutofit/>
+        </a:bodyPr>
+        <a:lstStyle/>
+        <a:p>
+          <a:pPr marL="0" lvl="0" indent="0" algn="ctr" defTabSz="577850">
+            <a:lnSpc>
+              <a:spcPct val="90000"/>
+            </a:lnSpc>
+            <a:spcBef>
+              <a:spcPct val="0"/>
+            </a:spcBef>
+            <a:spcAft>
+              <a:spcPct val="35000"/>
+            </a:spcAft>
+            <a:buNone/>
+          </a:pPr>
+          <a:endParaRPr lang="en-US" sz="1300" kern="1200"/>
+        </a:p>
+      </dsp:txBody>
+      <dsp:txXfrm rot="-5400000">
+        <a:off x="1467790" y="3551072"/>
+        <a:ext cx="312916" cy="312076"/>
+      </dsp:txXfrm>
+    </dsp:sp>
+    <dsp:sp modelId="{FDE7F5A7-A857-6443-96EC-3785EE65F296}">
+      <dsp:nvSpPr>
+        <dsp:cNvPr id="0" name=""/>
+        <dsp:cNvSpPr/>
+      </dsp:nvSpPr>
+      <dsp:spPr>
+        <a:xfrm>
+          <a:off x="572778" y="4207189"/>
+          <a:ext cx="2102939" cy="1261763"/>
+        </a:xfrm>
+        <a:prstGeom prst="roundRect">
+          <a:avLst>
+            <a:gd name="adj" fmla="val 10000"/>
+          </a:avLst>
+        </a:prstGeom>
+        <a:solidFill>
+          <a:schemeClr val="accent5">
+            <a:hueOff val="0"/>
+            <a:satOff val="0"/>
+            <a:lumOff val="0"/>
+            <a:alphaOff val="0"/>
+          </a:schemeClr>
+        </a:solidFill>
+        <a:ln w="25400" cap="flat" cmpd="sng" algn="ctr">
+          <a:solidFill>
+            <a:schemeClr val="lt1">
+              <a:hueOff val="0"/>
+              <a:satOff val="0"/>
+              <a:lumOff val="0"/>
+              <a:alphaOff val="0"/>
+            </a:schemeClr>
+          </a:solidFill>
+          <a:prstDash val="solid"/>
+        </a:ln>
+        <a:effectLst/>
+      </dsp:spPr>
+      <dsp:style>
+        <a:lnRef idx="2">
+          <a:scrgbClr r="0" g="0" b="0"/>
+        </a:lnRef>
+        <a:fillRef idx="1">
+          <a:scrgbClr r="0" g="0" b="0"/>
+        </a:fillRef>
+        <a:effectRef idx="0">
+          <a:scrgbClr r="0" g="0" b="0"/>
+        </a:effectRef>
+        <a:fontRef idx="minor">
+          <a:schemeClr val="lt1"/>
+        </a:fontRef>
+      </dsp:style>
+      <dsp:txBody>
+        <a:bodyPr spcFirstLastPara="0" vert="horz" wrap="square" lIns="60960" tIns="60960" rIns="60960" bIns="60960" numCol="1" spcCol="1270" anchor="ctr" anchorCtr="0">
+          <a:noAutofit/>
+        </a:bodyPr>
+        <a:lstStyle/>
+        <a:p>
+          <a:pPr marL="0" lvl="0" indent="0" algn="ctr" defTabSz="711200">
+            <a:lnSpc>
+              <a:spcPct val="90000"/>
+            </a:lnSpc>
+            <a:spcBef>
+              <a:spcPct val="0"/>
+            </a:spcBef>
+            <a:spcAft>
+              <a:spcPct val="35000"/>
+            </a:spcAft>
+            <a:buNone/>
+          </a:pPr>
+          <a:r>
+            <a:rPr lang="en-US" sz="1600" kern="1200" dirty="0"/>
+            <a:t>Deployment</a:t>
+          </a:r>
+        </a:p>
+      </dsp:txBody>
+      <dsp:txXfrm>
+        <a:off x="609734" y="4244145"/>
+        <a:ext cx="2029027" cy="1187851"/>
+      </dsp:txXfrm>
+    </dsp:sp>
+    <dsp:sp modelId="{79104E31-0F31-D148-A9AF-883F3C634927}">
+      <dsp:nvSpPr>
+        <dsp:cNvPr id="0" name=""/>
+        <dsp:cNvSpPr/>
+      </dsp:nvSpPr>
+      <dsp:spPr>
+        <a:xfrm>
+          <a:off x="2860775" y="4577306"/>
+          <a:ext cx="445823" cy="521528"/>
+        </a:xfrm>
+        <a:prstGeom prst="rightArrow">
+          <a:avLst>
+            <a:gd name="adj1" fmla="val 60000"/>
+            <a:gd name="adj2" fmla="val 50000"/>
+          </a:avLst>
+        </a:prstGeom>
+        <a:solidFill>
+          <a:schemeClr val="accent5">
+            <a:hueOff val="0"/>
+            <a:satOff val="0"/>
+            <a:lumOff val="0"/>
+            <a:alphaOff val="0"/>
+          </a:schemeClr>
+        </a:solidFill>
+        <a:ln>
+          <a:noFill/>
+        </a:ln>
+        <a:effectLst/>
+      </dsp:spPr>
+      <dsp:style>
+        <a:lnRef idx="0">
+          <a:scrgbClr r="0" g="0" b="0"/>
+        </a:lnRef>
+        <a:fillRef idx="1">
+          <a:scrgbClr r="0" g="0" b="0"/>
+        </a:fillRef>
+        <a:effectRef idx="0">
+          <a:scrgbClr r="0" g="0" b="0"/>
+        </a:effectRef>
+        <a:fontRef idx="minor">
+          <a:schemeClr val="lt1"/>
+        </a:fontRef>
+      </dsp:style>
+      <dsp:txBody>
+        <a:bodyPr spcFirstLastPara="0" vert="horz" wrap="square" lIns="0" tIns="0" rIns="0" bIns="0" numCol="1" spcCol="1270" anchor="ctr" anchorCtr="0">
+          <a:noAutofit/>
+        </a:bodyPr>
+        <a:lstStyle/>
+        <a:p>
+          <a:pPr marL="0" lvl="0" indent="0" algn="ctr" defTabSz="577850">
+            <a:lnSpc>
+              <a:spcPct val="90000"/>
+            </a:lnSpc>
+            <a:spcBef>
+              <a:spcPct val="0"/>
+            </a:spcBef>
+            <a:spcAft>
+              <a:spcPct val="35000"/>
+            </a:spcAft>
+            <a:buNone/>
+          </a:pPr>
+          <a:endParaRPr lang="en-US" sz="1300" kern="1200"/>
+        </a:p>
+      </dsp:txBody>
+      <dsp:txXfrm>
+        <a:off x="2860775" y="4681612"/>
+        <a:ext cx="312076" cy="312916"/>
+      </dsp:txXfrm>
+    </dsp:sp>
+    <dsp:sp modelId="{9F9A02F9-F6D6-4E40-AE9D-C9F36A8A4DFA}">
+      <dsp:nvSpPr>
+        <dsp:cNvPr id="0" name=""/>
+        <dsp:cNvSpPr/>
+      </dsp:nvSpPr>
+      <dsp:spPr>
+        <a:xfrm>
+          <a:off x="3516892" y="4207189"/>
+          <a:ext cx="2102939" cy="1261763"/>
+        </a:xfrm>
+        <a:prstGeom prst="roundRect">
+          <a:avLst>
+            <a:gd name="adj" fmla="val 10000"/>
+          </a:avLst>
+        </a:prstGeom>
+        <a:solidFill>
+          <a:srgbClr val="7030A0"/>
+        </a:solidFill>
+        <a:ln w="25400" cap="flat" cmpd="sng" algn="ctr">
+          <a:solidFill>
+            <a:schemeClr val="lt1">
+              <a:hueOff val="0"/>
+              <a:satOff val="0"/>
+              <a:lumOff val="0"/>
+              <a:alphaOff val="0"/>
+            </a:schemeClr>
+          </a:solidFill>
+          <a:prstDash val="solid"/>
+        </a:ln>
+        <a:effectLst/>
+      </dsp:spPr>
+      <dsp:style>
+        <a:lnRef idx="2">
+          <a:scrgbClr r="0" g="0" b="0"/>
+        </a:lnRef>
+        <a:fillRef idx="1">
+          <a:scrgbClr r="0" g="0" b="0"/>
+        </a:fillRef>
+        <a:effectRef idx="0">
+          <a:scrgbClr r="0" g="0" b="0"/>
+        </a:effectRef>
+        <a:fontRef idx="minor">
+          <a:schemeClr val="lt1"/>
+        </a:fontRef>
+      </dsp:style>
+      <dsp:txBody>
+        <a:bodyPr spcFirstLastPara="0" vert="horz" wrap="square" lIns="60960" tIns="60960" rIns="60960" bIns="60960" numCol="1" spcCol="1270" anchor="ctr" anchorCtr="0">
+          <a:noAutofit/>
+        </a:bodyPr>
+        <a:lstStyle/>
+        <a:p>
+          <a:pPr marL="0" lvl="0" indent="0" algn="ctr" defTabSz="711200">
+            <a:lnSpc>
+              <a:spcPct val="90000"/>
+            </a:lnSpc>
+            <a:spcBef>
+              <a:spcPct val="0"/>
+            </a:spcBef>
+            <a:spcAft>
+              <a:spcPct val="35000"/>
+            </a:spcAft>
+            <a:buNone/>
+          </a:pPr>
+          <a:r>
+            <a:rPr lang="en-US" sz="1600" kern="1200" dirty="0"/>
+            <a:t>Maintenance/Update</a:t>
+          </a:r>
+        </a:p>
+      </dsp:txBody>
+      <dsp:txXfrm>
+        <a:off x="3553848" y="4244145"/>
+        <a:ext cx="2029027" cy="1187851"/>
       </dsp:txXfrm>
     </dsp:sp>
   </dsp:spTree>
@@ -4243,7 +7502,1212 @@
 </dgm:layoutDef>
 </file>
 
+<file path=ppt/diagrams/layout2.xml><?xml version="1.0" encoding="utf-8"?>
+<dgm:layoutDef xmlns:dgm="http://schemas.openxmlformats.org/drawingml/2006/diagram" xmlns:a="http://schemas.openxmlformats.org/drawingml/2006/main" uniqueId="urn:microsoft.com/office/officeart/2005/8/layout/process5">
+  <dgm:title val=""/>
+  <dgm:desc val=""/>
+  <dgm:catLst>
+    <dgm:cat type="process" pri="17000"/>
+  </dgm:catLst>
+  <dgm:sampData>
+    <dgm:dataModel>
+      <dgm:ptLst>
+        <dgm:pt modelId="0" type="doc"/>
+        <dgm:pt modelId="1">
+          <dgm:prSet phldr="1"/>
+        </dgm:pt>
+        <dgm:pt modelId="2">
+          <dgm:prSet phldr="1"/>
+        </dgm:pt>
+        <dgm:pt modelId="3">
+          <dgm:prSet phldr="1"/>
+        </dgm:pt>
+        <dgm:pt modelId="4">
+          <dgm:prSet phldr="1"/>
+        </dgm:pt>
+        <dgm:pt modelId="5">
+          <dgm:prSet phldr="1"/>
+        </dgm:pt>
+      </dgm:ptLst>
+      <dgm:cxnLst>
+        <dgm:cxn modelId="7" srcId="0" destId="1" srcOrd="0" destOrd="0"/>
+        <dgm:cxn modelId="8" srcId="0" destId="2" srcOrd="1" destOrd="0"/>
+        <dgm:cxn modelId="9" srcId="0" destId="3" srcOrd="2" destOrd="0"/>
+        <dgm:cxn modelId="10" srcId="0" destId="4" srcOrd="3" destOrd="0"/>
+        <dgm:cxn modelId="11" srcId="0" destId="5" srcOrd="4" destOrd="0"/>
+      </dgm:cxnLst>
+      <dgm:bg/>
+      <dgm:whole/>
+    </dgm:dataModel>
+  </dgm:sampData>
+  <dgm:styleData>
+    <dgm:dataModel>
+      <dgm:ptLst>
+        <dgm:pt modelId="0" type="doc"/>
+        <dgm:pt modelId="1"/>
+        <dgm:pt modelId="2"/>
+      </dgm:ptLst>
+      <dgm:cxnLst>
+        <dgm:cxn modelId="3" srcId="0" destId="1" srcOrd="0" destOrd="0"/>
+        <dgm:cxn modelId="4" srcId="0" destId="2" srcOrd="1" destOrd="0"/>
+      </dgm:cxnLst>
+      <dgm:bg/>
+      <dgm:whole/>
+    </dgm:dataModel>
+  </dgm:styleData>
+  <dgm:clrData>
+    <dgm:dataModel>
+      <dgm:ptLst>
+        <dgm:pt modelId="0" type="doc"/>
+        <dgm:pt modelId="1"/>
+        <dgm:pt modelId="2"/>
+        <dgm:pt modelId="3"/>
+        <dgm:pt modelId="4"/>
+      </dgm:ptLst>
+      <dgm:cxnLst>
+        <dgm:cxn modelId="5" srcId="0" destId="1" srcOrd="0" destOrd="0"/>
+        <dgm:cxn modelId="6" srcId="0" destId="2" srcOrd="1" destOrd="0"/>
+        <dgm:cxn modelId="7" srcId="0" destId="3" srcOrd="2" destOrd="0"/>
+        <dgm:cxn modelId="8" srcId="0" destId="4" srcOrd="3" destOrd="0"/>
+      </dgm:cxnLst>
+      <dgm:bg/>
+      <dgm:whole/>
+    </dgm:dataModel>
+  </dgm:clrData>
+  <dgm:layoutNode name="diagram">
+    <dgm:varLst>
+      <dgm:dir/>
+      <dgm:resizeHandles val="exact"/>
+    </dgm:varLst>
+    <dgm:choose name="Name0">
+      <dgm:if name="Name1" axis="self" func="var" arg="dir" op="equ" val="norm">
+        <dgm:alg type="snake">
+          <dgm:param type="grDir" val="tL"/>
+          <dgm:param type="flowDir" val="row"/>
+          <dgm:param type="contDir" val="revDir"/>
+          <dgm:param type="bkpt" val="endCnv"/>
+        </dgm:alg>
+      </dgm:if>
+      <dgm:else name="Name2">
+        <dgm:alg type="snake">
+          <dgm:param type="grDir" val="tR"/>
+          <dgm:param type="flowDir" val="row"/>
+          <dgm:param type="contDir" val="revDir"/>
+          <dgm:param type="bkpt" val="endCnv"/>
+        </dgm:alg>
+      </dgm:else>
+    </dgm:choose>
+    <dgm:shape xmlns:r="http://schemas.openxmlformats.org/officeDocument/2006/relationships" r:blip="">
+      <dgm:adjLst/>
+    </dgm:shape>
+    <dgm:presOf/>
+    <dgm:constrLst>
+      <dgm:constr type="w" for="ch" ptType="node" refType="w"/>
+      <dgm:constr type="w" for="ch" forName="sibTrans" refType="w" refFor="ch" refPtType="node" op="equ" fact="0.4"/>
+      <dgm:constr type="sp" refType="w" refFor="ch" refForName="sibTrans" op="equ"/>
+      <dgm:constr type="primFontSz" for="ch" ptType="node" op="equ" val="65"/>
+      <dgm:constr type="primFontSz" for="des" forName="connectorText" op="equ" val="55"/>
+      <dgm:constr type="primFontSz" for="des" forName="connectorText" refType="primFontSz" refFor="ch" refPtType="node" op="lte" fact="0.8"/>
+    </dgm:constrLst>
+    <dgm:ruleLst/>
+    <dgm:forEach name="nodesForEach" axis="ch" ptType="node">
+      <dgm:layoutNode name="node">
+        <dgm:varLst>
+          <dgm:bulletEnabled val="1"/>
+        </dgm:varLst>
+        <dgm:alg type="tx"/>
+        <dgm:shape xmlns:r="http://schemas.openxmlformats.org/officeDocument/2006/relationships" type="roundRect" r:blip="">
+          <dgm:adjLst>
+            <dgm:adj idx="1" val="0.1"/>
+          </dgm:adjLst>
+        </dgm:shape>
+        <dgm:presOf axis="desOrSelf" ptType="node"/>
+        <dgm:constrLst>
+          <dgm:constr type="h" refType="w" fact="0.6"/>
+          <dgm:constr type="tMarg" refType="primFontSz" fact="0.3"/>
+          <dgm:constr type="bMarg" refType="primFontSz" fact="0.3"/>
+          <dgm:constr type="lMarg" refType="primFontSz" fact="0.3"/>
+          <dgm:constr type="rMarg" refType="primFontSz" fact="0.3"/>
+        </dgm:constrLst>
+        <dgm:ruleLst>
+          <dgm:rule type="primFontSz" val="5" fact="NaN" max="NaN"/>
+        </dgm:ruleLst>
+      </dgm:layoutNode>
+      <dgm:forEach name="sibTransForEach" axis="followSib" ptType="sibTrans" cnt="1">
+        <dgm:layoutNode name="sibTrans">
+          <dgm:alg type="conn">
+            <dgm:param type="begPts" val="auto"/>
+            <dgm:param type="endPts" val="auto"/>
+          </dgm:alg>
+          <dgm:shape xmlns:r="http://schemas.openxmlformats.org/officeDocument/2006/relationships" type="conn" r:blip="">
+            <dgm:adjLst/>
+          </dgm:shape>
+          <dgm:presOf axis="self"/>
+          <dgm:constrLst>
+            <dgm:constr type="h" refType="w" fact="0.62"/>
+            <dgm:constr type="connDist"/>
+          </dgm:constrLst>
+          <dgm:ruleLst/>
+          <dgm:layoutNode name="connectorText">
+            <dgm:alg type="tx">
+              <dgm:param type="autoTxRot" val="upr"/>
+            </dgm:alg>
+            <dgm:shape xmlns:r="http://schemas.openxmlformats.org/officeDocument/2006/relationships" type="conn" r:blip="" hideGeom="1">
+              <dgm:adjLst/>
+            </dgm:shape>
+            <dgm:presOf axis="self"/>
+            <dgm:constrLst>
+              <dgm:constr type="lMarg"/>
+              <dgm:constr type="rMarg"/>
+              <dgm:constr type="tMarg"/>
+              <dgm:constr type="bMarg"/>
+            </dgm:constrLst>
+            <dgm:ruleLst>
+              <dgm:rule type="primFontSz" val="5" fact="NaN" max="NaN"/>
+            </dgm:ruleLst>
+          </dgm:layoutNode>
+        </dgm:layoutNode>
+      </dgm:forEach>
+    </dgm:forEach>
+  </dgm:layoutNode>
+</dgm:layoutDef>
+</file>
+
 <file path=ppt/diagrams/quickStyle1.xml><?xml version="1.0" encoding="utf-8"?>
+<dgm:styleDef xmlns:dgm="http://schemas.openxmlformats.org/drawingml/2006/diagram" xmlns:a="http://schemas.openxmlformats.org/drawingml/2006/main" uniqueId="urn:microsoft.com/office/officeart/2005/8/quickstyle/simple1">
+  <dgm:title val=""/>
+  <dgm:desc val=""/>
+  <dgm:catLst>
+    <dgm:cat type="simple" pri="10100"/>
+  </dgm:catLst>
+  <dgm:scene3d>
+    <a:camera prst="orthographicFront"/>
+    <a:lightRig rig="threePt" dir="t"/>
+  </dgm:scene3d>
+  <dgm:styleLbl name="node0">
+    <dgm:scene3d>
+      <a:camera prst="orthographicFront"/>
+      <a:lightRig rig="threePt" dir="t"/>
+    </dgm:scene3d>
+    <dgm:sp3d/>
+    <dgm:txPr/>
+    <dgm:style>
+      <a:lnRef idx="2">
+        <a:scrgbClr r="0" g="0" b="0"/>
+      </a:lnRef>
+      <a:fillRef idx="1">
+        <a:scrgbClr r="0" g="0" b="0"/>
+      </a:fillRef>
+      <a:effectRef idx="0">
+        <a:scrgbClr r="0" g="0" b="0"/>
+      </a:effectRef>
+      <a:fontRef idx="minor">
+        <a:schemeClr val="lt1"/>
+      </a:fontRef>
+    </dgm:style>
+  </dgm:styleLbl>
+  <dgm:styleLbl name="lnNode1">
+    <dgm:scene3d>
+      <a:camera prst="orthographicFront"/>
+      <a:lightRig rig="threePt" dir="t"/>
+    </dgm:scene3d>
+    <dgm:sp3d/>
+    <dgm:txPr/>
+    <dgm:style>
+      <a:lnRef idx="2">
+        <a:scrgbClr r="0" g="0" b="0"/>
+      </a:lnRef>
+      <a:fillRef idx="1">
+        <a:scrgbClr r="0" g="0" b="0"/>
+      </a:fillRef>
+      <a:effectRef idx="0">
+        <a:scrgbClr r="0" g="0" b="0"/>
+      </a:effectRef>
+      <a:fontRef idx="minor">
+        <a:schemeClr val="lt1"/>
+      </a:fontRef>
+    </dgm:style>
+  </dgm:styleLbl>
+  <dgm:styleLbl name="vennNode1">
+    <dgm:scene3d>
+      <a:camera prst="orthographicFront"/>
+      <a:lightRig rig="threePt" dir="t"/>
+    </dgm:scene3d>
+    <dgm:sp3d/>
+    <dgm:txPr/>
+    <dgm:style>
+      <a:lnRef idx="2">
+        <a:scrgbClr r="0" g="0" b="0"/>
+      </a:lnRef>
+      <a:fillRef idx="1">
+        <a:scrgbClr r="0" g="0" b="0"/>
+      </a:fillRef>
+      <a:effectRef idx="0">
+        <a:scrgbClr r="0" g="0" b="0"/>
+      </a:effectRef>
+      <a:fontRef idx="minor">
+        <a:schemeClr val="tx1"/>
+      </a:fontRef>
+    </dgm:style>
+  </dgm:styleLbl>
+  <dgm:styleLbl name="alignNode1">
+    <dgm:scene3d>
+      <a:camera prst="orthographicFront"/>
+      <a:lightRig rig="threePt" dir="t"/>
+    </dgm:scene3d>
+    <dgm:sp3d/>
+    <dgm:txPr/>
+    <dgm:style>
+      <a:lnRef idx="2">
+        <a:scrgbClr r="0" g="0" b="0"/>
+      </a:lnRef>
+      <a:fillRef idx="1">
+        <a:scrgbClr r="0" g="0" b="0"/>
+      </a:fillRef>
+      <a:effectRef idx="0">
+        <a:scrgbClr r="0" g="0" b="0"/>
+      </a:effectRef>
+      <a:fontRef idx="minor">
+        <a:schemeClr val="lt1"/>
+      </a:fontRef>
+    </dgm:style>
+  </dgm:styleLbl>
+  <dgm:styleLbl name="node1">
+    <dgm:scene3d>
+      <a:camera prst="orthographicFront"/>
+      <a:lightRig rig="threePt" dir="t"/>
+    </dgm:scene3d>
+    <dgm:sp3d/>
+    <dgm:txPr/>
+    <dgm:style>
+      <a:lnRef idx="2">
+        <a:scrgbClr r="0" g="0" b="0"/>
+      </a:lnRef>
+      <a:fillRef idx="1">
+        <a:scrgbClr r="0" g="0" b="0"/>
+      </a:fillRef>
+      <a:effectRef idx="0">
+        <a:scrgbClr r="0" g="0" b="0"/>
+      </a:effectRef>
+      <a:fontRef idx="minor">
+        <a:schemeClr val="lt1"/>
+      </a:fontRef>
+    </dgm:style>
+  </dgm:styleLbl>
+  <dgm:styleLbl name="node2">
+    <dgm:scene3d>
+      <a:camera prst="orthographicFront"/>
+      <a:lightRig rig="threePt" dir="t"/>
+    </dgm:scene3d>
+    <dgm:sp3d/>
+    <dgm:txPr/>
+    <dgm:style>
+      <a:lnRef idx="2">
+        <a:scrgbClr r="0" g="0" b="0"/>
+      </a:lnRef>
+      <a:fillRef idx="1">
+        <a:scrgbClr r="0" g="0" b="0"/>
+      </a:fillRef>
+      <a:effectRef idx="0">
+        <a:scrgbClr r="0" g="0" b="0"/>
+      </a:effectRef>
+      <a:fontRef idx="minor">
+        <a:schemeClr val="lt1"/>
+      </a:fontRef>
+    </dgm:style>
+  </dgm:styleLbl>
+  <dgm:styleLbl name="node3">
+    <dgm:scene3d>
+      <a:camera prst="orthographicFront"/>
+      <a:lightRig rig="threePt" dir="t"/>
+    </dgm:scene3d>
+    <dgm:sp3d/>
+    <dgm:txPr/>
+    <dgm:style>
+      <a:lnRef idx="2">
+        <a:scrgbClr r="0" g="0" b="0"/>
+      </a:lnRef>
+      <a:fillRef idx="1">
+        <a:scrgbClr r="0" g="0" b="0"/>
+      </a:fillRef>
+      <a:effectRef idx="0">
+        <a:scrgbClr r="0" g="0" b="0"/>
+      </a:effectRef>
+      <a:fontRef idx="minor">
+        <a:schemeClr val="lt1"/>
+      </a:fontRef>
+    </dgm:style>
+  </dgm:styleLbl>
+  <dgm:styleLbl name="node4">
+    <dgm:scene3d>
+      <a:camera prst="orthographicFront"/>
+      <a:lightRig rig="threePt" dir="t"/>
+    </dgm:scene3d>
+    <dgm:sp3d/>
+    <dgm:txPr/>
+    <dgm:style>
+      <a:lnRef idx="2">
+        <a:scrgbClr r="0" g="0" b="0"/>
+      </a:lnRef>
+      <a:fillRef idx="1">
+        <a:scrgbClr r="0" g="0" b="0"/>
+      </a:fillRef>
+      <a:effectRef idx="0">
+        <a:scrgbClr r="0" g="0" b="0"/>
+      </a:effectRef>
+      <a:fontRef idx="minor">
+        <a:schemeClr val="lt1"/>
+      </a:fontRef>
+    </dgm:style>
+  </dgm:styleLbl>
+  <dgm:styleLbl name="fgImgPlace1">
+    <dgm:scene3d>
+      <a:camera prst="orthographicFront"/>
+      <a:lightRig rig="threePt" dir="t"/>
+    </dgm:scene3d>
+    <dgm:sp3d/>
+    <dgm:txPr/>
+    <dgm:style>
+      <a:lnRef idx="2">
+        <a:scrgbClr r="0" g="0" b="0"/>
+      </a:lnRef>
+      <a:fillRef idx="1">
+        <a:scrgbClr r="0" g="0" b="0"/>
+      </a:fillRef>
+      <a:effectRef idx="0">
+        <a:scrgbClr r="0" g="0" b="0"/>
+      </a:effectRef>
+      <a:fontRef idx="minor"/>
+    </dgm:style>
+  </dgm:styleLbl>
+  <dgm:styleLbl name="alignImgPlace1">
+    <dgm:scene3d>
+      <a:camera prst="orthographicFront"/>
+      <a:lightRig rig="threePt" dir="t"/>
+    </dgm:scene3d>
+    <dgm:sp3d/>
+    <dgm:txPr/>
+    <dgm:style>
+      <a:lnRef idx="2">
+        <a:scrgbClr r="0" g="0" b="0"/>
+      </a:lnRef>
+      <a:fillRef idx="1">
+        <a:scrgbClr r="0" g="0" b="0"/>
+      </a:fillRef>
+      <a:effectRef idx="0">
+        <a:scrgbClr r="0" g="0" b="0"/>
+      </a:effectRef>
+      <a:fontRef idx="minor"/>
+    </dgm:style>
+  </dgm:styleLbl>
+  <dgm:styleLbl name="bgImgPlace1">
+    <dgm:scene3d>
+      <a:camera prst="orthographicFront"/>
+      <a:lightRig rig="threePt" dir="t"/>
+    </dgm:scene3d>
+    <dgm:sp3d/>
+    <dgm:txPr/>
+    <dgm:style>
+      <a:lnRef idx="2">
+        <a:scrgbClr r="0" g="0" b="0"/>
+      </a:lnRef>
+      <a:fillRef idx="1">
+        <a:scrgbClr r="0" g="0" b="0"/>
+      </a:fillRef>
+      <a:effectRef idx="0">
+        <a:scrgbClr r="0" g="0" b="0"/>
+      </a:effectRef>
+      <a:fontRef idx="minor"/>
+    </dgm:style>
+  </dgm:styleLbl>
+  <dgm:styleLbl name="sibTrans2D1">
+    <dgm:scene3d>
+      <a:camera prst="orthographicFront"/>
+      <a:lightRig rig="threePt" dir="t"/>
+    </dgm:scene3d>
+    <dgm:sp3d/>
+    <dgm:txPr/>
+    <dgm:style>
+      <a:lnRef idx="0">
+        <a:scrgbClr r="0" g="0" b="0"/>
+      </a:lnRef>
+      <a:fillRef idx="1">
+        <a:scrgbClr r="0" g="0" b="0"/>
+      </a:fillRef>
+      <a:effectRef idx="0">
+        <a:scrgbClr r="0" g="0" b="0"/>
+      </a:effectRef>
+      <a:fontRef idx="minor">
+        <a:schemeClr val="lt1"/>
+      </a:fontRef>
+    </dgm:style>
+  </dgm:styleLbl>
+  <dgm:styleLbl name="fgSibTrans2D1">
+    <dgm:scene3d>
+      <a:camera prst="orthographicFront"/>
+      <a:lightRig rig="threePt" dir="t"/>
+    </dgm:scene3d>
+    <dgm:sp3d/>
+    <dgm:txPr/>
+    <dgm:style>
+      <a:lnRef idx="0">
+        <a:scrgbClr r="0" g="0" b="0"/>
+      </a:lnRef>
+      <a:fillRef idx="1">
+        <a:scrgbClr r="0" g="0" b="0"/>
+      </a:fillRef>
+      <a:effectRef idx="0">
+        <a:scrgbClr r="0" g="0" b="0"/>
+      </a:effectRef>
+      <a:fontRef idx="minor">
+        <a:schemeClr val="lt1"/>
+      </a:fontRef>
+    </dgm:style>
+  </dgm:styleLbl>
+  <dgm:styleLbl name="bgSibTrans2D1">
+    <dgm:scene3d>
+      <a:camera prst="orthographicFront"/>
+      <a:lightRig rig="threePt" dir="t"/>
+    </dgm:scene3d>
+    <dgm:sp3d/>
+    <dgm:txPr/>
+    <dgm:style>
+      <a:lnRef idx="0">
+        <a:scrgbClr r="0" g="0" b="0"/>
+      </a:lnRef>
+      <a:fillRef idx="1">
+        <a:scrgbClr r="0" g="0" b="0"/>
+      </a:fillRef>
+      <a:effectRef idx="0">
+        <a:scrgbClr r="0" g="0" b="0"/>
+      </a:effectRef>
+      <a:fontRef idx="minor">
+        <a:schemeClr val="lt1"/>
+      </a:fontRef>
+    </dgm:style>
+  </dgm:styleLbl>
+  <dgm:styleLbl name="sibTrans1D1">
+    <dgm:scene3d>
+      <a:camera prst="orthographicFront"/>
+      <a:lightRig rig="threePt" dir="t"/>
+    </dgm:scene3d>
+    <dgm:sp3d/>
+    <dgm:txPr/>
+    <dgm:style>
+      <a:lnRef idx="1">
+        <a:scrgbClr r="0" g="0" b="0"/>
+      </a:lnRef>
+      <a:fillRef idx="0">
+        <a:scrgbClr r="0" g="0" b="0"/>
+      </a:fillRef>
+      <a:effectRef idx="0">
+        <a:scrgbClr r="0" g="0" b="0"/>
+      </a:effectRef>
+      <a:fontRef idx="minor"/>
+    </dgm:style>
+  </dgm:styleLbl>
+  <dgm:styleLbl name="callout">
+    <dgm:scene3d>
+      <a:camera prst="orthographicFront"/>
+      <a:lightRig rig="threePt" dir="t"/>
+    </dgm:scene3d>
+    <dgm:sp3d/>
+    <dgm:txPr/>
+    <dgm:style>
+      <a:lnRef idx="2">
+        <a:scrgbClr r="0" g="0" b="0"/>
+      </a:lnRef>
+      <a:fillRef idx="1">
+        <a:scrgbClr r="0" g="0" b="0"/>
+      </a:fillRef>
+      <a:effectRef idx="0">
+        <a:scrgbClr r="0" g="0" b="0"/>
+      </a:effectRef>
+      <a:fontRef idx="minor"/>
+    </dgm:style>
+  </dgm:styleLbl>
+  <dgm:styleLbl name="asst0">
+    <dgm:scene3d>
+      <a:camera prst="orthographicFront"/>
+      <a:lightRig rig="threePt" dir="t"/>
+    </dgm:scene3d>
+    <dgm:sp3d/>
+    <dgm:txPr/>
+    <dgm:style>
+      <a:lnRef idx="2">
+        <a:scrgbClr r="0" g="0" b="0"/>
+      </a:lnRef>
+      <a:fillRef idx="1">
+        <a:scrgbClr r="0" g="0" b="0"/>
+      </a:fillRef>
+      <a:effectRef idx="0">
+        <a:scrgbClr r="0" g="0" b="0"/>
+      </a:effectRef>
+      <a:fontRef idx="minor">
+        <a:schemeClr val="lt1"/>
+      </a:fontRef>
+    </dgm:style>
+  </dgm:styleLbl>
+  <dgm:styleLbl name="asst1">
+    <dgm:scene3d>
+      <a:camera prst="orthographicFront"/>
+      <a:lightRig rig="threePt" dir="t"/>
+    </dgm:scene3d>
+    <dgm:sp3d/>
+    <dgm:txPr/>
+    <dgm:style>
+      <a:lnRef idx="2">
+        <a:scrgbClr r="0" g="0" b="0"/>
+      </a:lnRef>
+      <a:fillRef idx="1">
+        <a:scrgbClr r="0" g="0" b="0"/>
+      </a:fillRef>
+      <a:effectRef idx="0">
+        <a:scrgbClr r="0" g="0" b="0"/>
+      </a:effectRef>
+      <a:fontRef idx="minor">
+        <a:schemeClr val="lt1"/>
+      </a:fontRef>
+    </dgm:style>
+  </dgm:styleLbl>
+  <dgm:styleLbl name="asst2">
+    <dgm:scene3d>
+      <a:camera prst="orthographicFront"/>
+      <a:lightRig rig="threePt" dir="t"/>
+    </dgm:scene3d>
+    <dgm:sp3d/>
+    <dgm:txPr/>
+    <dgm:style>
+      <a:lnRef idx="2">
+        <a:scrgbClr r="0" g="0" b="0"/>
+      </a:lnRef>
+      <a:fillRef idx="1">
+        <a:scrgbClr r="0" g="0" b="0"/>
+      </a:fillRef>
+      <a:effectRef idx="0">
+        <a:scrgbClr r="0" g="0" b="0"/>
+      </a:effectRef>
+      <a:fontRef idx="minor">
+        <a:schemeClr val="lt1"/>
+      </a:fontRef>
+    </dgm:style>
+  </dgm:styleLbl>
+  <dgm:styleLbl name="asst3">
+    <dgm:scene3d>
+      <a:camera prst="orthographicFront"/>
+      <a:lightRig rig="threePt" dir="t"/>
+    </dgm:scene3d>
+    <dgm:sp3d/>
+    <dgm:txPr/>
+    <dgm:style>
+      <a:lnRef idx="2">
+        <a:scrgbClr r="0" g="0" b="0"/>
+      </a:lnRef>
+      <a:fillRef idx="1">
+        <a:scrgbClr r="0" g="0" b="0"/>
+      </a:fillRef>
+      <a:effectRef idx="0">
+        <a:scrgbClr r="0" g="0" b="0"/>
+      </a:effectRef>
+      <a:fontRef idx="minor">
+        <a:schemeClr val="lt1"/>
+      </a:fontRef>
+    </dgm:style>
+  </dgm:styleLbl>
+  <dgm:styleLbl name="asst4">
+    <dgm:scene3d>
+      <a:camera prst="orthographicFront"/>
+      <a:lightRig rig="threePt" dir="t"/>
+    </dgm:scene3d>
+    <dgm:sp3d/>
+    <dgm:txPr/>
+    <dgm:style>
+      <a:lnRef idx="2">
+        <a:scrgbClr r="0" g="0" b="0"/>
+      </a:lnRef>
+      <a:fillRef idx="1">
+        <a:scrgbClr r="0" g="0" b="0"/>
+      </a:fillRef>
+      <a:effectRef idx="0">
+        <a:scrgbClr r="0" g="0" b="0"/>
+      </a:effectRef>
+      <a:fontRef idx="minor">
+        <a:schemeClr val="lt1"/>
+      </a:fontRef>
+    </dgm:style>
+  </dgm:styleLbl>
+  <dgm:styleLbl name="parChTrans2D1">
+    <dgm:scene3d>
+      <a:camera prst="orthographicFront"/>
+      <a:lightRig rig="threePt" dir="t"/>
+    </dgm:scene3d>
+    <dgm:sp3d/>
+    <dgm:txPr/>
+    <dgm:style>
+      <a:lnRef idx="2">
+        <a:scrgbClr r="0" g="0" b="0"/>
+      </a:lnRef>
+      <a:fillRef idx="1">
+        <a:scrgbClr r="0" g="0" b="0"/>
+      </a:fillRef>
+      <a:effectRef idx="0">
+        <a:scrgbClr r="0" g="0" b="0"/>
+      </a:effectRef>
+      <a:fontRef idx="minor">
+        <a:schemeClr val="lt1"/>
+      </a:fontRef>
+    </dgm:style>
+  </dgm:styleLbl>
+  <dgm:styleLbl name="parChTrans2D2">
+    <dgm:scene3d>
+      <a:camera prst="orthographicFront"/>
+      <a:lightRig rig="threePt" dir="t"/>
+    </dgm:scene3d>
+    <dgm:sp3d/>
+    <dgm:txPr/>
+    <dgm:style>
+      <a:lnRef idx="2">
+        <a:scrgbClr r="0" g="0" b="0"/>
+      </a:lnRef>
+      <a:fillRef idx="1">
+        <a:scrgbClr r="0" g="0" b="0"/>
+      </a:fillRef>
+      <a:effectRef idx="0">
+        <a:scrgbClr r="0" g="0" b="0"/>
+      </a:effectRef>
+      <a:fontRef idx="minor">
+        <a:schemeClr val="lt1"/>
+      </a:fontRef>
+    </dgm:style>
+  </dgm:styleLbl>
+  <dgm:styleLbl name="parChTrans2D3">
+    <dgm:scene3d>
+      <a:camera prst="orthographicFront"/>
+      <a:lightRig rig="threePt" dir="t"/>
+    </dgm:scene3d>
+    <dgm:sp3d/>
+    <dgm:txPr/>
+    <dgm:style>
+      <a:lnRef idx="2">
+        <a:scrgbClr r="0" g="0" b="0"/>
+      </a:lnRef>
+      <a:fillRef idx="1">
+        <a:scrgbClr r="0" g="0" b="0"/>
+      </a:fillRef>
+      <a:effectRef idx="0">
+        <a:scrgbClr r="0" g="0" b="0"/>
+      </a:effectRef>
+      <a:fontRef idx="minor">
+        <a:schemeClr val="lt1"/>
+      </a:fontRef>
+    </dgm:style>
+  </dgm:styleLbl>
+  <dgm:styleLbl name="parChTrans2D4">
+    <dgm:scene3d>
+      <a:camera prst="orthographicFront"/>
+      <a:lightRig rig="threePt" dir="t"/>
+    </dgm:scene3d>
+    <dgm:sp3d/>
+    <dgm:txPr/>
+    <dgm:style>
+      <a:lnRef idx="2">
+        <a:scrgbClr r="0" g="0" b="0"/>
+      </a:lnRef>
+      <a:fillRef idx="1">
+        <a:scrgbClr r="0" g="0" b="0"/>
+      </a:fillRef>
+      <a:effectRef idx="0">
+        <a:scrgbClr r="0" g="0" b="0"/>
+      </a:effectRef>
+      <a:fontRef idx="minor">
+        <a:schemeClr val="lt1"/>
+      </a:fontRef>
+    </dgm:style>
+  </dgm:styleLbl>
+  <dgm:styleLbl name="parChTrans1D1">
+    <dgm:scene3d>
+      <a:camera prst="orthographicFront"/>
+      <a:lightRig rig="threePt" dir="t"/>
+    </dgm:scene3d>
+    <dgm:sp3d/>
+    <dgm:txPr/>
+    <dgm:style>
+      <a:lnRef idx="2">
+        <a:scrgbClr r="0" g="0" b="0"/>
+      </a:lnRef>
+      <a:fillRef idx="0">
+        <a:scrgbClr r="0" g="0" b="0"/>
+      </a:fillRef>
+      <a:effectRef idx="0">
+        <a:scrgbClr r="0" g="0" b="0"/>
+      </a:effectRef>
+      <a:fontRef idx="minor"/>
+    </dgm:style>
+  </dgm:styleLbl>
+  <dgm:styleLbl name="parChTrans1D2">
+    <dgm:scene3d>
+      <a:camera prst="orthographicFront"/>
+      <a:lightRig rig="threePt" dir="t"/>
+    </dgm:scene3d>
+    <dgm:sp3d/>
+    <dgm:txPr/>
+    <dgm:style>
+      <a:lnRef idx="2">
+        <a:scrgbClr r="0" g="0" b="0"/>
+      </a:lnRef>
+      <a:fillRef idx="0">
+        <a:scrgbClr r="0" g="0" b="0"/>
+      </a:fillRef>
+      <a:effectRef idx="0">
+        <a:scrgbClr r="0" g="0" b="0"/>
+      </a:effectRef>
+      <a:fontRef idx="minor"/>
+    </dgm:style>
+  </dgm:styleLbl>
+  <dgm:styleLbl name="parChTrans1D3">
+    <dgm:scene3d>
+      <a:camera prst="orthographicFront"/>
+      <a:lightRig rig="threePt" dir="t"/>
+    </dgm:scene3d>
+    <dgm:sp3d/>
+    <dgm:txPr/>
+    <dgm:style>
+      <a:lnRef idx="2">
+        <a:scrgbClr r="0" g="0" b="0"/>
+      </a:lnRef>
+      <a:fillRef idx="0">
+        <a:scrgbClr r="0" g="0" b="0"/>
+      </a:fillRef>
+      <a:effectRef idx="0">
+        <a:scrgbClr r="0" g="0" b="0"/>
+      </a:effectRef>
+      <a:fontRef idx="minor"/>
+    </dgm:style>
+  </dgm:styleLbl>
+  <dgm:styleLbl name="parChTrans1D4">
+    <dgm:scene3d>
+      <a:camera prst="orthographicFront"/>
+      <a:lightRig rig="threePt" dir="t"/>
+    </dgm:scene3d>
+    <dgm:sp3d/>
+    <dgm:txPr/>
+    <dgm:style>
+      <a:lnRef idx="2">
+        <a:scrgbClr r="0" g="0" b="0"/>
+      </a:lnRef>
+      <a:fillRef idx="0">
+        <a:scrgbClr r="0" g="0" b="0"/>
+      </a:fillRef>
+      <a:effectRef idx="0">
+        <a:scrgbClr r="0" g="0" b="0"/>
+      </a:effectRef>
+      <a:fontRef idx="minor"/>
+    </dgm:style>
+  </dgm:styleLbl>
+  <dgm:styleLbl name="fgAcc1">
+    <dgm:scene3d>
+      <a:camera prst="orthographicFront"/>
+      <a:lightRig rig="threePt" dir="t"/>
+    </dgm:scene3d>
+    <dgm:sp3d/>
+    <dgm:txPr/>
+    <dgm:style>
+      <a:lnRef idx="2">
+        <a:scrgbClr r="0" g="0" b="0"/>
+      </a:lnRef>
+      <a:fillRef idx="1">
+        <a:scrgbClr r="0" g="0" b="0"/>
+      </a:fillRef>
+      <a:effectRef idx="0">
+        <a:scrgbClr r="0" g="0" b="0"/>
+      </a:effectRef>
+      <a:fontRef idx="minor"/>
+    </dgm:style>
+  </dgm:styleLbl>
+  <dgm:styleLbl name="conFgAcc1">
+    <dgm:scene3d>
+      <a:camera prst="orthographicFront"/>
+      <a:lightRig rig="threePt" dir="t"/>
+    </dgm:scene3d>
+    <dgm:sp3d/>
+    <dgm:txPr/>
+    <dgm:style>
+      <a:lnRef idx="2">
+        <a:scrgbClr r="0" g="0" b="0"/>
+      </a:lnRef>
+      <a:fillRef idx="1">
+        <a:scrgbClr r="0" g="0" b="0"/>
+      </a:fillRef>
+      <a:effectRef idx="0">
+        <a:scrgbClr r="0" g="0" b="0"/>
+      </a:effectRef>
+      <a:fontRef idx="minor"/>
+    </dgm:style>
+  </dgm:styleLbl>
+  <dgm:styleLbl name="alignAcc1">
+    <dgm:scene3d>
+      <a:camera prst="orthographicFront"/>
+      <a:lightRig rig="threePt" dir="t"/>
+    </dgm:scene3d>
+    <dgm:sp3d/>
+    <dgm:txPr/>
+    <dgm:style>
+      <a:lnRef idx="2">
+        <a:scrgbClr r="0" g="0" b="0"/>
+      </a:lnRef>
+      <a:fillRef idx="1">
+        <a:scrgbClr r="0" g="0" b="0"/>
+      </a:fillRef>
+      <a:effectRef idx="0">
+        <a:scrgbClr r="0" g="0" b="0"/>
+      </a:effectRef>
+      <a:fontRef idx="minor"/>
+    </dgm:style>
+  </dgm:styleLbl>
+  <dgm:styleLbl name="trAlignAcc1">
+    <dgm:scene3d>
+      <a:camera prst="orthographicFront"/>
+      <a:lightRig rig="threePt" dir="t"/>
+    </dgm:scene3d>
+    <dgm:sp3d/>
+    <dgm:txPr/>
+    <dgm:style>
+      <a:lnRef idx="1">
+        <a:scrgbClr r="0" g="0" b="0"/>
+      </a:lnRef>
+      <a:fillRef idx="1">
+        <a:scrgbClr r="0" g="0" b="0"/>
+      </a:fillRef>
+      <a:effectRef idx="0">
+        <a:scrgbClr r="0" g="0" b="0"/>
+      </a:effectRef>
+      <a:fontRef idx="minor"/>
+    </dgm:style>
+  </dgm:styleLbl>
+  <dgm:styleLbl name="bgAcc1">
+    <dgm:scene3d>
+      <a:camera prst="orthographicFront"/>
+      <a:lightRig rig="threePt" dir="t"/>
+    </dgm:scene3d>
+    <dgm:sp3d/>
+    <dgm:txPr/>
+    <dgm:style>
+      <a:lnRef idx="2">
+        <a:scrgbClr r="0" g="0" b="0"/>
+      </a:lnRef>
+      <a:fillRef idx="1">
+        <a:scrgbClr r="0" g="0" b="0"/>
+      </a:fillRef>
+      <a:effectRef idx="0">
+        <a:scrgbClr r="0" g="0" b="0"/>
+      </a:effectRef>
+      <a:fontRef idx="minor"/>
+    </dgm:style>
+  </dgm:styleLbl>
+  <dgm:styleLbl name="solidFgAcc1">
+    <dgm:scene3d>
+      <a:camera prst="orthographicFront"/>
+      <a:lightRig rig="threePt" dir="t"/>
+    </dgm:scene3d>
+    <dgm:sp3d/>
+    <dgm:txPr/>
+    <dgm:style>
+      <a:lnRef idx="2">
+        <a:scrgbClr r="0" g="0" b="0"/>
+      </a:lnRef>
+      <a:fillRef idx="1">
+        <a:scrgbClr r="0" g="0" b="0"/>
+      </a:fillRef>
+      <a:effectRef idx="0">
+        <a:scrgbClr r="0" g="0" b="0"/>
+      </a:effectRef>
+      <a:fontRef idx="minor"/>
+    </dgm:style>
+  </dgm:styleLbl>
+  <dgm:styleLbl name="solidAlignAcc1">
+    <dgm:scene3d>
+      <a:camera prst="orthographicFront"/>
+      <a:lightRig rig="threePt" dir="t"/>
+    </dgm:scene3d>
+    <dgm:sp3d/>
+    <dgm:txPr/>
+    <dgm:style>
+      <a:lnRef idx="2">
+        <a:scrgbClr r="0" g="0" b="0"/>
+      </a:lnRef>
+      <a:fillRef idx="1">
+        <a:scrgbClr r="0" g="0" b="0"/>
+      </a:fillRef>
+      <a:effectRef idx="0">
+        <a:scrgbClr r="0" g="0" b="0"/>
+      </a:effectRef>
+      <a:fontRef idx="minor"/>
+    </dgm:style>
+  </dgm:styleLbl>
+  <dgm:styleLbl name="solidBgAcc1">
+    <dgm:scene3d>
+      <a:camera prst="orthographicFront"/>
+      <a:lightRig rig="threePt" dir="t"/>
+    </dgm:scene3d>
+    <dgm:sp3d/>
+    <dgm:txPr/>
+    <dgm:style>
+      <a:lnRef idx="2">
+        <a:scrgbClr r="0" g="0" b="0"/>
+      </a:lnRef>
+      <a:fillRef idx="1">
+        <a:scrgbClr r="0" g="0" b="0"/>
+      </a:fillRef>
+      <a:effectRef idx="0">
+        <a:scrgbClr r="0" g="0" b="0"/>
+      </a:effectRef>
+      <a:fontRef idx="minor"/>
+    </dgm:style>
+  </dgm:styleLbl>
+  <dgm:styleLbl name="fgAccFollowNode1">
+    <dgm:scene3d>
+      <a:camera prst="orthographicFront"/>
+      <a:lightRig rig="threePt" dir="t"/>
+    </dgm:scene3d>
+    <dgm:sp3d/>
+    <dgm:txPr/>
+    <dgm:style>
+      <a:lnRef idx="2">
+        <a:scrgbClr r="0" g="0" b="0"/>
+      </a:lnRef>
+      <a:fillRef idx="1">
+        <a:scrgbClr r="0" g="0" b="0"/>
+      </a:fillRef>
+      <a:effectRef idx="0">
+        <a:scrgbClr r="0" g="0" b="0"/>
+      </a:effectRef>
+      <a:fontRef idx="minor"/>
+    </dgm:style>
+  </dgm:styleLbl>
+  <dgm:styleLbl name="alignAccFollowNode1">
+    <dgm:scene3d>
+      <a:camera prst="orthographicFront"/>
+      <a:lightRig rig="threePt" dir="t"/>
+    </dgm:scene3d>
+    <dgm:sp3d/>
+    <dgm:txPr/>
+    <dgm:style>
+      <a:lnRef idx="2">
+        <a:scrgbClr r="0" g="0" b="0"/>
+      </a:lnRef>
+      <a:fillRef idx="1">
+        <a:scrgbClr r="0" g="0" b="0"/>
+      </a:fillRef>
+      <a:effectRef idx="0">
+        <a:scrgbClr r="0" g="0" b="0"/>
+      </a:effectRef>
+      <a:fontRef idx="minor"/>
+    </dgm:style>
+  </dgm:styleLbl>
+  <dgm:styleLbl name="bgAccFollowNode1">
+    <dgm:scene3d>
+      <a:camera prst="orthographicFront"/>
+      <a:lightRig rig="threePt" dir="t"/>
+    </dgm:scene3d>
+    <dgm:sp3d/>
+    <dgm:txPr/>
+    <dgm:style>
+      <a:lnRef idx="2">
+        <a:scrgbClr r="0" g="0" b="0"/>
+      </a:lnRef>
+      <a:fillRef idx="1">
+        <a:scrgbClr r="0" g="0" b="0"/>
+      </a:fillRef>
+      <a:effectRef idx="0">
+        <a:scrgbClr r="0" g="0" b="0"/>
+      </a:effectRef>
+      <a:fontRef idx="minor"/>
+    </dgm:style>
+  </dgm:styleLbl>
+  <dgm:styleLbl name="fgAcc0">
+    <dgm:scene3d>
+      <a:camera prst="orthographicFront"/>
+      <a:lightRig rig="threePt" dir="t"/>
+    </dgm:scene3d>
+    <dgm:sp3d/>
+    <dgm:txPr/>
+    <dgm:style>
+      <a:lnRef idx="2">
+        <a:scrgbClr r="0" g="0" b="0"/>
+      </a:lnRef>
+      <a:fillRef idx="1">
+        <a:scrgbClr r="0" g="0" b="0"/>
+      </a:fillRef>
+      <a:effectRef idx="0">
+        <a:scrgbClr r="0" g="0" b="0"/>
+      </a:effectRef>
+      <a:fontRef idx="minor"/>
+    </dgm:style>
+  </dgm:styleLbl>
+  <dgm:styleLbl name="fgAcc2">
+    <dgm:scene3d>
+      <a:camera prst="orthographicFront"/>
+      <a:lightRig rig="threePt" dir="t"/>
+    </dgm:scene3d>
+    <dgm:sp3d/>
+    <dgm:txPr/>
+    <dgm:style>
+      <a:lnRef idx="2">
+        <a:scrgbClr r="0" g="0" b="0"/>
+      </a:lnRef>
+      <a:fillRef idx="1">
+        <a:scrgbClr r="0" g="0" b="0"/>
+      </a:fillRef>
+      <a:effectRef idx="0">
+        <a:scrgbClr r="0" g="0" b="0"/>
+      </a:effectRef>
+      <a:fontRef idx="minor"/>
+    </dgm:style>
+  </dgm:styleLbl>
+  <dgm:styleLbl name="fgAcc3">
+    <dgm:scene3d>
+      <a:camera prst="orthographicFront"/>
+      <a:lightRig rig="threePt" dir="t"/>
+    </dgm:scene3d>
+    <dgm:sp3d/>
+    <dgm:txPr/>
+    <dgm:style>
+      <a:lnRef idx="2">
+        <a:scrgbClr r="0" g="0" b="0"/>
+      </a:lnRef>
+      <a:fillRef idx="1">
+        <a:scrgbClr r="0" g="0" b="0"/>
+      </a:fillRef>
+      <a:effectRef idx="0">
+        <a:scrgbClr r="0" g="0" b="0"/>
+      </a:effectRef>
+      <a:fontRef idx="minor"/>
+    </dgm:style>
+  </dgm:styleLbl>
+  <dgm:styleLbl name="fgAcc4">
+    <dgm:scene3d>
+      <a:camera prst="orthographicFront"/>
+      <a:lightRig rig="threePt" dir="t"/>
+    </dgm:scene3d>
+    <dgm:sp3d/>
+    <dgm:txPr/>
+    <dgm:style>
+      <a:lnRef idx="2">
+        <a:scrgbClr r="0" g="0" b="0"/>
+      </a:lnRef>
+      <a:fillRef idx="1">
+        <a:scrgbClr r="0" g="0" b="0"/>
+      </a:fillRef>
+      <a:effectRef idx="0">
+        <a:scrgbClr r="0" g="0" b="0"/>
+      </a:effectRef>
+      <a:fontRef idx="minor"/>
+    </dgm:style>
+  </dgm:styleLbl>
+  <dgm:styleLbl name="bgShp">
+    <dgm:scene3d>
+      <a:camera prst="orthographicFront"/>
+      <a:lightRig rig="threePt" dir="t"/>
+    </dgm:scene3d>
+    <dgm:sp3d/>
+    <dgm:txPr/>
+    <dgm:style>
+      <a:lnRef idx="0">
+        <a:scrgbClr r="0" g="0" b="0"/>
+      </a:lnRef>
+      <a:fillRef idx="1">
+        <a:scrgbClr r="0" g="0" b="0"/>
+      </a:fillRef>
+      <a:effectRef idx="0">
+        <a:scrgbClr r="0" g="0" b="0"/>
+      </a:effectRef>
+      <a:fontRef idx="minor"/>
+    </dgm:style>
+  </dgm:styleLbl>
+  <dgm:styleLbl name="dkBgShp">
+    <dgm:scene3d>
+      <a:camera prst="orthographicFront"/>
+      <a:lightRig rig="threePt" dir="t"/>
+    </dgm:scene3d>
+    <dgm:sp3d/>
+    <dgm:txPr/>
+    <dgm:style>
+      <a:lnRef idx="0">
+        <a:scrgbClr r="0" g="0" b="0"/>
+      </a:lnRef>
+      <a:fillRef idx="1">
+        <a:scrgbClr r="0" g="0" b="0"/>
+      </a:fillRef>
+      <a:effectRef idx="0">
+        <a:scrgbClr r="0" g="0" b="0"/>
+      </a:effectRef>
+      <a:fontRef idx="minor"/>
+    </dgm:style>
+  </dgm:styleLbl>
+  <dgm:styleLbl name="trBgShp">
+    <dgm:scene3d>
+      <a:camera prst="orthographicFront"/>
+      <a:lightRig rig="threePt" dir="t"/>
+    </dgm:scene3d>
+    <dgm:sp3d/>
+    <dgm:txPr/>
+    <dgm:style>
+      <a:lnRef idx="0">
+        <a:scrgbClr r="0" g="0" b="0"/>
+      </a:lnRef>
+      <a:fillRef idx="1">
+        <a:scrgbClr r="0" g="0" b="0"/>
+      </a:fillRef>
+      <a:effectRef idx="0">
+        <a:scrgbClr r="0" g="0" b="0"/>
+      </a:effectRef>
+      <a:fontRef idx="minor"/>
+    </dgm:style>
+  </dgm:styleLbl>
+  <dgm:styleLbl name="fgShp">
+    <dgm:scene3d>
+      <a:camera prst="orthographicFront"/>
+      <a:lightRig rig="threePt" dir="t"/>
+    </dgm:scene3d>
+    <dgm:sp3d/>
+    <dgm:txPr/>
+    <dgm:style>
+      <a:lnRef idx="2">
+        <a:scrgbClr r="0" g="0" b="0"/>
+      </a:lnRef>
+      <a:fillRef idx="1">
+        <a:scrgbClr r="0" g="0" b="0"/>
+      </a:fillRef>
+      <a:effectRef idx="0">
+        <a:scrgbClr r="0" g="0" b="0"/>
+      </a:effectRef>
+      <a:fontRef idx="minor"/>
+    </dgm:style>
+  </dgm:styleLbl>
+  <dgm:styleLbl name="revTx">
+    <dgm:scene3d>
+      <a:camera prst="orthographicFront"/>
+      <a:lightRig rig="threePt" dir="t"/>
+    </dgm:scene3d>
+    <dgm:sp3d/>
+    <dgm:txPr/>
+    <dgm:style>
+      <a:lnRef idx="0">
+        <a:scrgbClr r="0" g="0" b="0"/>
+      </a:lnRef>
+      <a:fillRef idx="0">
+        <a:scrgbClr r="0" g="0" b="0"/>
+      </a:fillRef>
+      <a:effectRef idx="0">
+        <a:scrgbClr r="0" g="0" b="0"/>
+      </a:effectRef>
+      <a:fontRef idx="minor"/>
+    </dgm:style>
+  </dgm:styleLbl>
+</dgm:styleDef>
+</file>
+
+<file path=ppt/diagrams/quickStyle2.xml><?xml version="1.0" encoding="utf-8"?>
 <dgm:styleDef xmlns:dgm="http://schemas.openxmlformats.org/drawingml/2006/diagram" xmlns:a="http://schemas.openxmlformats.org/drawingml/2006/main" uniqueId="urn:microsoft.com/office/officeart/2005/8/quickstyle/simple1">
   <dgm:title val=""/>
   <dgm:desc val=""/>
@@ -11312,7 +15776,7 @@
           <a:p>
             <a:r>
               <a:rPr lang="en-US" dirty="0"/>
-              <a:t>End-to-end </a:t>
+              <a:t>Supports end-to-end workflow for an ML project/system</a:t>
             </a:r>
           </a:p>
           <a:p>
@@ -11325,36 +15789,6 @@
             <a:r>
               <a:rPr lang="en-US" dirty="0"/>
               <a:t>Reconfigurable</a:t>
-            </a:r>
-          </a:p>
-          <a:p>
-            <a:endParaRPr lang="en-US" dirty="0"/>
-          </a:p>
-          <a:p>
-            <a:r>
-              <a:rPr lang="en-US" dirty="0"/>
-              <a:t>Supports</a:t>
-            </a:r>
-          </a:p>
-          <a:p>
-            <a:pPr lvl="1"/>
-            <a:r>
-              <a:rPr lang="en-US" dirty="0"/>
-              <a:t>Testing ideas and hypotheses easily and quickly</a:t>
-            </a:r>
-          </a:p>
-          <a:p>
-            <a:pPr lvl="1"/>
-            <a:r>
-              <a:rPr lang="en-US" dirty="0"/>
-              <a:t>Reproducibility of analysis and results</a:t>
-            </a:r>
-          </a:p>
-          <a:p>
-            <a:pPr lvl="1"/>
-            <a:r>
-              <a:rPr lang="en-US" dirty="0"/>
-              <a:t>Updating and maintaining the ML system</a:t>
             </a:r>
           </a:p>
         </p:txBody>
@@ -11440,7 +15874,7 @@
           <a:p>
             <a:r>
               <a:rPr lang="en-US" dirty="0"/>
-              <a:t>Test new ideas/components easily</a:t>
+              <a:t>Test new ideas, components, hypothesis easily</a:t>
             </a:r>
           </a:p>
           <a:p>
@@ -11452,7 +15886,7 @@
           <a:p>
             <a:r>
               <a:rPr lang="en-US" dirty="0"/>
-              <a:t>Allows reproducibility</a:t>
+              <a:t>Allows reproducibility of analysis and results</a:t>
             </a:r>
           </a:p>
           <a:p>
@@ -11646,36 +16080,34 @@
           </a:p>
         </p:txBody>
       </p:sp>
-      <p:pic>
-        <p:nvPicPr>
-          <p:cNvPr id="5" name="Picture 4">
+      <p:graphicFrame>
+        <p:nvGraphicFramePr>
+          <p:cNvPr id="2" name="Diagram 1">
             <a:extLst>
               <a:ext uri="{FF2B5EF4-FFF2-40B4-BE49-F238E27FC236}">
-                <a16:creationId xmlns:a16="http://schemas.microsoft.com/office/drawing/2014/main" id="{995A583C-BBE9-824C-A48B-6BDE57D16556}"/>
+                <a16:creationId xmlns:a16="http://schemas.microsoft.com/office/drawing/2014/main" id="{D49DC9D1-CB7D-EC4F-A608-E245313B3521}"/>
               </a:ext>
             </a:extLst>
           </p:cNvPr>
-          <p:cNvPicPr>
-            <a:picLocks noChangeAspect="1"/>
-          </p:cNvPicPr>
-          <p:nvPr/>
-        </p:nvPicPr>
-        <p:blipFill>
-          <a:blip r:embed="rId2"/>
-          <a:stretch>
-            <a:fillRect/>
-          </a:stretch>
-        </p:blipFill>
-        <p:spPr>
-          <a:xfrm>
-            <a:off x="387532" y="1828800"/>
-            <a:ext cx="11308685" cy="4381127"/>
-          </a:xfrm>
-          <a:prstGeom prst="rect">
-            <a:avLst/>
-          </a:prstGeom>
-        </p:spPr>
-      </p:pic>
+          <p:cNvGraphicFramePr/>
+          <p:nvPr>
+            <p:extLst>
+              <p:ext uri="{D42A27DB-BD31-4B8C-83A1-F6EECF244321}">
+                <p14:modId xmlns:p14="http://schemas.microsoft.com/office/powerpoint/2010/main" val="4137934445"/>
+              </p:ext>
+            </p:extLst>
+          </p:nvPr>
+        </p:nvGraphicFramePr>
+        <p:xfrm>
+          <a:off x="-1" y="1387736"/>
+          <a:ext cx="12080839" cy="5470264"/>
+        </p:xfrm>
+        <a:graphic>
+          <a:graphicData uri="http://schemas.openxmlformats.org/drawingml/2006/diagram">
+            <dgm:relIds xmlns:dgm="http://schemas.openxmlformats.org/drawingml/2006/diagram" xmlns:r="http://schemas.openxmlformats.org/officeDocument/2006/relationships" r:dm="rId2" r:lo="rId3" r:qs="rId4" r:cs="rId5"/>
+          </a:graphicData>
+        </a:graphic>
+      </p:graphicFrame>
     </p:spTree>
     <p:extLst>
       <p:ext uri="{BB962C8B-B14F-4D97-AF65-F5344CB8AC3E}">
@@ -11719,7 +16151,7 @@
         <p:spPr/>
         <p:txBody>
           <a:bodyPr>
-            <a:normAutofit fontScale="70000" lnSpcReduction="20000"/>
+            <a:normAutofit fontScale="62500" lnSpcReduction="20000"/>
           </a:bodyPr>
           <a:lstStyle/>
           <a:p>
@@ -11753,13 +16185,61 @@
           <a:p>
             <a:r>
               <a:rPr lang="en-US" dirty="0"/>
+              <a:t>Process Data (cleaning)</a:t>
+            </a:r>
+          </a:p>
+          <a:p>
+            <a:r>
+              <a:rPr lang="en-US" dirty="0"/>
               <a:t>Explore Data (descriptive stats, correlations, outliers, over time, clustering) </a:t>
             </a:r>
           </a:p>
           <a:p>
             <a:r>
               <a:rPr lang="en-US" dirty="0"/>
-              <a:t>Process Data</a:t>
+              <a:t>Modeling Prep</a:t>
+            </a:r>
+          </a:p>
+          <a:p>
+            <a:pPr lvl="1"/>
+            <a:r>
+              <a:rPr lang="en-US" dirty="0"/>
+              <a:t>Create training and test sets</a:t>
+            </a:r>
+          </a:p>
+          <a:p>
+            <a:pPr lvl="1"/>
+            <a:r>
+              <a:rPr lang="en-US" dirty="0"/>
+              <a:t>Missing values (fill/impute, create dummy)</a:t>
+            </a:r>
+          </a:p>
+          <a:p>
+            <a:pPr lvl="1"/>
+            <a:r>
+              <a:rPr lang="en-US" dirty="0"/>
+              <a:t>Transformations (scale/normalize, log, square, root)</a:t>
+            </a:r>
+          </a:p>
+          <a:p>
+            <a:pPr lvl="1"/>
+            <a:r>
+              <a:rPr lang="en-US" dirty="0"/>
+              <a:t>Feature Generation </a:t>
+            </a:r>
+          </a:p>
+          <a:p>
+            <a:pPr lvl="1"/>
+            <a:r>
+              <a:rPr lang="en-US" dirty="0"/>
+              <a:t>Label Generation</a:t>
+            </a:r>
+          </a:p>
+          <a:p>
+            <a:pPr lvl="1"/>
+            <a:r>
+              <a:rPr lang="en-US" dirty="0"/>
+              <a:t>Define metric(s)</a:t>
             </a:r>
           </a:p>
           <a:p>
@@ -11772,41 +16252,6 @@
             <a:pPr lvl="1"/>
             <a:r>
               <a:rPr lang="en-US" dirty="0"/>
-              <a:t>Create training and test sets</a:t>
-            </a:r>
-          </a:p>
-          <a:p>
-            <a:pPr lvl="1"/>
-            <a:r>
-              <a:rPr lang="en-US" dirty="0"/>
-              <a:t>Missing values (fill/impute, create dummy)</a:t>
-            </a:r>
-          </a:p>
-          <a:p>
-            <a:pPr lvl="1"/>
-            <a:r>
-              <a:rPr lang="en-US" dirty="0"/>
-              <a:t>Transformations (scale/normalize, log, square, root)</a:t>
-            </a:r>
-          </a:p>
-          <a:p>
-            <a:pPr lvl="1"/>
-            <a:r>
-              <a:rPr lang="en-US" dirty="0"/>
-              <a:t>Feature Generation </a:t>
-            </a:r>
-          </a:p>
-          <a:p>
-            <a:pPr lvl="1"/>
-            <a:r>
-              <a:rPr lang="en-US" dirty="0"/>
-              <a:t>Define metric(s)</a:t>
-            </a:r>
-          </a:p>
-          <a:p>
-            <a:pPr lvl="1"/>
-            <a:r>
-              <a:rPr lang="en-US" dirty="0"/>
               <a:t>Build model(s) on training sets</a:t>
             </a:r>
           </a:p>
@@ -11818,15 +16263,16 @@
             </a:r>
           </a:p>
           <a:p>
+            <a:pPr lvl="1"/>
             <a:r>
               <a:rPr lang="en-US" dirty="0"/>
-              <a:t>Model Selection and Validation</a:t>
+              <a:t>Calculate metric(s)</a:t>
             </a:r>
           </a:p>
           <a:p>
             <a:r>
               <a:rPr lang="en-US" dirty="0"/>
-              <a:t>Communication</a:t>
+              <a:t>Model Selection</a:t>
             </a:r>
           </a:p>
           <a:p>

--- a/04 - Machine Learning Pipelines/Machine-Learning-Pipelines.pptx
+++ b/04 - Machine Learning Pipelines/Machine-Learning-Pipelines.pptx
@@ -266,7 +266,7 @@
       <p15:sldGuideLst xmlns:p15="http://schemas.microsoft.com/office/powerpoint/2012/main"/>
     </p:ext>
     <p:ext uri="http://customooxmlschemas.google.com/">
-      <go:slidesCustomData xmlns:go="http://customooxmlschemas.google.com/" xmlns:p15="http://schemas.microsoft.com/office/powerpoint/2012/main" xmlns:p14="http://schemas.microsoft.com/office/powerpoint/2010/main" xmlns:com="http://schemas.openxmlformats.org/drawingml/2006/compatibility" xmlns:pvml="urn:schemas-microsoft-com:office:powerpoint" xmlns:v="urn:schemas-microsoft-com:vml" xmlns:o="urn:schemas-microsoft-com:office:office" xmlns:dgm="http://schemas.openxmlformats.org/drawingml/2006/diagram" xmlns:c="http://schemas.openxmlformats.org/drawingml/2006/chart" xmlns:mv="urn:schemas-microsoft-com:mac:vml" xmlns:mc="http://schemas.openxmlformats.org/markup-compatibility/2006" xmlns="" r:id="rId30" roundtripDataSignature="AMtx7mjFyVUGRZWio+dc9dxzYsimUxNJbg=="/>
+      <go:slidesCustomData xmlns="" xmlns:mc="http://schemas.openxmlformats.org/markup-compatibility/2006" xmlns:mv="urn:schemas-microsoft-com:mac:vml" xmlns:c="http://schemas.openxmlformats.org/drawingml/2006/chart" xmlns:dgm="http://schemas.openxmlformats.org/drawingml/2006/diagram" xmlns:o="urn:schemas-microsoft-com:office:office" xmlns:v="urn:schemas-microsoft-com:vml" xmlns:pvml="urn:schemas-microsoft-com:office:powerpoint" xmlns:com="http://schemas.openxmlformats.org/drawingml/2006/compatibility" xmlns:p14="http://schemas.microsoft.com/office/powerpoint/2010/main" xmlns:p15="http://schemas.microsoft.com/office/powerpoint/2012/main" xmlns:go="http://customooxmlschemas.google.com/" r:id="rId30" roundtripDataSignature="AMtx7mjFyVUGRZWio+dc9dxzYsimUxNJbg=="/>
     </p:ext>
   </p:extLst>
 </p:presentation>
@@ -15526,7 +15526,7 @@
             </a:pPr>
             <a:r>
               <a:rPr lang="en-US" dirty="0"/>
-              <a:t>input/outputs for each component</a:t>
+              <a:t>Determine Input/outputs for each component</a:t>
             </a:r>
           </a:p>
           <a:p>

--- a/04 - Machine Learning Pipelines/Machine-Learning-Pipelines.pptx
+++ b/04 - Machine Learning Pipelines/Machine-Learning-Pipelines.pptx
@@ -5,30 +5,33 @@
     <p:sldMasterId id="2147483648" r:id="rId1"/>
   </p:sldMasterIdLst>
   <p:notesMasterIdLst>
-    <p:notesMasterId r:id="rId23"/>
+    <p:notesMasterId r:id="rId26"/>
   </p:notesMasterIdLst>
   <p:sldIdLst>
     <p:sldId id="256" r:id="rId2"/>
-    <p:sldId id="295" r:id="rId3"/>
-    <p:sldId id="417" r:id="rId4"/>
-    <p:sldId id="424" r:id="rId5"/>
-    <p:sldId id="419" r:id="rId6"/>
-    <p:sldId id="425" r:id="rId7"/>
-    <p:sldId id="426" r:id="rId8"/>
-    <p:sldId id="420" r:id="rId9"/>
-    <p:sldId id="430" r:id="rId10"/>
-    <p:sldId id="357" r:id="rId11"/>
-    <p:sldId id="358" r:id="rId12"/>
-    <p:sldId id="359" r:id="rId13"/>
-    <p:sldId id="360" r:id="rId14"/>
-    <p:sldId id="361" r:id="rId15"/>
-    <p:sldId id="362" r:id="rId16"/>
-    <p:sldId id="421" r:id="rId17"/>
-    <p:sldId id="422" r:id="rId18"/>
-    <p:sldId id="423" r:id="rId19"/>
-    <p:sldId id="363" r:id="rId20"/>
-    <p:sldId id="428" r:id="rId21"/>
-    <p:sldId id="429" r:id="rId22"/>
+    <p:sldId id="433" r:id="rId3"/>
+    <p:sldId id="431" r:id="rId4"/>
+    <p:sldId id="295" r:id="rId5"/>
+    <p:sldId id="417" r:id="rId6"/>
+    <p:sldId id="424" r:id="rId7"/>
+    <p:sldId id="419" r:id="rId8"/>
+    <p:sldId id="425" r:id="rId9"/>
+    <p:sldId id="426" r:id="rId10"/>
+    <p:sldId id="420" r:id="rId11"/>
+    <p:sldId id="430" r:id="rId12"/>
+    <p:sldId id="357" r:id="rId13"/>
+    <p:sldId id="358" r:id="rId14"/>
+    <p:sldId id="359" r:id="rId15"/>
+    <p:sldId id="360" r:id="rId16"/>
+    <p:sldId id="361" r:id="rId17"/>
+    <p:sldId id="362" r:id="rId18"/>
+    <p:sldId id="421" r:id="rId19"/>
+    <p:sldId id="422" r:id="rId20"/>
+    <p:sldId id="423" r:id="rId21"/>
+    <p:sldId id="363" r:id="rId22"/>
+    <p:sldId id="428" r:id="rId23"/>
+    <p:sldId id="429" r:id="rId24"/>
+    <p:sldId id="432" r:id="rId25"/>
   </p:sldIdLst>
   <p:sldSz cx="12192000" cy="6858000"/>
   <p:notesSz cx="6858000" cy="9144000"/>
@@ -266,7 +269,7 @@
       <p15:sldGuideLst xmlns:p15="http://schemas.microsoft.com/office/powerpoint/2012/main"/>
     </p:ext>
     <p:ext uri="http://customooxmlschemas.google.com/">
-      <go:slidesCustomData xmlns="" xmlns:mc="http://schemas.openxmlformats.org/markup-compatibility/2006" xmlns:mv="urn:schemas-microsoft-com:mac:vml" xmlns:c="http://schemas.openxmlformats.org/drawingml/2006/chart" xmlns:dgm="http://schemas.openxmlformats.org/drawingml/2006/diagram" xmlns:o="urn:schemas-microsoft-com:office:office" xmlns:v="urn:schemas-microsoft-com:vml" xmlns:pvml="urn:schemas-microsoft-com:office:powerpoint" xmlns:com="http://schemas.openxmlformats.org/drawingml/2006/compatibility" xmlns:p14="http://schemas.microsoft.com/office/powerpoint/2010/main" xmlns:p15="http://schemas.microsoft.com/office/powerpoint/2012/main" xmlns:go="http://customooxmlschemas.google.com/" r:id="rId30" roundtripDataSignature="AMtx7mjFyVUGRZWio+dc9dxzYsimUxNJbg=="/>
+      <go:slidesCustomData xmlns:go="http://customooxmlschemas.google.com/" xmlns:p15="http://schemas.microsoft.com/office/powerpoint/2012/main" xmlns:p14="http://schemas.microsoft.com/office/powerpoint/2010/main" xmlns:com="http://schemas.openxmlformats.org/drawingml/2006/compatibility" xmlns:pvml="urn:schemas-microsoft-com:office:powerpoint" xmlns:v="urn:schemas-microsoft-com:vml" xmlns:o="urn:schemas-microsoft-com:office:office" xmlns:dgm="http://schemas.openxmlformats.org/drawingml/2006/diagram" xmlns:c="http://schemas.openxmlformats.org/drawingml/2006/chart" xmlns:mv="urn:schemas-microsoft-com:mac:vml" xmlns:mc="http://schemas.openxmlformats.org/markup-compatibility/2006" xmlns="" r:id="rId30" roundtripDataSignature="AMtx7mjFyVUGRZWio+dc9dxzYsimUxNJbg=="/>
     </p:ext>
   </p:extLst>
 </p:presentation>
@@ -11120,7 +11123,7 @@
                 <a:cs typeface="Calibri"/>
                 <a:sym typeface="Calibri"/>
               </a:rPr>
-              <a:t>20</a:t>
+              <a:t>22</a:t>
             </a:fld>
             <a:endParaRPr lang="en-US" sz="1200" b="0" i="0" u="none" strike="noStrike" cap="none">
               <a:solidFill>
@@ -13625,48 +13628,151 @@
         </p:nvSpPr>
         <p:spPr/>
         <p:txBody>
-          <a:bodyPr/>
+          <a:bodyPr>
+            <a:normAutofit fontScale="62500" lnSpcReduction="20000"/>
+          </a:bodyPr>
           <a:lstStyle/>
           <a:p>
             <a:r>
               <a:rPr lang="en-US" dirty="0"/>
-              <a:t>Get Data</a:t>
+              <a:t>Read/Load Data (from csv, </a:t>
+            </a:r>
+            <a:r>
+              <a:rPr lang="en-US" dirty="0" err="1"/>
+              <a:t>db</a:t>
+            </a:r>
+            <a:r>
+              <a:rPr lang="en-US" dirty="0"/>
+              <a:t>, </a:t>
+            </a:r>
+            <a:r>
+              <a:rPr lang="en-US" dirty="0" err="1"/>
+              <a:t>api</a:t>
+            </a:r>
+            <a:r>
+              <a:rPr lang="en-US" dirty="0"/>
+              <a:t>)</a:t>
+            </a:r>
+          </a:p>
+          <a:p>
+            <a:r>
+              <a:rPr lang="en-US" dirty="0"/>
+              <a:t>Integrate Data (dedupe, link)</a:t>
+            </a:r>
+          </a:p>
+          <a:p>
+            <a:r>
+              <a:rPr lang="en-US" dirty="0"/>
+              <a:t>Process Data (cleaning)</a:t>
+            </a:r>
+          </a:p>
+          <a:p>
+            <a:r>
+              <a:rPr lang="en-US" dirty="0"/>
+              <a:t>Explore Data (descriptive stats, correlations, outliers, over time, clustering) </a:t>
+            </a:r>
+          </a:p>
+          <a:p>
+            <a:r>
+              <a:rPr lang="en-US" dirty="0"/>
+              <a:t>Modeling Prep</a:t>
             </a:r>
           </a:p>
           <a:p>
             <a:pPr lvl="1"/>
             <a:r>
               <a:rPr lang="en-US" dirty="0"/>
-              <a:t>API, CSV, Database</a:t>
-            </a:r>
-          </a:p>
-          <a:p>
+              <a:t>Create training and test sets</a:t>
+            </a:r>
+          </a:p>
+          <a:p>
+            <a:pPr lvl="1"/>
             <a:r>
               <a:rPr lang="en-US" dirty="0"/>
-              <a:t>Store Data</a:t>
+              <a:t>Missing values (fill/impute, create dummy)</a:t>
             </a:r>
           </a:p>
           <a:p>
             <a:pPr lvl="1"/>
             <a:r>
               <a:rPr lang="en-US" dirty="0"/>
-              <a:t>Database</a:t>
-            </a:r>
-          </a:p>
-          <a:p>
+              <a:t>Transformations (scale/normalize, log, square, root)</a:t>
+            </a:r>
+          </a:p>
+          <a:p>
+            <a:pPr lvl="1"/>
             <a:r>
               <a:rPr lang="en-US" dirty="0"/>
-              <a:t>Integrate Data</a:t>
+              <a:t>Feature Generation </a:t>
             </a:r>
           </a:p>
           <a:p>
             <a:pPr lvl="1"/>
             <a:r>
               <a:rPr lang="en-US" dirty="0"/>
-              <a:t>Record Linkage</a:t>
-            </a:r>
-          </a:p>
-          <a:p>
+              <a:t>Label Generation</a:t>
+            </a:r>
+          </a:p>
+          <a:p>
+            <a:pPr lvl="1"/>
+            <a:r>
+              <a:rPr lang="en-US" dirty="0"/>
+              <a:t>Define metric(s)</a:t>
+            </a:r>
+          </a:p>
+          <a:p>
+            <a:r>
+              <a:rPr lang="en-US" dirty="0"/>
+              <a:t>Modeling</a:t>
+            </a:r>
+          </a:p>
+          <a:p>
+            <a:pPr lvl="1"/>
+            <a:r>
+              <a:rPr lang="en-US" dirty="0"/>
+              <a:t>Build model(s) on training sets</a:t>
+            </a:r>
+          </a:p>
+          <a:p>
+            <a:pPr lvl="1"/>
+            <a:r>
+              <a:rPr lang="en-US" dirty="0"/>
+              <a:t>Apply model(s) on test sets</a:t>
+            </a:r>
+          </a:p>
+          <a:p>
+            <a:pPr lvl="1"/>
+            <a:r>
+              <a:rPr lang="en-US" dirty="0"/>
+              <a:t>Calculate metric(s)</a:t>
+            </a:r>
+          </a:p>
+          <a:p>
+            <a:r>
+              <a:rPr lang="en-US" dirty="0"/>
+              <a:t>Model Selection</a:t>
+            </a:r>
+          </a:p>
+          <a:p>
+            <a:r>
+              <a:rPr lang="en-US" dirty="0"/>
+              <a:t>Field Trial</a:t>
+            </a:r>
+          </a:p>
+          <a:p>
+            <a:r>
+              <a:rPr lang="en-US" dirty="0"/>
+              <a:t>Deploy</a:t>
+            </a:r>
+          </a:p>
+          <a:p>
+            <a:r>
+              <a:rPr lang="en-US" dirty="0"/>
+              <a:t>Maintain</a:t>
+            </a:r>
+          </a:p>
+          <a:p>
+            <a:pPr lvl="1"/>
             <a:endParaRPr lang="en-US" dirty="0"/>
           </a:p>
         </p:txBody>
@@ -13683,19 +13789,17 @@
         </p:nvSpPr>
         <p:spPr>
           <a:xfrm>
-            <a:off x="0" y="23813"/>
+            <a:off x="0" y="174420"/>
             <a:ext cx="12192000" cy="1143000"/>
           </a:xfrm>
         </p:spPr>
         <p:txBody>
-          <a:bodyPr>
-            <a:normAutofit/>
-          </a:bodyPr>
+          <a:bodyPr/>
           <a:lstStyle/>
           <a:p>
             <a:r>
               <a:rPr lang="en-US" dirty="0"/>
-              <a:t>Components: Data Acquisition &amp; Integration</a:t>
+              <a:t>What components does a pipeline have?</a:t>
             </a:r>
           </a:p>
         </p:txBody>
@@ -13703,7 +13807,7 @@
     </p:spTree>
     <p:extLst>
       <p:ext uri="{BB962C8B-B14F-4D97-AF65-F5344CB8AC3E}">
-        <p14:creationId xmlns:p14="http://schemas.microsoft.com/office/powerpoint/2010/main" val="1245332309"/>
+        <p14:creationId xmlns:p14="http://schemas.microsoft.com/office/powerpoint/2010/main" val="1297727290"/>
       </p:ext>
     </p:extLst>
   </p:cSld>
@@ -13732,97 +13836,13 @@
       </p:grpSpPr>
       <p:sp>
         <p:nvSpPr>
-          <p:cNvPr id="2" name="Content Placeholder 1"/>
-          <p:cNvSpPr>
-            <a:spLocks noGrp="1"/>
-          </p:cNvSpPr>
-          <p:nvPr>
-            <p:ph type="body" idx="1"/>
-          </p:nvPr>
-        </p:nvSpPr>
-        <p:spPr/>
-        <p:txBody>
-          <a:bodyPr>
-            <a:normAutofit/>
-          </a:bodyPr>
-          <a:lstStyle/>
-          <a:p>
-            <a:r>
-              <a:rPr lang="en-US" dirty="0"/>
-              <a:t>Data Exploration</a:t>
-            </a:r>
-          </a:p>
-          <a:p>
-            <a:pPr lvl="1"/>
-            <a:r>
-              <a:rPr lang="en-US" dirty="0"/>
-              <a:t>Distributions</a:t>
-            </a:r>
-          </a:p>
-          <a:p>
-            <a:pPr lvl="1"/>
-            <a:r>
-              <a:rPr lang="en-US" dirty="0"/>
-              <a:t>Missing Values</a:t>
-            </a:r>
-          </a:p>
-          <a:p>
-            <a:pPr lvl="1"/>
-            <a:r>
-              <a:rPr lang="en-US" dirty="0"/>
-              <a:t>Correlations</a:t>
-            </a:r>
-          </a:p>
-          <a:p>
-            <a:pPr lvl="1"/>
-            <a:r>
-              <a:rPr lang="en-US" dirty="0"/>
-              <a:t>Other Patterns</a:t>
-            </a:r>
-          </a:p>
-          <a:p>
-            <a:r>
-              <a:rPr lang="en-US" dirty="0"/>
-              <a:t>Pre-Processing</a:t>
-            </a:r>
-          </a:p>
-          <a:p>
-            <a:pPr lvl="1"/>
-            <a:r>
-              <a:rPr lang="en-US" dirty="0"/>
-              <a:t>Leakage</a:t>
-            </a:r>
-          </a:p>
-          <a:p>
-            <a:pPr lvl="1"/>
-            <a:r>
-              <a:rPr lang="en-US" dirty="0"/>
-              <a:t>Deal with Missing values</a:t>
-            </a:r>
-          </a:p>
-          <a:p>
-            <a:pPr lvl="1"/>
-            <a:r>
-              <a:rPr lang="en-US" dirty="0"/>
-              <a:t>Scaling</a:t>
-            </a:r>
-          </a:p>
-          <a:p>
-            <a:pPr lvl="1"/>
-            <a:r>
-              <a:rPr lang="en-US" dirty="0"/>
-              <a:t>Data errors</a:t>
-            </a:r>
-          </a:p>
-          <a:p>
-            <a:pPr lvl="1"/>
-            <a:endParaRPr lang="en-US" dirty="0"/>
-          </a:p>
-        </p:txBody>
-      </p:sp>
-      <p:sp>
-        <p:nvSpPr>
-          <p:cNvPr id="3" name="Title 2"/>
+          <p:cNvPr id="3" name="Title 2">
+            <a:extLst>
+              <a:ext uri="{FF2B5EF4-FFF2-40B4-BE49-F238E27FC236}">
+                <a16:creationId xmlns:a16="http://schemas.microsoft.com/office/drawing/2014/main" id="{671D4663-A85A-AE41-AB66-B2D89DB86556}"/>
+              </a:ext>
+            </a:extLst>
+          </p:cNvPr>
           <p:cNvSpPr>
             <a:spLocks noGrp="1"/>
           </p:cNvSpPr>
@@ -13830,21 +13850,330 @@
             <p:ph type="title"/>
           </p:nvPr>
         </p:nvSpPr>
+        <p:spPr/>
+        <p:txBody>
+          <a:bodyPr/>
+          <a:lstStyle/>
+          <a:p>
+            <a:r>
+              <a:rPr lang="en-US" dirty="0"/>
+              <a:t>Things to keep in mind about each component</a:t>
+            </a:r>
+          </a:p>
+        </p:txBody>
+      </p:sp>
+      <p:sp>
+        <p:nvSpPr>
+          <p:cNvPr id="7" name="Rounded Rectangle 6">
+            <a:extLst>
+              <a:ext uri="{FF2B5EF4-FFF2-40B4-BE49-F238E27FC236}">
+                <a16:creationId xmlns:a16="http://schemas.microsoft.com/office/drawing/2014/main" id="{46EFA21E-4796-F741-8C42-862E5379F6D7}"/>
+              </a:ext>
+            </a:extLst>
+          </p:cNvPr>
+          <p:cNvSpPr/>
+          <p:nvPr/>
+        </p:nvSpPr>
         <p:spPr>
           <a:xfrm>
-            <a:off x="0" y="23813"/>
-            <a:ext cx="12192000" cy="1143000"/>
+            <a:off x="4151870" y="2842055"/>
+            <a:ext cx="4065373" cy="1890583"/>
           </a:xfrm>
+          <a:prstGeom prst="roundRect">
+            <a:avLst/>
+          </a:prstGeom>
+          <a:solidFill>
+            <a:schemeClr val="accent1">
+              <a:lumMod val="40000"/>
+              <a:lumOff val="60000"/>
+            </a:schemeClr>
+          </a:solidFill>
+        </p:spPr>
+        <p:style>
+          <a:lnRef idx="2">
+            <a:schemeClr val="accent1">
+              <a:shade val="50000"/>
+            </a:schemeClr>
+          </a:lnRef>
+          <a:fillRef idx="1">
+            <a:schemeClr val="accent1"/>
+          </a:fillRef>
+          <a:effectRef idx="0">
+            <a:schemeClr val="accent1"/>
+          </a:effectRef>
+          <a:fontRef idx="minor">
+            <a:schemeClr val="lt1"/>
+          </a:fontRef>
+        </p:style>
+        <p:txBody>
+          <a:bodyPr rtlCol="0" anchor="ctr"/>
+          <a:lstStyle/>
+          <a:p>
+            <a:pPr algn="ctr"/>
+            <a:endParaRPr lang="en-US" dirty="0"/>
+          </a:p>
+        </p:txBody>
+      </p:sp>
+      <p:sp>
+        <p:nvSpPr>
+          <p:cNvPr id="8" name="Right Arrow 7">
+            <a:extLst>
+              <a:ext uri="{FF2B5EF4-FFF2-40B4-BE49-F238E27FC236}">
+                <a16:creationId xmlns:a16="http://schemas.microsoft.com/office/drawing/2014/main" id="{B713D5E0-D969-3F4B-ACF1-C5D315EB54BC}"/>
+              </a:ext>
+            </a:extLst>
+          </p:cNvPr>
+          <p:cNvSpPr/>
+          <p:nvPr/>
+        </p:nvSpPr>
+        <p:spPr>
+          <a:xfrm>
+            <a:off x="2496064" y="3429000"/>
+            <a:ext cx="1581664" cy="716692"/>
+          </a:xfrm>
+          <a:prstGeom prst="rightArrow">
+            <a:avLst/>
+          </a:prstGeom>
+          <a:solidFill>
+            <a:schemeClr val="accent1">
+              <a:lumMod val="40000"/>
+              <a:lumOff val="60000"/>
+            </a:schemeClr>
+          </a:solidFill>
+        </p:spPr>
+        <p:style>
+          <a:lnRef idx="2">
+            <a:schemeClr val="accent1">
+              <a:shade val="50000"/>
+            </a:schemeClr>
+          </a:lnRef>
+          <a:fillRef idx="1">
+            <a:schemeClr val="accent1"/>
+          </a:fillRef>
+          <a:effectRef idx="0">
+            <a:schemeClr val="accent1"/>
+          </a:effectRef>
+          <a:fontRef idx="minor">
+            <a:schemeClr val="lt1"/>
+          </a:fontRef>
+        </p:style>
+        <p:txBody>
+          <a:bodyPr rtlCol="0" anchor="ctr"/>
+          <a:lstStyle/>
+          <a:p>
+            <a:pPr algn="ctr"/>
+            <a:endParaRPr lang="en-US"/>
+          </a:p>
+        </p:txBody>
+      </p:sp>
+      <p:sp>
+        <p:nvSpPr>
+          <p:cNvPr id="9" name="Right Arrow 8">
+            <a:extLst>
+              <a:ext uri="{FF2B5EF4-FFF2-40B4-BE49-F238E27FC236}">
+                <a16:creationId xmlns:a16="http://schemas.microsoft.com/office/drawing/2014/main" id="{DA9EBE54-1611-3446-91C9-4C5A79244F6A}"/>
+              </a:ext>
+            </a:extLst>
+          </p:cNvPr>
+          <p:cNvSpPr/>
+          <p:nvPr/>
+        </p:nvSpPr>
+        <p:spPr>
+          <a:xfrm>
+            <a:off x="8320217" y="3429000"/>
+            <a:ext cx="1581664" cy="716692"/>
+          </a:xfrm>
+          <a:prstGeom prst="rightArrow">
+            <a:avLst/>
+          </a:prstGeom>
+          <a:solidFill>
+            <a:schemeClr val="accent1">
+              <a:lumMod val="40000"/>
+              <a:lumOff val="60000"/>
+            </a:schemeClr>
+          </a:solidFill>
+        </p:spPr>
+        <p:style>
+          <a:lnRef idx="2">
+            <a:schemeClr val="accent1">
+              <a:shade val="50000"/>
+            </a:schemeClr>
+          </a:lnRef>
+          <a:fillRef idx="1">
+            <a:schemeClr val="accent1"/>
+          </a:fillRef>
+          <a:effectRef idx="0">
+            <a:schemeClr val="accent1"/>
+          </a:effectRef>
+          <a:fontRef idx="minor">
+            <a:schemeClr val="lt1"/>
+          </a:fontRef>
+        </p:style>
+        <p:txBody>
+          <a:bodyPr rtlCol="0" anchor="ctr"/>
+          <a:lstStyle/>
+          <a:p>
+            <a:pPr algn="ctr"/>
+            <a:endParaRPr lang="en-US"/>
+          </a:p>
+        </p:txBody>
+      </p:sp>
+      <p:sp>
+        <p:nvSpPr>
+          <p:cNvPr id="10" name="Rectangle 9">
+            <a:extLst>
+              <a:ext uri="{FF2B5EF4-FFF2-40B4-BE49-F238E27FC236}">
+                <a16:creationId xmlns:a16="http://schemas.microsoft.com/office/drawing/2014/main" id="{A48AD4E3-95CD-F349-8A42-FCA7D590A713}"/>
+              </a:ext>
+            </a:extLst>
+          </p:cNvPr>
+          <p:cNvSpPr/>
+          <p:nvPr/>
+        </p:nvSpPr>
+        <p:spPr>
+          <a:xfrm>
+            <a:off x="130558" y="3600789"/>
+            <a:ext cx="3431058" cy="1323439"/>
+          </a:xfrm>
+          <a:prstGeom prst="rect">
+            <a:avLst/>
+          </a:prstGeom>
         </p:spPr>
         <p:txBody>
-          <a:bodyPr>
-            <a:normAutofit/>
+          <a:bodyPr wrap="square">
+            <a:spAutoFit/>
           </a:bodyPr>
           <a:lstStyle/>
           <a:p>
-            <a:r>
-              <a:rPr lang="en-US" dirty="0"/>
-              <a:t>Components: Explore and Prepare data</a:t>
+            <a:pPr algn="ctr"/>
+            <a:r>
+              <a:rPr lang="en-US" sz="2000" b="1" dirty="0"/>
+              <a:t>Inputs</a:t>
+            </a:r>
+          </a:p>
+          <a:p>
+            <a:pPr algn="ctr"/>
+            <a:endParaRPr lang="en-US" sz="2000" b="1" dirty="0"/>
+          </a:p>
+          <a:p>
+            <a:pPr lvl="1"/>
+            <a:r>
+              <a:rPr lang="en-US" sz="2000" dirty="0"/>
+              <a:t>Data structures/format?</a:t>
+            </a:r>
+          </a:p>
+          <a:p>
+            <a:pPr lvl="1"/>
+            <a:r>
+              <a:rPr lang="en-US" sz="2000" dirty="0"/>
+              <a:t>Parameters/Configuration?</a:t>
+            </a:r>
+          </a:p>
+        </p:txBody>
+      </p:sp>
+      <p:sp>
+        <p:nvSpPr>
+          <p:cNvPr id="11" name="Rectangle 10">
+            <a:extLst>
+              <a:ext uri="{FF2B5EF4-FFF2-40B4-BE49-F238E27FC236}">
+                <a16:creationId xmlns:a16="http://schemas.microsoft.com/office/drawing/2014/main" id="{6CCD1160-7D29-574B-B77F-F3BA57FD80C7}"/>
+              </a:ext>
+            </a:extLst>
+          </p:cNvPr>
+          <p:cNvSpPr/>
+          <p:nvPr/>
+        </p:nvSpPr>
+        <p:spPr>
+          <a:xfrm>
+            <a:off x="8760942" y="3600789"/>
+            <a:ext cx="3431058" cy="1323439"/>
+          </a:xfrm>
+          <a:prstGeom prst="rect">
+            <a:avLst/>
+          </a:prstGeom>
+        </p:spPr>
+        <p:txBody>
+          <a:bodyPr wrap="square">
+            <a:spAutoFit/>
+          </a:bodyPr>
+          <a:lstStyle/>
+          <a:p>
+            <a:pPr algn="ctr"/>
+            <a:r>
+              <a:rPr lang="en-US" sz="2000" b="1" dirty="0"/>
+              <a:t>Outputs</a:t>
+            </a:r>
+          </a:p>
+          <a:p>
+            <a:pPr algn="ctr"/>
+            <a:endParaRPr lang="en-US" sz="2000" b="1" dirty="0"/>
+          </a:p>
+          <a:p>
+            <a:pPr lvl="1" algn="r"/>
+            <a:r>
+              <a:rPr lang="en-US" sz="2000" dirty="0"/>
+              <a:t>Data structures/format?</a:t>
+            </a:r>
+          </a:p>
+          <a:p>
+            <a:pPr lvl="1" algn="r"/>
+            <a:r>
+              <a:rPr lang="en-US" sz="2000" dirty="0"/>
+              <a:t>Store to disk/</a:t>
+            </a:r>
+            <a:r>
+              <a:rPr lang="en-US" sz="2000" dirty="0" err="1"/>
+              <a:t>db</a:t>
+            </a:r>
+            <a:r>
+              <a:rPr lang="en-US" sz="2000" dirty="0"/>
+              <a:t>?</a:t>
+            </a:r>
+          </a:p>
+        </p:txBody>
+      </p:sp>
+      <p:sp>
+        <p:nvSpPr>
+          <p:cNvPr id="12" name="Rectangle 11">
+            <a:extLst>
+              <a:ext uri="{FF2B5EF4-FFF2-40B4-BE49-F238E27FC236}">
+                <a16:creationId xmlns:a16="http://schemas.microsoft.com/office/drawing/2014/main" id="{3E13A319-AC37-1A47-AF21-FE4BEDD99614}"/>
+              </a:ext>
+            </a:extLst>
+          </p:cNvPr>
+          <p:cNvSpPr/>
+          <p:nvPr/>
+        </p:nvSpPr>
+        <p:spPr>
+          <a:xfrm>
+            <a:off x="4314569" y="3125626"/>
+            <a:ext cx="3729680" cy="1015663"/>
+          </a:xfrm>
+          <a:prstGeom prst="rect">
+            <a:avLst/>
+          </a:prstGeom>
+        </p:spPr>
+        <p:txBody>
+          <a:bodyPr wrap="square">
+            <a:spAutoFit/>
+          </a:bodyPr>
+          <a:lstStyle/>
+          <a:p>
+            <a:pPr algn="ctr"/>
+            <a:r>
+              <a:rPr lang="en-US" sz="2000" b="1" dirty="0"/>
+              <a:t>Processing</a:t>
+            </a:r>
+          </a:p>
+          <a:p>
+            <a:pPr algn="ctr"/>
+            <a:endParaRPr lang="en-US" sz="2000" b="1" dirty="0"/>
+          </a:p>
+          <a:p>
+            <a:pPr lvl="1" algn="ctr"/>
+            <a:r>
+              <a:rPr lang="en-US" sz="2000" dirty="0"/>
+              <a:t>Modular, extensible functions</a:t>
             </a:r>
           </a:p>
         </p:txBody>
@@ -13852,7 +14181,7 @@
     </p:spTree>
     <p:extLst>
       <p:ext uri="{BB962C8B-B14F-4D97-AF65-F5344CB8AC3E}">
-        <p14:creationId xmlns:p14="http://schemas.microsoft.com/office/powerpoint/2010/main" val="723680688"/>
+        <p14:creationId xmlns:p14="http://schemas.microsoft.com/office/powerpoint/2010/main" val="1647432046"/>
       </p:ext>
     </p:extLst>
   </p:cSld>
@@ -13896,72 +14225,43 @@
           <a:p>
             <a:r>
               <a:rPr lang="en-US" dirty="0"/>
-              <a:t>Data comes with fields or columns (if it’s even structured), not features</a:t>
-            </a:r>
-          </a:p>
-          <a:p>
+              <a:t>Get Data</a:t>
+            </a:r>
+          </a:p>
+          <a:p>
+            <a:pPr lvl="1"/>
             <a:r>
               <a:rPr lang="en-US" dirty="0"/>
-              <a:t>Common Features</a:t>
+              <a:t>API, CSV, Database</a:t>
+            </a:r>
+          </a:p>
+          <a:p>
+            <a:r>
+              <a:rPr lang="en-US" dirty="0"/>
+              <a:t>Store Data</a:t>
             </a:r>
           </a:p>
           <a:p>
             <a:pPr lvl="1"/>
             <a:r>
               <a:rPr lang="en-US" dirty="0"/>
-              <a:t>Discretization</a:t>
+              <a:t>Database</a:t>
+            </a:r>
+          </a:p>
+          <a:p>
+            <a:r>
+              <a:rPr lang="en-US" dirty="0"/>
+              <a:t>Integrate Data</a:t>
             </a:r>
           </a:p>
           <a:p>
             <a:pPr lvl="1"/>
             <a:r>
               <a:rPr lang="en-US" dirty="0"/>
-              <a:t>Transformations</a:t>
-            </a:r>
-          </a:p>
-          <a:p>
-            <a:pPr lvl="1"/>
-            <a:r>
-              <a:rPr lang="en-US" dirty="0"/>
-              <a:t>Interactions/Conjunctions</a:t>
-            </a:r>
-          </a:p>
-          <a:p>
-            <a:pPr lvl="1"/>
-            <a:r>
-              <a:rPr lang="en-US" dirty="0"/>
-              <a:t>Disaggregation</a:t>
-            </a:r>
-          </a:p>
-          <a:p>
-            <a:pPr lvl="1"/>
-            <a:r>
-              <a:rPr lang="en-US" dirty="0"/>
-              <a:t>Aggregations</a:t>
-            </a:r>
-          </a:p>
-          <a:p>
-            <a:pPr lvl="2"/>
-            <a:r>
-              <a:rPr lang="en-US" dirty="0"/>
-              <a:t>Temporal</a:t>
-            </a:r>
-          </a:p>
-          <a:p>
-            <a:pPr lvl="2"/>
-            <a:r>
-              <a:rPr lang="en-US" dirty="0"/>
-              <a:t>Spatial</a:t>
-            </a:r>
-          </a:p>
-          <a:p>
-            <a:r>
-              <a:rPr lang="en-US" dirty="0"/>
-              <a:t>How are you handling imputation of missing values?</a:t>
-            </a:r>
-          </a:p>
-          <a:p>
-            <a:pPr lvl="2"/>
+              <a:t>Record Linkage</a:t>
+            </a:r>
+          </a:p>
+          <a:p>
             <a:endParaRPr lang="en-US" dirty="0"/>
           </a:p>
         </p:txBody>
@@ -13990,7 +14290,7 @@
           <a:p>
             <a:r>
               <a:rPr lang="en-US" dirty="0"/>
-              <a:t>Components: Feature Creation</a:t>
+              <a:t>Components: Data Acquisition &amp; Integration</a:t>
             </a:r>
           </a:p>
         </p:txBody>
@@ -13998,7 +14298,7 @@
     </p:spTree>
     <p:extLst>
       <p:ext uri="{BB962C8B-B14F-4D97-AF65-F5344CB8AC3E}">
-        <p14:creationId xmlns:p14="http://schemas.microsoft.com/office/powerpoint/2010/main" val="3976800366"/>
+        <p14:creationId xmlns:p14="http://schemas.microsoft.com/office/powerpoint/2010/main" val="1245332309"/>
       </p:ext>
     </p:extLst>
   </p:cSld>
@@ -14037,26 +14337,81 @@
         </p:nvSpPr>
         <p:spPr/>
         <p:txBody>
-          <a:bodyPr/>
+          <a:bodyPr>
+            <a:normAutofit/>
+          </a:bodyPr>
           <a:lstStyle/>
           <a:p>
             <a:r>
               <a:rPr lang="en-US" dirty="0"/>
-              <a:t>Select pool of methods applicable for task</a:t>
-            </a:r>
-          </a:p>
-          <a:p>
+              <a:t>Data Exploration</a:t>
+            </a:r>
+          </a:p>
+          <a:p>
+            <a:pPr lvl="1"/>
             <a:r>
               <a:rPr lang="en-US" dirty="0"/>
-              <a:t>For loop over a large number of methods</a:t>
+              <a:t>Distributions</a:t>
             </a:r>
           </a:p>
           <a:p>
             <a:pPr lvl="1"/>
             <a:r>
               <a:rPr lang="en-US" dirty="0"/>
-              <a:t>For loop over parameters</a:t>
-            </a:r>
+              <a:t>Missing Values</a:t>
+            </a:r>
+          </a:p>
+          <a:p>
+            <a:pPr lvl="1"/>
+            <a:r>
+              <a:rPr lang="en-US" dirty="0"/>
+              <a:t>Correlations</a:t>
+            </a:r>
+          </a:p>
+          <a:p>
+            <a:pPr lvl="1"/>
+            <a:r>
+              <a:rPr lang="en-US" dirty="0"/>
+              <a:t>Other Patterns</a:t>
+            </a:r>
+          </a:p>
+          <a:p>
+            <a:r>
+              <a:rPr lang="en-US" dirty="0"/>
+              <a:t>Pre-Processing</a:t>
+            </a:r>
+          </a:p>
+          <a:p>
+            <a:pPr lvl="1"/>
+            <a:r>
+              <a:rPr lang="en-US" dirty="0"/>
+              <a:t>Leakage</a:t>
+            </a:r>
+          </a:p>
+          <a:p>
+            <a:pPr lvl="1"/>
+            <a:r>
+              <a:rPr lang="en-US" dirty="0"/>
+              <a:t>Deal with Missing values</a:t>
+            </a:r>
+          </a:p>
+          <a:p>
+            <a:pPr lvl="1"/>
+            <a:r>
+              <a:rPr lang="en-US" dirty="0"/>
+              <a:t>Scaling</a:t>
+            </a:r>
+          </a:p>
+          <a:p>
+            <a:pPr lvl="1"/>
+            <a:r>
+              <a:rPr lang="en-US" dirty="0"/>
+              <a:t>Data errors</a:t>
+            </a:r>
+          </a:p>
+          <a:p>
+            <a:pPr lvl="1"/>
+            <a:endParaRPr lang="en-US" dirty="0"/>
           </a:p>
         </p:txBody>
       </p:sp>
@@ -14077,12 +14432,14 @@
           </a:xfrm>
         </p:spPr>
         <p:txBody>
-          <a:bodyPr/>
+          <a:bodyPr>
+            <a:normAutofit/>
+          </a:bodyPr>
           <a:lstStyle/>
           <a:p>
             <a:r>
               <a:rPr lang="en-US" dirty="0"/>
-              <a:t>Components: Method Selection</a:t>
+              <a:t>Components: Explore and Prepare data</a:t>
             </a:r>
           </a:p>
         </p:txBody>
@@ -14090,7 +14447,7 @@
     </p:spTree>
     <p:extLst>
       <p:ext uri="{BB962C8B-B14F-4D97-AF65-F5344CB8AC3E}">
-        <p14:creationId xmlns:p14="http://schemas.microsoft.com/office/powerpoint/2010/main" val="474248022"/>
+        <p14:creationId xmlns:p14="http://schemas.microsoft.com/office/powerpoint/2010/main" val="723680688"/>
       </p:ext>
     </p:extLst>
   </p:cSld>
@@ -14134,48 +14491,72 @@
           <a:p>
             <a:r>
               <a:rPr lang="en-US" dirty="0"/>
-              <a:t>Using historical data</a:t>
+              <a:t>Data comes with fields or columns (if it’s even structured), not features</a:t>
+            </a:r>
+          </a:p>
+          <a:p>
+            <a:r>
+              <a:rPr lang="en-US" dirty="0"/>
+              <a:t>Common Features</a:t>
             </a:r>
           </a:p>
           <a:p>
             <a:pPr lvl="1"/>
             <a:r>
               <a:rPr lang="en-US" dirty="0"/>
-              <a:t>Methodology</a:t>
+              <a:t>Discretization</a:t>
             </a:r>
           </a:p>
           <a:p>
             <a:pPr lvl="1"/>
             <a:r>
               <a:rPr lang="en-US" dirty="0"/>
-              <a:t>Metric</a:t>
-            </a:r>
-          </a:p>
-          <a:p>
-            <a:endParaRPr lang="en-US" dirty="0"/>
-          </a:p>
-          <a:p>
+              <a:t>Transformations</a:t>
+            </a:r>
+          </a:p>
+          <a:p>
+            <a:pPr lvl="1"/>
             <a:r>
               <a:rPr lang="en-US" dirty="0"/>
-              <a:t>Field Experiment</a:t>
+              <a:t>Interactions/Conjunctions</a:t>
             </a:r>
           </a:p>
           <a:p>
             <a:pPr lvl="1"/>
             <a:r>
               <a:rPr lang="en-US" dirty="0"/>
-              <a:t>Methodology</a:t>
+              <a:t>Disaggregation</a:t>
             </a:r>
           </a:p>
           <a:p>
             <a:pPr lvl="1"/>
             <a:r>
               <a:rPr lang="en-US" dirty="0"/>
-              <a:t>Metric</a:t>
-            </a:r>
-          </a:p>
-          <a:p>
-            <a:pPr lvl="1"/>
+              <a:t>Aggregations</a:t>
+            </a:r>
+          </a:p>
+          <a:p>
+            <a:pPr lvl="2"/>
+            <a:r>
+              <a:rPr lang="en-US" dirty="0"/>
+              <a:t>Temporal</a:t>
+            </a:r>
+          </a:p>
+          <a:p>
+            <a:pPr lvl="2"/>
+            <a:r>
+              <a:rPr lang="en-US" dirty="0"/>
+              <a:t>Spatial</a:t>
+            </a:r>
+          </a:p>
+          <a:p>
+            <a:r>
+              <a:rPr lang="en-US" dirty="0"/>
+              <a:t>How are you handling imputation of missing values?</a:t>
+            </a:r>
+          </a:p>
+          <a:p>
+            <a:pPr lvl="2"/>
             <a:endParaRPr lang="en-US" dirty="0"/>
           </a:p>
         </p:txBody>
@@ -14197,12 +14578,14 @@
           </a:xfrm>
         </p:spPr>
         <p:txBody>
-          <a:bodyPr/>
+          <a:bodyPr>
+            <a:normAutofit/>
+          </a:bodyPr>
           <a:lstStyle/>
           <a:p>
             <a:r>
               <a:rPr lang="en-US" dirty="0"/>
-              <a:t>Components: Validation</a:t>
+              <a:t>Components: Feature Creation</a:t>
             </a:r>
           </a:p>
         </p:txBody>
@@ -14210,7 +14593,7 @@
     </p:spTree>
     <p:extLst>
       <p:ext uri="{BB962C8B-B14F-4D97-AF65-F5344CB8AC3E}">
-        <p14:creationId xmlns:p14="http://schemas.microsoft.com/office/powerpoint/2010/main" val="1948318951"/>
+        <p14:creationId xmlns:p14="http://schemas.microsoft.com/office/powerpoint/2010/main" val="3976800366"/>
       </p:ext>
     </p:extLst>
   </p:cSld>
@@ -14254,33 +14637,20 @@
           <a:p>
             <a:r>
               <a:rPr lang="en-US" dirty="0"/>
-              <a:t>Model monitoring</a:t>
+              <a:t>Select pool of methods applicable for task</a:t>
             </a:r>
           </a:p>
           <a:p>
             <a:r>
               <a:rPr lang="en-US" dirty="0"/>
-              <a:t>Re-training</a:t>
+              <a:t>For loop over a large number of methods</a:t>
             </a:r>
           </a:p>
           <a:p>
             <a:pPr lvl="1"/>
             <a:r>
               <a:rPr lang="en-US" dirty="0"/>
-              <a:t>How often?</a:t>
-            </a:r>
-          </a:p>
-          <a:p>
-            <a:pPr lvl="1"/>
-            <a:r>
-              <a:rPr lang="en-US" dirty="0"/>
-              <a:t>Re-select methods?</a:t>
-            </a:r>
-          </a:p>
-          <a:p>
-            <a:r>
-              <a:rPr lang="en-US" dirty="0"/>
-              <a:t>Scoring</a:t>
+              <a:t>For loop over parameters</a:t>
             </a:r>
           </a:p>
         </p:txBody>
@@ -14307,7 +14677,7 @@
           <a:p>
             <a:r>
               <a:rPr lang="en-US" dirty="0"/>
-              <a:t>Deployment</a:t>
+              <a:t>Components: Method Selection</a:t>
             </a:r>
           </a:p>
         </p:txBody>
@@ -14315,7 +14685,7 @@
     </p:spTree>
     <p:extLst>
       <p:ext uri="{BB962C8B-B14F-4D97-AF65-F5344CB8AC3E}">
-        <p14:creationId xmlns:p14="http://schemas.microsoft.com/office/powerpoint/2010/main" val="4206092852"/>
+        <p14:creationId xmlns:p14="http://schemas.microsoft.com/office/powerpoint/2010/main" val="474248022"/>
       </p:ext>
     </p:extLst>
   </p:cSld>
@@ -14359,40 +14729,48 @@
           <a:p>
             <a:r>
               <a:rPr lang="en-US" dirty="0"/>
-              <a:t>Different models</a:t>
-            </a:r>
-          </a:p>
-          <a:p>
+              <a:t>Using historical data</a:t>
+            </a:r>
+          </a:p>
+          <a:p>
+            <a:pPr lvl="1"/>
             <a:r>
               <a:rPr lang="en-US" dirty="0"/>
-              <a:t>Model parameters</a:t>
-            </a:r>
-          </a:p>
-          <a:p>
+              <a:t>Methodology</a:t>
+            </a:r>
+          </a:p>
+          <a:p>
+            <a:pPr lvl="1"/>
             <a:r>
               <a:rPr lang="en-US" dirty="0"/>
-              <a:t>Different Labels/Outcomes</a:t>
-            </a:r>
+              <a:t>Metric</a:t>
+            </a:r>
+          </a:p>
+          <a:p>
+            <a:endParaRPr lang="en-US" dirty="0"/>
           </a:p>
           <a:p>
             <a:r>
               <a:rPr lang="en-US" dirty="0"/>
-              <a:t>Different Deployment Settings</a:t>
-            </a:r>
-          </a:p>
-          <a:p>
+              <a:t>Field Experiment</a:t>
+            </a:r>
+          </a:p>
+          <a:p>
+            <a:pPr lvl="1"/>
             <a:r>
               <a:rPr lang="en-US" dirty="0"/>
-              <a:t>Different Feature (Groups)</a:t>
-            </a:r>
-          </a:p>
-          <a:p>
+              <a:t>Methodology</a:t>
+            </a:r>
+          </a:p>
+          <a:p>
+            <a:pPr lvl="1"/>
             <a:r>
               <a:rPr lang="en-US" dirty="0"/>
-              <a:t>Different Metrics</a:t>
-            </a:r>
-          </a:p>
-          <a:p>
+              <a:t>Metric</a:t>
+            </a:r>
+          </a:p>
+          <a:p>
+            <a:pPr lvl="1"/>
             <a:endParaRPr lang="en-US" dirty="0"/>
           </a:p>
         </p:txBody>
@@ -14418,8 +14796,8 @@
           <a:lstStyle/>
           <a:p>
             <a:r>
-              <a:rPr lang="en-US" sz="3200" dirty="0"/>
-              <a:t>What types of variations do you want to test using your pipeline?</a:t>
+              <a:rPr lang="en-US" dirty="0"/>
+              <a:t>Components: Validation</a:t>
             </a:r>
           </a:p>
         </p:txBody>
@@ -14427,7 +14805,7 @@
     </p:spTree>
     <p:extLst>
       <p:ext uri="{BB962C8B-B14F-4D97-AF65-F5344CB8AC3E}">
-        <p14:creationId xmlns:p14="http://schemas.microsoft.com/office/powerpoint/2010/main" val="1912911053"/>
+        <p14:creationId xmlns:p14="http://schemas.microsoft.com/office/powerpoint/2010/main" val="1948318951"/>
       </p:ext>
     </p:extLst>
   </p:cSld>
@@ -14471,94 +14849,34 @@
           <a:p>
             <a:r>
               <a:rPr lang="en-US" dirty="0"/>
-              <a:t>Draw a diagram of the pipeline: </a:t>
+              <a:t>Model monitoring</a:t>
+            </a:r>
+          </a:p>
+          <a:p>
+            <a:r>
+              <a:rPr lang="en-US" dirty="0"/>
+              <a:t>Re-training</a:t>
             </a:r>
           </a:p>
           <a:p>
             <a:pPr lvl="1"/>
             <a:r>
               <a:rPr lang="en-US" dirty="0"/>
-              <a:t>What function runs each step? What are the inputs? What are the outputs?</a:t>
-            </a:r>
-          </a:p>
-          <a:p>
+              <a:t>How often?</a:t>
+            </a:r>
+          </a:p>
+          <a:p>
+            <a:pPr lvl="1"/>
             <a:r>
               <a:rPr lang="en-US" dirty="0"/>
-              <a:t>Config files (</a:t>
-            </a:r>
-            <a:r>
-              <a:rPr lang="en-US" dirty="0" err="1"/>
-              <a:t>yaml</a:t>
-            </a:r>
+              <a:t>Re-select methods?</a:t>
+            </a:r>
+          </a:p>
+          <a:p>
             <a:r>
               <a:rPr lang="en-US" dirty="0"/>
-              <a:t>, json, </a:t>
-            </a:r>
-            <a:r>
-              <a:rPr lang="en-US" dirty="0" err="1"/>
-              <a:t>py</a:t>
-            </a:r>
-            <a:r>
-              <a:rPr lang="en-US" dirty="0"/>
-              <a:t>)</a:t>
-            </a:r>
-          </a:p>
-          <a:p>
-            <a:r>
-              <a:rPr lang="en-US" dirty="0"/>
-              <a:t>Make each step modular and extensible so it can easily be re-used</a:t>
-            </a:r>
-          </a:p>
-          <a:p>
-            <a:r>
-              <a:rPr lang="en-US" dirty="0"/>
-              <a:t>Build a </a:t>
-            </a:r>
-            <a:r>
-              <a:rPr lang="en-US" b="1" dirty="0"/>
-              <a:t>simple</a:t>
-            </a:r>
-            <a:r>
-              <a:rPr lang="en-US" dirty="0"/>
-              <a:t>, end-to-end version first, then add more functionality</a:t>
-            </a:r>
-          </a:p>
-          <a:p>
-            <a:r>
-              <a:rPr lang="en-US" dirty="0"/>
-              <a:t>Think about how you’ll store outputs:</a:t>
-            </a:r>
-          </a:p>
-          <a:p>
-            <a:pPr lvl="1"/>
-            <a:r>
-              <a:rPr lang="en-US" dirty="0"/>
-              <a:t>Store models as pickles</a:t>
-            </a:r>
-          </a:p>
-          <a:p>
-            <a:pPr lvl="1"/>
-            <a:r>
-              <a:rPr lang="en-US" dirty="0"/>
-              <a:t>Store predictions in databases</a:t>
-            </a:r>
-          </a:p>
-          <a:p>
-            <a:pPr lvl="1"/>
-            <a:r>
-              <a:rPr lang="en-US" dirty="0"/>
-              <a:t>Store evaluation metrics in databases</a:t>
-            </a:r>
-          </a:p>
-          <a:p>
-            <a:pPr lvl="1"/>
-            <a:r>
-              <a:rPr lang="en-US" dirty="0">
-                <a:hlinkClick r:id="rId2"/>
-              </a:rPr>
-              <a:t>Sample results schema</a:t>
-            </a:r>
-            <a:endParaRPr lang="en-US" dirty="0"/>
+              <a:t>Scoring</a:t>
+            </a:r>
           </a:p>
         </p:txBody>
       </p:sp>
@@ -14584,7 +14902,7 @@
           <a:p>
             <a:r>
               <a:rPr lang="en-US" dirty="0"/>
-              <a:t>Best Practices</a:t>
+              <a:t>Deployment</a:t>
             </a:r>
           </a:p>
         </p:txBody>
@@ -14592,7 +14910,7 @@
     </p:spTree>
     <p:extLst>
       <p:ext uri="{BB962C8B-B14F-4D97-AF65-F5344CB8AC3E}">
-        <p14:creationId xmlns:p14="http://schemas.microsoft.com/office/powerpoint/2010/main" val="1217707484"/>
+        <p14:creationId xmlns:p14="http://schemas.microsoft.com/office/powerpoint/2010/main" val="4206092852"/>
       </p:ext>
     </p:extLst>
   </p:cSld>
@@ -14636,36 +14954,40 @@
           <a:p>
             <a:r>
               <a:rPr lang="en-US" dirty="0"/>
-              <a:t>https://</a:t>
-            </a:r>
-            <a:r>
-              <a:rPr lang="en-US" dirty="0" err="1"/>
-              <a:t>github.com</a:t>
-            </a:r>
+              <a:t>Different models</a:t>
+            </a:r>
+          </a:p>
+          <a:p>
             <a:r>
               <a:rPr lang="en-US" dirty="0"/>
-              <a:t>/</a:t>
-            </a:r>
-            <a:r>
-              <a:rPr lang="en-US" dirty="0" err="1"/>
-              <a:t>dssg</a:t>
-            </a:r>
+              <a:t>Model parameters</a:t>
+            </a:r>
+          </a:p>
+          <a:p>
             <a:r>
               <a:rPr lang="en-US" dirty="0"/>
-              <a:t>/</a:t>
-            </a:r>
-            <a:r>
-              <a:rPr lang="en-US" dirty="0" err="1"/>
-              <a:t>san_jose_housing</a:t>
-            </a:r>
+              <a:t>Different Labels/Outcomes</a:t>
+            </a:r>
+          </a:p>
+          <a:p>
             <a:r>
               <a:rPr lang="en-US" dirty="0"/>
-              <a:t>/blob/master/</a:t>
-            </a:r>
-            <a:r>
-              <a:rPr lang="en-US" dirty="0" err="1"/>
-              <a:t>example_experiment_config.yaml</a:t>
-            </a:r>
+              <a:t>Different Deployment Settings</a:t>
+            </a:r>
+          </a:p>
+          <a:p>
+            <a:r>
+              <a:rPr lang="en-US" dirty="0"/>
+              <a:t>Different Feature (Groups)</a:t>
+            </a:r>
+          </a:p>
+          <a:p>
+            <a:r>
+              <a:rPr lang="en-US" dirty="0"/>
+              <a:t>Different Metrics</a:t>
+            </a:r>
+          </a:p>
+          <a:p>
             <a:endParaRPr lang="en-US" dirty="0"/>
           </a:p>
         </p:txBody>
@@ -14691,8 +15013,8 @@
           <a:lstStyle/>
           <a:p>
             <a:r>
-              <a:rPr lang="en-US" dirty="0"/>
-              <a:t>Config file example</a:t>
+              <a:rPr lang="en-US" sz="3200" dirty="0"/>
+              <a:t>What types of variations do you want to test using your pipeline?</a:t>
             </a:r>
           </a:p>
         </p:txBody>
@@ -14700,7 +15022,7 @@
     </p:spTree>
     <p:extLst>
       <p:ext uri="{BB962C8B-B14F-4D97-AF65-F5344CB8AC3E}">
-        <p14:creationId xmlns:p14="http://schemas.microsoft.com/office/powerpoint/2010/main" val="2083363561"/>
+        <p14:creationId xmlns:p14="http://schemas.microsoft.com/office/powerpoint/2010/main" val="1912911053"/>
       </p:ext>
     </p:extLst>
   </p:cSld>
@@ -14739,127 +15061,98 @@
         </p:nvSpPr>
         <p:spPr/>
         <p:txBody>
-          <a:bodyPr>
-            <a:normAutofit fontScale="77500" lnSpcReduction="20000"/>
-          </a:bodyPr>
+          <a:bodyPr/>
           <a:lstStyle/>
           <a:p>
             <a:r>
               <a:rPr lang="en-US" dirty="0"/>
-              <a:t>Build a simple, modular, extensible, machine learning pipeline with functions to do the following:</a:t>
-            </a:r>
-            <a:br>
+              <a:t>Draw a diagram of the pipeline: </a:t>
+            </a:r>
+          </a:p>
+          <a:p>
+            <a:pPr lvl="1"/>
+            <a:r>
               <a:rPr lang="en-US" dirty="0"/>
-            </a:br>
-            <a:endParaRPr lang="en-US" dirty="0"/>
+              <a:t>What function runs each step? What are the inputs? What are the outputs?</a:t>
+            </a:r>
+          </a:p>
+          <a:p>
+            <a:r>
+              <a:rPr lang="en-US" dirty="0"/>
+              <a:t>Config files (</a:t>
+            </a:r>
+            <a:r>
+              <a:rPr lang="en-US" dirty="0" err="1"/>
+              <a:t>yaml</a:t>
+            </a:r>
+            <a:r>
+              <a:rPr lang="en-US" dirty="0"/>
+              <a:t>, json, </a:t>
+            </a:r>
+            <a:r>
+              <a:rPr lang="en-US" dirty="0" err="1"/>
+              <a:t>py</a:t>
+            </a:r>
+            <a:r>
+              <a:rPr lang="en-US" dirty="0"/>
+              <a:t>)</a:t>
+            </a:r>
+          </a:p>
+          <a:p>
+            <a:r>
+              <a:rPr lang="en-US" dirty="0"/>
+              <a:t>Make each step modular and extensible so it can easily be re-used</a:t>
+            </a:r>
+          </a:p>
+          <a:p>
+            <a:r>
+              <a:rPr lang="en-US" dirty="0"/>
+              <a:t>Build a </a:t>
+            </a:r>
+            <a:r>
+              <a:rPr lang="en-US" b="1" dirty="0"/>
+              <a:t>simple</a:t>
+            </a:r>
+            <a:r>
+              <a:rPr lang="en-US" dirty="0"/>
+              <a:t>, end-to-end version first, then add more functionality</a:t>
+            </a:r>
+          </a:p>
+          <a:p>
+            <a:r>
+              <a:rPr lang="en-US" dirty="0"/>
+              <a:t>Think about how you’ll store outputs:</a:t>
+            </a:r>
           </a:p>
           <a:p>
             <a:pPr lvl="1"/>
             <a:r>
               <a:rPr lang="en-US" dirty="0"/>
-              <a:t>ETL and exploration</a:t>
-            </a:r>
-          </a:p>
-          <a:p>
-            <a:pPr lvl="2"/>
+              <a:t>Store models as pickles</a:t>
+            </a:r>
+          </a:p>
+          <a:p>
+            <a:pPr lvl="1"/>
             <a:r>
               <a:rPr lang="en-US" dirty="0"/>
-              <a:t>Load Data</a:t>
-            </a:r>
-          </a:p>
-          <a:p>
-            <a:pPr lvl="2"/>
+              <a:t>Store predictions in databases</a:t>
+            </a:r>
+          </a:p>
+          <a:p>
+            <a:pPr lvl="1"/>
             <a:r>
               <a:rPr lang="en-US" dirty="0"/>
-              <a:t>Explore data</a:t>
-            </a:r>
-          </a:p>
-          <a:p>
-            <a:pPr lvl="2"/>
-            <a:r>
-              <a:rPr lang="en-US" dirty="0"/>
-              <a:t>Pre-process data</a:t>
+              <a:t>Store evaluation metrics in databases</a:t>
             </a:r>
           </a:p>
           <a:p>
             <a:pPr lvl="1"/>
             <a:r>
-              <a:rPr lang="en-US" dirty="0"/>
-              <a:t>Cohort Creation</a:t>
-            </a:r>
-          </a:p>
-          <a:p>
-            <a:pPr lvl="2"/>
-            <a:r>
-              <a:rPr lang="en-US" dirty="0"/>
-              <a:t>Create rows</a:t>
-            </a:r>
-          </a:p>
-          <a:p>
-            <a:pPr lvl="2"/>
-            <a:r>
-              <a:rPr lang="en-US" dirty="0"/>
-              <a:t>Create labels for each row</a:t>
-            </a:r>
-          </a:p>
-          <a:p>
-            <a:pPr lvl="2"/>
-            <a:r>
-              <a:rPr lang="en-US" dirty="0"/>
-              <a:t>Create one feature</a:t>
-            </a:r>
-          </a:p>
-          <a:p>
-            <a:pPr lvl="1"/>
-            <a:r>
-              <a:rPr lang="en-US" dirty="0"/>
-              <a:t>Train Test Set Creation</a:t>
-            </a:r>
-          </a:p>
-          <a:p>
-            <a:pPr lvl="2"/>
-            <a:r>
-              <a:rPr lang="en-US" dirty="0"/>
-              <a:t>Generate one training set</a:t>
-            </a:r>
-          </a:p>
-          <a:p>
-            <a:pPr lvl="2"/>
-            <a:r>
-              <a:rPr lang="en-US" dirty="0"/>
-              <a:t>Generate one validation set</a:t>
-            </a:r>
-          </a:p>
-          <a:p>
-            <a:pPr lvl="1"/>
-            <a:r>
-              <a:rPr lang="en-US" dirty="0"/>
-              <a:t>Modeling</a:t>
-            </a:r>
-          </a:p>
-          <a:p>
-            <a:pPr lvl="2"/>
-            <a:r>
-              <a:rPr lang="en-US" dirty="0"/>
-              <a:t>Build 1 classifier on training set</a:t>
-            </a:r>
-          </a:p>
-          <a:p>
-            <a:pPr lvl="2"/>
-            <a:r>
-              <a:rPr lang="en-US" dirty="0"/>
-              <a:t>Run the 1 classifier on the validation set</a:t>
-            </a:r>
-          </a:p>
-          <a:p>
-            <a:pPr lvl="2"/>
-            <a:r>
-              <a:rPr lang="en-US" dirty="0"/>
-              <a:t>Calculate one metric</a:t>
-            </a:r>
-          </a:p>
-          <a:p>
-            <a:pPr lvl="1"/>
+              <a:rPr lang="en-US" dirty="0">
+                <a:hlinkClick r:id="rId2"/>
+              </a:rPr>
+              <a:t>Sample results schema</a:t>
+            </a:r>
             <a:endParaRPr lang="en-US" dirty="0"/>
           </a:p>
         </p:txBody>
@@ -14886,6 +15179,377 @@
           <a:p>
             <a:r>
               <a:rPr lang="en-US" dirty="0"/>
+              <a:t>Best Practices</a:t>
+            </a:r>
+          </a:p>
+        </p:txBody>
+      </p:sp>
+    </p:spTree>
+    <p:extLst>
+      <p:ext uri="{BB962C8B-B14F-4D97-AF65-F5344CB8AC3E}">
+        <p14:creationId xmlns:p14="http://schemas.microsoft.com/office/powerpoint/2010/main" val="1217707484"/>
+      </p:ext>
+    </p:extLst>
+  </p:cSld>
+  <p:clrMapOvr>
+    <a:masterClrMapping/>
+  </p:clrMapOvr>
+</p:sld>
+</file>
+
+<file path=ppt/slides/slide2.xml><?xml version="1.0" encoding="utf-8"?>
+<p:sld xmlns:a="http://schemas.openxmlformats.org/drawingml/2006/main" xmlns:r="http://schemas.openxmlformats.org/officeDocument/2006/relationships" xmlns:p="http://schemas.openxmlformats.org/presentationml/2006/main">
+  <p:cSld>
+    <p:spTree>
+      <p:nvGrpSpPr>
+        <p:cNvPr id="1" name=""/>
+        <p:cNvGrpSpPr/>
+        <p:nvPr/>
+      </p:nvGrpSpPr>
+      <p:grpSpPr>
+        <a:xfrm>
+          <a:off x="0" y="0"/>
+          <a:ext cx="0" cy="0"/>
+          <a:chOff x="0" y="0"/>
+          <a:chExt cx="0" cy="0"/>
+        </a:xfrm>
+      </p:grpSpPr>
+      <p:sp>
+        <p:nvSpPr>
+          <p:cNvPr id="2" name="Content Placeholder 1"/>
+          <p:cNvSpPr>
+            <a:spLocks noGrp="1"/>
+          </p:cNvSpPr>
+          <p:nvPr>
+            <p:ph type="body" idx="1"/>
+          </p:nvPr>
+        </p:nvSpPr>
+        <p:spPr>
+          <a:xfrm>
+            <a:off x="268210" y="2718485"/>
+            <a:ext cx="11666400" cy="3824517"/>
+          </a:xfrm>
+        </p:spPr>
+        <p:txBody>
+          <a:bodyPr/>
+          <a:lstStyle/>
+          <a:p>
+            <a:pPr marL="114300" indent="0" algn="ctr">
+              <a:buNone/>
+            </a:pPr>
+            <a:r>
+              <a:rPr lang="en-US" sz="4800" dirty="0">
+                <a:solidFill>
+                  <a:schemeClr val="tx1"/>
+                </a:solidFill>
+              </a:rPr>
+              <a:t>Short Quiz</a:t>
+            </a:r>
+            <a:endParaRPr lang="en-US" dirty="0">
+              <a:solidFill>
+                <a:schemeClr val="tx1"/>
+              </a:solidFill>
+            </a:endParaRPr>
+          </a:p>
+        </p:txBody>
+      </p:sp>
+    </p:spTree>
+    <p:extLst>
+      <p:ext uri="{BB962C8B-B14F-4D97-AF65-F5344CB8AC3E}">
+        <p14:creationId xmlns:p14="http://schemas.microsoft.com/office/powerpoint/2010/main" val="2671023313"/>
+      </p:ext>
+    </p:extLst>
+  </p:cSld>
+  <p:clrMapOvr>
+    <a:masterClrMapping/>
+  </p:clrMapOvr>
+</p:sld>
+</file>
+
+<file path=ppt/slides/slide20.xml><?xml version="1.0" encoding="utf-8"?>
+<p:sld xmlns:a="http://schemas.openxmlformats.org/drawingml/2006/main" xmlns:r="http://schemas.openxmlformats.org/officeDocument/2006/relationships" xmlns:p="http://schemas.openxmlformats.org/presentationml/2006/main">
+  <p:cSld>
+    <p:spTree>
+      <p:nvGrpSpPr>
+        <p:cNvPr id="1" name=""/>
+        <p:cNvGrpSpPr/>
+        <p:nvPr/>
+      </p:nvGrpSpPr>
+      <p:grpSpPr>
+        <a:xfrm>
+          <a:off x="0" y="0"/>
+          <a:ext cx="0" cy="0"/>
+          <a:chOff x="0" y="0"/>
+          <a:chExt cx="0" cy="0"/>
+        </a:xfrm>
+      </p:grpSpPr>
+      <p:sp>
+        <p:nvSpPr>
+          <p:cNvPr id="2" name="Content Placeholder 1"/>
+          <p:cNvSpPr>
+            <a:spLocks noGrp="1"/>
+          </p:cNvSpPr>
+          <p:nvPr>
+            <p:ph type="body" idx="1"/>
+          </p:nvPr>
+        </p:nvSpPr>
+        <p:spPr/>
+        <p:txBody>
+          <a:bodyPr/>
+          <a:lstStyle/>
+          <a:p>
+            <a:r>
+              <a:rPr lang="en-US" dirty="0"/>
+              <a:t>https://</a:t>
+            </a:r>
+            <a:r>
+              <a:rPr lang="en-US" dirty="0" err="1"/>
+              <a:t>github.com</a:t>
+            </a:r>
+            <a:r>
+              <a:rPr lang="en-US" dirty="0"/>
+              <a:t>/</a:t>
+            </a:r>
+            <a:r>
+              <a:rPr lang="en-US" dirty="0" err="1"/>
+              <a:t>dssg</a:t>
+            </a:r>
+            <a:r>
+              <a:rPr lang="en-US" dirty="0"/>
+              <a:t>/</a:t>
+            </a:r>
+            <a:r>
+              <a:rPr lang="en-US" dirty="0" err="1"/>
+              <a:t>san_jose_housing</a:t>
+            </a:r>
+            <a:r>
+              <a:rPr lang="en-US" dirty="0"/>
+              <a:t>/blob/master/</a:t>
+            </a:r>
+            <a:r>
+              <a:rPr lang="en-US" dirty="0" err="1"/>
+              <a:t>example_experiment_config.yaml</a:t>
+            </a:r>
+            <a:endParaRPr lang="en-US" dirty="0"/>
+          </a:p>
+        </p:txBody>
+      </p:sp>
+      <p:sp>
+        <p:nvSpPr>
+          <p:cNvPr id="3" name="Title 2"/>
+          <p:cNvSpPr>
+            <a:spLocks noGrp="1"/>
+          </p:cNvSpPr>
+          <p:nvPr>
+            <p:ph type="title"/>
+          </p:nvPr>
+        </p:nvSpPr>
+        <p:spPr>
+          <a:xfrm>
+            <a:off x="0" y="23813"/>
+            <a:ext cx="12192000" cy="1143000"/>
+          </a:xfrm>
+        </p:spPr>
+        <p:txBody>
+          <a:bodyPr/>
+          <a:lstStyle/>
+          <a:p>
+            <a:r>
+              <a:rPr lang="en-US" dirty="0"/>
+              <a:t>Config file example</a:t>
+            </a:r>
+          </a:p>
+        </p:txBody>
+      </p:sp>
+    </p:spTree>
+    <p:extLst>
+      <p:ext uri="{BB962C8B-B14F-4D97-AF65-F5344CB8AC3E}">
+        <p14:creationId xmlns:p14="http://schemas.microsoft.com/office/powerpoint/2010/main" val="2083363561"/>
+      </p:ext>
+    </p:extLst>
+  </p:cSld>
+  <p:clrMapOvr>
+    <a:masterClrMapping/>
+  </p:clrMapOvr>
+</p:sld>
+</file>
+
+<file path=ppt/slides/slide21.xml><?xml version="1.0" encoding="utf-8"?>
+<p:sld xmlns:a="http://schemas.openxmlformats.org/drawingml/2006/main" xmlns:r="http://schemas.openxmlformats.org/officeDocument/2006/relationships" xmlns:p="http://schemas.openxmlformats.org/presentationml/2006/main">
+  <p:cSld>
+    <p:spTree>
+      <p:nvGrpSpPr>
+        <p:cNvPr id="1" name=""/>
+        <p:cNvGrpSpPr/>
+        <p:nvPr/>
+      </p:nvGrpSpPr>
+      <p:grpSpPr>
+        <a:xfrm>
+          <a:off x="0" y="0"/>
+          <a:ext cx="0" cy="0"/>
+          <a:chOff x="0" y="0"/>
+          <a:chExt cx="0" cy="0"/>
+        </a:xfrm>
+      </p:grpSpPr>
+      <p:sp>
+        <p:nvSpPr>
+          <p:cNvPr id="2" name="Content Placeholder 1"/>
+          <p:cNvSpPr>
+            <a:spLocks noGrp="1"/>
+          </p:cNvSpPr>
+          <p:nvPr>
+            <p:ph type="body" idx="1"/>
+          </p:nvPr>
+        </p:nvSpPr>
+        <p:spPr/>
+        <p:txBody>
+          <a:bodyPr>
+            <a:normAutofit fontScale="77500" lnSpcReduction="20000"/>
+          </a:bodyPr>
+          <a:lstStyle/>
+          <a:p>
+            <a:r>
+              <a:rPr lang="en-US" dirty="0"/>
+              <a:t>Build a simple, modular, extensible, machine learning pipeline with functions to do the following:</a:t>
+            </a:r>
+            <a:br>
+              <a:rPr lang="en-US" dirty="0"/>
+            </a:br>
+            <a:endParaRPr lang="en-US" dirty="0"/>
+          </a:p>
+          <a:p>
+            <a:pPr lvl="1"/>
+            <a:r>
+              <a:rPr lang="en-US" dirty="0"/>
+              <a:t>ETL and exploration</a:t>
+            </a:r>
+          </a:p>
+          <a:p>
+            <a:pPr lvl="2"/>
+            <a:r>
+              <a:rPr lang="en-US" dirty="0"/>
+              <a:t>Load Data</a:t>
+            </a:r>
+          </a:p>
+          <a:p>
+            <a:pPr lvl="2"/>
+            <a:r>
+              <a:rPr lang="en-US" dirty="0"/>
+              <a:t>Explore data</a:t>
+            </a:r>
+          </a:p>
+          <a:p>
+            <a:pPr lvl="2"/>
+            <a:r>
+              <a:rPr lang="en-US" dirty="0"/>
+              <a:t>Pre-process data</a:t>
+            </a:r>
+          </a:p>
+          <a:p>
+            <a:pPr lvl="1"/>
+            <a:r>
+              <a:rPr lang="en-US" dirty="0"/>
+              <a:t>Cohort Creation</a:t>
+            </a:r>
+          </a:p>
+          <a:p>
+            <a:pPr lvl="2"/>
+            <a:r>
+              <a:rPr lang="en-US" dirty="0"/>
+              <a:t>Create rows</a:t>
+            </a:r>
+          </a:p>
+          <a:p>
+            <a:pPr lvl="2"/>
+            <a:r>
+              <a:rPr lang="en-US" dirty="0"/>
+              <a:t>Create labels for each row</a:t>
+            </a:r>
+          </a:p>
+          <a:p>
+            <a:pPr lvl="2"/>
+            <a:r>
+              <a:rPr lang="en-US" dirty="0"/>
+              <a:t>Create one feature</a:t>
+            </a:r>
+          </a:p>
+          <a:p>
+            <a:pPr lvl="1"/>
+            <a:r>
+              <a:rPr lang="en-US" dirty="0"/>
+              <a:t>Train Test Set Creation</a:t>
+            </a:r>
+          </a:p>
+          <a:p>
+            <a:pPr lvl="2"/>
+            <a:r>
+              <a:rPr lang="en-US" dirty="0"/>
+              <a:t>Generate one training set</a:t>
+            </a:r>
+          </a:p>
+          <a:p>
+            <a:pPr lvl="2"/>
+            <a:r>
+              <a:rPr lang="en-US" dirty="0"/>
+              <a:t>Generate one validation set</a:t>
+            </a:r>
+          </a:p>
+          <a:p>
+            <a:pPr lvl="1"/>
+            <a:r>
+              <a:rPr lang="en-US" dirty="0"/>
+              <a:t>Modeling</a:t>
+            </a:r>
+          </a:p>
+          <a:p>
+            <a:pPr lvl="2"/>
+            <a:r>
+              <a:rPr lang="en-US" dirty="0"/>
+              <a:t>Build 1 classifier on training set</a:t>
+            </a:r>
+          </a:p>
+          <a:p>
+            <a:pPr lvl="2"/>
+            <a:r>
+              <a:rPr lang="en-US" dirty="0"/>
+              <a:t>Run the 1 classifier on the validation set</a:t>
+            </a:r>
+          </a:p>
+          <a:p>
+            <a:pPr lvl="2"/>
+            <a:r>
+              <a:rPr lang="en-US" dirty="0"/>
+              <a:t>Calculate one metric</a:t>
+            </a:r>
+          </a:p>
+          <a:p>
+            <a:pPr lvl="1"/>
+            <a:endParaRPr lang="en-US" dirty="0"/>
+          </a:p>
+        </p:txBody>
+      </p:sp>
+      <p:sp>
+        <p:nvSpPr>
+          <p:cNvPr id="3" name="Title 2"/>
+          <p:cNvSpPr>
+            <a:spLocks noGrp="1"/>
+          </p:cNvSpPr>
+          <p:nvPr>
+            <p:ph type="title"/>
+          </p:nvPr>
+        </p:nvSpPr>
+        <p:spPr>
+          <a:xfrm>
+            <a:off x="0" y="23813"/>
+            <a:ext cx="12192000" cy="1143000"/>
+          </a:xfrm>
+        </p:spPr>
+        <p:txBody>
+          <a:bodyPr/>
+          <a:lstStyle/>
+          <a:p>
+            <a:r>
+              <a:rPr lang="en-US" dirty="0"/>
               <a:t>Get Started by building a simple pipeline</a:t>
             </a:r>
           </a:p>
@@ -14904,7 +15568,899 @@
 </p:sld>
 </file>
 
-<file path=ppt/slides/slide2.xml><?xml version="1.0" encoding="utf-8"?>
+<file path=ppt/slides/slide22.xml><?xml version="1.0" encoding="utf-8"?>
+<p:sld xmlns:a="http://schemas.openxmlformats.org/drawingml/2006/main" xmlns:r="http://schemas.openxmlformats.org/officeDocument/2006/relationships" xmlns:p="http://schemas.openxmlformats.org/presentationml/2006/main">
+  <p:cSld>
+    <p:spTree>
+      <p:nvGrpSpPr>
+        <p:cNvPr id="1" name=""/>
+        <p:cNvGrpSpPr/>
+        <p:nvPr/>
+      </p:nvGrpSpPr>
+      <p:grpSpPr>
+        <a:xfrm>
+          <a:off x="0" y="0"/>
+          <a:ext cx="0" cy="0"/>
+          <a:chOff x="0" y="0"/>
+          <a:chExt cx="0" cy="0"/>
+        </a:xfrm>
+      </p:grpSpPr>
+      <p:sp>
+        <p:nvSpPr>
+          <p:cNvPr id="2" name="Text Placeholder 1">
+            <a:extLst>
+              <a:ext uri="{FF2B5EF4-FFF2-40B4-BE49-F238E27FC236}">
+                <a16:creationId xmlns:a16="http://schemas.microsoft.com/office/drawing/2014/main" id="{162B9551-0AC1-4047-A688-4BDDA5ED869F}"/>
+              </a:ext>
+            </a:extLst>
+          </p:cNvPr>
+          <p:cNvSpPr>
+            <a:spLocks noGrp="1"/>
+          </p:cNvSpPr>
+          <p:nvPr>
+            <p:ph type="body" idx="4294967295"/>
+          </p:nvPr>
+        </p:nvSpPr>
+        <p:spPr>
+          <a:xfrm>
+            <a:off x="148945" y="0"/>
+            <a:ext cx="11666537" cy="4954587"/>
+          </a:xfrm>
+        </p:spPr>
+        <p:txBody>
+          <a:bodyPr/>
+          <a:lstStyle/>
+          <a:p>
+            <a:pPr>
+              <a:lnSpc>
+                <a:spcPct val="100000"/>
+              </a:lnSpc>
+              <a:spcBef>
+                <a:spcPts val="600"/>
+              </a:spcBef>
+            </a:pPr>
+            <a:r>
+              <a:rPr lang="en-US" sz="1400" dirty="0" err="1"/>
+              <a:t>Timesplitter</a:t>
+            </a:r>
+            <a:endParaRPr lang="en-US" sz="1400" dirty="0"/>
+          </a:p>
+          <a:p>
+            <a:pPr lvl="1">
+              <a:lnSpc>
+                <a:spcPct val="100000"/>
+              </a:lnSpc>
+              <a:spcBef>
+                <a:spcPts val="600"/>
+              </a:spcBef>
+            </a:pPr>
+            <a:r>
+              <a:rPr lang="en-US" sz="1400" dirty="0"/>
+              <a:t>Input: start time, end time, update time, prediction time</a:t>
+            </a:r>
+          </a:p>
+          <a:p>
+            <a:pPr lvl="1">
+              <a:lnSpc>
+                <a:spcPct val="100000"/>
+              </a:lnSpc>
+              <a:spcBef>
+                <a:spcPts val="600"/>
+              </a:spcBef>
+            </a:pPr>
+            <a:r>
+              <a:rPr lang="en-US" sz="1400" dirty="0"/>
+              <a:t>Output: pairs of &lt;train start time, train end time, test start time, test end time&gt;</a:t>
+            </a:r>
+          </a:p>
+          <a:p>
+            <a:pPr>
+              <a:lnSpc>
+                <a:spcPct val="100000"/>
+              </a:lnSpc>
+              <a:spcBef>
+                <a:spcPts val="600"/>
+              </a:spcBef>
+            </a:pPr>
+            <a:r>
+              <a:rPr lang="en-US" sz="1400" dirty="0" err="1"/>
+              <a:t>CohortCreator</a:t>
+            </a:r>
+            <a:endParaRPr lang="en-US" sz="1400" dirty="0"/>
+          </a:p>
+          <a:p>
+            <a:pPr lvl="1">
+              <a:lnSpc>
+                <a:spcPct val="100000"/>
+              </a:lnSpc>
+              <a:spcBef>
+                <a:spcPts val="600"/>
+              </a:spcBef>
+            </a:pPr>
+            <a:r>
+              <a:rPr lang="en-US" sz="1400" dirty="0"/>
+              <a:t>Input: </a:t>
+            </a:r>
+            <a:r>
+              <a:rPr lang="en-US" sz="1400" dirty="0" err="1"/>
+              <a:t>timesplitter</a:t>
+            </a:r>
+            <a:r>
+              <a:rPr lang="en-US" sz="1400" dirty="0"/>
+              <a:t> output, cohort definition,[</a:t>
+            </a:r>
+            <a:r>
+              <a:rPr lang="en-US" sz="1400" dirty="0" err="1"/>
+              <a:t>entity_ids</a:t>
+            </a:r>
+            <a:r>
+              <a:rPr lang="en-US" sz="1400" dirty="0"/>
+              <a:t>, as of date]</a:t>
+            </a:r>
+          </a:p>
+          <a:p>
+            <a:pPr lvl="1">
+              <a:lnSpc>
+                <a:spcPct val="100000"/>
+              </a:lnSpc>
+              <a:spcBef>
+                <a:spcPts val="600"/>
+              </a:spcBef>
+            </a:pPr>
+            <a:r>
+              <a:rPr lang="en-US" sz="1400" dirty="0"/>
+              <a:t>Output: cohort matrix &lt;</a:t>
+            </a:r>
+            <a:r>
+              <a:rPr lang="en-US" sz="1400" dirty="0" err="1"/>
+              <a:t>entity_id</a:t>
+            </a:r>
+            <a:r>
+              <a:rPr lang="en-US" sz="1400" dirty="0"/>
+              <a:t>, </a:t>
+            </a:r>
+            <a:r>
+              <a:rPr lang="en-US" sz="1400" dirty="0" err="1"/>
+              <a:t>as_of_date</a:t>
+            </a:r>
+            <a:r>
+              <a:rPr lang="en-US" sz="1400" dirty="0"/>
+              <a:t>&gt;</a:t>
+            </a:r>
+          </a:p>
+          <a:p>
+            <a:pPr>
+              <a:lnSpc>
+                <a:spcPct val="100000"/>
+              </a:lnSpc>
+              <a:spcBef>
+                <a:spcPts val="600"/>
+              </a:spcBef>
+            </a:pPr>
+            <a:r>
+              <a:rPr lang="en-US" sz="1400" dirty="0" err="1"/>
+              <a:t>LabelCreator</a:t>
+            </a:r>
+            <a:endParaRPr lang="en-US" sz="1400" dirty="0"/>
+          </a:p>
+          <a:p>
+            <a:pPr lvl="1">
+              <a:lnSpc>
+                <a:spcPct val="100000"/>
+              </a:lnSpc>
+              <a:spcBef>
+                <a:spcPts val="600"/>
+              </a:spcBef>
+            </a:pPr>
+            <a:r>
+              <a:rPr lang="en-US" sz="1400" dirty="0"/>
+              <a:t>Input: pairs &lt;</a:t>
+            </a:r>
+            <a:r>
+              <a:rPr lang="en-US" sz="1400" dirty="0" err="1"/>
+              <a:t>entity_id</a:t>
+            </a:r>
+            <a:r>
+              <a:rPr lang="en-US" sz="1400" dirty="0"/>
+              <a:t>, </a:t>
+            </a:r>
+            <a:r>
+              <a:rPr lang="en-US" sz="1400" dirty="0" err="1"/>
+              <a:t>as_of_date</a:t>
+            </a:r>
+            <a:r>
+              <a:rPr lang="en-US" sz="1400" dirty="0"/>
+              <a:t>&gt;, label definition</a:t>
+            </a:r>
+          </a:p>
+          <a:p>
+            <a:pPr lvl="1">
+              <a:lnSpc>
+                <a:spcPct val="100000"/>
+              </a:lnSpc>
+              <a:spcBef>
+                <a:spcPts val="600"/>
+              </a:spcBef>
+            </a:pPr>
+            <a:r>
+              <a:rPr lang="en-US" sz="1400" dirty="0"/>
+              <a:t>Output: matrix &lt;</a:t>
+            </a:r>
+            <a:r>
+              <a:rPr lang="en-US" sz="1400" dirty="0" err="1"/>
+              <a:t>entity_id</a:t>
+            </a:r>
+            <a:r>
+              <a:rPr lang="en-US" sz="1400" dirty="0"/>
+              <a:t>, </a:t>
+            </a:r>
+            <a:r>
+              <a:rPr lang="en-US" sz="1400" dirty="0" err="1"/>
+              <a:t>as_of_date</a:t>
+            </a:r>
+            <a:r>
+              <a:rPr lang="en-US" sz="1400" dirty="0"/>
+              <a:t>, label&gt;</a:t>
+            </a:r>
+          </a:p>
+          <a:p>
+            <a:pPr>
+              <a:lnSpc>
+                <a:spcPct val="100000"/>
+              </a:lnSpc>
+              <a:spcBef>
+                <a:spcPts val="600"/>
+              </a:spcBef>
+            </a:pPr>
+            <a:r>
+              <a:rPr lang="en-US" sz="1400" dirty="0" err="1"/>
+              <a:t>FeatureCreator</a:t>
+            </a:r>
+            <a:endParaRPr lang="en-US" sz="1400" dirty="0"/>
+          </a:p>
+          <a:p>
+            <a:pPr lvl="1">
+              <a:lnSpc>
+                <a:spcPct val="100000"/>
+              </a:lnSpc>
+              <a:spcBef>
+                <a:spcPts val="600"/>
+              </a:spcBef>
+            </a:pPr>
+            <a:r>
+              <a:rPr lang="en-US" sz="1400" dirty="0"/>
+              <a:t>Input: pairs &lt;</a:t>
+            </a:r>
+            <a:r>
+              <a:rPr lang="en-US" sz="1400" dirty="0" err="1"/>
+              <a:t>entity_id</a:t>
+            </a:r>
+            <a:r>
+              <a:rPr lang="en-US" sz="1400" dirty="0"/>
+              <a:t>, </a:t>
+            </a:r>
+            <a:r>
+              <a:rPr lang="en-US" sz="1400" dirty="0" err="1"/>
+              <a:t>as_of_date</a:t>
+            </a:r>
+            <a:r>
+              <a:rPr lang="en-US" sz="1400" dirty="0"/>
+              <a:t>&gt;, feature definition(s)</a:t>
+            </a:r>
+          </a:p>
+          <a:p>
+            <a:pPr lvl="1">
+              <a:lnSpc>
+                <a:spcPct val="100000"/>
+              </a:lnSpc>
+              <a:spcBef>
+                <a:spcPts val="600"/>
+              </a:spcBef>
+            </a:pPr>
+            <a:r>
+              <a:rPr lang="en-US" sz="1400" dirty="0"/>
+              <a:t>Output: matrix &lt;</a:t>
+            </a:r>
+            <a:r>
+              <a:rPr lang="en-US" sz="1400" dirty="0" err="1"/>
+              <a:t>entity_id</a:t>
+            </a:r>
+            <a:r>
+              <a:rPr lang="en-US" sz="1400" dirty="0"/>
+              <a:t>, </a:t>
+            </a:r>
+            <a:r>
+              <a:rPr lang="en-US" sz="1400" dirty="0" err="1"/>
+              <a:t>as_of_date</a:t>
+            </a:r>
+            <a:r>
+              <a:rPr lang="en-US" sz="1400" dirty="0"/>
+              <a:t>, feature(s)&gt;</a:t>
+            </a:r>
+          </a:p>
+          <a:p>
+            <a:pPr>
+              <a:lnSpc>
+                <a:spcPct val="100000"/>
+              </a:lnSpc>
+              <a:spcBef>
+                <a:spcPts val="600"/>
+              </a:spcBef>
+            </a:pPr>
+            <a:r>
+              <a:rPr lang="en-US" sz="1400" dirty="0" err="1"/>
+              <a:t>ModelTrainer</a:t>
+            </a:r>
+            <a:endParaRPr lang="en-US" sz="1400" dirty="0"/>
+          </a:p>
+          <a:p>
+            <a:pPr lvl="1">
+              <a:lnSpc>
+                <a:spcPct val="100000"/>
+              </a:lnSpc>
+              <a:spcBef>
+                <a:spcPts val="600"/>
+              </a:spcBef>
+            </a:pPr>
+            <a:r>
+              <a:rPr lang="en-US" sz="1400" dirty="0"/>
+              <a:t>Input: model definition, matrix, feature columns, label column</a:t>
+            </a:r>
+          </a:p>
+          <a:p>
+            <a:pPr lvl="1">
+              <a:lnSpc>
+                <a:spcPct val="100000"/>
+              </a:lnSpc>
+              <a:spcBef>
+                <a:spcPts val="600"/>
+              </a:spcBef>
+            </a:pPr>
+            <a:r>
+              <a:rPr lang="en-US" sz="1400" dirty="0"/>
+              <a:t>Output: model object (stored), model definition</a:t>
+            </a:r>
+          </a:p>
+          <a:p>
+            <a:pPr>
+              <a:lnSpc>
+                <a:spcPct val="100000"/>
+              </a:lnSpc>
+              <a:spcBef>
+                <a:spcPts val="600"/>
+              </a:spcBef>
+            </a:pPr>
+            <a:r>
+              <a:rPr lang="en-US" sz="1400" dirty="0"/>
+              <a:t>Scorer</a:t>
+            </a:r>
+          </a:p>
+          <a:p>
+            <a:pPr lvl="1">
+              <a:lnSpc>
+                <a:spcPct val="100000"/>
+              </a:lnSpc>
+              <a:spcBef>
+                <a:spcPts val="600"/>
+              </a:spcBef>
+            </a:pPr>
+            <a:r>
+              <a:rPr lang="en-US" sz="1400" dirty="0"/>
+              <a:t>Input: model object, matrix, feature columns</a:t>
+            </a:r>
+          </a:p>
+          <a:p>
+            <a:pPr lvl="1">
+              <a:lnSpc>
+                <a:spcPct val="100000"/>
+              </a:lnSpc>
+              <a:spcBef>
+                <a:spcPts val="600"/>
+              </a:spcBef>
+            </a:pPr>
+            <a:r>
+              <a:rPr lang="en-US" sz="1400" dirty="0"/>
+              <a:t>prediction scores</a:t>
+            </a:r>
+          </a:p>
+          <a:p>
+            <a:pPr>
+              <a:lnSpc>
+                <a:spcPct val="100000"/>
+              </a:lnSpc>
+              <a:spcBef>
+                <a:spcPts val="600"/>
+              </a:spcBef>
+            </a:pPr>
+            <a:r>
+              <a:rPr lang="en-US" sz="1400" dirty="0"/>
+              <a:t>Evaluator</a:t>
+            </a:r>
+          </a:p>
+          <a:p>
+            <a:pPr lvl="1">
+              <a:lnSpc>
+                <a:spcPct val="100000"/>
+              </a:lnSpc>
+              <a:spcBef>
+                <a:spcPts val="600"/>
+              </a:spcBef>
+            </a:pPr>
+            <a:r>
+              <a:rPr lang="en-US" sz="1400" dirty="0"/>
+              <a:t>Prediction scores, label column, metric(s)</a:t>
+            </a:r>
+          </a:p>
+          <a:p>
+            <a:pPr lvl="1">
+              <a:lnSpc>
+                <a:spcPct val="100000"/>
+              </a:lnSpc>
+              <a:spcBef>
+                <a:spcPts val="600"/>
+              </a:spcBef>
+            </a:pPr>
+            <a:endParaRPr lang="en-US" sz="1400" dirty="0"/>
+          </a:p>
+        </p:txBody>
+      </p:sp>
+    </p:spTree>
+    <p:extLst>
+      <p:ext uri="{BB962C8B-B14F-4D97-AF65-F5344CB8AC3E}">
+        <p14:creationId xmlns:p14="http://schemas.microsoft.com/office/powerpoint/2010/main" val="383837509"/>
+      </p:ext>
+    </p:extLst>
+  </p:cSld>
+  <p:clrMapOvr>
+    <a:masterClrMapping/>
+  </p:clrMapOvr>
+</p:sld>
+</file>
+
+<file path=ppt/slides/slide23.xml><?xml version="1.0" encoding="utf-8"?>
+<p:sld xmlns:a="http://schemas.openxmlformats.org/drawingml/2006/main" xmlns:r="http://schemas.openxmlformats.org/officeDocument/2006/relationships" xmlns:p="http://schemas.openxmlformats.org/presentationml/2006/main">
+  <p:cSld>
+    <p:spTree>
+      <p:nvGrpSpPr>
+        <p:cNvPr id="1" name=""/>
+        <p:cNvGrpSpPr/>
+        <p:nvPr/>
+      </p:nvGrpSpPr>
+      <p:grpSpPr>
+        <a:xfrm>
+          <a:off x="0" y="0"/>
+          <a:ext cx="0" cy="0"/>
+          <a:chOff x="0" y="0"/>
+          <a:chExt cx="0" cy="0"/>
+        </a:xfrm>
+      </p:grpSpPr>
+      <p:sp>
+        <p:nvSpPr>
+          <p:cNvPr id="2" name="Text Placeholder 1">
+            <a:extLst>
+              <a:ext uri="{FF2B5EF4-FFF2-40B4-BE49-F238E27FC236}">
+                <a16:creationId xmlns:a16="http://schemas.microsoft.com/office/drawing/2014/main" id="{3C7D47A7-7FF4-764F-83DA-E8DDA1EFD645}"/>
+              </a:ext>
+            </a:extLst>
+          </p:cNvPr>
+          <p:cNvSpPr>
+            <a:spLocks noGrp="1"/>
+          </p:cNvSpPr>
+          <p:nvPr>
+            <p:ph type="body" idx="1"/>
+          </p:nvPr>
+        </p:nvSpPr>
+        <p:spPr/>
+        <p:txBody>
+          <a:bodyPr/>
+          <a:lstStyle/>
+          <a:p>
+            <a:pPr marL="571500" indent="-457200">
+              <a:buFont typeface="+mj-lt"/>
+              <a:buAutoNum type="arabicPeriod"/>
+            </a:pPr>
+            <a:r>
+              <a:rPr lang="en-US" dirty="0"/>
+              <a:t>Determine Input/outputs for each component</a:t>
+            </a:r>
+          </a:p>
+          <a:p>
+            <a:pPr marL="571500" indent="-457200">
+              <a:buFont typeface="+mj-lt"/>
+              <a:buAutoNum type="arabicPeriod"/>
+            </a:pPr>
+            <a:r>
+              <a:rPr lang="en-US" dirty="0"/>
+              <a:t>Example of code for each component</a:t>
+            </a:r>
+          </a:p>
+          <a:p>
+            <a:pPr marL="571500" indent="-457200">
+              <a:buFont typeface="+mj-lt"/>
+              <a:buAutoNum type="arabicPeriod"/>
+            </a:pPr>
+            <a:r>
+              <a:rPr lang="en-US" dirty="0"/>
+              <a:t>python file that imports each component and builds a pipeline for 1 train test set, 1 model, 1 metric, etc.</a:t>
+            </a:r>
+          </a:p>
+          <a:p>
+            <a:pPr marL="571500" indent="-457200">
+              <a:buFont typeface="+mj-lt"/>
+              <a:buAutoNum type="arabicPeriod"/>
+            </a:pPr>
+            <a:r>
+              <a:rPr lang="en-US" dirty="0"/>
+              <a:t>Loop over additional variations</a:t>
+            </a:r>
+          </a:p>
+          <a:p>
+            <a:pPr marL="571500" indent="-457200">
+              <a:buFont typeface="+mj-lt"/>
+              <a:buAutoNum type="arabicPeriod"/>
+            </a:pPr>
+            <a:r>
+              <a:rPr lang="en-US" dirty="0"/>
+              <a:t>Move parameters from python file to external config file</a:t>
+            </a:r>
+          </a:p>
+          <a:p>
+            <a:pPr marL="571500" indent="-457200">
+              <a:buFont typeface="+mj-lt"/>
+              <a:buAutoNum type="arabicPeriod"/>
+            </a:pPr>
+            <a:r>
+              <a:rPr lang="en-US" dirty="0"/>
+              <a:t>SQL and python</a:t>
+            </a:r>
+          </a:p>
+          <a:p>
+            <a:pPr marL="571500" indent="-457200">
+              <a:buFont typeface="+mj-lt"/>
+              <a:buAutoNum type="arabicPeriod"/>
+            </a:pPr>
+            <a:endParaRPr lang="en-US" dirty="0"/>
+          </a:p>
+        </p:txBody>
+      </p:sp>
+      <p:sp>
+        <p:nvSpPr>
+          <p:cNvPr id="3" name="Title 2">
+            <a:extLst>
+              <a:ext uri="{FF2B5EF4-FFF2-40B4-BE49-F238E27FC236}">
+                <a16:creationId xmlns:a16="http://schemas.microsoft.com/office/drawing/2014/main" id="{4D6C3581-BEF2-D649-9955-7709B9408DB8}"/>
+              </a:ext>
+            </a:extLst>
+          </p:cNvPr>
+          <p:cNvSpPr>
+            <a:spLocks noGrp="1"/>
+          </p:cNvSpPr>
+          <p:nvPr>
+            <p:ph type="title"/>
+          </p:nvPr>
+        </p:nvSpPr>
+        <p:spPr/>
+        <p:txBody>
+          <a:bodyPr/>
+          <a:lstStyle/>
+          <a:p>
+            <a:r>
+              <a:rPr lang="en-US" dirty="0"/>
+              <a:t>Progression</a:t>
+            </a:r>
+          </a:p>
+        </p:txBody>
+      </p:sp>
+    </p:spTree>
+    <p:extLst>
+      <p:ext uri="{BB962C8B-B14F-4D97-AF65-F5344CB8AC3E}">
+        <p14:creationId xmlns:p14="http://schemas.microsoft.com/office/powerpoint/2010/main" val="465773652"/>
+      </p:ext>
+    </p:extLst>
+  </p:cSld>
+  <p:clrMapOvr>
+    <a:masterClrMapping/>
+  </p:clrMapOvr>
+</p:sld>
+</file>
+
+<file path=ppt/slides/slide24.xml><?xml version="1.0" encoding="utf-8"?>
+<p:sld xmlns:a="http://schemas.openxmlformats.org/drawingml/2006/main" xmlns:r="http://schemas.openxmlformats.org/officeDocument/2006/relationships" xmlns:p="http://schemas.openxmlformats.org/presentationml/2006/main">
+  <p:cSld>
+    <p:spTree>
+      <p:nvGrpSpPr>
+        <p:cNvPr id="1" name=""/>
+        <p:cNvGrpSpPr/>
+        <p:nvPr/>
+      </p:nvGrpSpPr>
+      <p:grpSpPr>
+        <a:xfrm>
+          <a:off x="0" y="0"/>
+          <a:ext cx="0" cy="0"/>
+          <a:chOff x="0" y="0"/>
+          <a:chExt cx="0" cy="0"/>
+        </a:xfrm>
+      </p:grpSpPr>
+      <p:sp>
+        <p:nvSpPr>
+          <p:cNvPr id="2" name="Content Placeholder 1"/>
+          <p:cNvSpPr>
+            <a:spLocks noGrp="1"/>
+          </p:cNvSpPr>
+          <p:nvPr>
+            <p:ph type="body" idx="1"/>
+          </p:nvPr>
+        </p:nvSpPr>
+        <p:spPr/>
+        <p:txBody>
+          <a:bodyPr/>
+          <a:lstStyle/>
+          <a:p>
+            <a:r>
+              <a:rPr lang="en-US" b="1" dirty="0"/>
+              <a:t>Due Friday:</a:t>
+            </a:r>
+            <a:r>
+              <a:rPr lang="en-US" dirty="0"/>
+              <a:t> Project Proposal</a:t>
+            </a:r>
+            <a:br>
+              <a:rPr lang="en-US" dirty="0"/>
+            </a:br>
+            <a:endParaRPr lang="en-US" dirty="0"/>
+          </a:p>
+          <a:p>
+            <a:r>
+              <a:rPr lang="en-US" dirty="0"/>
+              <a:t>Remainder of this week:</a:t>
+            </a:r>
+          </a:p>
+          <a:p>
+            <a:pPr lvl="1"/>
+            <a:r>
+              <a:rPr lang="en-US" dirty="0"/>
+              <a:t>Time for group meetings/project work Wednesday and Thursday</a:t>
+            </a:r>
+            <a:br>
+              <a:rPr lang="en-US" dirty="0"/>
+            </a:br>
+            <a:endParaRPr lang="en-US" dirty="0"/>
+          </a:p>
+          <a:p>
+            <a:r>
+              <a:rPr lang="en-US" dirty="0"/>
+              <a:t>Coming up next week:</a:t>
+            </a:r>
+          </a:p>
+          <a:p>
+            <a:pPr lvl="1"/>
+            <a:r>
+              <a:rPr lang="en-US" dirty="0"/>
+              <a:t>Weekly review (before class on Tuesday)</a:t>
+            </a:r>
+          </a:p>
+          <a:p>
+            <a:pPr lvl="1"/>
+            <a:r>
+              <a:rPr lang="en-US" dirty="0"/>
+              <a:t>Video on features (for Tuesday)</a:t>
+            </a:r>
+          </a:p>
+          <a:p>
+            <a:pPr lvl="1"/>
+            <a:r>
+              <a:rPr lang="en-US" dirty="0"/>
+              <a:t>Wednesday tech sessions: Remote Tech Workflows &amp; Python + SQL</a:t>
+            </a:r>
+          </a:p>
+          <a:p>
+            <a:pPr lvl="1"/>
+            <a:r>
+              <a:rPr lang="en-US" dirty="0"/>
+              <a:t>Due Friday: Proposal peer reviews</a:t>
+            </a:r>
+          </a:p>
+          <a:p>
+            <a:pPr marL="114300" indent="0">
+              <a:buNone/>
+            </a:pPr>
+            <a:endParaRPr lang="en-US" dirty="0"/>
+          </a:p>
+        </p:txBody>
+      </p:sp>
+      <p:sp>
+        <p:nvSpPr>
+          <p:cNvPr id="3" name="Title 2"/>
+          <p:cNvSpPr>
+            <a:spLocks noGrp="1"/>
+          </p:cNvSpPr>
+          <p:nvPr>
+            <p:ph type="title"/>
+          </p:nvPr>
+        </p:nvSpPr>
+        <p:spPr>
+          <a:xfrm>
+            <a:off x="0" y="325028"/>
+            <a:ext cx="12192000" cy="1143000"/>
+          </a:xfrm>
+        </p:spPr>
+        <p:txBody>
+          <a:bodyPr/>
+          <a:lstStyle/>
+          <a:p>
+            <a:r>
+              <a:rPr lang="en-US" dirty="0">
+                <a:solidFill>
+                  <a:schemeClr val="bg1"/>
+                </a:solidFill>
+              </a:rPr>
+              <a:t>Things to remember</a:t>
+            </a:r>
+          </a:p>
+        </p:txBody>
+      </p:sp>
+    </p:spTree>
+    <p:extLst>
+      <p:ext uri="{BB962C8B-B14F-4D97-AF65-F5344CB8AC3E}">
+        <p14:creationId xmlns:p14="http://schemas.microsoft.com/office/powerpoint/2010/main" val="1188622747"/>
+      </p:ext>
+    </p:extLst>
+  </p:cSld>
+  <p:clrMapOvr>
+    <a:masterClrMapping/>
+  </p:clrMapOvr>
+</p:sld>
+</file>
+
+<file path=ppt/slides/slide3.xml><?xml version="1.0" encoding="utf-8"?>
+<p:sld xmlns:a="http://schemas.openxmlformats.org/drawingml/2006/main" xmlns:r="http://schemas.openxmlformats.org/officeDocument/2006/relationships" xmlns:p="http://schemas.openxmlformats.org/presentationml/2006/main">
+  <p:cSld>
+    <p:spTree>
+      <p:nvGrpSpPr>
+        <p:cNvPr id="1" name=""/>
+        <p:cNvGrpSpPr/>
+        <p:nvPr/>
+      </p:nvGrpSpPr>
+      <p:grpSpPr>
+        <a:xfrm>
+          <a:off x="0" y="0"/>
+          <a:ext cx="0" cy="0"/>
+          <a:chOff x="0" y="0"/>
+          <a:chExt cx="0" cy="0"/>
+        </a:xfrm>
+      </p:grpSpPr>
+      <p:sp>
+        <p:nvSpPr>
+          <p:cNvPr id="2" name="Content Placeholder 1"/>
+          <p:cNvSpPr>
+            <a:spLocks noGrp="1"/>
+          </p:cNvSpPr>
+          <p:nvPr>
+            <p:ph type="body" idx="1"/>
+          </p:nvPr>
+        </p:nvSpPr>
+        <p:spPr/>
+        <p:txBody>
+          <a:bodyPr/>
+          <a:lstStyle/>
+          <a:p>
+            <a:r>
+              <a:rPr lang="en-US" b="1" dirty="0"/>
+              <a:t>Due Friday:</a:t>
+            </a:r>
+            <a:r>
+              <a:rPr lang="en-US" dirty="0"/>
+              <a:t> Project Proposal</a:t>
+            </a:r>
+            <a:br>
+              <a:rPr lang="en-US" dirty="0"/>
+            </a:br>
+            <a:endParaRPr lang="en-US" dirty="0"/>
+          </a:p>
+          <a:p>
+            <a:r>
+              <a:rPr lang="en-US" dirty="0"/>
+              <a:t>Remainder of this week:</a:t>
+            </a:r>
+          </a:p>
+          <a:p>
+            <a:pPr lvl="1"/>
+            <a:r>
+              <a:rPr lang="en-US" dirty="0"/>
+              <a:t>Time for group meetings/project work Wednesday and Thursday</a:t>
+            </a:r>
+            <a:br>
+              <a:rPr lang="en-US" dirty="0"/>
+            </a:br>
+            <a:endParaRPr lang="en-US" dirty="0"/>
+          </a:p>
+          <a:p>
+            <a:r>
+              <a:rPr lang="en-US" dirty="0"/>
+              <a:t>Coming up next week:</a:t>
+            </a:r>
+          </a:p>
+          <a:p>
+            <a:pPr lvl="1"/>
+            <a:r>
+              <a:rPr lang="en-US" dirty="0"/>
+              <a:t>Weekly review (before class on Tuesday)</a:t>
+            </a:r>
+          </a:p>
+          <a:p>
+            <a:pPr lvl="1"/>
+            <a:r>
+              <a:rPr lang="en-US" dirty="0"/>
+              <a:t>Video on features (for Tuesday)</a:t>
+            </a:r>
+          </a:p>
+          <a:p>
+            <a:pPr lvl="1"/>
+            <a:r>
+              <a:rPr lang="en-US" dirty="0"/>
+              <a:t>Wednesday tech sessions: Remote Tech Workflows &amp; Python + SQL</a:t>
+            </a:r>
+          </a:p>
+          <a:p>
+            <a:pPr lvl="1"/>
+            <a:r>
+              <a:rPr lang="en-US" dirty="0"/>
+              <a:t>Due Friday: Proposal peer reviews</a:t>
+            </a:r>
+          </a:p>
+          <a:p>
+            <a:pPr marL="114300" indent="0">
+              <a:buNone/>
+            </a:pPr>
+            <a:endParaRPr lang="en-US" dirty="0"/>
+          </a:p>
+        </p:txBody>
+      </p:sp>
+      <p:sp>
+        <p:nvSpPr>
+          <p:cNvPr id="3" name="Title 2"/>
+          <p:cNvSpPr>
+            <a:spLocks noGrp="1"/>
+          </p:cNvSpPr>
+          <p:nvPr>
+            <p:ph type="title"/>
+          </p:nvPr>
+        </p:nvSpPr>
+        <p:spPr>
+          <a:xfrm>
+            <a:off x="0" y="325028"/>
+            <a:ext cx="12192000" cy="1143000"/>
+          </a:xfrm>
+        </p:spPr>
+        <p:txBody>
+          <a:bodyPr/>
+          <a:lstStyle/>
+          <a:p>
+            <a:r>
+              <a:rPr lang="en-US" dirty="0">
+                <a:solidFill>
+                  <a:schemeClr val="bg1"/>
+                </a:solidFill>
+              </a:rPr>
+              <a:t>Things to remember</a:t>
+            </a:r>
+          </a:p>
+        </p:txBody>
+      </p:sp>
+    </p:spTree>
+    <p:extLst>
+      <p:ext uri="{BB962C8B-B14F-4D97-AF65-F5344CB8AC3E}">
+        <p14:creationId xmlns:p14="http://schemas.microsoft.com/office/powerpoint/2010/main" val="3128043502"/>
+      </p:ext>
+    </p:extLst>
+  </p:cSld>
+  <p:clrMapOvr>
+    <a:masterClrMapping/>
+  </p:clrMapOvr>
+</p:sld>
+</file>
+
+<file path=ppt/slides/slide4.xml><?xml version="1.0" encoding="utf-8"?>
 <p:sld xmlns:a="http://schemas.openxmlformats.org/drawingml/2006/main" xmlns:r="http://schemas.openxmlformats.org/officeDocument/2006/relationships" xmlns:p="http://schemas.openxmlformats.org/presentationml/2006/main">
   <p:cSld>
     <p:spTree>
@@ -15033,603 +16589,7 @@
 </p:sld>
 </file>
 
-<file path=ppt/slides/slide20.xml><?xml version="1.0" encoding="utf-8"?>
-<p:sld xmlns:a="http://schemas.openxmlformats.org/drawingml/2006/main" xmlns:r="http://schemas.openxmlformats.org/officeDocument/2006/relationships" xmlns:p="http://schemas.openxmlformats.org/presentationml/2006/main">
-  <p:cSld>
-    <p:spTree>
-      <p:nvGrpSpPr>
-        <p:cNvPr id="1" name=""/>
-        <p:cNvGrpSpPr/>
-        <p:nvPr/>
-      </p:nvGrpSpPr>
-      <p:grpSpPr>
-        <a:xfrm>
-          <a:off x="0" y="0"/>
-          <a:ext cx="0" cy="0"/>
-          <a:chOff x="0" y="0"/>
-          <a:chExt cx="0" cy="0"/>
-        </a:xfrm>
-      </p:grpSpPr>
-      <p:sp>
-        <p:nvSpPr>
-          <p:cNvPr id="2" name="Text Placeholder 1">
-            <a:extLst>
-              <a:ext uri="{FF2B5EF4-FFF2-40B4-BE49-F238E27FC236}">
-                <a16:creationId xmlns:a16="http://schemas.microsoft.com/office/drawing/2014/main" id="{162B9551-0AC1-4047-A688-4BDDA5ED869F}"/>
-              </a:ext>
-            </a:extLst>
-          </p:cNvPr>
-          <p:cNvSpPr>
-            <a:spLocks noGrp="1"/>
-          </p:cNvSpPr>
-          <p:nvPr>
-            <p:ph type="body" idx="4294967295"/>
-          </p:nvPr>
-        </p:nvSpPr>
-        <p:spPr>
-          <a:xfrm>
-            <a:off x="148945" y="0"/>
-            <a:ext cx="11666537" cy="4954587"/>
-          </a:xfrm>
-        </p:spPr>
-        <p:txBody>
-          <a:bodyPr/>
-          <a:lstStyle/>
-          <a:p>
-            <a:pPr>
-              <a:lnSpc>
-                <a:spcPct val="100000"/>
-              </a:lnSpc>
-              <a:spcBef>
-                <a:spcPts val="600"/>
-              </a:spcBef>
-            </a:pPr>
-            <a:r>
-              <a:rPr lang="en-US" sz="1400" dirty="0" err="1"/>
-              <a:t>Timesplitter</a:t>
-            </a:r>
-            <a:endParaRPr lang="en-US" sz="1400" dirty="0"/>
-          </a:p>
-          <a:p>
-            <a:pPr lvl="1">
-              <a:lnSpc>
-                <a:spcPct val="100000"/>
-              </a:lnSpc>
-              <a:spcBef>
-                <a:spcPts val="600"/>
-              </a:spcBef>
-            </a:pPr>
-            <a:r>
-              <a:rPr lang="en-US" sz="1400" dirty="0"/>
-              <a:t>Input: start time, end time, update time, prediction time</a:t>
-            </a:r>
-          </a:p>
-          <a:p>
-            <a:pPr lvl="1">
-              <a:lnSpc>
-                <a:spcPct val="100000"/>
-              </a:lnSpc>
-              <a:spcBef>
-                <a:spcPts val="600"/>
-              </a:spcBef>
-            </a:pPr>
-            <a:r>
-              <a:rPr lang="en-US" sz="1400" dirty="0"/>
-              <a:t>Output: pairs of &lt;train start time, train end time, test start time, test end time&gt;</a:t>
-            </a:r>
-          </a:p>
-          <a:p>
-            <a:pPr>
-              <a:lnSpc>
-                <a:spcPct val="100000"/>
-              </a:lnSpc>
-              <a:spcBef>
-                <a:spcPts val="600"/>
-              </a:spcBef>
-            </a:pPr>
-            <a:r>
-              <a:rPr lang="en-US" sz="1400" dirty="0" err="1"/>
-              <a:t>CohortCreator</a:t>
-            </a:r>
-            <a:endParaRPr lang="en-US" sz="1400" dirty="0"/>
-          </a:p>
-          <a:p>
-            <a:pPr lvl="1">
-              <a:lnSpc>
-                <a:spcPct val="100000"/>
-              </a:lnSpc>
-              <a:spcBef>
-                <a:spcPts val="600"/>
-              </a:spcBef>
-            </a:pPr>
-            <a:r>
-              <a:rPr lang="en-US" sz="1400" dirty="0"/>
-              <a:t>Input: </a:t>
-            </a:r>
-            <a:r>
-              <a:rPr lang="en-US" sz="1400" dirty="0" err="1"/>
-              <a:t>timesplitter</a:t>
-            </a:r>
-            <a:r>
-              <a:rPr lang="en-US" sz="1400" dirty="0"/>
-              <a:t> output, cohort definition,[</a:t>
-            </a:r>
-            <a:r>
-              <a:rPr lang="en-US" sz="1400" dirty="0" err="1"/>
-              <a:t>entity_ids</a:t>
-            </a:r>
-            <a:r>
-              <a:rPr lang="en-US" sz="1400" dirty="0"/>
-              <a:t>, as of date]</a:t>
-            </a:r>
-          </a:p>
-          <a:p>
-            <a:pPr lvl="1">
-              <a:lnSpc>
-                <a:spcPct val="100000"/>
-              </a:lnSpc>
-              <a:spcBef>
-                <a:spcPts val="600"/>
-              </a:spcBef>
-            </a:pPr>
-            <a:r>
-              <a:rPr lang="en-US" sz="1400" dirty="0"/>
-              <a:t>Output: cohort matrix &lt;</a:t>
-            </a:r>
-            <a:r>
-              <a:rPr lang="en-US" sz="1400" dirty="0" err="1"/>
-              <a:t>entity_id</a:t>
-            </a:r>
-            <a:r>
-              <a:rPr lang="en-US" sz="1400" dirty="0"/>
-              <a:t>, </a:t>
-            </a:r>
-            <a:r>
-              <a:rPr lang="en-US" sz="1400" dirty="0" err="1"/>
-              <a:t>as_of_date</a:t>
-            </a:r>
-            <a:r>
-              <a:rPr lang="en-US" sz="1400" dirty="0"/>
-              <a:t>&gt;</a:t>
-            </a:r>
-          </a:p>
-          <a:p>
-            <a:pPr>
-              <a:lnSpc>
-                <a:spcPct val="100000"/>
-              </a:lnSpc>
-              <a:spcBef>
-                <a:spcPts val="600"/>
-              </a:spcBef>
-            </a:pPr>
-            <a:r>
-              <a:rPr lang="en-US" sz="1400" dirty="0" err="1"/>
-              <a:t>LabelCreator</a:t>
-            </a:r>
-            <a:endParaRPr lang="en-US" sz="1400" dirty="0"/>
-          </a:p>
-          <a:p>
-            <a:pPr lvl="1">
-              <a:lnSpc>
-                <a:spcPct val="100000"/>
-              </a:lnSpc>
-              <a:spcBef>
-                <a:spcPts val="600"/>
-              </a:spcBef>
-            </a:pPr>
-            <a:r>
-              <a:rPr lang="en-US" sz="1400" dirty="0"/>
-              <a:t>Input: pairs &lt;</a:t>
-            </a:r>
-            <a:r>
-              <a:rPr lang="en-US" sz="1400" dirty="0" err="1"/>
-              <a:t>entity_id</a:t>
-            </a:r>
-            <a:r>
-              <a:rPr lang="en-US" sz="1400" dirty="0"/>
-              <a:t>, </a:t>
-            </a:r>
-            <a:r>
-              <a:rPr lang="en-US" sz="1400" dirty="0" err="1"/>
-              <a:t>as_of_date</a:t>
-            </a:r>
-            <a:r>
-              <a:rPr lang="en-US" sz="1400" dirty="0"/>
-              <a:t>&gt;, label definition</a:t>
-            </a:r>
-          </a:p>
-          <a:p>
-            <a:pPr lvl="1">
-              <a:lnSpc>
-                <a:spcPct val="100000"/>
-              </a:lnSpc>
-              <a:spcBef>
-                <a:spcPts val="600"/>
-              </a:spcBef>
-            </a:pPr>
-            <a:r>
-              <a:rPr lang="en-US" sz="1400" dirty="0"/>
-              <a:t>Output: matrix &lt;</a:t>
-            </a:r>
-            <a:r>
-              <a:rPr lang="en-US" sz="1400" dirty="0" err="1"/>
-              <a:t>entity_id</a:t>
-            </a:r>
-            <a:r>
-              <a:rPr lang="en-US" sz="1400" dirty="0"/>
-              <a:t>, </a:t>
-            </a:r>
-            <a:r>
-              <a:rPr lang="en-US" sz="1400" dirty="0" err="1"/>
-              <a:t>as_of_date</a:t>
-            </a:r>
-            <a:r>
-              <a:rPr lang="en-US" sz="1400" dirty="0"/>
-              <a:t>, label&gt;</a:t>
-            </a:r>
-          </a:p>
-          <a:p>
-            <a:pPr>
-              <a:lnSpc>
-                <a:spcPct val="100000"/>
-              </a:lnSpc>
-              <a:spcBef>
-                <a:spcPts val="600"/>
-              </a:spcBef>
-            </a:pPr>
-            <a:r>
-              <a:rPr lang="en-US" sz="1400" dirty="0" err="1"/>
-              <a:t>FeatureCreator</a:t>
-            </a:r>
-            <a:endParaRPr lang="en-US" sz="1400" dirty="0"/>
-          </a:p>
-          <a:p>
-            <a:pPr lvl="1">
-              <a:lnSpc>
-                <a:spcPct val="100000"/>
-              </a:lnSpc>
-              <a:spcBef>
-                <a:spcPts val="600"/>
-              </a:spcBef>
-            </a:pPr>
-            <a:r>
-              <a:rPr lang="en-US" sz="1400" dirty="0"/>
-              <a:t>Input: pairs &lt;</a:t>
-            </a:r>
-            <a:r>
-              <a:rPr lang="en-US" sz="1400" dirty="0" err="1"/>
-              <a:t>entity_id</a:t>
-            </a:r>
-            <a:r>
-              <a:rPr lang="en-US" sz="1400" dirty="0"/>
-              <a:t>, </a:t>
-            </a:r>
-            <a:r>
-              <a:rPr lang="en-US" sz="1400" dirty="0" err="1"/>
-              <a:t>as_of_date</a:t>
-            </a:r>
-            <a:r>
-              <a:rPr lang="en-US" sz="1400" dirty="0"/>
-              <a:t>&gt;, feature definition(s)</a:t>
-            </a:r>
-          </a:p>
-          <a:p>
-            <a:pPr lvl="1">
-              <a:lnSpc>
-                <a:spcPct val="100000"/>
-              </a:lnSpc>
-              <a:spcBef>
-                <a:spcPts val="600"/>
-              </a:spcBef>
-            </a:pPr>
-            <a:r>
-              <a:rPr lang="en-US" sz="1400" dirty="0"/>
-              <a:t>Output: matrix &lt;</a:t>
-            </a:r>
-            <a:r>
-              <a:rPr lang="en-US" sz="1400" dirty="0" err="1"/>
-              <a:t>entity_id</a:t>
-            </a:r>
-            <a:r>
-              <a:rPr lang="en-US" sz="1400" dirty="0"/>
-              <a:t>, </a:t>
-            </a:r>
-            <a:r>
-              <a:rPr lang="en-US" sz="1400" dirty="0" err="1"/>
-              <a:t>as_of_date</a:t>
-            </a:r>
-            <a:r>
-              <a:rPr lang="en-US" sz="1400" dirty="0"/>
-              <a:t>, feature(s)&gt;</a:t>
-            </a:r>
-          </a:p>
-          <a:p>
-            <a:pPr>
-              <a:lnSpc>
-                <a:spcPct val="100000"/>
-              </a:lnSpc>
-              <a:spcBef>
-                <a:spcPts val="600"/>
-              </a:spcBef>
-            </a:pPr>
-            <a:r>
-              <a:rPr lang="en-US" sz="1400" dirty="0" err="1"/>
-              <a:t>ModelTrainer</a:t>
-            </a:r>
-            <a:endParaRPr lang="en-US" sz="1400" dirty="0"/>
-          </a:p>
-          <a:p>
-            <a:pPr lvl="1">
-              <a:lnSpc>
-                <a:spcPct val="100000"/>
-              </a:lnSpc>
-              <a:spcBef>
-                <a:spcPts val="600"/>
-              </a:spcBef>
-            </a:pPr>
-            <a:r>
-              <a:rPr lang="en-US" sz="1400" dirty="0"/>
-              <a:t>Input: model definition, matrix, feature columns, label column</a:t>
-            </a:r>
-          </a:p>
-          <a:p>
-            <a:pPr lvl="1">
-              <a:lnSpc>
-                <a:spcPct val="100000"/>
-              </a:lnSpc>
-              <a:spcBef>
-                <a:spcPts val="600"/>
-              </a:spcBef>
-            </a:pPr>
-            <a:r>
-              <a:rPr lang="en-US" sz="1400" dirty="0"/>
-              <a:t>Output: model object (stored), model definition</a:t>
-            </a:r>
-          </a:p>
-          <a:p>
-            <a:pPr>
-              <a:lnSpc>
-                <a:spcPct val="100000"/>
-              </a:lnSpc>
-              <a:spcBef>
-                <a:spcPts val="600"/>
-              </a:spcBef>
-            </a:pPr>
-            <a:r>
-              <a:rPr lang="en-US" sz="1400" dirty="0"/>
-              <a:t>Scorer</a:t>
-            </a:r>
-          </a:p>
-          <a:p>
-            <a:pPr lvl="1">
-              <a:lnSpc>
-                <a:spcPct val="100000"/>
-              </a:lnSpc>
-              <a:spcBef>
-                <a:spcPts val="600"/>
-              </a:spcBef>
-            </a:pPr>
-            <a:r>
-              <a:rPr lang="en-US" sz="1400" dirty="0"/>
-              <a:t>Input: model object, matrix, feature columns</a:t>
-            </a:r>
-          </a:p>
-          <a:p>
-            <a:pPr lvl="1">
-              <a:lnSpc>
-                <a:spcPct val="100000"/>
-              </a:lnSpc>
-              <a:spcBef>
-                <a:spcPts val="600"/>
-              </a:spcBef>
-            </a:pPr>
-            <a:r>
-              <a:rPr lang="en-US" sz="1400" dirty="0"/>
-              <a:t>prediction scores</a:t>
-            </a:r>
-          </a:p>
-          <a:p>
-            <a:pPr>
-              <a:lnSpc>
-                <a:spcPct val="100000"/>
-              </a:lnSpc>
-              <a:spcBef>
-                <a:spcPts val="600"/>
-              </a:spcBef>
-            </a:pPr>
-            <a:r>
-              <a:rPr lang="en-US" sz="1400" dirty="0"/>
-              <a:t>Evaluator</a:t>
-            </a:r>
-          </a:p>
-          <a:p>
-            <a:pPr lvl="1">
-              <a:lnSpc>
-                <a:spcPct val="100000"/>
-              </a:lnSpc>
-              <a:spcBef>
-                <a:spcPts val="600"/>
-              </a:spcBef>
-            </a:pPr>
-            <a:r>
-              <a:rPr lang="en-US" sz="1400" dirty="0"/>
-              <a:t>Prediction scores, label column, metric(s)</a:t>
-            </a:r>
-          </a:p>
-          <a:p>
-            <a:pPr lvl="1">
-              <a:lnSpc>
-                <a:spcPct val="100000"/>
-              </a:lnSpc>
-              <a:spcBef>
-                <a:spcPts val="600"/>
-              </a:spcBef>
-            </a:pPr>
-            <a:endParaRPr lang="en-US" sz="1400" dirty="0"/>
-          </a:p>
-        </p:txBody>
-      </p:sp>
-    </p:spTree>
-    <p:extLst>
-      <p:ext uri="{BB962C8B-B14F-4D97-AF65-F5344CB8AC3E}">
-        <p14:creationId xmlns:p14="http://schemas.microsoft.com/office/powerpoint/2010/main" val="383837509"/>
-      </p:ext>
-    </p:extLst>
-  </p:cSld>
-  <p:clrMapOvr>
-    <a:masterClrMapping/>
-  </p:clrMapOvr>
-</p:sld>
-</file>
-
-<file path=ppt/slides/slide21.xml><?xml version="1.0" encoding="utf-8"?>
-<p:sld xmlns:a="http://schemas.openxmlformats.org/drawingml/2006/main" xmlns:r="http://schemas.openxmlformats.org/officeDocument/2006/relationships" xmlns:p="http://schemas.openxmlformats.org/presentationml/2006/main">
-  <p:cSld>
-    <p:spTree>
-      <p:nvGrpSpPr>
-        <p:cNvPr id="1" name=""/>
-        <p:cNvGrpSpPr/>
-        <p:nvPr/>
-      </p:nvGrpSpPr>
-      <p:grpSpPr>
-        <a:xfrm>
-          <a:off x="0" y="0"/>
-          <a:ext cx="0" cy="0"/>
-          <a:chOff x="0" y="0"/>
-          <a:chExt cx="0" cy="0"/>
-        </a:xfrm>
-      </p:grpSpPr>
-      <p:sp>
-        <p:nvSpPr>
-          <p:cNvPr id="2" name="Text Placeholder 1">
-            <a:extLst>
-              <a:ext uri="{FF2B5EF4-FFF2-40B4-BE49-F238E27FC236}">
-                <a16:creationId xmlns:a16="http://schemas.microsoft.com/office/drawing/2014/main" id="{3C7D47A7-7FF4-764F-83DA-E8DDA1EFD645}"/>
-              </a:ext>
-            </a:extLst>
-          </p:cNvPr>
-          <p:cNvSpPr>
-            <a:spLocks noGrp="1"/>
-          </p:cNvSpPr>
-          <p:nvPr>
-            <p:ph type="body" idx="1"/>
-          </p:nvPr>
-        </p:nvSpPr>
-        <p:spPr/>
-        <p:txBody>
-          <a:bodyPr/>
-          <a:lstStyle/>
-          <a:p>
-            <a:pPr marL="571500" indent="-457200">
-              <a:buFont typeface="+mj-lt"/>
-              <a:buAutoNum type="arabicPeriod"/>
-            </a:pPr>
-            <a:r>
-              <a:rPr lang="en-US" dirty="0"/>
-              <a:t>Determine Input/outputs for each component</a:t>
-            </a:r>
-          </a:p>
-          <a:p>
-            <a:pPr marL="571500" indent="-457200">
-              <a:buFont typeface="+mj-lt"/>
-              <a:buAutoNum type="arabicPeriod"/>
-            </a:pPr>
-            <a:r>
-              <a:rPr lang="en-US" dirty="0"/>
-              <a:t>Example of code for each component</a:t>
-            </a:r>
-          </a:p>
-          <a:p>
-            <a:pPr marL="571500" indent="-457200">
-              <a:buFont typeface="+mj-lt"/>
-              <a:buAutoNum type="arabicPeriod"/>
-            </a:pPr>
-            <a:r>
-              <a:rPr lang="en-US" dirty="0"/>
-              <a:t>python file that imports each component and builds a pipeline for 1 train test set, 1 model, 1 metric, etc.</a:t>
-            </a:r>
-          </a:p>
-          <a:p>
-            <a:pPr marL="571500" indent="-457200">
-              <a:buFont typeface="+mj-lt"/>
-              <a:buAutoNum type="arabicPeriod"/>
-            </a:pPr>
-            <a:r>
-              <a:rPr lang="en-US" dirty="0"/>
-              <a:t>Loop over additional variations</a:t>
-            </a:r>
-          </a:p>
-          <a:p>
-            <a:pPr marL="571500" indent="-457200">
-              <a:buFont typeface="+mj-lt"/>
-              <a:buAutoNum type="arabicPeriod"/>
-            </a:pPr>
-            <a:r>
-              <a:rPr lang="en-US" dirty="0"/>
-              <a:t>Move parameters from python file to external config file</a:t>
-            </a:r>
-          </a:p>
-          <a:p>
-            <a:pPr marL="571500" indent="-457200">
-              <a:buFont typeface="+mj-lt"/>
-              <a:buAutoNum type="arabicPeriod"/>
-            </a:pPr>
-            <a:r>
-              <a:rPr lang="en-US" dirty="0"/>
-              <a:t>SQL and python</a:t>
-            </a:r>
-          </a:p>
-          <a:p>
-            <a:pPr marL="571500" indent="-457200">
-              <a:buFont typeface="+mj-lt"/>
-              <a:buAutoNum type="arabicPeriod"/>
-            </a:pPr>
-            <a:endParaRPr lang="en-US" dirty="0"/>
-          </a:p>
-        </p:txBody>
-      </p:sp>
-      <p:sp>
-        <p:nvSpPr>
-          <p:cNvPr id="3" name="Title 2">
-            <a:extLst>
-              <a:ext uri="{FF2B5EF4-FFF2-40B4-BE49-F238E27FC236}">
-                <a16:creationId xmlns:a16="http://schemas.microsoft.com/office/drawing/2014/main" id="{4D6C3581-BEF2-D649-9955-7709B9408DB8}"/>
-              </a:ext>
-            </a:extLst>
-          </p:cNvPr>
-          <p:cNvSpPr>
-            <a:spLocks noGrp="1"/>
-          </p:cNvSpPr>
-          <p:nvPr>
-            <p:ph type="title"/>
-          </p:nvPr>
-        </p:nvSpPr>
-        <p:spPr/>
-        <p:txBody>
-          <a:bodyPr/>
-          <a:lstStyle/>
-          <a:p>
-            <a:r>
-              <a:rPr lang="en-US" dirty="0"/>
-              <a:t>Progression</a:t>
-            </a:r>
-          </a:p>
-        </p:txBody>
-      </p:sp>
-    </p:spTree>
-    <p:extLst>
-      <p:ext uri="{BB962C8B-B14F-4D97-AF65-F5344CB8AC3E}">
-        <p14:creationId xmlns:p14="http://schemas.microsoft.com/office/powerpoint/2010/main" val="465773652"/>
-      </p:ext>
-    </p:extLst>
-  </p:cSld>
-  <p:clrMapOvr>
-    <a:masterClrMapping/>
-  </p:clrMapOvr>
-</p:sld>
-</file>
-
-<file path=ppt/slides/slide3.xml><?xml version="1.0" encoding="utf-8"?>
+<file path=ppt/slides/slide5.xml><?xml version="1.0" encoding="utf-8"?>
 <p:sld xmlns:a="http://schemas.openxmlformats.org/drawingml/2006/main" xmlns:r="http://schemas.openxmlformats.org/officeDocument/2006/relationships" xmlns:p="http://schemas.openxmlformats.org/presentationml/2006/main">
   <p:cSld>
     <p:spTree>
@@ -15736,7 +16696,7 @@
 </p:sld>
 </file>
 
-<file path=ppt/slides/slide4.xml><?xml version="1.0" encoding="utf-8"?>
+<file path=ppt/slides/slide6.xml><?xml version="1.0" encoding="utf-8"?>
 <p:sld xmlns:a="http://schemas.openxmlformats.org/drawingml/2006/main" xmlns:r="http://schemas.openxmlformats.org/officeDocument/2006/relationships" xmlns:p="http://schemas.openxmlformats.org/presentationml/2006/main">
   <p:cSld>
     <p:spTree>
@@ -15834,7 +16794,7 @@
 </p:sld>
 </file>
 
-<file path=ppt/slides/slide5.xml><?xml version="1.0" encoding="utf-8"?>
+<file path=ppt/slides/slide7.xml><?xml version="1.0" encoding="utf-8"?>
 <p:sld xmlns:a="http://schemas.openxmlformats.org/drawingml/2006/main" xmlns:r="http://schemas.openxmlformats.org/officeDocument/2006/relationships" xmlns:p="http://schemas.openxmlformats.org/presentationml/2006/main">
   <p:cSld>
     <p:spTree>
@@ -15937,7 +16897,7 @@
 </p:sld>
 </file>
 
-<file path=ppt/slides/slide6.xml><?xml version="1.0" encoding="utf-8"?>
+<file path=ppt/slides/slide8.xml><?xml version="1.0" encoding="utf-8"?>
 <p:sld xmlns:a="http://schemas.openxmlformats.org/drawingml/2006/main" xmlns:r="http://schemas.openxmlformats.org/officeDocument/2006/relationships" xmlns:p="http://schemas.openxmlformats.org/presentationml/2006/main">
   <p:cSld>
     <p:spTree>
@@ -16035,7 +16995,7 @@
 </p:sld>
 </file>
 
-<file path=ppt/slides/slide7.xml><?xml version="1.0" encoding="utf-8"?>
+<file path=ppt/slides/slide9.xml><?xml version="1.0" encoding="utf-8"?>
 <p:sld xmlns:a="http://schemas.openxmlformats.org/drawingml/2006/main" xmlns:r="http://schemas.openxmlformats.org/officeDocument/2006/relationships" xmlns:p="http://schemas.openxmlformats.org/presentationml/2006/main">
   <p:cSld>
     <p:spTree>
@@ -16112,598 +17072,6 @@
     <p:extLst>
       <p:ext uri="{BB962C8B-B14F-4D97-AF65-F5344CB8AC3E}">
         <p14:creationId xmlns:p14="http://schemas.microsoft.com/office/powerpoint/2010/main" val="2168446217"/>
-      </p:ext>
-    </p:extLst>
-  </p:cSld>
-  <p:clrMapOvr>
-    <a:masterClrMapping/>
-  </p:clrMapOvr>
-</p:sld>
-</file>
-
-<file path=ppt/slides/slide8.xml><?xml version="1.0" encoding="utf-8"?>
-<p:sld xmlns:a="http://schemas.openxmlformats.org/drawingml/2006/main" xmlns:r="http://schemas.openxmlformats.org/officeDocument/2006/relationships" xmlns:p="http://schemas.openxmlformats.org/presentationml/2006/main">
-  <p:cSld>
-    <p:spTree>
-      <p:nvGrpSpPr>
-        <p:cNvPr id="1" name=""/>
-        <p:cNvGrpSpPr/>
-        <p:nvPr/>
-      </p:nvGrpSpPr>
-      <p:grpSpPr>
-        <a:xfrm>
-          <a:off x="0" y="0"/>
-          <a:ext cx="0" cy="0"/>
-          <a:chOff x="0" y="0"/>
-          <a:chExt cx="0" cy="0"/>
-        </a:xfrm>
-      </p:grpSpPr>
-      <p:sp>
-        <p:nvSpPr>
-          <p:cNvPr id="2" name="Content Placeholder 1"/>
-          <p:cNvSpPr>
-            <a:spLocks noGrp="1"/>
-          </p:cNvSpPr>
-          <p:nvPr>
-            <p:ph type="body" idx="1"/>
-          </p:nvPr>
-        </p:nvSpPr>
-        <p:spPr/>
-        <p:txBody>
-          <a:bodyPr>
-            <a:normAutofit fontScale="62500" lnSpcReduction="20000"/>
-          </a:bodyPr>
-          <a:lstStyle/>
-          <a:p>
-            <a:r>
-              <a:rPr lang="en-US" dirty="0"/>
-              <a:t>Read/Load Data (from csv, </a:t>
-            </a:r>
-            <a:r>
-              <a:rPr lang="en-US" dirty="0" err="1"/>
-              <a:t>db</a:t>
-            </a:r>
-            <a:r>
-              <a:rPr lang="en-US" dirty="0"/>
-              <a:t>, </a:t>
-            </a:r>
-            <a:r>
-              <a:rPr lang="en-US" dirty="0" err="1"/>
-              <a:t>api</a:t>
-            </a:r>
-            <a:r>
-              <a:rPr lang="en-US" dirty="0"/>
-              <a:t>)</a:t>
-            </a:r>
-          </a:p>
-          <a:p>
-            <a:r>
-              <a:rPr lang="en-US" dirty="0"/>
-              <a:t>Integrate Data (dedupe, link)</a:t>
-            </a:r>
-          </a:p>
-          <a:p>
-            <a:r>
-              <a:rPr lang="en-US" dirty="0"/>
-              <a:t>Process Data (cleaning)</a:t>
-            </a:r>
-          </a:p>
-          <a:p>
-            <a:r>
-              <a:rPr lang="en-US" dirty="0"/>
-              <a:t>Explore Data (descriptive stats, correlations, outliers, over time, clustering) </a:t>
-            </a:r>
-          </a:p>
-          <a:p>
-            <a:r>
-              <a:rPr lang="en-US" dirty="0"/>
-              <a:t>Modeling Prep</a:t>
-            </a:r>
-          </a:p>
-          <a:p>
-            <a:pPr lvl="1"/>
-            <a:r>
-              <a:rPr lang="en-US" dirty="0"/>
-              <a:t>Create training and test sets</a:t>
-            </a:r>
-          </a:p>
-          <a:p>
-            <a:pPr lvl="1"/>
-            <a:r>
-              <a:rPr lang="en-US" dirty="0"/>
-              <a:t>Missing values (fill/impute, create dummy)</a:t>
-            </a:r>
-          </a:p>
-          <a:p>
-            <a:pPr lvl="1"/>
-            <a:r>
-              <a:rPr lang="en-US" dirty="0"/>
-              <a:t>Transformations (scale/normalize, log, square, root)</a:t>
-            </a:r>
-          </a:p>
-          <a:p>
-            <a:pPr lvl="1"/>
-            <a:r>
-              <a:rPr lang="en-US" dirty="0"/>
-              <a:t>Feature Generation </a:t>
-            </a:r>
-          </a:p>
-          <a:p>
-            <a:pPr lvl="1"/>
-            <a:r>
-              <a:rPr lang="en-US" dirty="0"/>
-              <a:t>Label Generation</a:t>
-            </a:r>
-          </a:p>
-          <a:p>
-            <a:pPr lvl="1"/>
-            <a:r>
-              <a:rPr lang="en-US" dirty="0"/>
-              <a:t>Define metric(s)</a:t>
-            </a:r>
-          </a:p>
-          <a:p>
-            <a:r>
-              <a:rPr lang="en-US" dirty="0"/>
-              <a:t>Modeling</a:t>
-            </a:r>
-          </a:p>
-          <a:p>
-            <a:pPr lvl="1"/>
-            <a:r>
-              <a:rPr lang="en-US" dirty="0"/>
-              <a:t>Build model(s) on training sets</a:t>
-            </a:r>
-          </a:p>
-          <a:p>
-            <a:pPr lvl="1"/>
-            <a:r>
-              <a:rPr lang="en-US" dirty="0"/>
-              <a:t>Apply model(s) on test sets</a:t>
-            </a:r>
-          </a:p>
-          <a:p>
-            <a:pPr lvl="1"/>
-            <a:r>
-              <a:rPr lang="en-US" dirty="0"/>
-              <a:t>Calculate metric(s)</a:t>
-            </a:r>
-          </a:p>
-          <a:p>
-            <a:r>
-              <a:rPr lang="en-US" dirty="0"/>
-              <a:t>Model Selection</a:t>
-            </a:r>
-          </a:p>
-          <a:p>
-            <a:r>
-              <a:rPr lang="en-US" dirty="0"/>
-              <a:t>Field Trial</a:t>
-            </a:r>
-          </a:p>
-          <a:p>
-            <a:r>
-              <a:rPr lang="en-US" dirty="0"/>
-              <a:t>Deploy</a:t>
-            </a:r>
-          </a:p>
-          <a:p>
-            <a:r>
-              <a:rPr lang="en-US" dirty="0"/>
-              <a:t>Maintain</a:t>
-            </a:r>
-          </a:p>
-          <a:p>
-            <a:pPr lvl="1"/>
-            <a:endParaRPr lang="en-US" dirty="0"/>
-          </a:p>
-        </p:txBody>
-      </p:sp>
-      <p:sp>
-        <p:nvSpPr>
-          <p:cNvPr id="3" name="Title 2"/>
-          <p:cNvSpPr>
-            <a:spLocks noGrp="1"/>
-          </p:cNvSpPr>
-          <p:nvPr>
-            <p:ph type="title"/>
-          </p:nvPr>
-        </p:nvSpPr>
-        <p:spPr>
-          <a:xfrm>
-            <a:off x="0" y="174420"/>
-            <a:ext cx="12192000" cy="1143000"/>
-          </a:xfrm>
-        </p:spPr>
-        <p:txBody>
-          <a:bodyPr/>
-          <a:lstStyle/>
-          <a:p>
-            <a:r>
-              <a:rPr lang="en-US" dirty="0"/>
-              <a:t>What components does a pipeline have?</a:t>
-            </a:r>
-          </a:p>
-        </p:txBody>
-      </p:sp>
-    </p:spTree>
-    <p:extLst>
-      <p:ext uri="{BB962C8B-B14F-4D97-AF65-F5344CB8AC3E}">
-        <p14:creationId xmlns:p14="http://schemas.microsoft.com/office/powerpoint/2010/main" val="1297727290"/>
-      </p:ext>
-    </p:extLst>
-  </p:cSld>
-  <p:clrMapOvr>
-    <a:masterClrMapping/>
-  </p:clrMapOvr>
-</p:sld>
-</file>
-
-<file path=ppt/slides/slide9.xml><?xml version="1.0" encoding="utf-8"?>
-<p:sld xmlns:a="http://schemas.openxmlformats.org/drawingml/2006/main" xmlns:r="http://schemas.openxmlformats.org/officeDocument/2006/relationships" xmlns:p="http://schemas.openxmlformats.org/presentationml/2006/main">
-  <p:cSld>
-    <p:spTree>
-      <p:nvGrpSpPr>
-        <p:cNvPr id="1" name=""/>
-        <p:cNvGrpSpPr/>
-        <p:nvPr/>
-      </p:nvGrpSpPr>
-      <p:grpSpPr>
-        <a:xfrm>
-          <a:off x="0" y="0"/>
-          <a:ext cx="0" cy="0"/>
-          <a:chOff x="0" y="0"/>
-          <a:chExt cx="0" cy="0"/>
-        </a:xfrm>
-      </p:grpSpPr>
-      <p:sp>
-        <p:nvSpPr>
-          <p:cNvPr id="3" name="Title 2">
-            <a:extLst>
-              <a:ext uri="{FF2B5EF4-FFF2-40B4-BE49-F238E27FC236}">
-                <a16:creationId xmlns:a16="http://schemas.microsoft.com/office/drawing/2014/main" id="{671D4663-A85A-AE41-AB66-B2D89DB86556}"/>
-              </a:ext>
-            </a:extLst>
-          </p:cNvPr>
-          <p:cNvSpPr>
-            <a:spLocks noGrp="1"/>
-          </p:cNvSpPr>
-          <p:nvPr>
-            <p:ph type="title"/>
-          </p:nvPr>
-        </p:nvSpPr>
-        <p:spPr/>
-        <p:txBody>
-          <a:bodyPr/>
-          <a:lstStyle/>
-          <a:p>
-            <a:r>
-              <a:rPr lang="en-US" dirty="0"/>
-              <a:t>Things to keep in mind about each component</a:t>
-            </a:r>
-          </a:p>
-        </p:txBody>
-      </p:sp>
-      <p:sp>
-        <p:nvSpPr>
-          <p:cNvPr id="7" name="Rounded Rectangle 6">
-            <a:extLst>
-              <a:ext uri="{FF2B5EF4-FFF2-40B4-BE49-F238E27FC236}">
-                <a16:creationId xmlns:a16="http://schemas.microsoft.com/office/drawing/2014/main" id="{46EFA21E-4796-F741-8C42-862E5379F6D7}"/>
-              </a:ext>
-            </a:extLst>
-          </p:cNvPr>
-          <p:cNvSpPr/>
-          <p:nvPr/>
-        </p:nvSpPr>
-        <p:spPr>
-          <a:xfrm>
-            <a:off x="4151870" y="2842055"/>
-            <a:ext cx="4065373" cy="1890583"/>
-          </a:xfrm>
-          <a:prstGeom prst="roundRect">
-            <a:avLst/>
-          </a:prstGeom>
-          <a:solidFill>
-            <a:schemeClr val="accent1">
-              <a:lumMod val="40000"/>
-              <a:lumOff val="60000"/>
-            </a:schemeClr>
-          </a:solidFill>
-        </p:spPr>
-        <p:style>
-          <a:lnRef idx="2">
-            <a:schemeClr val="accent1">
-              <a:shade val="50000"/>
-            </a:schemeClr>
-          </a:lnRef>
-          <a:fillRef idx="1">
-            <a:schemeClr val="accent1"/>
-          </a:fillRef>
-          <a:effectRef idx="0">
-            <a:schemeClr val="accent1"/>
-          </a:effectRef>
-          <a:fontRef idx="minor">
-            <a:schemeClr val="lt1"/>
-          </a:fontRef>
-        </p:style>
-        <p:txBody>
-          <a:bodyPr rtlCol="0" anchor="ctr"/>
-          <a:lstStyle/>
-          <a:p>
-            <a:pPr algn="ctr"/>
-            <a:endParaRPr lang="en-US" dirty="0"/>
-          </a:p>
-        </p:txBody>
-      </p:sp>
-      <p:sp>
-        <p:nvSpPr>
-          <p:cNvPr id="8" name="Right Arrow 7">
-            <a:extLst>
-              <a:ext uri="{FF2B5EF4-FFF2-40B4-BE49-F238E27FC236}">
-                <a16:creationId xmlns:a16="http://schemas.microsoft.com/office/drawing/2014/main" id="{B713D5E0-D969-3F4B-ACF1-C5D315EB54BC}"/>
-              </a:ext>
-            </a:extLst>
-          </p:cNvPr>
-          <p:cNvSpPr/>
-          <p:nvPr/>
-        </p:nvSpPr>
-        <p:spPr>
-          <a:xfrm>
-            <a:off x="2496064" y="3429000"/>
-            <a:ext cx="1581664" cy="716692"/>
-          </a:xfrm>
-          <a:prstGeom prst="rightArrow">
-            <a:avLst/>
-          </a:prstGeom>
-          <a:solidFill>
-            <a:schemeClr val="accent1">
-              <a:lumMod val="40000"/>
-              <a:lumOff val="60000"/>
-            </a:schemeClr>
-          </a:solidFill>
-        </p:spPr>
-        <p:style>
-          <a:lnRef idx="2">
-            <a:schemeClr val="accent1">
-              <a:shade val="50000"/>
-            </a:schemeClr>
-          </a:lnRef>
-          <a:fillRef idx="1">
-            <a:schemeClr val="accent1"/>
-          </a:fillRef>
-          <a:effectRef idx="0">
-            <a:schemeClr val="accent1"/>
-          </a:effectRef>
-          <a:fontRef idx="minor">
-            <a:schemeClr val="lt1"/>
-          </a:fontRef>
-        </p:style>
-        <p:txBody>
-          <a:bodyPr rtlCol="0" anchor="ctr"/>
-          <a:lstStyle/>
-          <a:p>
-            <a:pPr algn="ctr"/>
-            <a:endParaRPr lang="en-US"/>
-          </a:p>
-        </p:txBody>
-      </p:sp>
-      <p:sp>
-        <p:nvSpPr>
-          <p:cNvPr id="9" name="Right Arrow 8">
-            <a:extLst>
-              <a:ext uri="{FF2B5EF4-FFF2-40B4-BE49-F238E27FC236}">
-                <a16:creationId xmlns:a16="http://schemas.microsoft.com/office/drawing/2014/main" id="{DA9EBE54-1611-3446-91C9-4C5A79244F6A}"/>
-              </a:ext>
-            </a:extLst>
-          </p:cNvPr>
-          <p:cNvSpPr/>
-          <p:nvPr/>
-        </p:nvSpPr>
-        <p:spPr>
-          <a:xfrm>
-            <a:off x="8320217" y="3429000"/>
-            <a:ext cx="1581664" cy="716692"/>
-          </a:xfrm>
-          <a:prstGeom prst="rightArrow">
-            <a:avLst/>
-          </a:prstGeom>
-          <a:solidFill>
-            <a:schemeClr val="accent1">
-              <a:lumMod val="40000"/>
-              <a:lumOff val="60000"/>
-            </a:schemeClr>
-          </a:solidFill>
-        </p:spPr>
-        <p:style>
-          <a:lnRef idx="2">
-            <a:schemeClr val="accent1">
-              <a:shade val="50000"/>
-            </a:schemeClr>
-          </a:lnRef>
-          <a:fillRef idx="1">
-            <a:schemeClr val="accent1"/>
-          </a:fillRef>
-          <a:effectRef idx="0">
-            <a:schemeClr val="accent1"/>
-          </a:effectRef>
-          <a:fontRef idx="minor">
-            <a:schemeClr val="lt1"/>
-          </a:fontRef>
-        </p:style>
-        <p:txBody>
-          <a:bodyPr rtlCol="0" anchor="ctr"/>
-          <a:lstStyle/>
-          <a:p>
-            <a:pPr algn="ctr"/>
-            <a:endParaRPr lang="en-US"/>
-          </a:p>
-        </p:txBody>
-      </p:sp>
-      <p:sp>
-        <p:nvSpPr>
-          <p:cNvPr id="10" name="Rectangle 9">
-            <a:extLst>
-              <a:ext uri="{FF2B5EF4-FFF2-40B4-BE49-F238E27FC236}">
-                <a16:creationId xmlns:a16="http://schemas.microsoft.com/office/drawing/2014/main" id="{A48AD4E3-95CD-F349-8A42-FCA7D590A713}"/>
-              </a:ext>
-            </a:extLst>
-          </p:cNvPr>
-          <p:cNvSpPr/>
-          <p:nvPr/>
-        </p:nvSpPr>
-        <p:spPr>
-          <a:xfrm>
-            <a:off x="130558" y="3600789"/>
-            <a:ext cx="3431058" cy="1323439"/>
-          </a:xfrm>
-          <a:prstGeom prst="rect">
-            <a:avLst/>
-          </a:prstGeom>
-        </p:spPr>
-        <p:txBody>
-          <a:bodyPr wrap="square">
-            <a:spAutoFit/>
-          </a:bodyPr>
-          <a:lstStyle/>
-          <a:p>
-            <a:pPr algn="ctr"/>
-            <a:r>
-              <a:rPr lang="en-US" sz="2000" b="1" dirty="0"/>
-              <a:t>Inputs</a:t>
-            </a:r>
-          </a:p>
-          <a:p>
-            <a:pPr algn="ctr"/>
-            <a:endParaRPr lang="en-US" sz="2000" b="1" dirty="0"/>
-          </a:p>
-          <a:p>
-            <a:pPr lvl="1"/>
-            <a:r>
-              <a:rPr lang="en-US" sz="2000" dirty="0"/>
-              <a:t>Data structures/format?</a:t>
-            </a:r>
-          </a:p>
-          <a:p>
-            <a:pPr lvl="1"/>
-            <a:r>
-              <a:rPr lang="en-US" sz="2000" dirty="0"/>
-              <a:t>Parameters/Configuration?</a:t>
-            </a:r>
-          </a:p>
-        </p:txBody>
-      </p:sp>
-      <p:sp>
-        <p:nvSpPr>
-          <p:cNvPr id="11" name="Rectangle 10">
-            <a:extLst>
-              <a:ext uri="{FF2B5EF4-FFF2-40B4-BE49-F238E27FC236}">
-                <a16:creationId xmlns:a16="http://schemas.microsoft.com/office/drawing/2014/main" id="{6CCD1160-7D29-574B-B77F-F3BA57FD80C7}"/>
-              </a:ext>
-            </a:extLst>
-          </p:cNvPr>
-          <p:cNvSpPr/>
-          <p:nvPr/>
-        </p:nvSpPr>
-        <p:spPr>
-          <a:xfrm>
-            <a:off x="8760942" y="3600789"/>
-            <a:ext cx="3431058" cy="1323439"/>
-          </a:xfrm>
-          <a:prstGeom prst="rect">
-            <a:avLst/>
-          </a:prstGeom>
-        </p:spPr>
-        <p:txBody>
-          <a:bodyPr wrap="square">
-            <a:spAutoFit/>
-          </a:bodyPr>
-          <a:lstStyle/>
-          <a:p>
-            <a:pPr algn="ctr"/>
-            <a:r>
-              <a:rPr lang="en-US" sz="2000" b="1" dirty="0"/>
-              <a:t>Outputs</a:t>
-            </a:r>
-          </a:p>
-          <a:p>
-            <a:pPr algn="ctr"/>
-            <a:endParaRPr lang="en-US" sz="2000" b="1" dirty="0"/>
-          </a:p>
-          <a:p>
-            <a:pPr lvl="1" algn="r"/>
-            <a:r>
-              <a:rPr lang="en-US" sz="2000" dirty="0"/>
-              <a:t>Data structures/format?</a:t>
-            </a:r>
-          </a:p>
-          <a:p>
-            <a:pPr lvl="1" algn="r"/>
-            <a:r>
-              <a:rPr lang="en-US" sz="2000" dirty="0"/>
-              <a:t>Store to disk/</a:t>
-            </a:r>
-            <a:r>
-              <a:rPr lang="en-US" sz="2000" dirty="0" err="1"/>
-              <a:t>db</a:t>
-            </a:r>
-            <a:r>
-              <a:rPr lang="en-US" sz="2000" dirty="0"/>
-              <a:t>?</a:t>
-            </a:r>
-          </a:p>
-        </p:txBody>
-      </p:sp>
-      <p:sp>
-        <p:nvSpPr>
-          <p:cNvPr id="12" name="Rectangle 11">
-            <a:extLst>
-              <a:ext uri="{FF2B5EF4-FFF2-40B4-BE49-F238E27FC236}">
-                <a16:creationId xmlns:a16="http://schemas.microsoft.com/office/drawing/2014/main" id="{3E13A319-AC37-1A47-AF21-FE4BEDD99614}"/>
-              </a:ext>
-            </a:extLst>
-          </p:cNvPr>
-          <p:cNvSpPr/>
-          <p:nvPr/>
-        </p:nvSpPr>
-        <p:spPr>
-          <a:xfrm>
-            <a:off x="4314569" y="3125626"/>
-            <a:ext cx="3729680" cy="1015663"/>
-          </a:xfrm>
-          <a:prstGeom prst="rect">
-            <a:avLst/>
-          </a:prstGeom>
-        </p:spPr>
-        <p:txBody>
-          <a:bodyPr wrap="square">
-            <a:spAutoFit/>
-          </a:bodyPr>
-          <a:lstStyle/>
-          <a:p>
-            <a:pPr algn="ctr"/>
-            <a:r>
-              <a:rPr lang="en-US" sz="2000" b="1" dirty="0"/>
-              <a:t>Processing</a:t>
-            </a:r>
-          </a:p>
-          <a:p>
-            <a:pPr algn="ctr"/>
-            <a:endParaRPr lang="en-US" sz="2000" b="1" dirty="0"/>
-          </a:p>
-          <a:p>
-            <a:pPr lvl="1" algn="ctr"/>
-            <a:r>
-              <a:rPr lang="en-US" sz="2000" dirty="0"/>
-              <a:t>Modular, extensible functions</a:t>
-            </a:r>
-          </a:p>
-        </p:txBody>
-      </p:sp>
-    </p:spTree>
-    <p:extLst>
-      <p:ext uri="{BB962C8B-B14F-4D97-AF65-F5344CB8AC3E}">
-        <p14:creationId xmlns:p14="http://schemas.microsoft.com/office/powerpoint/2010/main" val="1647432046"/>
       </p:ext>
     </p:extLst>
   </p:cSld>

--- a/04 - Machine Learning Pipelines/Machine-Learning-Pipelines.pptx
+++ b/04 - Machine Learning Pipelines/Machine-Learning-Pipelines.pptx
@@ -269,7 +269,7 @@
       <p15:sldGuideLst xmlns:p15="http://schemas.microsoft.com/office/powerpoint/2012/main"/>
     </p:ext>
     <p:ext uri="http://customooxmlschemas.google.com/">
-      <go:slidesCustomData xmlns:go="http://customooxmlschemas.google.com/" xmlns:p15="http://schemas.microsoft.com/office/powerpoint/2012/main" xmlns:p14="http://schemas.microsoft.com/office/powerpoint/2010/main" xmlns:com="http://schemas.openxmlformats.org/drawingml/2006/compatibility" xmlns:pvml="urn:schemas-microsoft-com:office:powerpoint" xmlns:v="urn:schemas-microsoft-com:vml" xmlns:o="urn:schemas-microsoft-com:office:office" xmlns:dgm="http://schemas.openxmlformats.org/drawingml/2006/diagram" xmlns:c="http://schemas.openxmlformats.org/drawingml/2006/chart" xmlns:mv="urn:schemas-microsoft-com:mac:vml" xmlns:mc="http://schemas.openxmlformats.org/markup-compatibility/2006" xmlns="" r:id="rId30" roundtripDataSignature="AMtx7mjFyVUGRZWio+dc9dxzYsimUxNJbg=="/>
+      <go:slidesCustomData xmlns="" xmlns:mc="http://schemas.openxmlformats.org/markup-compatibility/2006" xmlns:mv="urn:schemas-microsoft-com:mac:vml" xmlns:c="http://schemas.openxmlformats.org/drawingml/2006/chart" xmlns:dgm="http://schemas.openxmlformats.org/drawingml/2006/diagram" xmlns:o="urn:schemas-microsoft-com:office:office" xmlns:v="urn:schemas-microsoft-com:vml" xmlns:pvml="urn:schemas-microsoft-com:office:powerpoint" xmlns:com="http://schemas.openxmlformats.org/drawingml/2006/compatibility" xmlns:p14="http://schemas.microsoft.com/office/powerpoint/2010/main" xmlns:p15="http://schemas.microsoft.com/office/powerpoint/2012/main" xmlns:go="http://customooxmlschemas.google.com/" r:id="rId30" roundtripDataSignature="AMtx7mjFyVUGRZWio+dc9dxzYsimUxNJbg=="/>
     </p:ext>
   </p:extLst>
 </p:presentation>
@@ -15299,37 +15299,34 @@
           <a:lstStyle/>
           <a:p>
             <a:r>
+              <a:rPr lang="en-US" dirty="0">
+                <a:hlinkClick r:id="rId2"/>
+              </a:rPr>
+              <a:t>https://github.com/dssg/san_jose_housing/blob/master/example_experiment_config.yaml</a:t>
+            </a:r>
+            <a:r>
               <a:rPr lang="en-US" dirty="0"/>
-              <a:t>https://</a:t>
-            </a:r>
-            <a:r>
-              <a:rPr lang="en-US" dirty="0" err="1"/>
-              <a:t>github.com</a:t>
-            </a:r>
-            <a:r>
+              <a:t> (San Jose Housing – Private Repo)</a:t>
+            </a:r>
+            <a:br>
               <a:rPr lang="en-US" dirty="0"/>
-              <a:t>/</a:t>
-            </a:r>
-            <a:r>
-              <a:rPr lang="en-US" dirty="0" err="1"/>
-              <a:t>dssg</a:t>
+            </a:br>
+            <a:endParaRPr lang="en-US" dirty="0"/>
+          </a:p>
+          <a:p>
+            <a:r>
+              <a:rPr lang="en-US" dirty="0">
+                <a:hlinkClick r:id="rId3"/>
+              </a:rPr>
+              <a:t>https://github.com/dssg/direccion_trabajo_inspections/blob/master/experiments/test.yaml</a:t>
             </a:r>
             <a:r>
               <a:rPr lang="en-US" dirty="0"/>
-              <a:t>/</a:t>
-            </a:r>
-            <a:r>
-              <a:rPr lang="en-US" dirty="0" err="1"/>
-              <a:t>san_jose_housing</a:t>
-            </a:r>
-            <a:r>
+              <a:t> (Chile Workplace Inspections - Public Repo)</a:t>
+            </a:r>
+            <a:br>
               <a:rPr lang="en-US" dirty="0"/>
-              <a:t>/blob/master/</a:t>
-            </a:r>
-            <a:r>
-              <a:rPr lang="en-US" dirty="0" err="1"/>
-              <a:t>example_experiment_config.yaml</a:t>
-            </a:r>
+            </a:br>
             <a:endParaRPr lang="en-US" dirty="0"/>
           </a:p>
         </p:txBody>
